--- a/docs/sigmod16demo/figures/figs.pptx
+++ b/docs/sigmod16demo/figures/figs.pptx
@@ -114,7 +114,7 @@
   </p:defaultTextStyle>
   <p:extLst>
     <p:ext uri="{EFAFB233-063F-42B5-8137-9DF3F51BA10A}">
-      <p15:sldGuideLst xmlns:p15="http://schemas.microsoft.com/office/powerpoint/2012/main">
+      <p15:sldGuideLst xmlns:p15="http://schemas.microsoft.com/office/powerpoint/2012/main" xmlns="">
         <p15:guide id="1" orient="horz" pos="2160">
           <p15:clr>
             <a:srgbClr val="A4A3A4"/>
@@ -312,7 +312,7 @@
           <a:p>
             <a:fld id="{E53DFF73-D480-144E-A535-5E58F29F2980}" type="datetimeFigureOut">
               <a:rPr lang="en-US" smtClean="0"/>
-              <a:t>1/14/16</a:t>
+              <a:t>1/15/16</a:t>
             </a:fld>
             <a:endParaRPr lang="en-US"/>
           </a:p>
@@ -482,7 +482,7 @@
           <a:p>
             <a:fld id="{E53DFF73-D480-144E-A535-5E58F29F2980}" type="datetimeFigureOut">
               <a:rPr lang="en-US" smtClean="0"/>
-              <a:t>1/14/16</a:t>
+              <a:t>1/15/16</a:t>
             </a:fld>
             <a:endParaRPr lang="en-US"/>
           </a:p>
@@ -662,7 +662,7 @@
           <a:p>
             <a:fld id="{E53DFF73-D480-144E-A535-5E58F29F2980}" type="datetimeFigureOut">
               <a:rPr lang="en-US" smtClean="0"/>
-              <a:t>1/14/16</a:t>
+              <a:t>1/15/16</a:t>
             </a:fld>
             <a:endParaRPr lang="en-US"/>
           </a:p>
@@ -832,7 +832,7 @@
           <a:p>
             <a:fld id="{E53DFF73-D480-144E-A535-5E58F29F2980}" type="datetimeFigureOut">
               <a:rPr lang="en-US" smtClean="0"/>
-              <a:t>1/14/16</a:t>
+              <a:t>1/15/16</a:t>
             </a:fld>
             <a:endParaRPr lang="en-US"/>
           </a:p>
@@ -1078,7 +1078,7 @@
           <a:p>
             <a:fld id="{E53DFF73-D480-144E-A535-5E58F29F2980}" type="datetimeFigureOut">
               <a:rPr lang="en-US" smtClean="0"/>
-              <a:t>1/14/16</a:t>
+              <a:t>1/15/16</a:t>
             </a:fld>
             <a:endParaRPr lang="en-US"/>
           </a:p>
@@ -1366,7 +1366,7 @@
           <a:p>
             <a:fld id="{E53DFF73-D480-144E-A535-5E58F29F2980}" type="datetimeFigureOut">
               <a:rPr lang="en-US" smtClean="0"/>
-              <a:t>1/14/16</a:t>
+              <a:t>1/15/16</a:t>
             </a:fld>
             <a:endParaRPr lang="en-US"/>
           </a:p>
@@ -1788,7 +1788,7 @@
           <a:p>
             <a:fld id="{E53DFF73-D480-144E-A535-5E58F29F2980}" type="datetimeFigureOut">
               <a:rPr lang="en-US" smtClean="0"/>
-              <a:t>1/14/16</a:t>
+              <a:t>1/15/16</a:t>
             </a:fld>
             <a:endParaRPr lang="en-US"/>
           </a:p>
@@ -1906,7 +1906,7 @@
           <a:p>
             <a:fld id="{E53DFF73-D480-144E-A535-5E58F29F2980}" type="datetimeFigureOut">
               <a:rPr lang="en-US" smtClean="0"/>
-              <a:t>1/14/16</a:t>
+              <a:t>1/15/16</a:t>
             </a:fld>
             <a:endParaRPr lang="en-US"/>
           </a:p>
@@ -2001,7 +2001,7 @@
           <a:p>
             <a:fld id="{E53DFF73-D480-144E-A535-5E58F29F2980}" type="datetimeFigureOut">
               <a:rPr lang="en-US" smtClean="0"/>
-              <a:t>1/14/16</a:t>
+              <a:t>1/15/16</a:t>
             </a:fld>
             <a:endParaRPr lang="en-US"/>
           </a:p>
@@ -2278,7 +2278,7 @@
           <a:p>
             <a:fld id="{E53DFF73-D480-144E-A535-5E58F29F2980}" type="datetimeFigureOut">
               <a:rPr lang="en-US" smtClean="0"/>
-              <a:t>1/14/16</a:t>
+              <a:t>1/15/16</a:t>
             </a:fld>
             <a:endParaRPr lang="en-US"/>
           </a:p>
@@ -2531,7 +2531,7 @@
           <a:p>
             <a:fld id="{E53DFF73-D480-144E-A535-5E58F29F2980}" type="datetimeFigureOut">
               <a:rPr lang="en-US" smtClean="0"/>
-              <a:t>1/14/16</a:t>
+              <a:t>1/15/16</a:t>
             </a:fld>
             <a:endParaRPr lang="en-US"/>
           </a:p>
@@ -2744,7 +2744,7 @@
           <a:p>
             <a:fld id="{E53DFF73-D480-144E-A535-5E58F29F2980}" type="datetimeFigureOut">
               <a:rPr lang="en-US" smtClean="0"/>
-              <a:t>1/14/16</a:t>
+              <a:t>1/15/16</a:t>
             </a:fld>
             <a:endParaRPr lang="en-US"/>
           </a:p>
@@ -5768,7 +5768,7 @@
   <p:timing>
     <p:tnLst>
       <p:par>
-        <p:cTn id="1" dur="indefinite" restart="never" nodeType="tmRoot"/>
+        <p:cTn xmlns:p14="http://schemas.microsoft.com/office/powerpoint/2010/main" id="1" dur="indefinite" restart="never" nodeType="tmRoot"/>
       </p:par>
     </p:tnLst>
   </p:timing>
@@ -8441,7 +8441,7 @@
   <p:timing>
     <p:tnLst>
       <p:par>
-        <p:cTn id="1" dur="indefinite" restart="never" nodeType="tmRoot"/>
+        <p:cTn xmlns:p14="http://schemas.microsoft.com/office/powerpoint/2010/main" id="1" dur="indefinite" restart="never" nodeType="tmRoot"/>
       </p:par>
     </p:tnLst>
   </p:timing>
@@ -10371,7 +10371,7 @@
   <p:timing>
     <p:tnLst>
       <p:par>
-        <p:cTn id="1" dur="indefinite" restart="never" nodeType="tmRoot"/>
+        <p:cTn xmlns:p14="http://schemas.microsoft.com/office/powerpoint/2010/main" id="1" dur="indefinite" restart="never" nodeType="tmRoot"/>
       </p:par>
     </p:tnLst>
   </p:timing>
@@ -13015,7 +13015,7 @@
   <p:timing>
     <p:tnLst>
       <p:par>
-        <p:cTn id="1" dur="indefinite" restart="never" nodeType="tmRoot"/>
+        <p:cTn xmlns:p14="http://schemas.microsoft.com/office/powerpoint/2010/main" id="1" dur="indefinite" restart="never" nodeType="tmRoot"/>
       </p:par>
     </p:tnLst>
   </p:timing>
@@ -16297,7 +16297,7 @@
   <p:timing>
     <p:tnLst>
       <p:par>
-        <p:cTn id="1" dur="indefinite" restart="never" nodeType="tmRoot">
+        <p:cTn xmlns:p14="http://schemas.microsoft.com/office/powerpoint/2010/main" id="1" dur="indefinite" restart="never" nodeType="tmRoot">
           <p:childTnLst>
             <p:seq concurrent="1" nextAc="seek">
               <p:cTn id="2" dur="indefinite" nodeType="mainSeq">
@@ -19517,21 +19517,8 @@
                       <a:ea typeface="Consolas" charset="0"/>
                       <a:cs typeface="Consolas" charset="0"/>
                     </a:rPr>
-                    <a:t>UPDATE </a:t>
+                    <a:t>UPDATE Salary</a:t>
                   </a:r>
-                  <a:r>
-                    <a:rPr lang="en-US" sz="1600" dirty="0" smtClean="0">
-                      <a:latin typeface="Consolas" charset="0"/>
-                      <a:ea typeface="Consolas" charset="0"/>
-                      <a:cs typeface="Consolas" charset="0"/>
-                    </a:rPr>
-                    <a:t>Salary</a:t>
-                  </a:r>
-                  <a:endParaRPr lang="en-US" sz="1600" dirty="0" smtClean="0">
-                    <a:latin typeface="Consolas" charset="0"/>
-                    <a:ea typeface="Consolas" charset="0"/>
-                    <a:cs typeface="Consolas" charset="0"/>
-                  </a:endParaRPr>
                 </a:p>
                 <a:p>
                   <a:pPr marL="57150" indent="0">
@@ -19669,21 +19656,8 @@
                       <a:ea typeface="Consolas" charset="0"/>
                       <a:cs typeface="Consolas" charset="0"/>
                     </a:rPr>
-                    <a:t>UPDATE </a:t>
+                    <a:t>UPDATE Salary</a:t>
                   </a:r>
-                  <a:r>
-                    <a:rPr lang="en-US" sz="1600" dirty="0" smtClean="0">
-                      <a:latin typeface="Consolas" charset="0"/>
-                      <a:ea typeface="Consolas" charset="0"/>
-                      <a:cs typeface="Consolas" charset="0"/>
-                    </a:rPr>
-                    <a:t>Salary</a:t>
-                  </a:r>
-                  <a:endParaRPr lang="en-US" sz="1600" dirty="0" smtClean="0">
-                    <a:latin typeface="Consolas" charset="0"/>
-                    <a:ea typeface="Consolas" charset="0"/>
-                    <a:cs typeface="Consolas" charset="0"/>
-                  </a:endParaRPr>
                 </a:p>
                 <a:p>
                   <a:pPr marL="57150" indent="0">
@@ -19695,21 +19669,8 @@
                       <a:ea typeface="Consolas" charset="0"/>
                       <a:cs typeface="Consolas" charset="0"/>
                     </a:rPr>
-                    <a:t>SET </a:t>
+                    <a:t>SET pay=(1-rate/100)*income</a:t>
                   </a:r>
-                  <a:r>
-                    <a:rPr lang="en-US" sz="1600" dirty="0" smtClean="0">
-                      <a:latin typeface="Consolas" charset="0"/>
-                      <a:ea typeface="Consolas" charset="0"/>
-                      <a:cs typeface="Consolas" charset="0"/>
-                    </a:rPr>
-                    <a:t>pay=(1-rate/100)*income</a:t>
-                  </a:r>
-                  <a:endParaRPr lang="en-US" sz="1600" dirty="0" smtClean="0">
-                    <a:latin typeface="Consolas" charset="0"/>
-                    <a:ea typeface="Consolas" charset="0"/>
-                    <a:cs typeface="Consolas" charset="0"/>
-                  </a:endParaRPr>
                 </a:p>
               </p:txBody>
             </p:sp>
@@ -19802,21 +19763,8 @@
                       <a:ea typeface="Consolas" charset="0"/>
                       <a:cs typeface="Consolas" charset="0"/>
                     </a:rPr>
-                    <a:t>INSERT INTO </a:t>
+                    <a:t>INSERT INTO Salary VALUES</a:t>
                   </a:r>
-                  <a:r>
-                    <a:rPr lang="en-US" sz="1600" dirty="0" smtClean="0">
-                      <a:latin typeface="Consolas" charset="0"/>
-                      <a:ea typeface="Consolas" charset="0"/>
-                      <a:cs typeface="Consolas" charset="0"/>
-                    </a:rPr>
-                    <a:t>Salary VALUES</a:t>
-                  </a:r>
-                  <a:endParaRPr lang="en-US" sz="1600" dirty="0" smtClean="0">
-                    <a:latin typeface="Consolas" charset="0"/>
-                    <a:ea typeface="Consolas" charset="0"/>
-                    <a:cs typeface="Consolas" charset="0"/>
-                  </a:endParaRPr>
                 </a:p>
                 <a:p>
                   <a:pPr marL="57150" indent="0">
@@ -19828,15 +19776,7 @@
                       <a:ea typeface="Consolas" charset="0"/>
                       <a:cs typeface="Consolas" charset="0"/>
                     </a:rPr>
-                    <a:t>(4, 25, 86500, </a:t>
-                  </a:r>
-                  <a:r>
-                    <a:rPr lang="en-US" sz="1600" dirty="0" smtClean="0">
-                      <a:latin typeface="Consolas" charset="0"/>
-                      <a:ea typeface="Consolas" charset="0"/>
-                      <a:cs typeface="Consolas" charset="0"/>
-                    </a:rPr>
-                    <a:t>64875)</a:t>
+                    <a:t>(4, 25, 86500, 64875)</a:t>
                   </a:r>
                   <a:endParaRPr lang="en-US" sz="1600" dirty="0">
                     <a:latin typeface="Consolas" charset="0"/>
@@ -19921,11 +19861,6 @@
                 </a:rPr>
                 <a:t>Query Log: Q</a:t>
               </a:r>
-              <a:endParaRPr lang="en-US" sz="2400" dirty="0" smtClean="0">
-                <a:latin typeface="Alegreya" charset="0"/>
-                <a:ea typeface="Alegreya" charset="0"/>
-                <a:cs typeface="Alegreya" charset="0"/>
-              </a:endParaRPr>
             </a:p>
           </p:txBody>
         </p:sp>
@@ -19968,10 +19903,10 @@
         </p:nvGrpSpPr>
         <p:grpSpPr>
           <a:xfrm>
-            <a:off x="-467746" y="1976120"/>
-            <a:ext cx="3229336" cy="1980585"/>
+            <a:off x="932303" y="1144023"/>
+            <a:ext cx="3714875" cy="1980585"/>
             <a:chOff x="-1057026" y="1976120"/>
-            <a:chExt cx="3229336" cy="1980585"/>
+            <a:chExt cx="2979145" cy="1980585"/>
           </a:xfrm>
         </p:grpSpPr>
         <p:graphicFrame>
@@ -19981,12 +19916,16 @@
               <a:graphicFrameLocks/>
             </p:cNvGraphicFramePr>
             <p:nvPr>
-              <p:extLst/>
+              <p:extLst>
+                <p:ext uri="{D42A27DB-BD31-4B8C-83A1-F6EECF244321}">
+                  <p14:modId xmlns:p14="http://schemas.microsoft.com/office/powerpoint/2010/main" val="723899750"/>
+                </p:ext>
+              </p:extLst>
             </p:nvPr>
           </p:nvGraphicFramePr>
           <p:xfrm>
             <a:off x="-1057026" y="2493665"/>
-            <a:ext cx="3229336" cy="1463040"/>
+            <a:ext cx="2589767" cy="1463040"/>
           </p:xfrm>
           <a:graphic>
             <a:graphicData uri="http://schemas.openxmlformats.org/drawingml/2006/table">
@@ -19996,9 +19935,9 @@
                 </a:tblPr>
                 <a:tblGrid>
                   <a:gridCol w="613458"/>
-                  <a:gridCol w="613458"/>
-                  <a:gridCol w="995423"/>
-                  <a:gridCol w="1006997"/>
+                  <a:gridCol w="832287"/>
+                  <a:gridCol w="864745"/>
+                  <a:gridCol w="918846"/>
                 </a:tblGrid>
                 <a:tr h="287866">
                   <a:tc>
@@ -20100,7 +20039,7 @@
                             <a:latin typeface="Gill Sans"/>
                             <a:cs typeface="Gill Sans"/>
                           </a:rPr>
-                          <a:t>rate</a:t>
+                          <a:t>tax</a:t>
                         </a:r>
                         <a:endParaRPr lang="en-US" sz="1800" b="0" u="none" dirty="0">
                           <a:solidFill>
@@ -20426,7 +20365,7 @@
                             <a:latin typeface="Gill Sans"/>
                             <a:cs typeface="Gill Sans"/>
                           </a:rPr>
-                          <a:t>10</a:t>
+                          <a:t>950</a:t>
                         </a:r>
                         <a:endParaRPr lang="en-US" sz="1800" b="0" dirty="0">
                           <a:latin typeface="Gill Sans"/>
@@ -20708,7 +20647,7 @@
                             <a:latin typeface="Gill Sans"/>
                             <a:cs typeface="Gill Sans"/>
                           </a:rPr>
-                          <a:t>25</a:t>
+                          <a:t>22500</a:t>
                         </a:r>
                         <a:endParaRPr lang="en-US" sz="1800" b="0" dirty="0">
                           <a:latin typeface="Gill Sans"/>
@@ -20990,7 +20929,7 @@
                             <a:latin typeface="Gill Sans"/>
                             <a:cs typeface="Gill Sans"/>
                           </a:rPr>
-                          <a:t>25</a:t>
+                          <a:t>21500</a:t>
                         </a:r>
                         <a:endParaRPr lang="en-US" sz="1800" b="0" dirty="0">
                           <a:latin typeface="Gill Sans"/>
@@ -21241,1594 +21180,13 @@
       </p:grpSp>
       <p:grpSp>
         <p:nvGrpSpPr>
-          <p:cNvPr id="20" name="Group 19"/>
-          <p:cNvGrpSpPr/>
-          <p:nvPr/>
-        </p:nvGrpSpPr>
-        <p:grpSpPr>
-          <a:xfrm>
-            <a:off x="-467746" y="4236018"/>
-            <a:ext cx="3229336" cy="2346345"/>
-            <a:chOff x="6937632" y="1976120"/>
-            <a:chExt cx="3229336" cy="2346345"/>
-          </a:xfrm>
-        </p:grpSpPr>
-        <p:graphicFrame>
-          <p:nvGraphicFramePr>
-            <p:cNvPr id="3" name="Content Placeholder 3"/>
-            <p:cNvGraphicFramePr>
-              <a:graphicFrameLocks/>
-            </p:cNvGraphicFramePr>
-            <p:nvPr>
-              <p:extLst/>
-            </p:nvPr>
-          </p:nvGraphicFramePr>
-          <p:xfrm>
-            <a:off x="6937632" y="2493665"/>
-            <a:ext cx="3229336" cy="1828800"/>
-          </p:xfrm>
-          <a:graphic>
-            <a:graphicData uri="http://schemas.openxmlformats.org/drawingml/2006/table">
-              <a:tbl>
-                <a:tblPr firstRow="1" bandRow="1">
-                  <a:tableStyleId>{5A111915-BE36-4E01-A7E5-04B1672EAD32}</a:tableStyleId>
-                </a:tblPr>
-                <a:tblGrid>
-                  <a:gridCol w="613458"/>
-                  <a:gridCol w="613458"/>
-                  <a:gridCol w="995423"/>
-                  <a:gridCol w="1006997"/>
-                </a:tblGrid>
-                <a:tr h="287866">
-                  <a:tc>
-                    <a:txBody>
-                      <a:bodyPr/>
-                      <a:lstStyle/>
-                      <a:p>
-                        <a:pPr algn="ctr"/>
-                        <a:r>
-                          <a:rPr lang="en-US" sz="1800" b="0" u="none" dirty="0" smtClean="0">
-                            <a:solidFill>
-                              <a:schemeClr val="tx1"/>
-                            </a:solidFill>
-                            <a:latin typeface="Gill Sans"/>
-                            <a:cs typeface="Gill Sans"/>
-                          </a:rPr>
-                          <a:t>ID</a:t>
-                        </a:r>
-                        <a:endParaRPr lang="en-US" sz="1800" b="0" u="none" dirty="0">
-                          <a:solidFill>
-                            <a:schemeClr val="tx1"/>
-                          </a:solidFill>
-                          <a:latin typeface="Gill Sans"/>
-                          <a:cs typeface="Gill Sans"/>
-                        </a:endParaRPr>
-                      </a:p>
-                    </a:txBody>
-                    <a:tcPr>
-                      <a:lnL w="12700" cap="flat" cmpd="sng" algn="ctr">
-                        <a:solidFill>
-                          <a:prstClr val="white">
-                            <a:lumMod val="75000"/>
-                          </a:prstClr>
-                        </a:solidFill>
-                        <a:prstDash val="solid"/>
-                        <a:round/>
-                        <a:headEnd type="none" w="med" len="med"/>
-                        <a:tailEnd type="none" w="med" len="med"/>
-                      </a:lnL>
-                      <a:lnR w="12700" cap="flat" cmpd="sng" algn="ctr">
-                        <a:solidFill>
-                          <a:prstClr val="white">
-                            <a:lumMod val="75000"/>
-                          </a:prstClr>
-                        </a:solidFill>
-                        <a:prstDash val="solid"/>
-                        <a:round/>
-                        <a:headEnd type="none" w="med" len="med"/>
-                        <a:tailEnd type="none" w="med" len="med"/>
-                      </a:lnR>
-                      <a:lnT w="12700" cap="flat" cmpd="sng" algn="ctr">
-                        <a:solidFill>
-                          <a:prstClr val="white">
-                            <a:lumMod val="75000"/>
-                          </a:prstClr>
-                        </a:solidFill>
-                        <a:prstDash val="solid"/>
-                        <a:round/>
-                        <a:headEnd type="none" w="med" len="med"/>
-                        <a:tailEnd type="none" w="med" len="med"/>
-                      </a:lnT>
-                      <a:lnB w="12700" cap="flat" cmpd="sng" algn="ctr">
-                        <a:solidFill>
-                          <a:prstClr val="white">
-                            <a:lumMod val="75000"/>
-                          </a:prstClr>
-                        </a:solidFill>
-                        <a:prstDash val="solid"/>
-                        <a:round/>
-                        <a:headEnd type="none" w="med" len="med"/>
-                        <a:tailEnd type="none" w="med" len="med"/>
-                      </a:lnB>
-                      <a:lnTlToBr w="12700" cmpd="sng">
-                        <a:noFill/>
-                        <a:prstDash val="solid"/>
-                      </a:lnTlToBr>
-                      <a:lnBlToTr w="12700" cmpd="sng">
-                        <a:noFill/>
-                        <a:prstDash val="solid"/>
-                      </a:lnBlToTr>
-                      <a:solidFill>
-                        <a:schemeClr val="bg1">
-                          <a:lumMod val="75000"/>
-                        </a:schemeClr>
-                      </a:solidFill>
-                    </a:tcPr>
-                  </a:tc>
-                  <a:tc>
-                    <a:txBody>
-                      <a:bodyPr/>
-                      <a:lstStyle/>
-                      <a:p>
-                        <a:pPr algn="ctr"/>
-                        <a:r>
-                          <a:rPr lang="en-US" sz="1800" b="0" u="none" dirty="0" smtClean="0">
-                            <a:solidFill>
-                              <a:schemeClr val="tx1"/>
-                            </a:solidFill>
-                            <a:latin typeface="Gill Sans"/>
-                            <a:cs typeface="Gill Sans"/>
-                          </a:rPr>
-                          <a:t>rate</a:t>
-                        </a:r>
-                        <a:endParaRPr lang="en-US" sz="1800" b="0" u="none" dirty="0">
-                          <a:solidFill>
-                            <a:schemeClr val="tx1"/>
-                          </a:solidFill>
-                          <a:latin typeface="Gill Sans"/>
-                          <a:cs typeface="Gill Sans"/>
-                        </a:endParaRPr>
-                      </a:p>
-                    </a:txBody>
-                    <a:tcPr>
-                      <a:lnL w="12700" cap="flat" cmpd="sng" algn="ctr">
-                        <a:solidFill>
-                          <a:prstClr val="white">
-                            <a:lumMod val="75000"/>
-                          </a:prstClr>
-                        </a:solidFill>
-                        <a:prstDash val="solid"/>
-                        <a:round/>
-                        <a:headEnd type="none" w="med" len="med"/>
-                        <a:tailEnd type="none" w="med" len="med"/>
-                      </a:lnL>
-                      <a:lnR w="12700" cap="flat" cmpd="sng" algn="ctr">
-                        <a:solidFill>
-                          <a:prstClr val="white">
-                            <a:lumMod val="75000"/>
-                          </a:prstClr>
-                        </a:solidFill>
-                        <a:prstDash val="solid"/>
-                        <a:round/>
-                        <a:headEnd type="none" w="med" len="med"/>
-                        <a:tailEnd type="none" w="med" len="med"/>
-                      </a:lnR>
-                      <a:lnT w="12700" cap="flat" cmpd="sng" algn="ctr">
-                        <a:solidFill>
-                          <a:prstClr val="white">
-                            <a:lumMod val="75000"/>
-                          </a:prstClr>
-                        </a:solidFill>
-                        <a:prstDash val="solid"/>
-                        <a:round/>
-                        <a:headEnd type="none" w="med" len="med"/>
-                        <a:tailEnd type="none" w="med" len="med"/>
-                      </a:lnT>
-                      <a:lnB w="12700" cap="flat" cmpd="sng" algn="ctr">
-                        <a:solidFill>
-                          <a:prstClr val="white">
-                            <a:lumMod val="75000"/>
-                          </a:prstClr>
-                        </a:solidFill>
-                        <a:prstDash val="solid"/>
-                        <a:round/>
-                        <a:headEnd type="none" w="med" len="med"/>
-                        <a:tailEnd type="none" w="med" len="med"/>
-                      </a:lnB>
-                      <a:lnTlToBr w="12700" cmpd="sng">
-                        <a:noFill/>
-                        <a:prstDash val="solid"/>
-                      </a:lnTlToBr>
-                      <a:lnBlToTr w="12700" cmpd="sng">
-                        <a:noFill/>
-                        <a:prstDash val="solid"/>
-                      </a:lnBlToTr>
-                      <a:solidFill>
-                        <a:schemeClr val="bg1">
-                          <a:lumMod val="75000"/>
-                        </a:schemeClr>
-                      </a:solidFill>
-                    </a:tcPr>
-                  </a:tc>
-                  <a:tc>
-                    <a:txBody>
-                      <a:bodyPr/>
-                      <a:lstStyle/>
-                      <a:p>
-                        <a:pPr algn="ctr"/>
-                        <a:r>
-                          <a:rPr lang="en-US" sz="1800" b="0" u="none" dirty="0" smtClean="0">
-                            <a:solidFill>
-                              <a:schemeClr val="tx1"/>
-                            </a:solidFill>
-                            <a:latin typeface="Gill Sans"/>
-                            <a:cs typeface="Gill Sans"/>
-                          </a:rPr>
-                          <a:t>income</a:t>
-                        </a:r>
-                        <a:endParaRPr lang="en-US" sz="1800" b="0" u="none" dirty="0">
-                          <a:solidFill>
-                            <a:schemeClr val="tx1"/>
-                          </a:solidFill>
-                          <a:latin typeface="Gill Sans"/>
-                          <a:cs typeface="Gill Sans"/>
-                        </a:endParaRPr>
-                      </a:p>
-                    </a:txBody>
-                    <a:tcPr>
-                      <a:lnL w="12700" cap="flat" cmpd="sng" algn="ctr">
-                        <a:solidFill>
-                          <a:prstClr val="white">
-                            <a:lumMod val="75000"/>
-                          </a:prstClr>
-                        </a:solidFill>
-                        <a:prstDash val="solid"/>
-                        <a:round/>
-                        <a:headEnd type="none" w="med" len="med"/>
-                        <a:tailEnd type="none" w="med" len="med"/>
-                      </a:lnL>
-                      <a:lnR w="12700" cap="flat" cmpd="sng" algn="ctr">
-                        <a:solidFill>
-                          <a:prstClr val="white">
-                            <a:lumMod val="75000"/>
-                          </a:prstClr>
-                        </a:solidFill>
-                        <a:prstDash val="solid"/>
-                        <a:round/>
-                        <a:headEnd type="none" w="med" len="med"/>
-                        <a:tailEnd type="none" w="med" len="med"/>
-                      </a:lnR>
-                      <a:lnT w="12700" cap="flat" cmpd="sng" algn="ctr">
-                        <a:solidFill>
-                          <a:prstClr val="white">
-                            <a:lumMod val="75000"/>
-                          </a:prstClr>
-                        </a:solidFill>
-                        <a:prstDash val="solid"/>
-                        <a:round/>
-                        <a:headEnd type="none" w="med" len="med"/>
-                        <a:tailEnd type="none" w="med" len="med"/>
-                      </a:lnT>
-                      <a:lnB w="12700" cap="flat" cmpd="sng" algn="ctr">
-                        <a:solidFill>
-                          <a:prstClr val="white">
-                            <a:lumMod val="75000"/>
-                          </a:prstClr>
-                        </a:solidFill>
-                        <a:prstDash val="solid"/>
-                        <a:round/>
-                        <a:headEnd type="none" w="med" len="med"/>
-                        <a:tailEnd type="none" w="med" len="med"/>
-                      </a:lnB>
-                      <a:lnTlToBr w="12700" cmpd="sng">
-                        <a:noFill/>
-                        <a:prstDash val="solid"/>
-                      </a:lnTlToBr>
-                      <a:lnBlToTr w="12700" cmpd="sng">
-                        <a:noFill/>
-                        <a:prstDash val="solid"/>
-                      </a:lnBlToTr>
-                      <a:solidFill>
-                        <a:schemeClr val="bg1">
-                          <a:lumMod val="75000"/>
-                        </a:schemeClr>
-                      </a:solidFill>
-                    </a:tcPr>
-                  </a:tc>
-                  <a:tc>
-                    <a:txBody>
-                      <a:bodyPr/>
-                      <a:lstStyle/>
-                      <a:p>
-                        <a:pPr algn="ctr"/>
-                        <a:r>
-                          <a:rPr lang="en-US" sz="1800" b="0" u="none" dirty="0" smtClean="0">
-                            <a:solidFill>
-                              <a:schemeClr val="tx1"/>
-                            </a:solidFill>
-                            <a:latin typeface="Gill Sans"/>
-                            <a:cs typeface="Gill Sans"/>
-                          </a:rPr>
-                          <a:t>pay</a:t>
-                        </a:r>
-                        <a:endParaRPr lang="en-US" sz="1800" b="0" u="none" dirty="0">
-                          <a:solidFill>
-                            <a:schemeClr val="tx1"/>
-                          </a:solidFill>
-                          <a:latin typeface="Gill Sans"/>
-                          <a:cs typeface="Gill Sans"/>
-                        </a:endParaRPr>
-                      </a:p>
-                    </a:txBody>
-                    <a:tcPr>
-                      <a:lnL w="12700" cap="flat" cmpd="sng" algn="ctr">
-                        <a:solidFill>
-                          <a:prstClr val="white">
-                            <a:lumMod val="75000"/>
-                          </a:prstClr>
-                        </a:solidFill>
-                        <a:prstDash val="solid"/>
-                        <a:round/>
-                        <a:headEnd type="none" w="med" len="med"/>
-                        <a:tailEnd type="none" w="med" len="med"/>
-                      </a:lnL>
-                      <a:lnR w="12700" cap="flat" cmpd="sng" algn="ctr">
-                        <a:solidFill>
-                          <a:prstClr val="white">
-                            <a:lumMod val="75000"/>
-                          </a:prstClr>
-                        </a:solidFill>
-                        <a:prstDash val="solid"/>
-                        <a:round/>
-                        <a:headEnd type="none" w="med" len="med"/>
-                        <a:tailEnd type="none" w="med" len="med"/>
-                      </a:lnR>
-                      <a:lnT w="12700" cap="flat" cmpd="sng" algn="ctr">
-                        <a:solidFill>
-                          <a:prstClr val="white">
-                            <a:lumMod val="75000"/>
-                          </a:prstClr>
-                        </a:solidFill>
-                        <a:prstDash val="solid"/>
-                        <a:round/>
-                        <a:headEnd type="none" w="med" len="med"/>
-                        <a:tailEnd type="none" w="med" len="med"/>
-                      </a:lnT>
-                      <a:lnB w="12700" cap="flat" cmpd="sng" algn="ctr">
-                        <a:solidFill>
-                          <a:prstClr val="white">
-                            <a:lumMod val="75000"/>
-                          </a:prstClr>
-                        </a:solidFill>
-                        <a:prstDash val="solid"/>
-                        <a:round/>
-                        <a:headEnd type="none" w="med" len="med"/>
-                        <a:tailEnd type="none" w="med" len="med"/>
-                      </a:lnB>
-                      <a:lnTlToBr w="12700" cmpd="sng">
-                        <a:noFill/>
-                        <a:prstDash val="solid"/>
-                      </a:lnTlToBr>
-                      <a:lnBlToTr w="12700" cmpd="sng">
-                        <a:noFill/>
-                        <a:prstDash val="solid"/>
-                      </a:lnBlToTr>
-                      <a:solidFill>
-                        <a:schemeClr val="bg1">
-                          <a:lumMod val="75000"/>
-                        </a:schemeClr>
-                      </a:solidFill>
-                    </a:tcPr>
-                  </a:tc>
-                </a:tr>
-                <a:tr h="287866">
-                  <a:tc>
-                    <a:txBody>
-                      <a:bodyPr/>
-                      <a:lstStyle/>
-                      <a:p>
-                        <a:r>
-                          <a:rPr lang="en-US" sz="1800" b="0" dirty="0" smtClean="0">
-                            <a:latin typeface="Gill Sans"/>
-                            <a:cs typeface="Gill Sans"/>
-                          </a:rPr>
-                          <a:t>t1</a:t>
-                        </a:r>
-                        <a:endParaRPr lang="en-US" sz="1800" b="0" dirty="0">
-                          <a:latin typeface="Gill Sans"/>
-                          <a:cs typeface="Gill Sans"/>
-                        </a:endParaRPr>
-                      </a:p>
-                    </a:txBody>
-                    <a:tcPr>
-                      <a:lnL w="12700" cap="flat" cmpd="sng" algn="ctr">
-                        <a:solidFill>
-                          <a:prstClr val="white">
-                            <a:lumMod val="75000"/>
-                          </a:prstClr>
-                        </a:solidFill>
-                        <a:prstDash val="solid"/>
-                        <a:round/>
-                        <a:headEnd type="none" w="med" len="med"/>
-                        <a:tailEnd type="none" w="med" len="med"/>
-                      </a:lnL>
-                      <a:lnR w="12700" cap="flat" cmpd="sng" algn="ctr">
-                        <a:solidFill>
-                          <a:prstClr val="white">
-                            <a:lumMod val="75000"/>
-                          </a:prstClr>
-                        </a:solidFill>
-                        <a:prstDash val="solid"/>
-                        <a:round/>
-                        <a:headEnd type="none" w="med" len="med"/>
-                        <a:tailEnd type="none" w="med" len="med"/>
-                      </a:lnR>
-                      <a:lnT w="12700" cap="flat" cmpd="sng" algn="ctr">
-                        <a:solidFill>
-                          <a:prstClr val="white">
-                            <a:lumMod val="75000"/>
-                          </a:prstClr>
-                        </a:solidFill>
-                        <a:prstDash val="solid"/>
-                        <a:round/>
-                        <a:headEnd type="none" w="med" len="med"/>
-                        <a:tailEnd type="none" w="med" len="med"/>
-                      </a:lnT>
-                      <a:lnB w="12700" cap="flat" cmpd="sng" algn="ctr">
-                        <a:solidFill>
-                          <a:prstClr val="white">
-                            <a:lumMod val="75000"/>
-                          </a:prstClr>
-                        </a:solidFill>
-                        <a:prstDash val="solid"/>
-                        <a:round/>
-                        <a:headEnd type="none" w="med" len="med"/>
-                        <a:tailEnd type="none" w="med" len="med"/>
-                      </a:lnB>
-                      <a:lnTlToBr w="12700" cmpd="sng">
-                        <a:noFill/>
-                        <a:prstDash val="solid"/>
-                      </a:lnTlToBr>
-                      <a:lnBlToTr w="12700" cmpd="sng">
-                        <a:noFill/>
-                        <a:prstDash val="solid"/>
-                      </a:lnBlToTr>
-                    </a:tcPr>
-                  </a:tc>
-                  <a:tc>
-                    <a:txBody>
-                      <a:bodyPr/>
-                      <a:lstStyle/>
-                      <a:p>
-                        <a:r>
-                          <a:rPr lang="en-US" sz="1800" b="0" dirty="0" smtClean="0">
-                            <a:latin typeface="Gill Sans"/>
-                            <a:cs typeface="Gill Sans"/>
-                          </a:rPr>
-                          <a:t>10</a:t>
-                        </a:r>
-                        <a:endParaRPr lang="en-US" sz="1800" b="0" dirty="0">
-                          <a:latin typeface="Gill Sans"/>
-                          <a:cs typeface="Gill Sans"/>
-                        </a:endParaRPr>
-                      </a:p>
-                    </a:txBody>
-                    <a:tcPr>
-                      <a:lnL w="12700" cap="flat" cmpd="sng" algn="ctr">
-                        <a:solidFill>
-                          <a:prstClr val="white">
-                            <a:lumMod val="75000"/>
-                          </a:prstClr>
-                        </a:solidFill>
-                        <a:prstDash val="solid"/>
-                        <a:round/>
-                        <a:headEnd type="none" w="med" len="med"/>
-                        <a:tailEnd type="none" w="med" len="med"/>
-                      </a:lnL>
-                      <a:lnR w="12700" cap="flat" cmpd="sng" algn="ctr">
-                        <a:solidFill>
-                          <a:prstClr val="white">
-                            <a:lumMod val="75000"/>
-                          </a:prstClr>
-                        </a:solidFill>
-                        <a:prstDash val="solid"/>
-                        <a:round/>
-                        <a:headEnd type="none" w="med" len="med"/>
-                        <a:tailEnd type="none" w="med" len="med"/>
-                      </a:lnR>
-                      <a:lnT w="12700" cap="flat" cmpd="sng" algn="ctr">
-                        <a:solidFill>
-                          <a:prstClr val="white">
-                            <a:lumMod val="75000"/>
-                          </a:prstClr>
-                        </a:solidFill>
-                        <a:prstDash val="solid"/>
-                        <a:round/>
-                        <a:headEnd type="none" w="med" len="med"/>
-                        <a:tailEnd type="none" w="med" len="med"/>
-                      </a:lnT>
-                      <a:lnB w="12700" cap="flat" cmpd="sng" algn="ctr">
-                        <a:solidFill>
-                          <a:prstClr val="white">
-                            <a:lumMod val="75000"/>
-                          </a:prstClr>
-                        </a:solidFill>
-                        <a:prstDash val="solid"/>
-                        <a:round/>
-                        <a:headEnd type="none" w="med" len="med"/>
-                        <a:tailEnd type="none" w="med" len="med"/>
-                      </a:lnB>
-                      <a:lnTlToBr w="12700" cmpd="sng">
-                        <a:noFill/>
-                        <a:prstDash val="solid"/>
-                      </a:lnTlToBr>
-                      <a:lnBlToTr w="12700" cmpd="sng">
-                        <a:noFill/>
-                        <a:prstDash val="solid"/>
-                      </a:lnBlToTr>
-                    </a:tcPr>
-                  </a:tc>
-                  <a:tc>
-                    <a:txBody>
-                      <a:bodyPr/>
-                      <a:lstStyle/>
-                      <a:p>
-                        <a:r>
-                          <a:rPr lang="en-US" sz="1800" dirty="0" smtClean="0"/>
-                          <a:t>9500</a:t>
-                        </a:r>
-                        <a:endParaRPr lang="en-US" sz="1800" dirty="0"/>
-                      </a:p>
-                    </a:txBody>
-                    <a:tcPr>
-                      <a:lnL w="12700" cap="flat" cmpd="sng" algn="ctr">
-                        <a:solidFill>
-                          <a:prstClr val="white">
-                            <a:lumMod val="75000"/>
-                          </a:prstClr>
-                        </a:solidFill>
-                        <a:prstDash val="solid"/>
-                        <a:round/>
-                        <a:headEnd type="none" w="med" len="med"/>
-                        <a:tailEnd type="none" w="med" len="med"/>
-                      </a:lnL>
-                      <a:lnR w="12700" cap="flat" cmpd="sng" algn="ctr">
-                        <a:solidFill>
-                          <a:prstClr val="white">
-                            <a:lumMod val="75000"/>
-                          </a:prstClr>
-                        </a:solidFill>
-                        <a:prstDash val="solid"/>
-                        <a:round/>
-                        <a:headEnd type="none" w="med" len="med"/>
-                        <a:tailEnd type="none" w="med" len="med"/>
-                      </a:lnR>
-                      <a:lnT w="12700" cap="flat" cmpd="sng" algn="ctr">
-                        <a:solidFill>
-                          <a:prstClr val="white">
-                            <a:lumMod val="75000"/>
-                          </a:prstClr>
-                        </a:solidFill>
-                        <a:prstDash val="solid"/>
-                        <a:round/>
-                        <a:headEnd type="none" w="med" len="med"/>
-                        <a:tailEnd type="none" w="med" len="med"/>
-                      </a:lnT>
-                      <a:lnB w="12700" cap="flat" cmpd="sng" algn="ctr">
-                        <a:solidFill>
-                          <a:prstClr val="white">
-                            <a:lumMod val="75000"/>
-                          </a:prstClr>
-                        </a:solidFill>
-                        <a:prstDash val="solid"/>
-                        <a:round/>
-                        <a:headEnd type="none" w="med" len="med"/>
-                        <a:tailEnd type="none" w="med" len="med"/>
-                      </a:lnB>
-                      <a:lnTlToBr w="12700" cmpd="sng">
-                        <a:noFill/>
-                        <a:prstDash val="solid"/>
-                      </a:lnTlToBr>
-                      <a:lnBlToTr w="12700" cmpd="sng">
-                        <a:noFill/>
-                        <a:prstDash val="solid"/>
-                      </a:lnBlToTr>
-                    </a:tcPr>
-                  </a:tc>
-                  <a:tc>
-                    <a:txBody>
-                      <a:bodyPr/>
-                      <a:lstStyle/>
-                      <a:p>
-                        <a:r>
-                          <a:rPr lang="en-US" sz="1800" dirty="0" smtClean="0"/>
-                          <a:t>8550</a:t>
-                        </a:r>
-                        <a:endParaRPr lang="en-US" sz="1800" dirty="0"/>
-                      </a:p>
-                    </a:txBody>
-                    <a:tcPr>
-                      <a:lnL w="12700" cap="flat" cmpd="sng" algn="ctr">
-                        <a:solidFill>
-                          <a:prstClr val="white">
-                            <a:lumMod val="75000"/>
-                          </a:prstClr>
-                        </a:solidFill>
-                        <a:prstDash val="solid"/>
-                        <a:round/>
-                        <a:headEnd type="none" w="med" len="med"/>
-                        <a:tailEnd type="none" w="med" len="med"/>
-                      </a:lnL>
-                      <a:lnR w="12700" cap="flat" cmpd="sng" algn="ctr">
-                        <a:solidFill>
-                          <a:prstClr val="white">
-                            <a:lumMod val="75000"/>
-                          </a:prstClr>
-                        </a:solidFill>
-                        <a:prstDash val="solid"/>
-                        <a:round/>
-                        <a:headEnd type="none" w="med" len="med"/>
-                        <a:tailEnd type="none" w="med" len="med"/>
-                      </a:lnR>
-                      <a:lnT w="12700" cap="flat" cmpd="sng" algn="ctr">
-                        <a:solidFill>
-                          <a:prstClr val="white">
-                            <a:lumMod val="75000"/>
-                          </a:prstClr>
-                        </a:solidFill>
-                        <a:prstDash val="solid"/>
-                        <a:round/>
-                        <a:headEnd type="none" w="med" len="med"/>
-                        <a:tailEnd type="none" w="med" len="med"/>
-                      </a:lnT>
-                      <a:lnB w="12700" cap="flat" cmpd="sng" algn="ctr">
-                        <a:solidFill>
-                          <a:prstClr val="white">
-                            <a:lumMod val="75000"/>
-                          </a:prstClr>
-                        </a:solidFill>
-                        <a:prstDash val="solid"/>
-                        <a:round/>
-                        <a:headEnd type="none" w="med" len="med"/>
-                        <a:tailEnd type="none" w="med" len="med"/>
-                      </a:lnB>
-                      <a:lnTlToBr w="12700" cmpd="sng">
-                        <a:noFill/>
-                        <a:prstDash val="solid"/>
-                      </a:lnTlToBr>
-                      <a:lnBlToTr w="12700" cmpd="sng">
-                        <a:noFill/>
-                        <a:prstDash val="solid"/>
-                      </a:lnBlToTr>
-                    </a:tcPr>
-                  </a:tc>
-                </a:tr>
-                <a:tr h="287866">
-                  <a:tc>
-                    <a:txBody>
-                      <a:bodyPr/>
-                      <a:lstStyle/>
-                      <a:p>
-                        <a:r>
-                          <a:rPr lang="en-US" sz="1800" b="0" dirty="0" smtClean="0">
-                            <a:latin typeface="Gill Sans"/>
-                            <a:cs typeface="Gill Sans"/>
-                          </a:rPr>
-                          <a:t>t2</a:t>
-                        </a:r>
-                        <a:endParaRPr lang="en-US" sz="1800" b="0" dirty="0">
-                          <a:latin typeface="Gill Sans"/>
-                          <a:cs typeface="Gill Sans"/>
-                        </a:endParaRPr>
-                      </a:p>
-                    </a:txBody>
-                    <a:tcPr>
-                      <a:lnL w="12700" cap="flat" cmpd="sng" algn="ctr">
-                        <a:solidFill>
-                          <a:prstClr val="white">
-                            <a:lumMod val="75000"/>
-                          </a:prstClr>
-                        </a:solidFill>
-                        <a:prstDash val="solid"/>
-                        <a:round/>
-                        <a:headEnd type="none" w="med" len="med"/>
-                        <a:tailEnd type="none" w="med" len="med"/>
-                      </a:lnL>
-                      <a:lnR w="12700" cap="flat" cmpd="sng" algn="ctr">
-                        <a:solidFill>
-                          <a:prstClr val="white">
-                            <a:lumMod val="75000"/>
-                          </a:prstClr>
-                        </a:solidFill>
-                        <a:prstDash val="solid"/>
-                        <a:round/>
-                        <a:headEnd type="none" w="med" len="med"/>
-                        <a:tailEnd type="none" w="med" len="med"/>
-                      </a:lnR>
-                      <a:lnT w="12700" cap="flat" cmpd="sng" algn="ctr">
-                        <a:solidFill>
-                          <a:prstClr val="white">
-                            <a:lumMod val="75000"/>
-                          </a:prstClr>
-                        </a:solidFill>
-                        <a:prstDash val="solid"/>
-                        <a:round/>
-                        <a:headEnd type="none" w="med" len="med"/>
-                        <a:tailEnd type="none" w="med" len="med"/>
-                      </a:lnT>
-                      <a:lnB w="12700" cap="flat" cmpd="sng" algn="ctr">
-                        <a:solidFill>
-                          <a:prstClr val="white">
-                            <a:lumMod val="75000"/>
-                          </a:prstClr>
-                        </a:solidFill>
-                        <a:prstDash val="solid"/>
-                        <a:round/>
-                        <a:headEnd type="none" w="med" len="med"/>
-                        <a:tailEnd type="none" w="med" len="med"/>
-                      </a:lnB>
-                      <a:lnTlToBr w="12700" cmpd="sng">
-                        <a:noFill/>
-                        <a:prstDash val="solid"/>
-                      </a:lnTlToBr>
-                      <a:lnBlToTr w="12700" cmpd="sng">
-                        <a:noFill/>
-                        <a:prstDash val="solid"/>
-                      </a:lnBlToTr>
-                    </a:tcPr>
-                  </a:tc>
-                  <a:tc>
-                    <a:txBody>
-                      <a:bodyPr/>
-                      <a:lstStyle/>
-                      <a:p>
-                        <a:r>
-                          <a:rPr lang="en-US" sz="1800" b="0" dirty="0" smtClean="0">
-                            <a:latin typeface="Gill Sans"/>
-                            <a:cs typeface="Gill Sans"/>
-                          </a:rPr>
-                          <a:t>30</a:t>
-                        </a:r>
-                        <a:endParaRPr lang="en-US" sz="1800" b="0" dirty="0">
-                          <a:latin typeface="Gill Sans"/>
-                          <a:cs typeface="Gill Sans"/>
-                        </a:endParaRPr>
-                      </a:p>
-                    </a:txBody>
-                    <a:tcPr>
-                      <a:lnL w="12700" cap="flat" cmpd="sng" algn="ctr">
-                        <a:solidFill>
-                          <a:prstClr val="white">
-                            <a:lumMod val="75000"/>
-                          </a:prstClr>
-                        </a:solidFill>
-                        <a:prstDash val="solid"/>
-                        <a:round/>
-                        <a:headEnd type="none" w="med" len="med"/>
-                        <a:tailEnd type="none" w="med" len="med"/>
-                      </a:lnL>
-                      <a:lnR w="12700" cap="flat" cmpd="sng" algn="ctr">
-                        <a:solidFill>
-                          <a:prstClr val="white">
-                            <a:lumMod val="75000"/>
-                          </a:prstClr>
-                        </a:solidFill>
-                        <a:prstDash val="solid"/>
-                        <a:round/>
-                        <a:headEnd type="none" w="med" len="med"/>
-                        <a:tailEnd type="none" w="med" len="med"/>
-                      </a:lnR>
-                      <a:lnT w="12700" cap="flat" cmpd="sng" algn="ctr">
-                        <a:solidFill>
-                          <a:prstClr val="white">
-                            <a:lumMod val="75000"/>
-                          </a:prstClr>
-                        </a:solidFill>
-                        <a:prstDash val="solid"/>
-                        <a:round/>
-                        <a:headEnd type="none" w="med" len="med"/>
-                        <a:tailEnd type="none" w="med" len="med"/>
-                      </a:lnT>
-                      <a:lnB w="12700" cap="flat" cmpd="sng" algn="ctr">
-                        <a:solidFill>
-                          <a:prstClr val="white">
-                            <a:lumMod val="75000"/>
-                          </a:prstClr>
-                        </a:solidFill>
-                        <a:prstDash val="solid"/>
-                        <a:round/>
-                        <a:headEnd type="none" w="med" len="med"/>
-                        <a:tailEnd type="none" w="med" len="med"/>
-                      </a:lnB>
-                      <a:lnTlToBr w="12700" cmpd="sng">
-                        <a:noFill/>
-                        <a:prstDash val="solid"/>
-                      </a:lnTlToBr>
-                      <a:lnBlToTr w="12700" cmpd="sng">
-                        <a:noFill/>
-                        <a:prstDash val="solid"/>
-                      </a:lnBlToTr>
-                    </a:tcPr>
-                  </a:tc>
-                  <a:tc>
-                    <a:txBody>
-                      <a:bodyPr/>
-                      <a:lstStyle/>
-                      <a:p>
-                        <a:r>
-                          <a:rPr lang="en-US" sz="1800" dirty="0" smtClean="0"/>
-                          <a:t>90000</a:t>
-                        </a:r>
-                        <a:endParaRPr lang="en-US" sz="1800" dirty="0"/>
-                      </a:p>
-                    </a:txBody>
-                    <a:tcPr>
-                      <a:lnL w="12700" cap="flat" cmpd="sng" algn="ctr">
-                        <a:solidFill>
-                          <a:prstClr val="white">
-                            <a:lumMod val="75000"/>
-                          </a:prstClr>
-                        </a:solidFill>
-                        <a:prstDash val="solid"/>
-                        <a:round/>
-                        <a:headEnd type="none" w="med" len="med"/>
-                        <a:tailEnd type="none" w="med" len="med"/>
-                      </a:lnL>
-                      <a:lnR w="12700" cap="flat" cmpd="sng" algn="ctr">
-                        <a:solidFill>
-                          <a:prstClr val="white">
-                            <a:lumMod val="75000"/>
-                          </a:prstClr>
-                        </a:solidFill>
-                        <a:prstDash val="solid"/>
-                        <a:round/>
-                        <a:headEnd type="none" w="med" len="med"/>
-                        <a:tailEnd type="none" w="med" len="med"/>
-                      </a:lnR>
-                      <a:lnT w="12700" cap="flat" cmpd="sng" algn="ctr">
-                        <a:solidFill>
-                          <a:prstClr val="white">
-                            <a:lumMod val="75000"/>
-                          </a:prstClr>
-                        </a:solidFill>
-                        <a:prstDash val="solid"/>
-                        <a:round/>
-                        <a:headEnd type="none" w="med" len="med"/>
-                        <a:tailEnd type="none" w="med" len="med"/>
-                      </a:lnT>
-                      <a:lnB w="12700" cap="flat" cmpd="sng" algn="ctr">
-                        <a:solidFill>
-                          <a:prstClr val="white">
-                            <a:lumMod val="75000"/>
-                          </a:prstClr>
-                        </a:solidFill>
-                        <a:prstDash val="solid"/>
-                        <a:round/>
-                        <a:headEnd type="none" w="med" len="med"/>
-                        <a:tailEnd type="none" w="med" len="med"/>
-                      </a:lnB>
-                      <a:lnTlToBr w="12700" cmpd="sng">
-                        <a:noFill/>
-                        <a:prstDash val="solid"/>
-                      </a:lnTlToBr>
-                      <a:lnBlToTr w="12700" cmpd="sng">
-                        <a:noFill/>
-                        <a:prstDash val="solid"/>
-                      </a:lnBlToTr>
-                    </a:tcPr>
-                  </a:tc>
-                  <a:tc>
-                    <a:txBody>
-                      <a:bodyPr/>
-                      <a:lstStyle/>
-                      <a:p>
-                        <a:r>
-                          <a:rPr lang="en-US" sz="1800" dirty="0" smtClean="0"/>
-                          <a:t>63000</a:t>
-                        </a:r>
-                        <a:endParaRPr lang="en-US" sz="1800" dirty="0"/>
-                      </a:p>
-                    </a:txBody>
-                    <a:tcPr>
-                      <a:lnL w="12700" cap="flat" cmpd="sng" algn="ctr">
-                        <a:solidFill>
-                          <a:prstClr val="white">
-                            <a:lumMod val="75000"/>
-                          </a:prstClr>
-                        </a:solidFill>
-                        <a:prstDash val="solid"/>
-                        <a:round/>
-                        <a:headEnd type="none" w="med" len="med"/>
-                        <a:tailEnd type="none" w="med" len="med"/>
-                      </a:lnL>
-                      <a:lnR w="12700" cap="flat" cmpd="sng" algn="ctr">
-                        <a:solidFill>
-                          <a:prstClr val="white">
-                            <a:lumMod val="75000"/>
-                          </a:prstClr>
-                        </a:solidFill>
-                        <a:prstDash val="solid"/>
-                        <a:round/>
-                        <a:headEnd type="none" w="med" len="med"/>
-                        <a:tailEnd type="none" w="med" len="med"/>
-                      </a:lnR>
-                      <a:lnT w="12700" cap="flat" cmpd="sng" algn="ctr">
-                        <a:solidFill>
-                          <a:prstClr val="white">
-                            <a:lumMod val="75000"/>
-                          </a:prstClr>
-                        </a:solidFill>
-                        <a:prstDash val="solid"/>
-                        <a:round/>
-                        <a:headEnd type="none" w="med" len="med"/>
-                        <a:tailEnd type="none" w="med" len="med"/>
-                      </a:lnT>
-                      <a:lnB w="12700" cap="flat" cmpd="sng" algn="ctr">
-                        <a:solidFill>
-                          <a:prstClr val="white">
-                            <a:lumMod val="75000"/>
-                          </a:prstClr>
-                        </a:solidFill>
-                        <a:prstDash val="solid"/>
-                        <a:round/>
-                        <a:headEnd type="none" w="med" len="med"/>
-                        <a:tailEnd type="none" w="med" len="med"/>
-                      </a:lnB>
-                      <a:lnTlToBr w="12700" cmpd="sng">
-                        <a:noFill/>
-                        <a:prstDash val="solid"/>
-                      </a:lnTlToBr>
-                      <a:lnBlToTr w="12700" cmpd="sng">
-                        <a:noFill/>
-                        <a:prstDash val="solid"/>
-                      </a:lnBlToTr>
-                    </a:tcPr>
-                  </a:tc>
-                </a:tr>
-                <a:tr h="287866">
-                  <a:tc>
-                    <a:txBody>
-                      <a:bodyPr/>
-                      <a:lstStyle/>
-                      <a:p>
-                        <a:r>
-                          <a:rPr lang="en-US" sz="1800" b="0" dirty="0" smtClean="0">
-                            <a:latin typeface="Gill Sans"/>
-                            <a:cs typeface="Gill Sans"/>
-                          </a:rPr>
-                          <a:t>t3</a:t>
-                        </a:r>
-                        <a:endParaRPr lang="en-US" sz="1800" b="0" dirty="0">
-                          <a:latin typeface="Gill Sans"/>
-                          <a:cs typeface="Gill Sans"/>
-                        </a:endParaRPr>
-                      </a:p>
-                    </a:txBody>
-                    <a:tcPr>
-                      <a:lnL w="12700" cap="flat" cmpd="sng" algn="ctr">
-                        <a:solidFill>
-                          <a:prstClr val="white">
-                            <a:lumMod val="75000"/>
-                          </a:prstClr>
-                        </a:solidFill>
-                        <a:prstDash val="solid"/>
-                        <a:round/>
-                        <a:headEnd type="none" w="med" len="med"/>
-                        <a:tailEnd type="none" w="med" len="med"/>
-                      </a:lnL>
-                      <a:lnR w="12700" cap="flat" cmpd="sng" algn="ctr">
-                        <a:solidFill>
-                          <a:prstClr val="white">
-                            <a:lumMod val="75000"/>
-                          </a:prstClr>
-                        </a:solidFill>
-                        <a:prstDash val="solid"/>
-                        <a:round/>
-                        <a:headEnd type="none" w="med" len="med"/>
-                        <a:tailEnd type="none" w="med" len="med"/>
-                      </a:lnR>
-                      <a:lnT w="12700" cap="flat" cmpd="sng" algn="ctr">
-                        <a:solidFill>
-                          <a:prstClr val="white">
-                            <a:lumMod val="75000"/>
-                          </a:prstClr>
-                        </a:solidFill>
-                        <a:prstDash val="solid"/>
-                        <a:round/>
-                        <a:headEnd type="none" w="med" len="med"/>
-                        <a:tailEnd type="none" w="med" len="med"/>
-                      </a:lnT>
-                      <a:lnB w="12700" cap="flat" cmpd="sng" algn="ctr">
-                        <a:solidFill>
-                          <a:prstClr val="white">
-                            <a:lumMod val="75000"/>
-                          </a:prstClr>
-                        </a:solidFill>
-                        <a:prstDash val="solid"/>
-                        <a:round/>
-                        <a:headEnd type="none" w="med" len="med"/>
-                        <a:tailEnd type="none" w="med" len="med"/>
-                      </a:lnB>
-                      <a:lnTlToBr w="12700" cmpd="sng">
-                        <a:noFill/>
-                        <a:prstDash val="solid"/>
-                      </a:lnTlToBr>
-                      <a:lnBlToTr w="12700" cmpd="sng">
-                        <a:noFill/>
-                        <a:prstDash val="solid"/>
-                      </a:lnBlToTr>
-                    </a:tcPr>
-                  </a:tc>
-                  <a:tc>
-                    <a:txBody>
-                      <a:bodyPr/>
-                      <a:lstStyle/>
-                      <a:p>
-                        <a:r>
-                          <a:rPr lang="en-US" sz="1800" b="1" dirty="0" smtClean="0">
-                            <a:solidFill>
-                              <a:srgbClr val="DB2D35"/>
-                            </a:solidFill>
-                            <a:latin typeface="Gill Sans"/>
-                            <a:cs typeface="Gill Sans"/>
-                          </a:rPr>
-                          <a:t>30</a:t>
-                        </a:r>
-                        <a:endParaRPr lang="en-US" sz="1800" b="1" dirty="0">
-                          <a:solidFill>
-                            <a:srgbClr val="DB2D35"/>
-                          </a:solidFill>
-                          <a:latin typeface="Gill Sans"/>
-                          <a:cs typeface="Gill Sans"/>
-                        </a:endParaRPr>
-                      </a:p>
-                    </a:txBody>
-                    <a:tcPr>
-                      <a:lnL w="12700" cap="flat" cmpd="sng" algn="ctr">
-                        <a:solidFill>
-                          <a:prstClr val="white">
-                            <a:lumMod val="75000"/>
-                          </a:prstClr>
-                        </a:solidFill>
-                        <a:prstDash val="solid"/>
-                        <a:round/>
-                        <a:headEnd type="none" w="med" len="med"/>
-                        <a:tailEnd type="none" w="med" len="med"/>
-                      </a:lnL>
-                      <a:lnR w="12700" cap="flat" cmpd="sng" algn="ctr">
-                        <a:solidFill>
-                          <a:prstClr val="white">
-                            <a:lumMod val="75000"/>
-                          </a:prstClr>
-                        </a:solidFill>
-                        <a:prstDash val="solid"/>
-                        <a:round/>
-                        <a:headEnd type="none" w="med" len="med"/>
-                        <a:tailEnd type="none" w="med" len="med"/>
-                      </a:lnR>
-                      <a:lnT w="12700" cap="flat" cmpd="sng" algn="ctr">
-                        <a:solidFill>
-                          <a:prstClr val="white">
-                            <a:lumMod val="75000"/>
-                          </a:prstClr>
-                        </a:solidFill>
-                        <a:prstDash val="solid"/>
-                        <a:round/>
-                        <a:headEnd type="none" w="med" len="med"/>
-                        <a:tailEnd type="none" w="med" len="med"/>
-                      </a:lnT>
-                      <a:lnB w="12700" cap="flat" cmpd="sng" algn="ctr">
-                        <a:solidFill>
-                          <a:prstClr val="white">
-                            <a:lumMod val="75000"/>
-                          </a:prstClr>
-                        </a:solidFill>
-                        <a:prstDash val="solid"/>
-                        <a:round/>
-                        <a:headEnd type="none" w="med" len="med"/>
-                        <a:tailEnd type="none" w="med" len="med"/>
-                      </a:lnB>
-                      <a:lnTlToBr w="12700" cmpd="sng">
-                        <a:noFill/>
-                        <a:prstDash val="solid"/>
-                      </a:lnTlToBr>
-                      <a:lnBlToTr w="12700" cmpd="sng">
-                        <a:noFill/>
-                        <a:prstDash val="solid"/>
-                      </a:lnBlToTr>
-                    </a:tcPr>
-                  </a:tc>
-                  <a:tc>
-                    <a:txBody>
-                      <a:bodyPr/>
-                      <a:lstStyle/>
-                      <a:p>
-                        <a:r>
-                          <a:rPr lang="en-US" sz="1800" dirty="0" smtClean="0"/>
-                          <a:t>86000</a:t>
-                        </a:r>
-                        <a:endParaRPr lang="en-US" sz="1800" dirty="0"/>
-                      </a:p>
-                    </a:txBody>
-                    <a:tcPr>
-                      <a:lnL w="12700" cap="flat" cmpd="sng" algn="ctr">
-                        <a:solidFill>
-                          <a:prstClr val="white">
-                            <a:lumMod val="75000"/>
-                          </a:prstClr>
-                        </a:solidFill>
-                        <a:prstDash val="solid"/>
-                        <a:round/>
-                        <a:headEnd type="none" w="med" len="med"/>
-                        <a:tailEnd type="none" w="med" len="med"/>
-                      </a:lnL>
-                      <a:lnR w="12700" cap="flat" cmpd="sng" algn="ctr">
-                        <a:solidFill>
-                          <a:prstClr val="white">
-                            <a:lumMod val="75000"/>
-                          </a:prstClr>
-                        </a:solidFill>
-                        <a:prstDash val="solid"/>
-                        <a:round/>
-                        <a:headEnd type="none" w="med" len="med"/>
-                        <a:tailEnd type="none" w="med" len="med"/>
-                      </a:lnR>
-                      <a:lnT w="12700" cap="flat" cmpd="sng" algn="ctr">
-                        <a:solidFill>
-                          <a:prstClr val="white">
-                            <a:lumMod val="75000"/>
-                          </a:prstClr>
-                        </a:solidFill>
-                        <a:prstDash val="solid"/>
-                        <a:round/>
-                        <a:headEnd type="none" w="med" len="med"/>
-                        <a:tailEnd type="none" w="med" len="med"/>
-                      </a:lnT>
-                      <a:lnB w="12700" cap="flat" cmpd="sng" algn="ctr">
-                        <a:solidFill>
-                          <a:prstClr val="white">
-                            <a:lumMod val="75000"/>
-                          </a:prstClr>
-                        </a:solidFill>
-                        <a:prstDash val="solid"/>
-                        <a:round/>
-                        <a:headEnd type="none" w="med" len="med"/>
-                        <a:tailEnd type="none" w="med" len="med"/>
-                      </a:lnB>
-                      <a:lnTlToBr w="12700" cmpd="sng">
-                        <a:noFill/>
-                        <a:prstDash val="solid"/>
-                      </a:lnTlToBr>
-                      <a:lnBlToTr w="12700" cmpd="sng">
-                        <a:noFill/>
-                        <a:prstDash val="solid"/>
-                      </a:lnBlToTr>
-                    </a:tcPr>
-                  </a:tc>
-                  <a:tc>
-                    <a:txBody>
-                      <a:bodyPr/>
-                      <a:lstStyle/>
-                      <a:p>
-                        <a:r>
-                          <a:rPr lang="en-US" sz="1800" b="1" dirty="0" smtClean="0">
-                            <a:solidFill>
-                              <a:srgbClr val="DB2D35"/>
-                            </a:solidFill>
-                          </a:rPr>
-                          <a:t>60200</a:t>
-                        </a:r>
-                        <a:endParaRPr lang="en-US" sz="1800" b="1" dirty="0">
-                          <a:solidFill>
-                            <a:srgbClr val="DB2D35"/>
-                          </a:solidFill>
-                        </a:endParaRPr>
-                      </a:p>
-                    </a:txBody>
-                    <a:tcPr>
-                      <a:lnL w="12700" cap="flat" cmpd="sng" algn="ctr">
-                        <a:solidFill>
-                          <a:prstClr val="white">
-                            <a:lumMod val="75000"/>
-                          </a:prstClr>
-                        </a:solidFill>
-                        <a:prstDash val="solid"/>
-                        <a:round/>
-                        <a:headEnd type="none" w="med" len="med"/>
-                        <a:tailEnd type="none" w="med" len="med"/>
-                      </a:lnL>
-                      <a:lnR w="12700" cap="flat" cmpd="sng" algn="ctr">
-                        <a:solidFill>
-                          <a:prstClr val="white">
-                            <a:lumMod val="75000"/>
-                          </a:prstClr>
-                        </a:solidFill>
-                        <a:prstDash val="solid"/>
-                        <a:round/>
-                        <a:headEnd type="none" w="med" len="med"/>
-                        <a:tailEnd type="none" w="med" len="med"/>
-                      </a:lnR>
-                      <a:lnT w="12700" cap="flat" cmpd="sng" algn="ctr">
-                        <a:solidFill>
-                          <a:prstClr val="white">
-                            <a:lumMod val="75000"/>
-                          </a:prstClr>
-                        </a:solidFill>
-                        <a:prstDash val="solid"/>
-                        <a:round/>
-                        <a:headEnd type="none" w="med" len="med"/>
-                        <a:tailEnd type="none" w="med" len="med"/>
-                      </a:lnT>
-                      <a:lnB w="12700" cap="flat" cmpd="sng" algn="ctr">
-                        <a:solidFill>
-                          <a:prstClr val="white">
-                            <a:lumMod val="75000"/>
-                          </a:prstClr>
-                        </a:solidFill>
-                        <a:prstDash val="solid"/>
-                        <a:round/>
-                        <a:headEnd type="none" w="med" len="med"/>
-                        <a:tailEnd type="none" w="med" len="med"/>
-                      </a:lnB>
-                      <a:lnTlToBr w="12700" cmpd="sng">
-                        <a:noFill/>
-                        <a:prstDash val="solid"/>
-                      </a:lnTlToBr>
-                      <a:lnBlToTr w="12700" cmpd="sng">
-                        <a:noFill/>
-                        <a:prstDash val="solid"/>
-                      </a:lnBlToTr>
-                    </a:tcPr>
-                  </a:tc>
-                </a:tr>
-                <a:tr h="287866">
-                  <a:tc>
-                    <a:txBody>
-                      <a:bodyPr/>
-                      <a:lstStyle/>
-                      <a:p>
-                        <a:r>
-                          <a:rPr lang="en-US" sz="1800" b="0" dirty="0" smtClean="0">
-                            <a:latin typeface="Gill Sans"/>
-                            <a:cs typeface="Gill Sans"/>
-                          </a:rPr>
-                          <a:t>t4</a:t>
-                        </a:r>
-                        <a:endParaRPr lang="en-US" sz="1800" b="0" dirty="0">
-                          <a:latin typeface="Gill Sans"/>
-                          <a:cs typeface="Gill Sans"/>
-                        </a:endParaRPr>
-                      </a:p>
-                    </a:txBody>
-                    <a:tcPr>
-                      <a:lnL w="12700" cap="flat" cmpd="sng" algn="ctr">
-                        <a:solidFill>
-                          <a:prstClr val="white">
-                            <a:lumMod val="75000"/>
-                          </a:prstClr>
-                        </a:solidFill>
-                        <a:prstDash val="solid"/>
-                        <a:round/>
-                        <a:headEnd type="none" w="med" len="med"/>
-                        <a:tailEnd type="none" w="med" len="med"/>
-                      </a:lnL>
-                      <a:lnR w="12700" cap="flat" cmpd="sng" algn="ctr">
-                        <a:solidFill>
-                          <a:prstClr val="white">
-                            <a:lumMod val="75000"/>
-                          </a:prstClr>
-                        </a:solidFill>
-                        <a:prstDash val="solid"/>
-                        <a:round/>
-                        <a:headEnd type="none" w="med" len="med"/>
-                        <a:tailEnd type="none" w="med" len="med"/>
-                      </a:lnR>
-                      <a:lnT w="12700" cap="flat" cmpd="sng" algn="ctr">
-                        <a:solidFill>
-                          <a:prstClr val="white">
-                            <a:lumMod val="75000"/>
-                          </a:prstClr>
-                        </a:solidFill>
-                        <a:prstDash val="solid"/>
-                        <a:round/>
-                        <a:headEnd type="none" w="med" len="med"/>
-                        <a:tailEnd type="none" w="med" len="med"/>
-                      </a:lnT>
-                      <a:lnB w="12700" cap="flat" cmpd="sng" algn="ctr">
-                        <a:solidFill>
-                          <a:prstClr val="white">
-                            <a:lumMod val="75000"/>
-                          </a:prstClr>
-                        </a:solidFill>
-                        <a:prstDash val="solid"/>
-                        <a:round/>
-                        <a:headEnd type="none" w="med" len="med"/>
-                        <a:tailEnd type="none" w="med" len="med"/>
-                      </a:lnB>
-                      <a:lnTlToBr w="12700" cmpd="sng">
-                        <a:noFill/>
-                        <a:prstDash val="solid"/>
-                      </a:lnTlToBr>
-                      <a:lnBlToTr w="12700" cmpd="sng">
-                        <a:noFill/>
-                        <a:prstDash val="solid"/>
-                      </a:lnBlToTr>
-                    </a:tcPr>
-                  </a:tc>
-                  <a:tc>
-                    <a:txBody>
-                      <a:bodyPr/>
-                      <a:lstStyle/>
-                      <a:p>
-                        <a:r>
-                          <a:rPr lang="en-US" sz="1800" b="0" dirty="0" smtClean="0">
-                            <a:solidFill>
-                              <a:schemeClr val="tx1"/>
-                            </a:solidFill>
-                            <a:latin typeface="Gill Sans"/>
-                            <a:cs typeface="Gill Sans"/>
-                          </a:rPr>
-                          <a:t>25</a:t>
-                        </a:r>
-                        <a:endParaRPr lang="en-US" sz="1800" b="0" dirty="0">
-                          <a:solidFill>
-                            <a:schemeClr val="tx1"/>
-                          </a:solidFill>
-                          <a:latin typeface="Gill Sans"/>
-                          <a:cs typeface="Gill Sans"/>
-                        </a:endParaRPr>
-                      </a:p>
-                    </a:txBody>
-                    <a:tcPr>
-                      <a:lnL w="12700" cap="flat" cmpd="sng" algn="ctr">
-                        <a:solidFill>
-                          <a:prstClr val="white">
-                            <a:lumMod val="75000"/>
-                          </a:prstClr>
-                        </a:solidFill>
-                        <a:prstDash val="solid"/>
-                        <a:round/>
-                        <a:headEnd type="none" w="med" len="med"/>
-                        <a:tailEnd type="none" w="med" len="med"/>
-                      </a:lnL>
-                      <a:lnR w="12700" cap="flat" cmpd="sng" algn="ctr">
-                        <a:solidFill>
-                          <a:prstClr val="white">
-                            <a:lumMod val="75000"/>
-                          </a:prstClr>
-                        </a:solidFill>
-                        <a:prstDash val="solid"/>
-                        <a:round/>
-                        <a:headEnd type="none" w="med" len="med"/>
-                        <a:tailEnd type="none" w="med" len="med"/>
-                      </a:lnR>
-                      <a:lnT w="12700" cap="flat" cmpd="sng" algn="ctr">
-                        <a:solidFill>
-                          <a:prstClr val="white">
-                            <a:lumMod val="75000"/>
-                          </a:prstClr>
-                        </a:solidFill>
-                        <a:prstDash val="solid"/>
-                        <a:round/>
-                        <a:headEnd type="none" w="med" len="med"/>
-                        <a:tailEnd type="none" w="med" len="med"/>
-                      </a:lnT>
-                      <a:lnB w="12700" cap="flat" cmpd="sng" algn="ctr">
-                        <a:solidFill>
-                          <a:prstClr val="white">
-                            <a:lumMod val="75000"/>
-                          </a:prstClr>
-                        </a:solidFill>
-                        <a:prstDash val="solid"/>
-                        <a:round/>
-                        <a:headEnd type="none" w="med" len="med"/>
-                        <a:tailEnd type="none" w="med" len="med"/>
-                      </a:lnB>
-                      <a:lnTlToBr w="12700" cmpd="sng">
-                        <a:noFill/>
-                        <a:prstDash val="solid"/>
-                      </a:lnTlToBr>
-                      <a:lnBlToTr w="12700" cmpd="sng">
-                        <a:noFill/>
-                        <a:prstDash val="solid"/>
-                      </a:lnBlToTr>
-                    </a:tcPr>
-                  </a:tc>
-                  <a:tc>
-                    <a:txBody>
-                      <a:bodyPr/>
-                      <a:lstStyle/>
-                      <a:p>
-                        <a:r>
-                          <a:rPr lang="en-US" sz="1800" dirty="0" smtClean="0"/>
-                          <a:t>86500</a:t>
-                        </a:r>
-                        <a:endParaRPr lang="en-US" sz="1800" dirty="0"/>
-                      </a:p>
-                    </a:txBody>
-                    <a:tcPr>
-                      <a:lnL w="12700" cap="flat" cmpd="sng" algn="ctr">
-                        <a:solidFill>
-                          <a:prstClr val="white">
-                            <a:lumMod val="75000"/>
-                          </a:prstClr>
-                        </a:solidFill>
-                        <a:prstDash val="solid"/>
-                        <a:round/>
-                        <a:headEnd type="none" w="med" len="med"/>
-                        <a:tailEnd type="none" w="med" len="med"/>
-                      </a:lnL>
-                      <a:lnR w="12700" cap="flat" cmpd="sng" algn="ctr">
-                        <a:solidFill>
-                          <a:prstClr val="white">
-                            <a:lumMod val="75000"/>
-                          </a:prstClr>
-                        </a:solidFill>
-                        <a:prstDash val="solid"/>
-                        <a:round/>
-                        <a:headEnd type="none" w="med" len="med"/>
-                        <a:tailEnd type="none" w="med" len="med"/>
-                      </a:lnR>
-                      <a:lnT w="12700" cap="flat" cmpd="sng" algn="ctr">
-                        <a:solidFill>
-                          <a:prstClr val="white">
-                            <a:lumMod val="75000"/>
-                          </a:prstClr>
-                        </a:solidFill>
-                        <a:prstDash val="solid"/>
-                        <a:round/>
-                        <a:headEnd type="none" w="med" len="med"/>
-                        <a:tailEnd type="none" w="med" len="med"/>
-                      </a:lnT>
-                      <a:lnB w="12700" cap="flat" cmpd="sng" algn="ctr">
-                        <a:solidFill>
-                          <a:prstClr val="white">
-                            <a:lumMod val="75000"/>
-                          </a:prstClr>
-                        </a:solidFill>
-                        <a:prstDash val="solid"/>
-                        <a:round/>
-                        <a:headEnd type="none" w="med" len="med"/>
-                        <a:tailEnd type="none" w="med" len="med"/>
-                      </a:lnB>
-                      <a:lnTlToBr w="12700" cmpd="sng">
-                        <a:noFill/>
-                        <a:prstDash val="solid"/>
-                      </a:lnTlToBr>
-                      <a:lnBlToTr w="12700" cmpd="sng">
-                        <a:noFill/>
-                        <a:prstDash val="solid"/>
-                      </a:lnBlToTr>
-                    </a:tcPr>
-                  </a:tc>
-                  <a:tc>
-                    <a:txBody>
-                      <a:bodyPr/>
-                      <a:lstStyle/>
-                      <a:p>
-                        <a:r>
-                          <a:rPr lang="en-US" sz="1800" dirty="0" smtClean="0"/>
-                          <a:t>64875</a:t>
-                        </a:r>
-                        <a:endParaRPr lang="en-US" sz="1800" dirty="0"/>
-                      </a:p>
-                    </a:txBody>
-                    <a:tcPr>
-                      <a:lnL w="12700" cap="flat" cmpd="sng" algn="ctr">
-                        <a:solidFill>
-                          <a:prstClr val="white">
-                            <a:lumMod val="75000"/>
-                          </a:prstClr>
-                        </a:solidFill>
-                        <a:prstDash val="solid"/>
-                        <a:round/>
-                        <a:headEnd type="none" w="med" len="med"/>
-                        <a:tailEnd type="none" w="med" len="med"/>
-                      </a:lnL>
-                      <a:lnR w="12700" cap="flat" cmpd="sng" algn="ctr">
-                        <a:solidFill>
-                          <a:prstClr val="white">
-                            <a:lumMod val="75000"/>
-                          </a:prstClr>
-                        </a:solidFill>
-                        <a:prstDash val="solid"/>
-                        <a:round/>
-                        <a:headEnd type="none" w="med" len="med"/>
-                        <a:tailEnd type="none" w="med" len="med"/>
-                      </a:lnR>
-                      <a:lnT w="12700" cap="flat" cmpd="sng" algn="ctr">
-                        <a:solidFill>
-                          <a:prstClr val="white">
-                            <a:lumMod val="75000"/>
-                          </a:prstClr>
-                        </a:solidFill>
-                        <a:prstDash val="solid"/>
-                        <a:round/>
-                        <a:headEnd type="none" w="med" len="med"/>
-                        <a:tailEnd type="none" w="med" len="med"/>
-                      </a:lnT>
-                      <a:lnB w="12700" cap="flat" cmpd="sng" algn="ctr">
-                        <a:solidFill>
-                          <a:prstClr val="white">
-                            <a:lumMod val="75000"/>
-                          </a:prstClr>
-                        </a:solidFill>
-                        <a:prstDash val="solid"/>
-                        <a:round/>
-                        <a:headEnd type="none" w="med" len="med"/>
-                        <a:tailEnd type="none" w="med" len="med"/>
-                      </a:lnB>
-                      <a:lnTlToBr w="12700" cmpd="sng">
-                        <a:noFill/>
-                        <a:prstDash val="solid"/>
-                      </a:lnTlToBr>
-                      <a:lnBlToTr w="12700" cmpd="sng">
-                        <a:noFill/>
-                        <a:prstDash val="solid"/>
-                      </a:lnBlToTr>
-                    </a:tcPr>
-                  </a:tc>
-                </a:tr>
-              </a:tbl>
-            </a:graphicData>
-          </a:graphic>
-        </p:graphicFrame>
-        <p:sp>
-          <p:nvSpPr>
-            <p:cNvPr id="18" name="TextBox 17"/>
-            <p:cNvSpPr txBox="1"/>
-            <p:nvPr/>
-          </p:nvSpPr>
-          <p:spPr>
-            <a:xfrm>
-              <a:off x="7370887" y="1976120"/>
-              <a:ext cx="2432076" cy="461665"/>
-            </a:xfrm>
-            <a:prstGeom prst="rect">
-              <a:avLst/>
-            </a:prstGeom>
-            <a:noFill/>
-          </p:spPr>
-          <p:txBody>
-            <a:bodyPr wrap="none" rtlCol="0">
-              <a:spAutoFit/>
-            </a:bodyPr>
-            <a:lstStyle/>
-            <a:p>
-              <a:r>
-                <a:rPr lang="en-US" sz="2400" dirty="0" smtClean="0">
-                  <a:latin typeface="Alegreya" charset="0"/>
-                  <a:ea typeface="Alegreya" charset="0"/>
-                  <a:cs typeface="Alegreya" charset="0"/>
-                </a:rPr>
-                <a:t>Final database: D</a:t>
-              </a:r>
-              <a:r>
-                <a:rPr lang="en-US" sz="2400" baseline="-25000" dirty="0" smtClean="0">
-                  <a:latin typeface="Alegreya" charset="0"/>
-                  <a:ea typeface="Alegreya" charset="0"/>
-                  <a:cs typeface="Alegreya" charset="0"/>
-                </a:rPr>
-                <a:t>3</a:t>
-              </a:r>
-              <a:endParaRPr lang="en-US" sz="2400" dirty="0" smtClean="0">
-                <a:latin typeface="Alegreya" charset="0"/>
-                <a:ea typeface="Alegreya" charset="0"/>
-                <a:cs typeface="Alegreya" charset="0"/>
-              </a:endParaRPr>
-            </a:p>
-          </p:txBody>
-        </p:sp>
-      </p:grpSp>
-      <p:grpSp>
-        <p:nvGrpSpPr>
           <p:cNvPr id="13" name="Group 12"/>
           <p:cNvGrpSpPr/>
           <p:nvPr/>
         </p:nvGrpSpPr>
         <p:grpSpPr>
           <a:xfrm>
-            <a:off x="2964787" y="2493665"/>
+            <a:off x="4923974" y="1661568"/>
             <a:ext cx="2964307" cy="830997"/>
             <a:chOff x="2692400" y="2070720"/>
             <a:chExt cx="2964307" cy="830997"/>
@@ -22865,21 +21223,8 @@
                   <a:ea typeface="Consolas" charset="0"/>
                   <a:cs typeface="Consolas" charset="0"/>
                 </a:rPr>
-                <a:t>UPDATE </a:t>
+                <a:t>UPDATE Salary</a:t>
               </a:r>
-              <a:r>
-                <a:rPr lang="en-US" sz="1600" dirty="0" smtClean="0">
-                  <a:latin typeface="Consolas" charset="0"/>
-                  <a:ea typeface="Consolas" charset="0"/>
-                  <a:cs typeface="Consolas" charset="0"/>
-                </a:rPr>
-                <a:t>Salary</a:t>
-              </a:r>
-              <a:endParaRPr lang="en-US" sz="1600" dirty="0" smtClean="0">
-                <a:latin typeface="Consolas" charset="0"/>
-                <a:ea typeface="Consolas" charset="0"/>
-                <a:cs typeface="Consolas" charset="0"/>
-              </a:endParaRPr>
             </a:p>
             <a:p>
               <a:pPr marL="57150" indent="0">
@@ -22891,8 +21236,37 @@
                   <a:ea typeface="Consolas" charset="0"/>
                   <a:cs typeface="Consolas" charset="0"/>
                 </a:rPr>
-                <a:t>SET rate = 30</a:t>
+                <a:t>SET </a:t>
               </a:r>
+              <a:r>
+                <a:rPr lang="en-US" sz="1600" dirty="0" smtClean="0">
+                  <a:latin typeface="Consolas" charset="0"/>
+                  <a:ea typeface="Consolas" charset="0"/>
+                  <a:cs typeface="Consolas" charset="0"/>
+                </a:rPr>
+                <a:t>tax </a:t>
+              </a:r>
+              <a:r>
+                <a:rPr lang="en-US" sz="1600" dirty="0" smtClean="0">
+                  <a:latin typeface="Consolas" charset="0"/>
+                  <a:ea typeface="Consolas" charset="0"/>
+                  <a:cs typeface="Consolas" charset="0"/>
+                </a:rPr>
+                <a:t>= </a:t>
+              </a:r>
+              <a:r>
+                <a:rPr lang="en-US" sz="1600" dirty="0" smtClean="0">
+                  <a:latin typeface="Consolas" charset="0"/>
+                  <a:ea typeface="Consolas" charset="0"/>
+                  <a:cs typeface="Consolas" charset="0"/>
+                </a:rPr>
+                <a:t>0.3*income</a:t>
+              </a:r>
+              <a:endParaRPr lang="en-US" sz="1600" dirty="0" smtClean="0">
+                <a:latin typeface="Consolas" charset="0"/>
+                <a:ea typeface="Consolas" charset="0"/>
+                <a:cs typeface="Consolas" charset="0"/>
+              </a:endParaRPr>
             </a:p>
             <a:p>
               <a:pPr marL="57150" indent="0">
@@ -22980,10 +21354,10 @@
         </p:nvGrpSpPr>
         <p:grpSpPr>
           <a:xfrm>
-            <a:off x="2964787" y="4342519"/>
-            <a:ext cx="3749779" cy="584775"/>
+            <a:off x="4923974" y="3510422"/>
+            <a:ext cx="3150255" cy="584776"/>
             <a:chOff x="2692400" y="3294768"/>
-            <a:chExt cx="3749779" cy="584775"/>
+            <a:chExt cx="3150255" cy="584776"/>
           </a:xfrm>
         </p:grpSpPr>
         <p:sp>
@@ -22995,7 +21369,7 @@
           <p:spPr>
             <a:xfrm>
               <a:off x="3170129" y="3294768"/>
-              <a:ext cx="3272050" cy="584775"/>
+              <a:ext cx="2672526" cy="584776"/>
             </a:xfrm>
             <a:prstGeom prst="rect">
               <a:avLst/>
@@ -23017,21 +21391,8 @@
                   <a:ea typeface="Consolas" charset="0"/>
                   <a:cs typeface="Consolas" charset="0"/>
                 </a:rPr>
-                <a:t>UPDATE </a:t>
+                <a:t>UPDATE Salary</a:t>
               </a:r>
-              <a:r>
-                <a:rPr lang="en-US" sz="1600" dirty="0" smtClean="0">
-                  <a:latin typeface="Consolas" charset="0"/>
-                  <a:ea typeface="Consolas" charset="0"/>
-                  <a:cs typeface="Consolas" charset="0"/>
-                </a:rPr>
-                <a:t>Salary</a:t>
-              </a:r>
-              <a:endParaRPr lang="en-US" sz="1600" dirty="0" smtClean="0">
-                <a:latin typeface="Consolas" charset="0"/>
-                <a:ea typeface="Consolas" charset="0"/>
-                <a:cs typeface="Consolas" charset="0"/>
-              </a:endParaRPr>
             </a:p>
             <a:p>
               <a:pPr marL="57150" indent="0">
@@ -23051,7 +21412,23 @@
                   <a:ea typeface="Consolas" charset="0"/>
                   <a:cs typeface="Consolas" charset="0"/>
                 </a:rPr>
-                <a:t>pay=(1-rate/100)*income</a:t>
+                <a:t>pay</a:t>
+              </a:r>
+              <a:r>
+                <a:rPr lang="en-US" sz="1600" dirty="0">
+                  <a:latin typeface="Consolas" charset="0"/>
+                  <a:ea typeface="Consolas" charset="0"/>
+                  <a:cs typeface="Consolas" charset="0"/>
+                </a:rPr>
+                <a:t> </a:t>
+              </a:r>
+              <a:r>
+                <a:rPr lang="en-US" sz="1600" dirty="0" smtClean="0">
+                  <a:latin typeface="Consolas" charset="0"/>
+                  <a:ea typeface="Consolas" charset="0"/>
+                  <a:cs typeface="Consolas" charset="0"/>
+                </a:rPr>
+                <a:t>= income - tax</a:t>
               </a:r>
               <a:endParaRPr lang="en-US" sz="1600" dirty="0" smtClean="0">
                 <a:latin typeface="Consolas" charset="0"/>
@@ -23113,7 +21490,7 @@
         </p:nvGrpSpPr>
         <p:grpSpPr>
           <a:xfrm>
-            <a:off x="2964787" y="5945151"/>
+            <a:off x="4923974" y="5113054"/>
             <a:ext cx="3525358" cy="584775"/>
             <a:chOff x="2692400" y="4292846"/>
             <a:chExt cx="3525358" cy="584775"/>
@@ -23150,21 +21527,8 @@
                   <a:ea typeface="Consolas" charset="0"/>
                   <a:cs typeface="Consolas" charset="0"/>
                 </a:rPr>
-                <a:t>INSERT INTO </a:t>
+                <a:t>INSERT INTO Salary VALUES</a:t>
               </a:r>
-              <a:r>
-                <a:rPr lang="en-US" sz="1600" dirty="0" smtClean="0">
-                  <a:latin typeface="Consolas" charset="0"/>
-                  <a:ea typeface="Consolas" charset="0"/>
-                  <a:cs typeface="Consolas" charset="0"/>
-                </a:rPr>
-                <a:t>Salary VALUES</a:t>
-              </a:r>
-              <a:endParaRPr lang="en-US" sz="1600" dirty="0" smtClean="0">
-                <a:latin typeface="Consolas" charset="0"/>
-                <a:ea typeface="Consolas" charset="0"/>
-                <a:cs typeface="Consolas" charset="0"/>
-              </a:endParaRPr>
             </a:p>
             <a:p>
               <a:pPr marL="57150" indent="0">
@@ -23176,7 +21540,7 @@
                   <a:ea typeface="Consolas" charset="0"/>
                   <a:cs typeface="Consolas" charset="0"/>
                 </a:rPr>
-                <a:t>(4, 25, 86500, </a:t>
+                <a:t>(4, </a:t>
               </a:r>
               <a:r>
                 <a:rPr lang="en-US" sz="1600" dirty="0" smtClean="0">
@@ -23184,7 +21548,23 @@
                   <a:ea typeface="Consolas" charset="0"/>
                   <a:cs typeface="Consolas" charset="0"/>
                 </a:rPr>
-                <a:t>64875)</a:t>
+                <a:t>21625</a:t>
+              </a:r>
+              <a:r>
+                <a:rPr lang="en-US" sz="1600" dirty="0" smtClean="0">
+                  <a:latin typeface="Consolas" charset="0"/>
+                  <a:ea typeface="Consolas" charset="0"/>
+                  <a:cs typeface="Consolas" charset="0"/>
+                </a:rPr>
+                <a:t>, </a:t>
+              </a:r>
+              <a:r>
+                <a:rPr lang="en-US" sz="1600" dirty="0" smtClean="0">
+                  <a:latin typeface="Consolas" charset="0"/>
+                  <a:ea typeface="Consolas" charset="0"/>
+                  <a:cs typeface="Consolas" charset="0"/>
+                </a:rPr>
+                <a:t>86500, 64875)</a:t>
               </a:r>
               <a:endParaRPr lang="en-US" sz="1600" dirty="0">
                 <a:latin typeface="Consolas" charset="0"/>
@@ -23246,7 +21626,7 @@
         </p:nvSpPr>
         <p:spPr>
           <a:xfrm>
-            <a:off x="3825328" y="1976120"/>
+            <a:off x="5784515" y="1144023"/>
             <a:ext cx="1838965" cy="461665"/>
           </a:xfrm>
           <a:prstGeom prst="rect">
@@ -23268,14 +21648,1513 @@
               </a:rPr>
               <a:t>Query Log: Q</a:t>
             </a:r>
-            <a:endParaRPr lang="en-US" sz="2400" dirty="0" smtClean="0">
-              <a:latin typeface="Alegreya" charset="0"/>
-              <a:ea typeface="Alegreya" charset="0"/>
-              <a:cs typeface="Alegreya" charset="0"/>
-            </a:endParaRPr>
           </a:p>
         </p:txBody>
       </p:sp>
+      <p:graphicFrame>
+        <p:nvGraphicFramePr>
+          <p:cNvPr id="22" name="Content Placeholder 3"/>
+          <p:cNvGraphicFramePr>
+            <a:graphicFrameLocks/>
+          </p:cNvGraphicFramePr>
+          <p:nvPr>
+            <p:extLst>
+              <p:ext uri="{D42A27DB-BD31-4B8C-83A1-F6EECF244321}">
+                <p14:modId xmlns:p14="http://schemas.microsoft.com/office/powerpoint/2010/main" val="393674626"/>
+              </p:ext>
+            </p:extLst>
+          </p:nvPr>
+        </p:nvGraphicFramePr>
+        <p:xfrm>
+          <a:off x="932303" y="4002865"/>
+          <a:ext cx="3229336" cy="1828800"/>
+        </p:xfrm>
+        <a:graphic>
+          <a:graphicData uri="http://schemas.openxmlformats.org/drawingml/2006/table">
+            <a:tbl>
+              <a:tblPr firstRow="1" bandRow="1">
+                <a:tableStyleId>{5A111915-BE36-4E01-A7E5-04B1672EAD32}</a:tableStyleId>
+              </a:tblPr>
+              <a:tblGrid>
+                <a:gridCol w="613458"/>
+                <a:gridCol w="832287"/>
+                <a:gridCol w="864745"/>
+                <a:gridCol w="918846"/>
+              </a:tblGrid>
+              <a:tr h="287866">
+                <a:tc>
+                  <a:txBody>
+                    <a:bodyPr/>
+                    <a:lstStyle/>
+                    <a:p>
+                      <a:pPr algn="ctr"/>
+                      <a:r>
+                        <a:rPr lang="en-US" sz="1800" b="0" u="none" dirty="0" smtClean="0">
+                          <a:solidFill>
+                            <a:schemeClr val="tx1"/>
+                          </a:solidFill>
+                          <a:latin typeface="Gill Sans"/>
+                          <a:cs typeface="Gill Sans"/>
+                        </a:rPr>
+                        <a:t>ID</a:t>
+                      </a:r>
+                      <a:endParaRPr lang="en-US" sz="1800" b="0" u="none" dirty="0">
+                        <a:solidFill>
+                          <a:schemeClr val="tx1"/>
+                        </a:solidFill>
+                        <a:latin typeface="Gill Sans"/>
+                        <a:cs typeface="Gill Sans"/>
+                      </a:endParaRPr>
+                    </a:p>
+                  </a:txBody>
+                  <a:tcPr>
+                    <a:lnL w="12700" cap="flat" cmpd="sng" algn="ctr">
+                      <a:solidFill>
+                        <a:prstClr val="white">
+                          <a:lumMod val="75000"/>
+                        </a:prstClr>
+                      </a:solidFill>
+                      <a:prstDash val="solid"/>
+                      <a:round/>
+                      <a:headEnd type="none" w="med" len="med"/>
+                      <a:tailEnd type="none" w="med" len="med"/>
+                    </a:lnL>
+                    <a:lnR w="12700" cap="flat" cmpd="sng" algn="ctr">
+                      <a:solidFill>
+                        <a:prstClr val="white">
+                          <a:lumMod val="75000"/>
+                        </a:prstClr>
+                      </a:solidFill>
+                      <a:prstDash val="solid"/>
+                      <a:round/>
+                      <a:headEnd type="none" w="med" len="med"/>
+                      <a:tailEnd type="none" w="med" len="med"/>
+                    </a:lnR>
+                    <a:lnT w="12700" cap="flat" cmpd="sng" algn="ctr">
+                      <a:solidFill>
+                        <a:prstClr val="white">
+                          <a:lumMod val="75000"/>
+                        </a:prstClr>
+                      </a:solidFill>
+                      <a:prstDash val="solid"/>
+                      <a:round/>
+                      <a:headEnd type="none" w="med" len="med"/>
+                      <a:tailEnd type="none" w="med" len="med"/>
+                    </a:lnT>
+                    <a:lnB w="12700" cap="flat" cmpd="sng" algn="ctr">
+                      <a:solidFill>
+                        <a:prstClr val="white">
+                          <a:lumMod val="75000"/>
+                        </a:prstClr>
+                      </a:solidFill>
+                      <a:prstDash val="solid"/>
+                      <a:round/>
+                      <a:headEnd type="none" w="med" len="med"/>
+                      <a:tailEnd type="none" w="med" len="med"/>
+                    </a:lnB>
+                    <a:lnTlToBr w="12700" cmpd="sng">
+                      <a:noFill/>
+                      <a:prstDash val="solid"/>
+                    </a:lnTlToBr>
+                    <a:lnBlToTr w="12700" cmpd="sng">
+                      <a:noFill/>
+                      <a:prstDash val="solid"/>
+                    </a:lnBlToTr>
+                    <a:solidFill>
+                      <a:schemeClr val="bg1">
+                        <a:lumMod val="75000"/>
+                      </a:schemeClr>
+                    </a:solidFill>
+                  </a:tcPr>
+                </a:tc>
+                <a:tc>
+                  <a:txBody>
+                    <a:bodyPr/>
+                    <a:lstStyle/>
+                    <a:p>
+                      <a:pPr algn="ctr"/>
+                      <a:r>
+                        <a:rPr lang="en-US" sz="1800" b="0" u="none" dirty="0" smtClean="0">
+                          <a:solidFill>
+                            <a:schemeClr val="tx1"/>
+                          </a:solidFill>
+                          <a:latin typeface="Gill Sans"/>
+                          <a:cs typeface="Gill Sans"/>
+                        </a:rPr>
+                        <a:t>tax</a:t>
+                      </a:r>
+                      <a:endParaRPr lang="en-US" sz="1800" b="0" u="none" dirty="0">
+                        <a:solidFill>
+                          <a:schemeClr val="tx1"/>
+                        </a:solidFill>
+                        <a:latin typeface="Gill Sans"/>
+                        <a:cs typeface="Gill Sans"/>
+                      </a:endParaRPr>
+                    </a:p>
+                  </a:txBody>
+                  <a:tcPr>
+                    <a:lnL w="12700" cap="flat" cmpd="sng" algn="ctr">
+                      <a:solidFill>
+                        <a:prstClr val="white">
+                          <a:lumMod val="75000"/>
+                        </a:prstClr>
+                      </a:solidFill>
+                      <a:prstDash val="solid"/>
+                      <a:round/>
+                      <a:headEnd type="none" w="med" len="med"/>
+                      <a:tailEnd type="none" w="med" len="med"/>
+                    </a:lnL>
+                    <a:lnR w="12700" cap="flat" cmpd="sng" algn="ctr">
+                      <a:solidFill>
+                        <a:prstClr val="white">
+                          <a:lumMod val="75000"/>
+                        </a:prstClr>
+                      </a:solidFill>
+                      <a:prstDash val="solid"/>
+                      <a:round/>
+                      <a:headEnd type="none" w="med" len="med"/>
+                      <a:tailEnd type="none" w="med" len="med"/>
+                    </a:lnR>
+                    <a:lnT w="12700" cap="flat" cmpd="sng" algn="ctr">
+                      <a:solidFill>
+                        <a:prstClr val="white">
+                          <a:lumMod val="75000"/>
+                        </a:prstClr>
+                      </a:solidFill>
+                      <a:prstDash val="solid"/>
+                      <a:round/>
+                      <a:headEnd type="none" w="med" len="med"/>
+                      <a:tailEnd type="none" w="med" len="med"/>
+                    </a:lnT>
+                    <a:lnB w="12700" cap="flat" cmpd="sng" algn="ctr">
+                      <a:solidFill>
+                        <a:prstClr val="white">
+                          <a:lumMod val="75000"/>
+                        </a:prstClr>
+                      </a:solidFill>
+                      <a:prstDash val="solid"/>
+                      <a:round/>
+                      <a:headEnd type="none" w="med" len="med"/>
+                      <a:tailEnd type="none" w="med" len="med"/>
+                    </a:lnB>
+                    <a:lnTlToBr w="12700" cmpd="sng">
+                      <a:noFill/>
+                      <a:prstDash val="solid"/>
+                    </a:lnTlToBr>
+                    <a:lnBlToTr w="12700" cmpd="sng">
+                      <a:noFill/>
+                      <a:prstDash val="solid"/>
+                    </a:lnBlToTr>
+                    <a:solidFill>
+                      <a:schemeClr val="bg1">
+                        <a:lumMod val="75000"/>
+                      </a:schemeClr>
+                    </a:solidFill>
+                  </a:tcPr>
+                </a:tc>
+                <a:tc>
+                  <a:txBody>
+                    <a:bodyPr/>
+                    <a:lstStyle/>
+                    <a:p>
+                      <a:pPr algn="ctr"/>
+                      <a:r>
+                        <a:rPr lang="en-US" sz="1800" b="0" u="none" dirty="0" smtClean="0">
+                          <a:solidFill>
+                            <a:schemeClr val="tx1"/>
+                          </a:solidFill>
+                          <a:latin typeface="Gill Sans"/>
+                          <a:cs typeface="Gill Sans"/>
+                        </a:rPr>
+                        <a:t>income</a:t>
+                      </a:r>
+                      <a:endParaRPr lang="en-US" sz="1800" b="0" u="none" dirty="0">
+                        <a:solidFill>
+                          <a:schemeClr val="tx1"/>
+                        </a:solidFill>
+                        <a:latin typeface="Gill Sans"/>
+                        <a:cs typeface="Gill Sans"/>
+                      </a:endParaRPr>
+                    </a:p>
+                  </a:txBody>
+                  <a:tcPr>
+                    <a:lnL w="12700" cap="flat" cmpd="sng" algn="ctr">
+                      <a:solidFill>
+                        <a:prstClr val="white">
+                          <a:lumMod val="75000"/>
+                        </a:prstClr>
+                      </a:solidFill>
+                      <a:prstDash val="solid"/>
+                      <a:round/>
+                      <a:headEnd type="none" w="med" len="med"/>
+                      <a:tailEnd type="none" w="med" len="med"/>
+                    </a:lnL>
+                    <a:lnR w="12700" cap="flat" cmpd="sng" algn="ctr">
+                      <a:solidFill>
+                        <a:prstClr val="white">
+                          <a:lumMod val="75000"/>
+                        </a:prstClr>
+                      </a:solidFill>
+                      <a:prstDash val="solid"/>
+                      <a:round/>
+                      <a:headEnd type="none" w="med" len="med"/>
+                      <a:tailEnd type="none" w="med" len="med"/>
+                    </a:lnR>
+                    <a:lnT w="12700" cap="flat" cmpd="sng" algn="ctr">
+                      <a:solidFill>
+                        <a:prstClr val="white">
+                          <a:lumMod val="75000"/>
+                        </a:prstClr>
+                      </a:solidFill>
+                      <a:prstDash val="solid"/>
+                      <a:round/>
+                      <a:headEnd type="none" w="med" len="med"/>
+                      <a:tailEnd type="none" w="med" len="med"/>
+                    </a:lnT>
+                    <a:lnB w="12700" cap="flat" cmpd="sng" algn="ctr">
+                      <a:solidFill>
+                        <a:prstClr val="white">
+                          <a:lumMod val="75000"/>
+                        </a:prstClr>
+                      </a:solidFill>
+                      <a:prstDash val="solid"/>
+                      <a:round/>
+                      <a:headEnd type="none" w="med" len="med"/>
+                      <a:tailEnd type="none" w="med" len="med"/>
+                    </a:lnB>
+                    <a:lnTlToBr w="12700" cmpd="sng">
+                      <a:noFill/>
+                      <a:prstDash val="solid"/>
+                    </a:lnTlToBr>
+                    <a:lnBlToTr w="12700" cmpd="sng">
+                      <a:noFill/>
+                      <a:prstDash val="solid"/>
+                    </a:lnBlToTr>
+                    <a:solidFill>
+                      <a:schemeClr val="bg1">
+                        <a:lumMod val="75000"/>
+                      </a:schemeClr>
+                    </a:solidFill>
+                  </a:tcPr>
+                </a:tc>
+                <a:tc>
+                  <a:txBody>
+                    <a:bodyPr/>
+                    <a:lstStyle/>
+                    <a:p>
+                      <a:pPr algn="ctr"/>
+                      <a:r>
+                        <a:rPr lang="en-US" sz="1800" b="0" u="none" dirty="0" smtClean="0">
+                          <a:solidFill>
+                            <a:schemeClr val="tx1"/>
+                          </a:solidFill>
+                          <a:latin typeface="Gill Sans"/>
+                          <a:cs typeface="Gill Sans"/>
+                        </a:rPr>
+                        <a:t>pay</a:t>
+                      </a:r>
+                      <a:endParaRPr lang="en-US" sz="1800" b="0" u="none" dirty="0">
+                        <a:solidFill>
+                          <a:schemeClr val="tx1"/>
+                        </a:solidFill>
+                        <a:latin typeface="Gill Sans"/>
+                        <a:cs typeface="Gill Sans"/>
+                      </a:endParaRPr>
+                    </a:p>
+                  </a:txBody>
+                  <a:tcPr>
+                    <a:lnL w="12700" cap="flat" cmpd="sng" algn="ctr">
+                      <a:solidFill>
+                        <a:prstClr val="white">
+                          <a:lumMod val="75000"/>
+                        </a:prstClr>
+                      </a:solidFill>
+                      <a:prstDash val="solid"/>
+                      <a:round/>
+                      <a:headEnd type="none" w="med" len="med"/>
+                      <a:tailEnd type="none" w="med" len="med"/>
+                    </a:lnL>
+                    <a:lnR w="12700" cap="flat" cmpd="sng" algn="ctr">
+                      <a:solidFill>
+                        <a:prstClr val="white">
+                          <a:lumMod val="75000"/>
+                        </a:prstClr>
+                      </a:solidFill>
+                      <a:prstDash val="solid"/>
+                      <a:round/>
+                      <a:headEnd type="none" w="med" len="med"/>
+                      <a:tailEnd type="none" w="med" len="med"/>
+                    </a:lnR>
+                    <a:lnT w="12700" cap="flat" cmpd="sng" algn="ctr">
+                      <a:solidFill>
+                        <a:prstClr val="white">
+                          <a:lumMod val="75000"/>
+                        </a:prstClr>
+                      </a:solidFill>
+                      <a:prstDash val="solid"/>
+                      <a:round/>
+                      <a:headEnd type="none" w="med" len="med"/>
+                      <a:tailEnd type="none" w="med" len="med"/>
+                    </a:lnT>
+                    <a:lnB w="12700" cap="flat" cmpd="sng" algn="ctr">
+                      <a:solidFill>
+                        <a:prstClr val="white">
+                          <a:lumMod val="75000"/>
+                        </a:prstClr>
+                      </a:solidFill>
+                      <a:prstDash val="solid"/>
+                      <a:round/>
+                      <a:headEnd type="none" w="med" len="med"/>
+                      <a:tailEnd type="none" w="med" len="med"/>
+                    </a:lnB>
+                    <a:lnTlToBr w="12700" cmpd="sng">
+                      <a:noFill/>
+                      <a:prstDash val="solid"/>
+                    </a:lnTlToBr>
+                    <a:lnBlToTr w="12700" cmpd="sng">
+                      <a:noFill/>
+                      <a:prstDash val="solid"/>
+                    </a:lnBlToTr>
+                    <a:solidFill>
+                      <a:schemeClr val="bg1">
+                        <a:lumMod val="75000"/>
+                      </a:schemeClr>
+                    </a:solidFill>
+                  </a:tcPr>
+                </a:tc>
+              </a:tr>
+              <a:tr h="287866">
+                <a:tc>
+                  <a:txBody>
+                    <a:bodyPr/>
+                    <a:lstStyle/>
+                    <a:p>
+                      <a:r>
+                        <a:rPr lang="en-US" sz="1800" b="0" dirty="0" smtClean="0">
+                          <a:latin typeface="Gill Sans"/>
+                          <a:cs typeface="Gill Sans"/>
+                        </a:rPr>
+                        <a:t>t1</a:t>
+                      </a:r>
+                      <a:endParaRPr lang="en-US" sz="1800" b="0" dirty="0">
+                        <a:latin typeface="Gill Sans"/>
+                        <a:cs typeface="Gill Sans"/>
+                      </a:endParaRPr>
+                    </a:p>
+                  </a:txBody>
+                  <a:tcPr>
+                    <a:lnL w="12700" cap="flat" cmpd="sng" algn="ctr">
+                      <a:solidFill>
+                        <a:prstClr val="white">
+                          <a:lumMod val="75000"/>
+                        </a:prstClr>
+                      </a:solidFill>
+                      <a:prstDash val="solid"/>
+                      <a:round/>
+                      <a:headEnd type="none" w="med" len="med"/>
+                      <a:tailEnd type="none" w="med" len="med"/>
+                    </a:lnL>
+                    <a:lnR w="12700" cap="flat" cmpd="sng" algn="ctr">
+                      <a:solidFill>
+                        <a:prstClr val="white">
+                          <a:lumMod val="75000"/>
+                        </a:prstClr>
+                      </a:solidFill>
+                      <a:prstDash val="solid"/>
+                      <a:round/>
+                      <a:headEnd type="none" w="med" len="med"/>
+                      <a:tailEnd type="none" w="med" len="med"/>
+                    </a:lnR>
+                    <a:lnT w="12700" cap="flat" cmpd="sng" algn="ctr">
+                      <a:solidFill>
+                        <a:prstClr val="white">
+                          <a:lumMod val="75000"/>
+                        </a:prstClr>
+                      </a:solidFill>
+                      <a:prstDash val="solid"/>
+                      <a:round/>
+                      <a:headEnd type="none" w="med" len="med"/>
+                      <a:tailEnd type="none" w="med" len="med"/>
+                    </a:lnT>
+                    <a:lnB w="12700" cap="flat" cmpd="sng" algn="ctr">
+                      <a:solidFill>
+                        <a:prstClr val="white">
+                          <a:lumMod val="75000"/>
+                        </a:prstClr>
+                      </a:solidFill>
+                      <a:prstDash val="solid"/>
+                      <a:round/>
+                      <a:headEnd type="none" w="med" len="med"/>
+                      <a:tailEnd type="none" w="med" len="med"/>
+                    </a:lnB>
+                    <a:lnTlToBr w="12700" cmpd="sng">
+                      <a:noFill/>
+                      <a:prstDash val="solid"/>
+                    </a:lnTlToBr>
+                    <a:lnBlToTr w="12700" cmpd="sng">
+                      <a:noFill/>
+                      <a:prstDash val="solid"/>
+                    </a:lnBlToTr>
+                  </a:tcPr>
+                </a:tc>
+                <a:tc>
+                  <a:txBody>
+                    <a:bodyPr/>
+                    <a:lstStyle/>
+                    <a:p>
+                      <a:r>
+                        <a:rPr lang="en-US" sz="1800" b="0" dirty="0" smtClean="0">
+                          <a:latin typeface="Gill Sans"/>
+                          <a:cs typeface="Gill Sans"/>
+                        </a:rPr>
+                        <a:t>950</a:t>
+                      </a:r>
+                      <a:endParaRPr lang="en-US" sz="1800" b="0" dirty="0">
+                        <a:latin typeface="Gill Sans"/>
+                        <a:cs typeface="Gill Sans"/>
+                      </a:endParaRPr>
+                    </a:p>
+                  </a:txBody>
+                  <a:tcPr>
+                    <a:lnL w="12700" cap="flat" cmpd="sng" algn="ctr">
+                      <a:solidFill>
+                        <a:prstClr val="white">
+                          <a:lumMod val="75000"/>
+                        </a:prstClr>
+                      </a:solidFill>
+                      <a:prstDash val="solid"/>
+                      <a:round/>
+                      <a:headEnd type="none" w="med" len="med"/>
+                      <a:tailEnd type="none" w="med" len="med"/>
+                    </a:lnL>
+                    <a:lnR w="12700" cap="flat" cmpd="sng" algn="ctr">
+                      <a:solidFill>
+                        <a:prstClr val="white">
+                          <a:lumMod val="75000"/>
+                        </a:prstClr>
+                      </a:solidFill>
+                      <a:prstDash val="solid"/>
+                      <a:round/>
+                      <a:headEnd type="none" w="med" len="med"/>
+                      <a:tailEnd type="none" w="med" len="med"/>
+                    </a:lnR>
+                    <a:lnT w="12700" cap="flat" cmpd="sng" algn="ctr">
+                      <a:solidFill>
+                        <a:prstClr val="white">
+                          <a:lumMod val="75000"/>
+                        </a:prstClr>
+                      </a:solidFill>
+                      <a:prstDash val="solid"/>
+                      <a:round/>
+                      <a:headEnd type="none" w="med" len="med"/>
+                      <a:tailEnd type="none" w="med" len="med"/>
+                    </a:lnT>
+                    <a:lnB w="12700" cap="flat" cmpd="sng" algn="ctr">
+                      <a:solidFill>
+                        <a:prstClr val="white">
+                          <a:lumMod val="75000"/>
+                        </a:prstClr>
+                      </a:solidFill>
+                      <a:prstDash val="solid"/>
+                      <a:round/>
+                      <a:headEnd type="none" w="med" len="med"/>
+                      <a:tailEnd type="none" w="med" len="med"/>
+                    </a:lnB>
+                    <a:lnTlToBr w="12700" cmpd="sng">
+                      <a:noFill/>
+                      <a:prstDash val="solid"/>
+                    </a:lnTlToBr>
+                    <a:lnBlToTr w="12700" cmpd="sng">
+                      <a:noFill/>
+                      <a:prstDash val="solid"/>
+                    </a:lnBlToTr>
+                  </a:tcPr>
+                </a:tc>
+                <a:tc>
+                  <a:txBody>
+                    <a:bodyPr/>
+                    <a:lstStyle/>
+                    <a:p>
+                      <a:r>
+                        <a:rPr lang="en-US" sz="1800" dirty="0" smtClean="0"/>
+                        <a:t>9500</a:t>
+                      </a:r>
+                      <a:endParaRPr lang="en-US" sz="1800" dirty="0"/>
+                    </a:p>
+                  </a:txBody>
+                  <a:tcPr>
+                    <a:lnL w="12700" cap="flat" cmpd="sng" algn="ctr">
+                      <a:solidFill>
+                        <a:prstClr val="white">
+                          <a:lumMod val="75000"/>
+                        </a:prstClr>
+                      </a:solidFill>
+                      <a:prstDash val="solid"/>
+                      <a:round/>
+                      <a:headEnd type="none" w="med" len="med"/>
+                      <a:tailEnd type="none" w="med" len="med"/>
+                    </a:lnL>
+                    <a:lnR w="12700" cap="flat" cmpd="sng" algn="ctr">
+                      <a:solidFill>
+                        <a:prstClr val="white">
+                          <a:lumMod val="75000"/>
+                        </a:prstClr>
+                      </a:solidFill>
+                      <a:prstDash val="solid"/>
+                      <a:round/>
+                      <a:headEnd type="none" w="med" len="med"/>
+                      <a:tailEnd type="none" w="med" len="med"/>
+                    </a:lnR>
+                    <a:lnT w="12700" cap="flat" cmpd="sng" algn="ctr">
+                      <a:solidFill>
+                        <a:prstClr val="white">
+                          <a:lumMod val="75000"/>
+                        </a:prstClr>
+                      </a:solidFill>
+                      <a:prstDash val="solid"/>
+                      <a:round/>
+                      <a:headEnd type="none" w="med" len="med"/>
+                      <a:tailEnd type="none" w="med" len="med"/>
+                    </a:lnT>
+                    <a:lnB w="12700" cap="flat" cmpd="sng" algn="ctr">
+                      <a:solidFill>
+                        <a:prstClr val="white">
+                          <a:lumMod val="75000"/>
+                        </a:prstClr>
+                      </a:solidFill>
+                      <a:prstDash val="solid"/>
+                      <a:round/>
+                      <a:headEnd type="none" w="med" len="med"/>
+                      <a:tailEnd type="none" w="med" len="med"/>
+                    </a:lnB>
+                    <a:lnTlToBr w="12700" cmpd="sng">
+                      <a:noFill/>
+                      <a:prstDash val="solid"/>
+                    </a:lnTlToBr>
+                    <a:lnBlToTr w="12700" cmpd="sng">
+                      <a:noFill/>
+                      <a:prstDash val="solid"/>
+                    </a:lnBlToTr>
+                  </a:tcPr>
+                </a:tc>
+                <a:tc>
+                  <a:txBody>
+                    <a:bodyPr/>
+                    <a:lstStyle/>
+                    <a:p>
+                      <a:r>
+                        <a:rPr lang="en-US" sz="1800" dirty="0" smtClean="0"/>
+                        <a:t>8550</a:t>
+                      </a:r>
+                      <a:endParaRPr lang="en-US" sz="1800" dirty="0"/>
+                    </a:p>
+                  </a:txBody>
+                  <a:tcPr>
+                    <a:lnL w="12700" cap="flat" cmpd="sng" algn="ctr">
+                      <a:solidFill>
+                        <a:prstClr val="white">
+                          <a:lumMod val="75000"/>
+                        </a:prstClr>
+                      </a:solidFill>
+                      <a:prstDash val="solid"/>
+                      <a:round/>
+                      <a:headEnd type="none" w="med" len="med"/>
+                      <a:tailEnd type="none" w="med" len="med"/>
+                    </a:lnL>
+                    <a:lnR w="12700" cap="flat" cmpd="sng" algn="ctr">
+                      <a:solidFill>
+                        <a:prstClr val="white">
+                          <a:lumMod val="75000"/>
+                        </a:prstClr>
+                      </a:solidFill>
+                      <a:prstDash val="solid"/>
+                      <a:round/>
+                      <a:headEnd type="none" w="med" len="med"/>
+                      <a:tailEnd type="none" w="med" len="med"/>
+                    </a:lnR>
+                    <a:lnT w="12700" cap="flat" cmpd="sng" algn="ctr">
+                      <a:solidFill>
+                        <a:prstClr val="white">
+                          <a:lumMod val="75000"/>
+                        </a:prstClr>
+                      </a:solidFill>
+                      <a:prstDash val="solid"/>
+                      <a:round/>
+                      <a:headEnd type="none" w="med" len="med"/>
+                      <a:tailEnd type="none" w="med" len="med"/>
+                    </a:lnT>
+                    <a:lnB w="12700" cap="flat" cmpd="sng" algn="ctr">
+                      <a:solidFill>
+                        <a:prstClr val="white">
+                          <a:lumMod val="75000"/>
+                        </a:prstClr>
+                      </a:solidFill>
+                      <a:prstDash val="solid"/>
+                      <a:round/>
+                      <a:headEnd type="none" w="med" len="med"/>
+                      <a:tailEnd type="none" w="med" len="med"/>
+                    </a:lnB>
+                    <a:lnTlToBr w="12700" cmpd="sng">
+                      <a:noFill/>
+                      <a:prstDash val="solid"/>
+                    </a:lnTlToBr>
+                    <a:lnBlToTr w="12700" cmpd="sng">
+                      <a:noFill/>
+                      <a:prstDash val="solid"/>
+                    </a:lnBlToTr>
+                  </a:tcPr>
+                </a:tc>
+              </a:tr>
+              <a:tr h="287866">
+                <a:tc>
+                  <a:txBody>
+                    <a:bodyPr/>
+                    <a:lstStyle/>
+                    <a:p>
+                      <a:r>
+                        <a:rPr lang="en-US" sz="1800" b="0" dirty="0" smtClean="0">
+                          <a:latin typeface="Gill Sans"/>
+                          <a:cs typeface="Gill Sans"/>
+                        </a:rPr>
+                        <a:t>t2</a:t>
+                      </a:r>
+                      <a:endParaRPr lang="en-US" sz="1800" b="0" dirty="0">
+                        <a:latin typeface="Gill Sans"/>
+                        <a:cs typeface="Gill Sans"/>
+                      </a:endParaRPr>
+                    </a:p>
+                  </a:txBody>
+                  <a:tcPr>
+                    <a:lnL w="12700" cap="flat" cmpd="sng" algn="ctr">
+                      <a:solidFill>
+                        <a:prstClr val="white">
+                          <a:lumMod val="75000"/>
+                        </a:prstClr>
+                      </a:solidFill>
+                      <a:prstDash val="solid"/>
+                      <a:round/>
+                      <a:headEnd type="none" w="med" len="med"/>
+                      <a:tailEnd type="none" w="med" len="med"/>
+                    </a:lnL>
+                    <a:lnR w="12700" cap="flat" cmpd="sng" algn="ctr">
+                      <a:solidFill>
+                        <a:prstClr val="white">
+                          <a:lumMod val="75000"/>
+                        </a:prstClr>
+                      </a:solidFill>
+                      <a:prstDash val="solid"/>
+                      <a:round/>
+                      <a:headEnd type="none" w="med" len="med"/>
+                      <a:tailEnd type="none" w="med" len="med"/>
+                    </a:lnR>
+                    <a:lnT w="12700" cap="flat" cmpd="sng" algn="ctr">
+                      <a:solidFill>
+                        <a:prstClr val="white">
+                          <a:lumMod val="75000"/>
+                        </a:prstClr>
+                      </a:solidFill>
+                      <a:prstDash val="solid"/>
+                      <a:round/>
+                      <a:headEnd type="none" w="med" len="med"/>
+                      <a:tailEnd type="none" w="med" len="med"/>
+                    </a:lnT>
+                    <a:lnB w="12700" cap="flat" cmpd="sng" algn="ctr">
+                      <a:solidFill>
+                        <a:prstClr val="white">
+                          <a:lumMod val="75000"/>
+                        </a:prstClr>
+                      </a:solidFill>
+                      <a:prstDash val="solid"/>
+                      <a:round/>
+                      <a:headEnd type="none" w="med" len="med"/>
+                      <a:tailEnd type="none" w="med" len="med"/>
+                    </a:lnB>
+                    <a:lnTlToBr w="12700" cmpd="sng">
+                      <a:noFill/>
+                      <a:prstDash val="solid"/>
+                    </a:lnTlToBr>
+                    <a:lnBlToTr w="12700" cmpd="sng">
+                      <a:noFill/>
+                      <a:prstDash val="solid"/>
+                    </a:lnBlToTr>
+                  </a:tcPr>
+                </a:tc>
+                <a:tc>
+                  <a:txBody>
+                    <a:bodyPr/>
+                    <a:lstStyle/>
+                    <a:p>
+                      <a:r>
+                        <a:rPr lang="en-US" sz="1800" b="0" dirty="0" smtClean="0">
+                          <a:latin typeface="Gill Sans"/>
+                          <a:cs typeface="Gill Sans"/>
+                        </a:rPr>
+                        <a:t>27000</a:t>
+                      </a:r>
+                      <a:endParaRPr lang="en-US" sz="1800" b="0" dirty="0">
+                        <a:latin typeface="Gill Sans"/>
+                        <a:cs typeface="Gill Sans"/>
+                      </a:endParaRPr>
+                    </a:p>
+                  </a:txBody>
+                  <a:tcPr>
+                    <a:lnL w="12700" cap="flat" cmpd="sng" algn="ctr">
+                      <a:solidFill>
+                        <a:prstClr val="white">
+                          <a:lumMod val="75000"/>
+                        </a:prstClr>
+                      </a:solidFill>
+                      <a:prstDash val="solid"/>
+                      <a:round/>
+                      <a:headEnd type="none" w="med" len="med"/>
+                      <a:tailEnd type="none" w="med" len="med"/>
+                    </a:lnL>
+                    <a:lnR w="12700" cap="flat" cmpd="sng" algn="ctr">
+                      <a:solidFill>
+                        <a:prstClr val="white">
+                          <a:lumMod val="75000"/>
+                        </a:prstClr>
+                      </a:solidFill>
+                      <a:prstDash val="solid"/>
+                      <a:round/>
+                      <a:headEnd type="none" w="med" len="med"/>
+                      <a:tailEnd type="none" w="med" len="med"/>
+                    </a:lnR>
+                    <a:lnT w="12700" cap="flat" cmpd="sng" algn="ctr">
+                      <a:solidFill>
+                        <a:prstClr val="white">
+                          <a:lumMod val="75000"/>
+                        </a:prstClr>
+                      </a:solidFill>
+                      <a:prstDash val="solid"/>
+                      <a:round/>
+                      <a:headEnd type="none" w="med" len="med"/>
+                      <a:tailEnd type="none" w="med" len="med"/>
+                    </a:lnT>
+                    <a:lnB w="12700" cap="flat" cmpd="sng" algn="ctr">
+                      <a:solidFill>
+                        <a:prstClr val="white">
+                          <a:lumMod val="75000"/>
+                        </a:prstClr>
+                      </a:solidFill>
+                      <a:prstDash val="solid"/>
+                      <a:round/>
+                      <a:headEnd type="none" w="med" len="med"/>
+                      <a:tailEnd type="none" w="med" len="med"/>
+                    </a:lnB>
+                    <a:lnTlToBr w="12700" cmpd="sng">
+                      <a:noFill/>
+                      <a:prstDash val="solid"/>
+                    </a:lnTlToBr>
+                    <a:lnBlToTr w="12700" cmpd="sng">
+                      <a:noFill/>
+                      <a:prstDash val="solid"/>
+                    </a:lnBlToTr>
+                  </a:tcPr>
+                </a:tc>
+                <a:tc>
+                  <a:txBody>
+                    <a:bodyPr/>
+                    <a:lstStyle/>
+                    <a:p>
+                      <a:r>
+                        <a:rPr lang="en-US" sz="1800" dirty="0" smtClean="0"/>
+                        <a:t>90000</a:t>
+                      </a:r>
+                      <a:endParaRPr lang="en-US" sz="1800" dirty="0"/>
+                    </a:p>
+                  </a:txBody>
+                  <a:tcPr>
+                    <a:lnL w="12700" cap="flat" cmpd="sng" algn="ctr">
+                      <a:solidFill>
+                        <a:prstClr val="white">
+                          <a:lumMod val="75000"/>
+                        </a:prstClr>
+                      </a:solidFill>
+                      <a:prstDash val="solid"/>
+                      <a:round/>
+                      <a:headEnd type="none" w="med" len="med"/>
+                      <a:tailEnd type="none" w="med" len="med"/>
+                    </a:lnL>
+                    <a:lnR w="12700" cap="flat" cmpd="sng" algn="ctr">
+                      <a:solidFill>
+                        <a:prstClr val="white">
+                          <a:lumMod val="75000"/>
+                        </a:prstClr>
+                      </a:solidFill>
+                      <a:prstDash val="solid"/>
+                      <a:round/>
+                      <a:headEnd type="none" w="med" len="med"/>
+                      <a:tailEnd type="none" w="med" len="med"/>
+                    </a:lnR>
+                    <a:lnT w="12700" cap="flat" cmpd="sng" algn="ctr">
+                      <a:solidFill>
+                        <a:prstClr val="white">
+                          <a:lumMod val="75000"/>
+                        </a:prstClr>
+                      </a:solidFill>
+                      <a:prstDash val="solid"/>
+                      <a:round/>
+                      <a:headEnd type="none" w="med" len="med"/>
+                      <a:tailEnd type="none" w="med" len="med"/>
+                    </a:lnT>
+                    <a:lnB w="12700" cap="flat" cmpd="sng" algn="ctr">
+                      <a:solidFill>
+                        <a:prstClr val="white">
+                          <a:lumMod val="75000"/>
+                        </a:prstClr>
+                      </a:solidFill>
+                      <a:prstDash val="solid"/>
+                      <a:round/>
+                      <a:headEnd type="none" w="med" len="med"/>
+                      <a:tailEnd type="none" w="med" len="med"/>
+                    </a:lnB>
+                    <a:lnTlToBr w="12700" cmpd="sng">
+                      <a:noFill/>
+                      <a:prstDash val="solid"/>
+                    </a:lnTlToBr>
+                    <a:lnBlToTr w="12700" cmpd="sng">
+                      <a:noFill/>
+                      <a:prstDash val="solid"/>
+                    </a:lnBlToTr>
+                  </a:tcPr>
+                </a:tc>
+                <a:tc>
+                  <a:txBody>
+                    <a:bodyPr/>
+                    <a:lstStyle/>
+                    <a:p>
+                      <a:r>
+                        <a:rPr lang="en-US" sz="1800" dirty="0" smtClean="0"/>
+                        <a:t>63000</a:t>
+                      </a:r>
+                      <a:endParaRPr lang="en-US" sz="1800" dirty="0"/>
+                    </a:p>
+                  </a:txBody>
+                  <a:tcPr>
+                    <a:lnL w="12700" cap="flat" cmpd="sng" algn="ctr">
+                      <a:solidFill>
+                        <a:prstClr val="white">
+                          <a:lumMod val="75000"/>
+                        </a:prstClr>
+                      </a:solidFill>
+                      <a:prstDash val="solid"/>
+                      <a:round/>
+                      <a:headEnd type="none" w="med" len="med"/>
+                      <a:tailEnd type="none" w="med" len="med"/>
+                    </a:lnL>
+                    <a:lnR w="12700" cap="flat" cmpd="sng" algn="ctr">
+                      <a:solidFill>
+                        <a:prstClr val="white">
+                          <a:lumMod val="75000"/>
+                        </a:prstClr>
+                      </a:solidFill>
+                      <a:prstDash val="solid"/>
+                      <a:round/>
+                      <a:headEnd type="none" w="med" len="med"/>
+                      <a:tailEnd type="none" w="med" len="med"/>
+                    </a:lnR>
+                    <a:lnT w="12700" cap="flat" cmpd="sng" algn="ctr">
+                      <a:solidFill>
+                        <a:prstClr val="white">
+                          <a:lumMod val="75000"/>
+                        </a:prstClr>
+                      </a:solidFill>
+                      <a:prstDash val="solid"/>
+                      <a:round/>
+                      <a:headEnd type="none" w="med" len="med"/>
+                      <a:tailEnd type="none" w="med" len="med"/>
+                    </a:lnT>
+                    <a:lnB w="12700" cap="flat" cmpd="sng" algn="ctr">
+                      <a:solidFill>
+                        <a:prstClr val="white">
+                          <a:lumMod val="75000"/>
+                        </a:prstClr>
+                      </a:solidFill>
+                      <a:prstDash val="solid"/>
+                      <a:round/>
+                      <a:headEnd type="none" w="med" len="med"/>
+                      <a:tailEnd type="none" w="med" len="med"/>
+                    </a:lnB>
+                    <a:lnTlToBr w="12700" cmpd="sng">
+                      <a:noFill/>
+                      <a:prstDash val="solid"/>
+                    </a:lnTlToBr>
+                    <a:lnBlToTr w="12700" cmpd="sng">
+                      <a:noFill/>
+                      <a:prstDash val="solid"/>
+                    </a:lnBlToTr>
+                  </a:tcPr>
+                </a:tc>
+              </a:tr>
+              <a:tr h="287866">
+                <a:tc>
+                  <a:txBody>
+                    <a:bodyPr/>
+                    <a:lstStyle/>
+                    <a:p>
+                      <a:r>
+                        <a:rPr lang="en-US" sz="1800" b="0" dirty="0" smtClean="0">
+                          <a:latin typeface="Gill Sans"/>
+                          <a:cs typeface="Gill Sans"/>
+                        </a:rPr>
+                        <a:t>t3</a:t>
+                      </a:r>
+                      <a:endParaRPr lang="en-US" sz="1800" b="0" dirty="0">
+                        <a:latin typeface="Gill Sans"/>
+                        <a:cs typeface="Gill Sans"/>
+                      </a:endParaRPr>
+                    </a:p>
+                  </a:txBody>
+                  <a:tcPr>
+                    <a:lnL w="12700" cap="flat" cmpd="sng" algn="ctr">
+                      <a:solidFill>
+                        <a:prstClr val="white">
+                          <a:lumMod val="75000"/>
+                        </a:prstClr>
+                      </a:solidFill>
+                      <a:prstDash val="solid"/>
+                      <a:round/>
+                      <a:headEnd type="none" w="med" len="med"/>
+                      <a:tailEnd type="none" w="med" len="med"/>
+                    </a:lnL>
+                    <a:lnR w="12700" cap="flat" cmpd="sng" algn="ctr">
+                      <a:solidFill>
+                        <a:prstClr val="white">
+                          <a:lumMod val="75000"/>
+                        </a:prstClr>
+                      </a:solidFill>
+                      <a:prstDash val="solid"/>
+                      <a:round/>
+                      <a:headEnd type="none" w="med" len="med"/>
+                      <a:tailEnd type="none" w="med" len="med"/>
+                    </a:lnR>
+                    <a:lnT w="12700" cap="flat" cmpd="sng" algn="ctr">
+                      <a:solidFill>
+                        <a:prstClr val="white">
+                          <a:lumMod val="75000"/>
+                        </a:prstClr>
+                      </a:solidFill>
+                      <a:prstDash val="solid"/>
+                      <a:round/>
+                      <a:headEnd type="none" w="med" len="med"/>
+                      <a:tailEnd type="none" w="med" len="med"/>
+                    </a:lnT>
+                    <a:lnB w="12700" cap="flat" cmpd="sng" algn="ctr">
+                      <a:solidFill>
+                        <a:prstClr val="white">
+                          <a:lumMod val="75000"/>
+                        </a:prstClr>
+                      </a:solidFill>
+                      <a:prstDash val="solid"/>
+                      <a:round/>
+                      <a:headEnd type="none" w="med" len="med"/>
+                      <a:tailEnd type="none" w="med" len="med"/>
+                    </a:lnB>
+                    <a:lnTlToBr w="12700" cmpd="sng">
+                      <a:noFill/>
+                      <a:prstDash val="solid"/>
+                    </a:lnTlToBr>
+                    <a:lnBlToTr w="12700" cmpd="sng">
+                      <a:noFill/>
+                      <a:prstDash val="solid"/>
+                    </a:lnBlToTr>
+                  </a:tcPr>
+                </a:tc>
+                <a:tc>
+                  <a:txBody>
+                    <a:bodyPr/>
+                    <a:lstStyle/>
+                    <a:p>
+                      <a:r>
+                        <a:rPr lang="en-US" sz="1800" b="0" dirty="0" smtClean="0">
+                          <a:latin typeface="Gill Sans"/>
+                          <a:cs typeface="Gill Sans"/>
+                        </a:rPr>
+                        <a:t>25800</a:t>
+                      </a:r>
+                      <a:endParaRPr lang="en-US" sz="1800" b="0" dirty="0">
+                        <a:latin typeface="Gill Sans"/>
+                        <a:cs typeface="Gill Sans"/>
+                      </a:endParaRPr>
+                    </a:p>
+                  </a:txBody>
+                  <a:tcPr>
+                    <a:lnL w="12700" cap="flat" cmpd="sng" algn="ctr">
+                      <a:solidFill>
+                        <a:prstClr val="white">
+                          <a:lumMod val="75000"/>
+                        </a:prstClr>
+                      </a:solidFill>
+                      <a:prstDash val="solid"/>
+                      <a:round/>
+                      <a:headEnd type="none" w="med" len="med"/>
+                      <a:tailEnd type="none" w="med" len="med"/>
+                    </a:lnL>
+                    <a:lnR w="12700" cap="flat" cmpd="sng" algn="ctr">
+                      <a:solidFill>
+                        <a:prstClr val="white">
+                          <a:lumMod val="75000"/>
+                        </a:prstClr>
+                      </a:solidFill>
+                      <a:prstDash val="solid"/>
+                      <a:round/>
+                      <a:headEnd type="none" w="med" len="med"/>
+                      <a:tailEnd type="none" w="med" len="med"/>
+                    </a:lnR>
+                    <a:lnT w="12700" cap="flat" cmpd="sng" algn="ctr">
+                      <a:solidFill>
+                        <a:prstClr val="white">
+                          <a:lumMod val="75000"/>
+                        </a:prstClr>
+                      </a:solidFill>
+                      <a:prstDash val="solid"/>
+                      <a:round/>
+                      <a:headEnd type="none" w="med" len="med"/>
+                      <a:tailEnd type="none" w="med" len="med"/>
+                    </a:lnT>
+                    <a:lnB w="12700" cap="flat" cmpd="sng" algn="ctr">
+                      <a:solidFill>
+                        <a:prstClr val="white">
+                          <a:lumMod val="75000"/>
+                        </a:prstClr>
+                      </a:solidFill>
+                      <a:prstDash val="solid"/>
+                      <a:round/>
+                      <a:headEnd type="none" w="med" len="med"/>
+                      <a:tailEnd type="none" w="med" len="med"/>
+                    </a:lnB>
+                    <a:lnTlToBr w="12700" cmpd="sng">
+                      <a:noFill/>
+                      <a:prstDash val="solid"/>
+                    </a:lnTlToBr>
+                    <a:lnBlToTr w="12700" cmpd="sng">
+                      <a:noFill/>
+                      <a:prstDash val="solid"/>
+                    </a:lnBlToTr>
+                  </a:tcPr>
+                </a:tc>
+                <a:tc>
+                  <a:txBody>
+                    <a:bodyPr/>
+                    <a:lstStyle/>
+                    <a:p>
+                      <a:r>
+                        <a:rPr lang="en-US" sz="1800" dirty="0" smtClean="0"/>
+                        <a:t>86000</a:t>
+                      </a:r>
+                      <a:endParaRPr lang="en-US" sz="1800" dirty="0"/>
+                    </a:p>
+                  </a:txBody>
+                  <a:tcPr>
+                    <a:lnL w="12700" cap="flat" cmpd="sng" algn="ctr">
+                      <a:solidFill>
+                        <a:prstClr val="white">
+                          <a:lumMod val="75000"/>
+                        </a:prstClr>
+                      </a:solidFill>
+                      <a:prstDash val="solid"/>
+                      <a:round/>
+                      <a:headEnd type="none" w="med" len="med"/>
+                      <a:tailEnd type="none" w="med" len="med"/>
+                    </a:lnL>
+                    <a:lnR w="12700" cap="flat" cmpd="sng" algn="ctr">
+                      <a:solidFill>
+                        <a:prstClr val="white">
+                          <a:lumMod val="75000"/>
+                        </a:prstClr>
+                      </a:solidFill>
+                      <a:prstDash val="solid"/>
+                      <a:round/>
+                      <a:headEnd type="none" w="med" len="med"/>
+                      <a:tailEnd type="none" w="med" len="med"/>
+                    </a:lnR>
+                    <a:lnT w="12700" cap="flat" cmpd="sng" algn="ctr">
+                      <a:solidFill>
+                        <a:prstClr val="white">
+                          <a:lumMod val="75000"/>
+                        </a:prstClr>
+                      </a:solidFill>
+                      <a:prstDash val="solid"/>
+                      <a:round/>
+                      <a:headEnd type="none" w="med" len="med"/>
+                      <a:tailEnd type="none" w="med" len="med"/>
+                    </a:lnT>
+                    <a:lnB w="12700" cap="flat" cmpd="sng" algn="ctr">
+                      <a:solidFill>
+                        <a:prstClr val="white">
+                          <a:lumMod val="75000"/>
+                        </a:prstClr>
+                      </a:solidFill>
+                      <a:prstDash val="solid"/>
+                      <a:round/>
+                      <a:headEnd type="none" w="med" len="med"/>
+                      <a:tailEnd type="none" w="med" len="med"/>
+                    </a:lnB>
+                    <a:lnTlToBr w="12700" cmpd="sng">
+                      <a:noFill/>
+                      <a:prstDash val="solid"/>
+                    </a:lnTlToBr>
+                    <a:lnBlToTr w="12700" cmpd="sng">
+                      <a:noFill/>
+                      <a:prstDash val="solid"/>
+                    </a:lnBlToTr>
+                  </a:tcPr>
+                </a:tc>
+                <a:tc>
+                  <a:txBody>
+                    <a:bodyPr/>
+                    <a:lstStyle/>
+                    <a:p>
+                      <a:r>
+                        <a:rPr lang="en-US" sz="1800" dirty="0" smtClean="0"/>
+                        <a:t>60200</a:t>
+                      </a:r>
+                      <a:endParaRPr lang="en-US" sz="1800" dirty="0"/>
+                    </a:p>
+                  </a:txBody>
+                  <a:tcPr>
+                    <a:lnL w="12700" cap="flat" cmpd="sng" algn="ctr">
+                      <a:solidFill>
+                        <a:prstClr val="white">
+                          <a:lumMod val="75000"/>
+                        </a:prstClr>
+                      </a:solidFill>
+                      <a:prstDash val="solid"/>
+                      <a:round/>
+                      <a:headEnd type="none" w="med" len="med"/>
+                      <a:tailEnd type="none" w="med" len="med"/>
+                    </a:lnL>
+                    <a:lnR w="12700" cap="flat" cmpd="sng" algn="ctr">
+                      <a:solidFill>
+                        <a:prstClr val="white">
+                          <a:lumMod val="75000"/>
+                        </a:prstClr>
+                      </a:solidFill>
+                      <a:prstDash val="solid"/>
+                      <a:round/>
+                      <a:headEnd type="none" w="med" len="med"/>
+                      <a:tailEnd type="none" w="med" len="med"/>
+                    </a:lnR>
+                    <a:lnT w="12700" cap="flat" cmpd="sng" algn="ctr">
+                      <a:solidFill>
+                        <a:prstClr val="white">
+                          <a:lumMod val="75000"/>
+                        </a:prstClr>
+                      </a:solidFill>
+                      <a:prstDash val="solid"/>
+                      <a:round/>
+                      <a:headEnd type="none" w="med" len="med"/>
+                      <a:tailEnd type="none" w="med" len="med"/>
+                    </a:lnT>
+                    <a:lnB w="12700" cap="flat" cmpd="sng" algn="ctr">
+                      <a:solidFill>
+                        <a:prstClr val="white">
+                          <a:lumMod val="75000"/>
+                        </a:prstClr>
+                      </a:solidFill>
+                      <a:prstDash val="solid"/>
+                      <a:round/>
+                      <a:headEnd type="none" w="med" len="med"/>
+                      <a:tailEnd type="none" w="med" len="med"/>
+                    </a:lnB>
+                    <a:lnTlToBr w="12700" cmpd="sng">
+                      <a:noFill/>
+                      <a:prstDash val="solid"/>
+                    </a:lnTlToBr>
+                    <a:lnBlToTr w="12700" cmpd="sng">
+                      <a:noFill/>
+                      <a:prstDash val="solid"/>
+                    </a:lnBlToTr>
+                  </a:tcPr>
+                </a:tc>
+              </a:tr>
+              <a:tr h="287866">
+                <a:tc>
+                  <a:txBody>
+                    <a:bodyPr/>
+                    <a:lstStyle/>
+                    <a:p>
+                      <a:r>
+                        <a:rPr lang="en-US" sz="1800" b="0" dirty="0" smtClean="0">
+                          <a:latin typeface="Gill Sans"/>
+                          <a:cs typeface="Gill Sans"/>
+                        </a:rPr>
+                        <a:t>t4</a:t>
+                      </a:r>
+                      <a:endParaRPr lang="en-US" sz="1800" b="0" dirty="0">
+                        <a:latin typeface="Gill Sans"/>
+                        <a:cs typeface="Gill Sans"/>
+                      </a:endParaRPr>
+                    </a:p>
+                  </a:txBody>
+                  <a:tcPr>
+                    <a:lnL w="12700" cap="flat" cmpd="sng" algn="ctr">
+                      <a:solidFill>
+                        <a:prstClr val="white">
+                          <a:lumMod val="75000"/>
+                        </a:prstClr>
+                      </a:solidFill>
+                      <a:prstDash val="solid"/>
+                      <a:round/>
+                      <a:headEnd type="none" w="med" len="med"/>
+                      <a:tailEnd type="none" w="med" len="med"/>
+                    </a:lnL>
+                    <a:lnR w="12700" cap="flat" cmpd="sng" algn="ctr">
+                      <a:solidFill>
+                        <a:prstClr val="white">
+                          <a:lumMod val="75000"/>
+                        </a:prstClr>
+                      </a:solidFill>
+                      <a:prstDash val="solid"/>
+                      <a:round/>
+                      <a:headEnd type="none" w="med" len="med"/>
+                      <a:tailEnd type="none" w="med" len="med"/>
+                    </a:lnR>
+                    <a:lnT w="12700" cap="flat" cmpd="sng" algn="ctr">
+                      <a:solidFill>
+                        <a:prstClr val="white">
+                          <a:lumMod val="75000"/>
+                        </a:prstClr>
+                      </a:solidFill>
+                      <a:prstDash val="solid"/>
+                      <a:round/>
+                      <a:headEnd type="none" w="med" len="med"/>
+                      <a:tailEnd type="none" w="med" len="med"/>
+                    </a:lnT>
+                    <a:lnB w="12700" cap="flat" cmpd="sng" algn="ctr">
+                      <a:solidFill>
+                        <a:prstClr val="white">
+                          <a:lumMod val="75000"/>
+                        </a:prstClr>
+                      </a:solidFill>
+                      <a:prstDash val="solid"/>
+                      <a:round/>
+                      <a:headEnd type="none" w="med" len="med"/>
+                      <a:tailEnd type="none" w="med" len="med"/>
+                    </a:lnB>
+                    <a:lnTlToBr w="12700" cmpd="sng">
+                      <a:noFill/>
+                      <a:prstDash val="solid"/>
+                    </a:lnTlToBr>
+                    <a:lnBlToTr w="12700" cmpd="sng">
+                      <a:noFill/>
+                      <a:prstDash val="solid"/>
+                    </a:lnBlToTr>
+                  </a:tcPr>
+                </a:tc>
+                <a:tc>
+                  <a:txBody>
+                    <a:bodyPr/>
+                    <a:lstStyle/>
+                    <a:p>
+                      <a:r>
+                        <a:rPr lang="en-US" sz="1800" b="0" dirty="0" smtClean="0">
+                          <a:latin typeface="Gill Sans"/>
+                          <a:cs typeface="Gill Sans"/>
+                        </a:rPr>
+                        <a:t>21625</a:t>
+                      </a:r>
+                      <a:endParaRPr lang="en-US" sz="1800" b="0" dirty="0">
+                        <a:latin typeface="Gill Sans"/>
+                        <a:cs typeface="Gill Sans"/>
+                      </a:endParaRPr>
+                    </a:p>
+                  </a:txBody>
+                  <a:tcPr>
+                    <a:lnL w="12700" cap="flat" cmpd="sng" algn="ctr">
+                      <a:solidFill>
+                        <a:prstClr val="white">
+                          <a:lumMod val="75000"/>
+                        </a:prstClr>
+                      </a:solidFill>
+                      <a:prstDash val="solid"/>
+                      <a:round/>
+                      <a:headEnd type="none" w="med" len="med"/>
+                      <a:tailEnd type="none" w="med" len="med"/>
+                    </a:lnL>
+                    <a:lnR w="12700" cap="flat" cmpd="sng" algn="ctr">
+                      <a:solidFill>
+                        <a:prstClr val="white">
+                          <a:lumMod val="75000"/>
+                        </a:prstClr>
+                      </a:solidFill>
+                      <a:prstDash val="solid"/>
+                      <a:round/>
+                      <a:headEnd type="none" w="med" len="med"/>
+                      <a:tailEnd type="none" w="med" len="med"/>
+                    </a:lnR>
+                    <a:lnT w="12700" cap="flat" cmpd="sng" algn="ctr">
+                      <a:solidFill>
+                        <a:prstClr val="white">
+                          <a:lumMod val="75000"/>
+                        </a:prstClr>
+                      </a:solidFill>
+                      <a:prstDash val="solid"/>
+                      <a:round/>
+                      <a:headEnd type="none" w="med" len="med"/>
+                      <a:tailEnd type="none" w="med" len="med"/>
+                    </a:lnT>
+                    <a:lnB w="12700" cap="flat" cmpd="sng" algn="ctr">
+                      <a:solidFill>
+                        <a:prstClr val="white">
+                          <a:lumMod val="75000"/>
+                        </a:prstClr>
+                      </a:solidFill>
+                      <a:prstDash val="solid"/>
+                      <a:round/>
+                      <a:headEnd type="none" w="med" len="med"/>
+                      <a:tailEnd type="none" w="med" len="med"/>
+                    </a:lnB>
+                    <a:lnTlToBr w="12700" cmpd="sng">
+                      <a:noFill/>
+                      <a:prstDash val="solid"/>
+                    </a:lnTlToBr>
+                    <a:lnBlToTr w="12700" cmpd="sng">
+                      <a:noFill/>
+                      <a:prstDash val="solid"/>
+                    </a:lnBlToTr>
+                  </a:tcPr>
+                </a:tc>
+                <a:tc>
+                  <a:txBody>
+                    <a:bodyPr/>
+                    <a:lstStyle/>
+                    <a:p>
+                      <a:r>
+                        <a:rPr lang="en-US" sz="1800" dirty="0" smtClean="0"/>
+                        <a:t>86500</a:t>
+                      </a:r>
+                      <a:endParaRPr lang="en-US" sz="1800" dirty="0"/>
+                    </a:p>
+                  </a:txBody>
+                  <a:tcPr>
+                    <a:lnL w="12700" cap="flat" cmpd="sng" algn="ctr">
+                      <a:solidFill>
+                        <a:prstClr val="white">
+                          <a:lumMod val="75000"/>
+                        </a:prstClr>
+                      </a:solidFill>
+                      <a:prstDash val="solid"/>
+                      <a:round/>
+                      <a:headEnd type="none" w="med" len="med"/>
+                      <a:tailEnd type="none" w="med" len="med"/>
+                    </a:lnL>
+                    <a:lnR w="12700" cap="flat" cmpd="sng" algn="ctr">
+                      <a:solidFill>
+                        <a:prstClr val="white">
+                          <a:lumMod val="75000"/>
+                        </a:prstClr>
+                      </a:solidFill>
+                      <a:prstDash val="solid"/>
+                      <a:round/>
+                      <a:headEnd type="none" w="med" len="med"/>
+                      <a:tailEnd type="none" w="med" len="med"/>
+                    </a:lnR>
+                    <a:lnT w="12700" cap="flat" cmpd="sng" algn="ctr">
+                      <a:solidFill>
+                        <a:prstClr val="white">
+                          <a:lumMod val="75000"/>
+                        </a:prstClr>
+                      </a:solidFill>
+                      <a:prstDash val="solid"/>
+                      <a:round/>
+                      <a:headEnd type="none" w="med" len="med"/>
+                      <a:tailEnd type="none" w="med" len="med"/>
+                    </a:lnT>
+                    <a:lnB w="12700" cap="flat" cmpd="sng" algn="ctr">
+                      <a:solidFill>
+                        <a:prstClr val="white">
+                          <a:lumMod val="75000"/>
+                        </a:prstClr>
+                      </a:solidFill>
+                      <a:prstDash val="solid"/>
+                      <a:round/>
+                      <a:headEnd type="none" w="med" len="med"/>
+                      <a:tailEnd type="none" w="med" len="med"/>
+                    </a:lnB>
+                    <a:lnTlToBr w="12700" cmpd="sng">
+                      <a:noFill/>
+                      <a:prstDash val="solid"/>
+                    </a:lnTlToBr>
+                    <a:lnBlToTr w="12700" cmpd="sng">
+                      <a:noFill/>
+                      <a:prstDash val="solid"/>
+                    </a:lnBlToTr>
+                  </a:tcPr>
+                </a:tc>
+                <a:tc>
+                  <a:txBody>
+                    <a:bodyPr/>
+                    <a:lstStyle/>
+                    <a:p>
+                      <a:r>
+                        <a:rPr lang="en-US" sz="1800" dirty="0" smtClean="0"/>
+                        <a:t>64875</a:t>
+                      </a:r>
+                      <a:endParaRPr lang="en-US" sz="1800" dirty="0"/>
+                    </a:p>
+                  </a:txBody>
+                  <a:tcPr>
+                    <a:lnL w="12700" cap="flat" cmpd="sng" algn="ctr">
+                      <a:solidFill>
+                        <a:prstClr val="white">
+                          <a:lumMod val="75000"/>
+                        </a:prstClr>
+                      </a:solidFill>
+                      <a:prstDash val="solid"/>
+                      <a:round/>
+                      <a:headEnd type="none" w="med" len="med"/>
+                      <a:tailEnd type="none" w="med" len="med"/>
+                    </a:lnL>
+                    <a:lnR w="12700" cap="flat" cmpd="sng" algn="ctr">
+                      <a:solidFill>
+                        <a:prstClr val="white">
+                          <a:lumMod val="75000"/>
+                        </a:prstClr>
+                      </a:solidFill>
+                      <a:prstDash val="solid"/>
+                      <a:round/>
+                      <a:headEnd type="none" w="med" len="med"/>
+                      <a:tailEnd type="none" w="med" len="med"/>
+                    </a:lnR>
+                    <a:lnT w="12700" cap="flat" cmpd="sng" algn="ctr">
+                      <a:solidFill>
+                        <a:prstClr val="white">
+                          <a:lumMod val="75000"/>
+                        </a:prstClr>
+                      </a:solidFill>
+                      <a:prstDash val="solid"/>
+                      <a:round/>
+                      <a:headEnd type="none" w="med" len="med"/>
+                      <a:tailEnd type="none" w="med" len="med"/>
+                    </a:lnT>
+                    <a:lnB w="12700" cap="flat" cmpd="sng" algn="ctr">
+                      <a:solidFill>
+                        <a:prstClr val="white">
+                          <a:lumMod val="75000"/>
+                        </a:prstClr>
+                      </a:solidFill>
+                      <a:prstDash val="solid"/>
+                      <a:round/>
+                      <a:headEnd type="none" w="med" len="med"/>
+                      <a:tailEnd type="none" w="med" len="med"/>
+                    </a:lnB>
+                    <a:lnTlToBr w="12700" cmpd="sng">
+                      <a:noFill/>
+                      <a:prstDash val="solid"/>
+                    </a:lnTlToBr>
+                    <a:lnBlToTr w="12700" cmpd="sng">
+                      <a:noFill/>
+                      <a:prstDash val="solid"/>
+                    </a:lnBlToTr>
+                  </a:tcPr>
+                </a:tc>
+              </a:tr>
+            </a:tbl>
+          </a:graphicData>
+        </a:graphic>
+      </p:graphicFrame>
     </p:spTree>
     <p:extLst>
       <p:ext uri="{BB962C8B-B14F-4D97-AF65-F5344CB8AC3E}">
@@ -28418,7 +28297,7 @@
   <p:timing>
     <p:tnLst>
       <p:par>
-        <p:cTn id="1" dur="indefinite" restart="never" nodeType="tmRoot">
+        <p:cTn xmlns:p14="http://schemas.microsoft.com/office/powerpoint/2010/main" id="1" dur="indefinite" restart="never" nodeType="tmRoot">
           <p:childTnLst>
             <p:seq concurrent="1" nextAc="seek">
               <p:cTn id="2" dur="indefinite" nodeType="mainSeq">

--- a/docs/sigmod16demo/figures/figs.pptx
+++ b/docs/sigmod16demo/figures/figs.pptx
@@ -116,7 +116,7 @@
   </p:defaultTextStyle>
   <p:extLst>
     <p:ext uri="{EFAFB233-063F-42B5-8137-9DF3F51BA10A}">
-      <p15:sldGuideLst xmlns:p15="http://schemas.microsoft.com/office/powerpoint/2012/main" xmlns="">
+      <p15:sldGuideLst xmlns:p15="http://schemas.microsoft.com/office/powerpoint/2012/main">
         <p15:guide id="1" orient="horz" pos="2160">
           <p15:clr>
             <a:srgbClr val="A4A3A4"/>
@@ -5770,7 +5770,7 @@
   <p:timing>
     <p:tnLst>
       <p:par>
-        <p:cTn xmlns:p14="http://schemas.microsoft.com/office/powerpoint/2010/main" id="1" dur="indefinite" restart="never" nodeType="tmRoot"/>
+        <p:cTn id="1" dur="indefinite" restart="never" nodeType="tmRoot"/>
       </p:par>
     </p:tnLst>
   </p:timing>
@@ -5945,33 +5945,7 @@
                 <a:ea typeface="Gill Sans" charset="0"/>
                 <a:cs typeface="Gill Sans"/>
               </a:rPr>
-              <a:t> income</a:t>
-            </a:r>
-            <a:r>
-              <a:rPr lang="en-US" dirty="0" smtClean="0">
-                <a:solidFill>
-                  <a:schemeClr val="bg1">
-                    <a:lumMod val="50000"/>
-                  </a:schemeClr>
-                </a:solidFill>
-                <a:latin typeface="Gill Sans"/>
-                <a:ea typeface="Gill Sans" charset="0"/>
-                <a:cs typeface="Gill Sans"/>
-              </a:rPr>
-              <a:t> + 950</a:t>
-            </a:r>
-            <a:r>
-              <a:rPr lang="en-US" dirty="0" smtClean="0">
-                <a:solidFill>
-                  <a:schemeClr val="bg1">
-                    <a:lumMod val="50000"/>
-                  </a:schemeClr>
-                </a:solidFill>
-                <a:latin typeface="Gill Sans"/>
-                <a:ea typeface="Gill Sans" charset="0"/>
-                <a:cs typeface="Gill Sans"/>
-              </a:rPr>
-              <a:t> </a:t>
+              <a:t> income + 950 </a:t>
             </a:r>
             <a:endParaRPr lang="en-US" strike="sngStrike" dirty="0">
               <a:solidFill>
@@ -11497,7 +11471,7 @@
   <p:timing>
     <p:tnLst>
       <p:par>
-        <p:cTn xmlns:p14="http://schemas.microsoft.com/office/powerpoint/2010/main" id="1" dur="indefinite" restart="never" nodeType="tmRoot">
+        <p:cTn id="1" dur="indefinite" restart="never" nodeType="tmRoot">
           <p:childTnLst>
             <p:seq concurrent="1" nextAc="seek">
               <p:cTn id="2" dur="indefinite" nodeType="mainSeq">
@@ -14339,7 +14313,7 @@
   <p:timing>
     <p:tnLst>
       <p:par>
-        <p:cTn xmlns:p14="http://schemas.microsoft.com/office/powerpoint/2010/main" id="1" dur="indefinite" restart="never" nodeType="tmRoot"/>
+        <p:cTn id="1" dur="indefinite" restart="never" nodeType="tmRoot"/>
       </p:par>
     </p:tnLst>
   </p:timing>
@@ -16269,7 +16243,7 @@
   <p:timing>
     <p:tnLst>
       <p:par>
-        <p:cTn xmlns:p14="http://schemas.microsoft.com/office/powerpoint/2010/main" id="1" dur="indefinite" restart="never" nodeType="tmRoot"/>
+        <p:cTn id="1" dur="indefinite" restart="never" nodeType="tmRoot"/>
       </p:par>
     </p:tnLst>
   </p:timing>
@@ -18550,16 +18524,6 @@
               </a:rPr>
               <a:t>TPC-C</a:t>
             </a:r>
-            <a:endParaRPr lang="en-US" dirty="0" smtClean="0">
-              <a:solidFill>
-                <a:schemeClr val="bg1">
-                  <a:lumMod val="65000"/>
-                </a:schemeClr>
-              </a:solidFill>
-              <a:latin typeface="Gill Sans" charset="0"/>
-              <a:ea typeface="Gill Sans" charset="0"/>
-              <a:cs typeface="Gill Sans" charset="0"/>
-            </a:endParaRPr>
           </a:p>
         </p:txBody>
       </p:sp>
@@ -18913,7 +18877,7 @@
   <p:timing>
     <p:tnLst>
       <p:par>
-        <p:cTn xmlns:p14="http://schemas.microsoft.com/office/powerpoint/2010/main" id="1" dur="indefinite" restart="never" nodeType="tmRoot"/>
+        <p:cTn id="1" dur="indefinite" restart="never" nodeType="tmRoot"/>
       </p:par>
     </p:tnLst>
   </p:timing>
@@ -20972,16 +20936,6 @@
               </a:rPr>
               <a:t>TATP</a:t>
             </a:r>
-            <a:endParaRPr lang="en-US" dirty="0" smtClean="0">
-              <a:solidFill>
-                <a:schemeClr val="bg1">
-                  <a:lumMod val="65000"/>
-                </a:schemeClr>
-              </a:solidFill>
-              <a:latin typeface="Gill Sans"/>
-              <a:ea typeface="Gill Sans" charset="0"/>
-              <a:cs typeface="Gill Sans"/>
-            </a:endParaRPr>
           </a:p>
         </p:txBody>
       </p:sp>
@@ -22191,20 +22145,7 @@
                 <a:ea typeface="Gill Sans" charset="0"/>
                 <a:cs typeface="Gill Sans"/>
               </a:rPr>
-              <a:t>UPDATE 	</a:t>
-            </a:r>
-            <a:r>
-              <a:rPr lang="en-US" dirty="0" smtClean="0">
-                <a:solidFill>
-                  <a:schemeClr val="bg1">
-                    <a:lumMod val="50000"/>
-                  </a:schemeClr>
-                </a:solidFill>
-                <a:latin typeface="Gill Sans"/>
-                <a:ea typeface="Gill Sans" charset="0"/>
-                <a:cs typeface="Gill Sans"/>
-              </a:rPr>
-              <a:t>T</a:t>
+              <a:t>UPDATE 	T</a:t>
             </a:r>
             <a:r>
               <a:rPr lang="zh-CN" altLang="en-US" dirty="0" smtClean="0">
@@ -22245,59 +22186,7 @@
                 <a:ea typeface="Gill Sans" charset="0"/>
                 <a:cs typeface="Gill Sans"/>
               </a:rPr>
-              <a:t>income </a:t>
-            </a:r>
-            <a:r>
-              <a:rPr lang="en-US" dirty="0" smtClean="0">
-                <a:solidFill>
-                  <a:schemeClr val="bg1">
-                    <a:lumMod val="50000"/>
-                  </a:schemeClr>
-                </a:solidFill>
-                <a:latin typeface="Gill Sans"/>
-                <a:ea typeface="Gill Sans" charset="0"/>
-                <a:cs typeface="Gill Sans"/>
-              </a:rPr>
-              <a:t>=  </a:t>
-            </a:r>
-            <a:r>
-              <a:rPr lang="en-US" dirty="0" smtClean="0">
-                <a:solidFill>
-                  <a:schemeClr val="bg1">
-                    <a:lumMod val="50000"/>
-                  </a:schemeClr>
-                </a:solidFill>
-                <a:latin typeface="Gill Sans"/>
-                <a:ea typeface="Gill Sans" charset="0"/>
-                <a:cs typeface="Gill Sans"/>
-              </a:rPr>
-              <a:t>income</a:t>
-            </a:r>
-            <a:r>
-              <a:rPr lang="en-US" dirty="0" smtClean="0">
-                <a:solidFill>
-                  <a:schemeClr val="bg1">
-                    <a:lumMod val="50000"/>
-                  </a:schemeClr>
-                </a:solidFill>
-                <a:latin typeface="Gill Sans"/>
-                <a:ea typeface="Gill Sans" charset="0"/>
-                <a:cs typeface="Gill Sans"/>
-              </a:rPr>
-              <a:t> + 950</a:t>
-            </a:r>
-            <a:r>
-              <a:rPr lang="en-US" dirty="0" smtClean="0">
-                <a:solidFill>
-                  <a:schemeClr val="bg1">
-                    <a:lumMod val="50000"/>
-                  </a:schemeClr>
-                </a:solidFill>
-                <a:latin typeface="Gill Sans"/>
-                <a:ea typeface="Gill Sans" charset="0"/>
-                <a:cs typeface="Gill Sans"/>
-              </a:rPr>
-              <a:t> </a:t>
+              <a:t>income =  income + 950 </a:t>
             </a:r>
             <a:endParaRPr lang="en-US" strike="sngStrike" dirty="0" smtClean="0">
               <a:solidFill>
@@ -22324,16 +22213,6 @@
               </a:rPr>
               <a:t> WHERE </a:t>
             </a:r>
-            <a:endParaRPr lang="en-US" dirty="0" smtClean="0">
-              <a:solidFill>
-                <a:schemeClr val="bg1">
-                  <a:lumMod val="50000"/>
-                </a:schemeClr>
-              </a:solidFill>
-              <a:latin typeface="Gill Sans"/>
-              <a:ea typeface="Gill Sans" charset="0"/>
-              <a:cs typeface="Gill Sans"/>
-            </a:endParaRPr>
           </a:p>
           <a:p>
             <a:r>
@@ -22347,20 +22226,7 @@
                 <a:ea typeface="Gill Sans" charset="0"/>
                 <a:cs typeface="Gill Sans"/>
               </a:rPr>
-              <a:t>income</a:t>
-            </a:r>
-            <a:r>
-              <a:rPr lang="en-US" dirty="0" smtClean="0">
-                <a:solidFill>
-                  <a:schemeClr val="bg1">
-                    <a:lumMod val="50000"/>
-                  </a:schemeClr>
-                </a:solidFill>
-                <a:latin typeface="Gill Sans"/>
-                <a:ea typeface="Gill Sans" charset="0"/>
-                <a:cs typeface="Gill Sans"/>
-              </a:rPr>
-              <a:t> </a:t>
+              <a:t>income </a:t>
             </a:r>
             <a:r>
               <a:rPr lang="zh-CN" altLang="zh-CN" dirty="0" smtClean="0">
@@ -23007,7 +22873,7 @@
   <p:timing>
     <p:tnLst>
       <p:par>
-        <p:cTn xmlns:p14="http://schemas.microsoft.com/office/powerpoint/2010/main" id="1" dur="indefinite" restart="never" nodeType="tmRoot"/>
+        <p:cTn id="1" dur="indefinite" restart="never" nodeType="tmRoot"/>
       </p:par>
     </p:tnLst>
   </p:timing>
@@ -26289,7 +26155,7 @@
   <p:timing>
     <p:tnLst>
       <p:par>
-        <p:cTn xmlns:p14="http://schemas.microsoft.com/office/powerpoint/2010/main" id="1" dur="indefinite" restart="never" nodeType="tmRoot">
+        <p:cTn id="1" dur="indefinite" restart="never" nodeType="tmRoot">
           <p:childTnLst>
             <p:seq concurrent="1" nextAc="seek">
               <p:cTn id="2" dur="indefinite" nodeType="mainSeq">
@@ -29887,1301 +29753,1287 @@
           <a:chExt cx="0" cy="0"/>
         </a:xfrm>
       </p:grpSpPr>
-      <p:grpSp>
-        <p:nvGrpSpPr>
-          <p:cNvPr id="21" name="Group 20"/>
-          <p:cNvGrpSpPr/>
-          <p:nvPr/>
-        </p:nvGrpSpPr>
-        <p:grpSpPr>
-          <a:xfrm>
-            <a:off x="932303" y="1144023"/>
-            <a:ext cx="3714875" cy="1980585"/>
-            <a:chOff x="-1057026" y="1976120"/>
-            <a:chExt cx="2979145" cy="1980585"/>
-          </a:xfrm>
-        </p:grpSpPr>
-        <p:graphicFrame>
-          <p:nvGraphicFramePr>
-            <p:cNvPr id="2" name="Content Placeholder 3"/>
-            <p:cNvGraphicFramePr>
-              <a:graphicFrameLocks/>
-            </p:cNvGraphicFramePr>
-            <p:nvPr>
-              <p:extLst>
-                <p:ext uri="{D42A27DB-BD31-4B8C-83A1-F6EECF244321}">
-                  <p14:modId xmlns:p14="http://schemas.microsoft.com/office/powerpoint/2010/main" val="1739997084"/>
-                </p:ext>
-              </p:extLst>
-            </p:nvPr>
-          </p:nvGraphicFramePr>
-          <p:xfrm>
-            <a:off x="-1057026" y="2493665"/>
-            <a:ext cx="2589767" cy="1463040"/>
-          </p:xfrm>
-          <a:graphic>
-            <a:graphicData uri="http://schemas.openxmlformats.org/drawingml/2006/table">
-              <a:tbl>
-                <a:tblPr firstRow="1" bandRow="1">
-                  <a:tableStyleId>{5A111915-BE36-4E01-A7E5-04B1672EAD32}</a:tableStyleId>
-                </a:tblPr>
-                <a:tblGrid>
-                  <a:gridCol w="613458"/>
-                  <a:gridCol w="832287"/>
-                  <a:gridCol w="864745"/>
-                  <a:gridCol w="918846"/>
-                </a:tblGrid>
-                <a:tr h="287866">
-                  <a:tc>
-                    <a:txBody>
-                      <a:bodyPr/>
-                      <a:lstStyle/>
-                      <a:p>
-                        <a:pPr algn="ctr"/>
-                        <a:r>
-                          <a:rPr lang="en-US" sz="1800" b="0" u="none" dirty="0" smtClean="0">
-                            <a:solidFill>
-                              <a:schemeClr val="tx1"/>
-                            </a:solidFill>
-                            <a:latin typeface="Gill Sans"/>
-                            <a:cs typeface="Gill Sans"/>
-                          </a:rPr>
-                          <a:t>ID</a:t>
-                        </a:r>
-                        <a:endParaRPr lang="en-US" sz="1800" b="0" u="none" dirty="0">
+      <p:graphicFrame>
+        <p:nvGraphicFramePr>
+          <p:cNvPr id="2" name="Content Placeholder 3"/>
+          <p:cNvGraphicFramePr>
+            <a:graphicFrameLocks/>
+          </p:cNvGraphicFramePr>
+          <p:nvPr>
+            <p:extLst>
+              <p:ext uri="{D42A27DB-BD31-4B8C-83A1-F6EECF244321}">
+                <p14:modId xmlns:p14="http://schemas.microsoft.com/office/powerpoint/2010/main" val="1052624948"/>
+              </p:ext>
+            </p:extLst>
+          </p:nvPr>
+        </p:nvGraphicFramePr>
+        <p:xfrm>
+          <a:off x="932303" y="1661568"/>
+          <a:ext cx="3229336" cy="1463040"/>
+        </p:xfrm>
+        <a:graphic>
+          <a:graphicData uri="http://schemas.openxmlformats.org/drawingml/2006/table">
+            <a:tbl>
+              <a:tblPr firstRow="1" bandRow="1">
+                <a:tableStyleId>{5A111915-BE36-4E01-A7E5-04B1672EAD32}</a:tableStyleId>
+              </a:tblPr>
+              <a:tblGrid>
+                <a:gridCol w="613458"/>
+                <a:gridCol w="832287"/>
+                <a:gridCol w="864745"/>
+                <a:gridCol w="918846"/>
+              </a:tblGrid>
+              <a:tr h="287866">
+                <a:tc>
+                  <a:txBody>
+                    <a:bodyPr/>
+                    <a:lstStyle/>
+                    <a:p>
+                      <a:pPr algn="ctr"/>
+                      <a:r>
+                        <a:rPr lang="en-US" sz="1800" b="0" u="none" dirty="0" smtClean="0">
                           <a:solidFill>
                             <a:schemeClr val="tx1"/>
                           </a:solidFill>
                           <a:latin typeface="Gill Sans"/>
                           <a:cs typeface="Gill Sans"/>
-                        </a:endParaRPr>
-                      </a:p>
-                    </a:txBody>
-                    <a:tcPr>
-                      <a:lnL w="12700" cap="flat" cmpd="sng" algn="ctr">
+                        </a:rPr>
+                        <a:t>ID</a:t>
+                      </a:r>
+                      <a:endParaRPr lang="en-US" sz="1800" b="0" u="none" dirty="0">
                         <a:solidFill>
-                          <a:prstClr val="white">
-                            <a:lumMod val="75000"/>
-                          </a:prstClr>
+                          <a:schemeClr val="tx1"/>
                         </a:solidFill>
-                        <a:prstDash val="solid"/>
-                        <a:round/>
-                        <a:headEnd type="none" w="med" len="med"/>
-                        <a:tailEnd type="none" w="med" len="med"/>
-                      </a:lnL>
-                      <a:lnR w="12700" cap="flat" cmpd="sng" algn="ctr">
-                        <a:solidFill>
-                          <a:prstClr val="white">
-                            <a:lumMod val="75000"/>
-                          </a:prstClr>
-                        </a:solidFill>
-                        <a:prstDash val="solid"/>
-                        <a:round/>
-                        <a:headEnd type="none" w="med" len="med"/>
-                        <a:tailEnd type="none" w="med" len="med"/>
-                      </a:lnR>
-                      <a:lnT w="12700" cap="flat" cmpd="sng" algn="ctr">
-                        <a:solidFill>
-                          <a:prstClr val="white">
-                            <a:lumMod val="75000"/>
-                          </a:prstClr>
-                        </a:solidFill>
-                        <a:prstDash val="solid"/>
-                        <a:round/>
-                        <a:headEnd type="none" w="med" len="med"/>
-                        <a:tailEnd type="none" w="med" len="med"/>
-                      </a:lnT>
-                      <a:lnB w="12700" cap="flat" cmpd="sng" algn="ctr">
-                        <a:solidFill>
-                          <a:prstClr val="white">
-                            <a:lumMod val="75000"/>
-                          </a:prstClr>
-                        </a:solidFill>
-                        <a:prstDash val="solid"/>
-                        <a:round/>
-                        <a:headEnd type="none" w="med" len="med"/>
-                        <a:tailEnd type="none" w="med" len="med"/>
-                      </a:lnB>
-                      <a:lnTlToBr w="12700" cmpd="sng">
-                        <a:noFill/>
-                        <a:prstDash val="solid"/>
-                      </a:lnTlToBr>
-                      <a:lnBlToTr w="12700" cmpd="sng">
-                        <a:noFill/>
-                        <a:prstDash val="solid"/>
-                      </a:lnBlToTr>
+                        <a:latin typeface="Gill Sans"/>
+                        <a:cs typeface="Gill Sans"/>
+                      </a:endParaRPr>
+                    </a:p>
+                  </a:txBody>
+                  <a:tcPr>
+                    <a:lnL w="12700" cap="flat" cmpd="sng" algn="ctr">
                       <a:solidFill>
-                        <a:schemeClr val="bg1">
+                        <a:prstClr val="white">
                           <a:lumMod val="75000"/>
-                        </a:schemeClr>
+                        </a:prstClr>
                       </a:solidFill>
-                    </a:tcPr>
-                  </a:tc>
-                  <a:tc>
-                    <a:txBody>
-                      <a:bodyPr/>
-                      <a:lstStyle/>
-                      <a:p>
-                        <a:pPr algn="ctr"/>
-                        <a:r>
-                          <a:rPr lang="en-US" sz="1800" b="0" u="none" dirty="0" smtClean="0">
-                            <a:solidFill>
-                              <a:schemeClr val="tx1"/>
-                            </a:solidFill>
-                            <a:latin typeface="Gill Sans"/>
-                            <a:cs typeface="Gill Sans"/>
-                          </a:rPr>
-                          <a:t>tax</a:t>
-                        </a:r>
-                        <a:endParaRPr lang="en-US" sz="1800" b="0" u="none" dirty="0">
+                      <a:prstDash val="solid"/>
+                      <a:round/>
+                      <a:headEnd type="none" w="med" len="med"/>
+                      <a:tailEnd type="none" w="med" len="med"/>
+                    </a:lnL>
+                    <a:lnR w="12700" cap="flat" cmpd="sng" algn="ctr">
+                      <a:solidFill>
+                        <a:prstClr val="white">
+                          <a:lumMod val="75000"/>
+                        </a:prstClr>
+                      </a:solidFill>
+                      <a:prstDash val="solid"/>
+                      <a:round/>
+                      <a:headEnd type="none" w="med" len="med"/>
+                      <a:tailEnd type="none" w="med" len="med"/>
+                    </a:lnR>
+                    <a:lnT w="12700" cap="flat" cmpd="sng" algn="ctr">
+                      <a:solidFill>
+                        <a:prstClr val="white">
+                          <a:lumMod val="75000"/>
+                        </a:prstClr>
+                      </a:solidFill>
+                      <a:prstDash val="solid"/>
+                      <a:round/>
+                      <a:headEnd type="none" w="med" len="med"/>
+                      <a:tailEnd type="none" w="med" len="med"/>
+                    </a:lnT>
+                    <a:lnB w="12700" cap="flat" cmpd="sng" algn="ctr">
+                      <a:solidFill>
+                        <a:prstClr val="white">
+                          <a:lumMod val="75000"/>
+                        </a:prstClr>
+                      </a:solidFill>
+                      <a:prstDash val="solid"/>
+                      <a:round/>
+                      <a:headEnd type="none" w="med" len="med"/>
+                      <a:tailEnd type="none" w="med" len="med"/>
+                    </a:lnB>
+                    <a:lnTlToBr w="12700" cmpd="sng">
+                      <a:noFill/>
+                      <a:prstDash val="solid"/>
+                    </a:lnTlToBr>
+                    <a:lnBlToTr w="12700" cmpd="sng">
+                      <a:noFill/>
+                      <a:prstDash val="solid"/>
+                    </a:lnBlToTr>
+                    <a:solidFill>
+                      <a:schemeClr val="bg1">
+                        <a:lumMod val="75000"/>
+                      </a:schemeClr>
+                    </a:solidFill>
+                  </a:tcPr>
+                </a:tc>
+                <a:tc>
+                  <a:txBody>
+                    <a:bodyPr/>
+                    <a:lstStyle/>
+                    <a:p>
+                      <a:pPr algn="ctr"/>
+                      <a:r>
+                        <a:rPr lang="en-US" sz="1800" b="0" u="none" dirty="0" smtClean="0">
                           <a:solidFill>
                             <a:schemeClr val="tx1"/>
                           </a:solidFill>
                           <a:latin typeface="Gill Sans"/>
                           <a:cs typeface="Gill Sans"/>
-                        </a:endParaRPr>
-                      </a:p>
-                    </a:txBody>
-                    <a:tcPr>
-                      <a:lnL w="12700" cap="flat" cmpd="sng" algn="ctr">
+                        </a:rPr>
+                        <a:t>tax</a:t>
+                      </a:r>
+                      <a:endParaRPr lang="en-US" sz="1800" b="0" u="none" dirty="0">
                         <a:solidFill>
-                          <a:prstClr val="white">
-                            <a:lumMod val="75000"/>
-                          </a:prstClr>
+                          <a:schemeClr val="tx1"/>
                         </a:solidFill>
-                        <a:prstDash val="solid"/>
-                        <a:round/>
-                        <a:headEnd type="none" w="med" len="med"/>
-                        <a:tailEnd type="none" w="med" len="med"/>
-                      </a:lnL>
-                      <a:lnR w="12700" cap="flat" cmpd="sng" algn="ctr">
-                        <a:solidFill>
-                          <a:prstClr val="white">
-                            <a:lumMod val="75000"/>
-                          </a:prstClr>
-                        </a:solidFill>
-                        <a:prstDash val="solid"/>
-                        <a:round/>
-                        <a:headEnd type="none" w="med" len="med"/>
-                        <a:tailEnd type="none" w="med" len="med"/>
-                      </a:lnR>
-                      <a:lnT w="12700" cap="flat" cmpd="sng" algn="ctr">
-                        <a:solidFill>
-                          <a:prstClr val="white">
-                            <a:lumMod val="75000"/>
-                          </a:prstClr>
-                        </a:solidFill>
-                        <a:prstDash val="solid"/>
-                        <a:round/>
-                        <a:headEnd type="none" w="med" len="med"/>
-                        <a:tailEnd type="none" w="med" len="med"/>
-                      </a:lnT>
-                      <a:lnB w="12700" cap="flat" cmpd="sng" algn="ctr">
-                        <a:solidFill>
-                          <a:prstClr val="white">
-                            <a:lumMod val="75000"/>
-                          </a:prstClr>
-                        </a:solidFill>
-                        <a:prstDash val="solid"/>
-                        <a:round/>
-                        <a:headEnd type="none" w="med" len="med"/>
-                        <a:tailEnd type="none" w="med" len="med"/>
-                      </a:lnB>
-                      <a:lnTlToBr w="12700" cmpd="sng">
-                        <a:noFill/>
-                        <a:prstDash val="solid"/>
-                      </a:lnTlToBr>
-                      <a:lnBlToTr w="12700" cmpd="sng">
-                        <a:noFill/>
-                        <a:prstDash val="solid"/>
-                      </a:lnBlToTr>
+                        <a:latin typeface="Gill Sans"/>
+                        <a:cs typeface="Gill Sans"/>
+                      </a:endParaRPr>
+                    </a:p>
+                  </a:txBody>
+                  <a:tcPr>
+                    <a:lnL w="12700" cap="flat" cmpd="sng" algn="ctr">
                       <a:solidFill>
-                        <a:schemeClr val="bg1">
+                        <a:prstClr val="white">
                           <a:lumMod val="75000"/>
-                        </a:schemeClr>
+                        </a:prstClr>
                       </a:solidFill>
-                    </a:tcPr>
-                  </a:tc>
-                  <a:tc>
-                    <a:txBody>
-                      <a:bodyPr/>
-                      <a:lstStyle/>
-                      <a:p>
-                        <a:pPr algn="ctr"/>
-                        <a:r>
-                          <a:rPr lang="en-US" sz="1800" b="0" u="none" dirty="0" smtClean="0">
-                            <a:solidFill>
-                              <a:schemeClr val="tx1"/>
-                            </a:solidFill>
-                            <a:latin typeface="Gill Sans"/>
-                            <a:cs typeface="Gill Sans"/>
-                          </a:rPr>
-                          <a:t>income</a:t>
-                        </a:r>
-                        <a:endParaRPr lang="en-US" sz="1800" b="0" u="none" dirty="0">
+                      <a:prstDash val="solid"/>
+                      <a:round/>
+                      <a:headEnd type="none" w="med" len="med"/>
+                      <a:tailEnd type="none" w="med" len="med"/>
+                    </a:lnL>
+                    <a:lnR w="12700" cap="flat" cmpd="sng" algn="ctr">
+                      <a:solidFill>
+                        <a:prstClr val="white">
+                          <a:lumMod val="75000"/>
+                        </a:prstClr>
+                      </a:solidFill>
+                      <a:prstDash val="solid"/>
+                      <a:round/>
+                      <a:headEnd type="none" w="med" len="med"/>
+                      <a:tailEnd type="none" w="med" len="med"/>
+                    </a:lnR>
+                    <a:lnT w="12700" cap="flat" cmpd="sng" algn="ctr">
+                      <a:solidFill>
+                        <a:prstClr val="white">
+                          <a:lumMod val="75000"/>
+                        </a:prstClr>
+                      </a:solidFill>
+                      <a:prstDash val="solid"/>
+                      <a:round/>
+                      <a:headEnd type="none" w="med" len="med"/>
+                      <a:tailEnd type="none" w="med" len="med"/>
+                    </a:lnT>
+                    <a:lnB w="12700" cap="flat" cmpd="sng" algn="ctr">
+                      <a:solidFill>
+                        <a:prstClr val="white">
+                          <a:lumMod val="75000"/>
+                        </a:prstClr>
+                      </a:solidFill>
+                      <a:prstDash val="solid"/>
+                      <a:round/>
+                      <a:headEnd type="none" w="med" len="med"/>
+                      <a:tailEnd type="none" w="med" len="med"/>
+                    </a:lnB>
+                    <a:lnTlToBr w="12700" cmpd="sng">
+                      <a:noFill/>
+                      <a:prstDash val="solid"/>
+                    </a:lnTlToBr>
+                    <a:lnBlToTr w="12700" cmpd="sng">
+                      <a:noFill/>
+                      <a:prstDash val="solid"/>
+                    </a:lnBlToTr>
+                    <a:solidFill>
+                      <a:schemeClr val="bg1">
+                        <a:lumMod val="75000"/>
+                      </a:schemeClr>
+                    </a:solidFill>
+                  </a:tcPr>
+                </a:tc>
+                <a:tc>
+                  <a:txBody>
+                    <a:bodyPr/>
+                    <a:lstStyle/>
+                    <a:p>
+                      <a:pPr algn="ctr"/>
+                      <a:r>
+                        <a:rPr lang="en-US" sz="1800" b="0" u="none" dirty="0" smtClean="0">
                           <a:solidFill>
                             <a:schemeClr val="tx1"/>
                           </a:solidFill>
                           <a:latin typeface="Gill Sans"/>
                           <a:cs typeface="Gill Sans"/>
-                        </a:endParaRPr>
-                      </a:p>
-                    </a:txBody>
-                    <a:tcPr>
-                      <a:lnL w="12700" cap="flat" cmpd="sng" algn="ctr">
+                        </a:rPr>
+                        <a:t>income</a:t>
+                      </a:r>
+                      <a:endParaRPr lang="en-US" sz="1800" b="0" u="none" dirty="0">
                         <a:solidFill>
-                          <a:prstClr val="white">
-                            <a:lumMod val="75000"/>
-                          </a:prstClr>
+                          <a:schemeClr val="tx1"/>
                         </a:solidFill>
-                        <a:prstDash val="solid"/>
-                        <a:round/>
-                        <a:headEnd type="none" w="med" len="med"/>
-                        <a:tailEnd type="none" w="med" len="med"/>
-                      </a:lnL>
-                      <a:lnR w="12700" cap="flat" cmpd="sng" algn="ctr">
-                        <a:solidFill>
-                          <a:prstClr val="white">
-                            <a:lumMod val="75000"/>
-                          </a:prstClr>
-                        </a:solidFill>
-                        <a:prstDash val="solid"/>
-                        <a:round/>
-                        <a:headEnd type="none" w="med" len="med"/>
-                        <a:tailEnd type="none" w="med" len="med"/>
-                      </a:lnR>
-                      <a:lnT w="12700" cap="flat" cmpd="sng" algn="ctr">
-                        <a:solidFill>
-                          <a:prstClr val="white">
-                            <a:lumMod val="75000"/>
-                          </a:prstClr>
-                        </a:solidFill>
-                        <a:prstDash val="solid"/>
-                        <a:round/>
-                        <a:headEnd type="none" w="med" len="med"/>
-                        <a:tailEnd type="none" w="med" len="med"/>
-                      </a:lnT>
-                      <a:lnB w="12700" cap="flat" cmpd="sng" algn="ctr">
-                        <a:solidFill>
-                          <a:prstClr val="white">
-                            <a:lumMod val="75000"/>
-                          </a:prstClr>
-                        </a:solidFill>
-                        <a:prstDash val="solid"/>
-                        <a:round/>
-                        <a:headEnd type="none" w="med" len="med"/>
-                        <a:tailEnd type="none" w="med" len="med"/>
-                      </a:lnB>
-                      <a:lnTlToBr w="12700" cmpd="sng">
-                        <a:noFill/>
-                        <a:prstDash val="solid"/>
-                      </a:lnTlToBr>
-                      <a:lnBlToTr w="12700" cmpd="sng">
-                        <a:noFill/>
-                        <a:prstDash val="solid"/>
-                      </a:lnBlToTr>
+                        <a:latin typeface="Gill Sans"/>
+                        <a:cs typeface="Gill Sans"/>
+                      </a:endParaRPr>
+                    </a:p>
+                  </a:txBody>
+                  <a:tcPr>
+                    <a:lnL w="12700" cap="flat" cmpd="sng" algn="ctr">
                       <a:solidFill>
-                        <a:schemeClr val="bg1">
+                        <a:prstClr val="white">
                           <a:lumMod val="75000"/>
-                        </a:schemeClr>
+                        </a:prstClr>
                       </a:solidFill>
-                    </a:tcPr>
-                  </a:tc>
-                  <a:tc>
-                    <a:txBody>
-                      <a:bodyPr/>
-                      <a:lstStyle/>
-                      <a:p>
-                        <a:pPr algn="ctr"/>
-                        <a:r>
-                          <a:rPr lang="en-US" sz="1800" b="0" u="none" dirty="0" smtClean="0">
-                            <a:solidFill>
-                              <a:schemeClr val="tx1"/>
-                            </a:solidFill>
-                            <a:latin typeface="Gill Sans"/>
-                            <a:cs typeface="Gill Sans"/>
-                          </a:rPr>
-                          <a:t>pay</a:t>
-                        </a:r>
-                        <a:endParaRPr lang="en-US" sz="1800" b="0" u="none" dirty="0">
+                      <a:prstDash val="solid"/>
+                      <a:round/>
+                      <a:headEnd type="none" w="med" len="med"/>
+                      <a:tailEnd type="none" w="med" len="med"/>
+                    </a:lnL>
+                    <a:lnR w="12700" cap="flat" cmpd="sng" algn="ctr">
+                      <a:solidFill>
+                        <a:prstClr val="white">
+                          <a:lumMod val="75000"/>
+                        </a:prstClr>
+                      </a:solidFill>
+                      <a:prstDash val="solid"/>
+                      <a:round/>
+                      <a:headEnd type="none" w="med" len="med"/>
+                      <a:tailEnd type="none" w="med" len="med"/>
+                    </a:lnR>
+                    <a:lnT w="12700" cap="flat" cmpd="sng" algn="ctr">
+                      <a:solidFill>
+                        <a:prstClr val="white">
+                          <a:lumMod val="75000"/>
+                        </a:prstClr>
+                      </a:solidFill>
+                      <a:prstDash val="solid"/>
+                      <a:round/>
+                      <a:headEnd type="none" w="med" len="med"/>
+                      <a:tailEnd type="none" w="med" len="med"/>
+                    </a:lnT>
+                    <a:lnB w="12700" cap="flat" cmpd="sng" algn="ctr">
+                      <a:solidFill>
+                        <a:prstClr val="white">
+                          <a:lumMod val="75000"/>
+                        </a:prstClr>
+                      </a:solidFill>
+                      <a:prstDash val="solid"/>
+                      <a:round/>
+                      <a:headEnd type="none" w="med" len="med"/>
+                      <a:tailEnd type="none" w="med" len="med"/>
+                    </a:lnB>
+                    <a:lnTlToBr w="12700" cmpd="sng">
+                      <a:noFill/>
+                      <a:prstDash val="solid"/>
+                    </a:lnTlToBr>
+                    <a:lnBlToTr w="12700" cmpd="sng">
+                      <a:noFill/>
+                      <a:prstDash val="solid"/>
+                    </a:lnBlToTr>
+                    <a:solidFill>
+                      <a:schemeClr val="bg1">
+                        <a:lumMod val="75000"/>
+                      </a:schemeClr>
+                    </a:solidFill>
+                  </a:tcPr>
+                </a:tc>
+                <a:tc>
+                  <a:txBody>
+                    <a:bodyPr/>
+                    <a:lstStyle/>
+                    <a:p>
+                      <a:pPr algn="ctr"/>
+                      <a:r>
+                        <a:rPr lang="en-US" sz="1800" b="0" u="none" dirty="0" smtClean="0">
                           <a:solidFill>
                             <a:schemeClr val="tx1"/>
                           </a:solidFill>
                           <a:latin typeface="Gill Sans"/>
                           <a:cs typeface="Gill Sans"/>
-                        </a:endParaRPr>
-                      </a:p>
-                    </a:txBody>
-                    <a:tcPr>
-                      <a:lnL w="12700" cap="flat" cmpd="sng" algn="ctr">
+                        </a:rPr>
+                        <a:t>pay</a:t>
+                      </a:r>
+                      <a:endParaRPr lang="en-US" sz="1800" b="0" u="none" dirty="0">
                         <a:solidFill>
-                          <a:prstClr val="white">
-                            <a:lumMod val="75000"/>
-                          </a:prstClr>
+                          <a:schemeClr val="tx1"/>
                         </a:solidFill>
-                        <a:prstDash val="solid"/>
-                        <a:round/>
-                        <a:headEnd type="none" w="med" len="med"/>
-                        <a:tailEnd type="none" w="med" len="med"/>
-                      </a:lnL>
-                      <a:lnR w="12700" cap="flat" cmpd="sng" algn="ctr">
-                        <a:solidFill>
-                          <a:prstClr val="white">
-                            <a:lumMod val="75000"/>
-                          </a:prstClr>
-                        </a:solidFill>
-                        <a:prstDash val="solid"/>
-                        <a:round/>
-                        <a:headEnd type="none" w="med" len="med"/>
-                        <a:tailEnd type="none" w="med" len="med"/>
-                      </a:lnR>
-                      <a:lnT w="12700" cap="flat" cmpd="sng" algn="ctr">
-                        <a:solidFill>
-                          <a:prstClr val="white">
-                            <a:lumMod val="75000"/>
-                          </a:prstClr>
-                        </a:solidFill>
-                        <a:prstDash val="solid"/>
-                        <a:round/>
-                        <a:headEnd type="none" w="med" len="med"/>
-                        <a:tailEnd type="none" w="med" len="med"/>
-                      </a:lnT>
-                      <a:lnB w="12700" cap="flat" cmpd="sng" algn="ctr">
-                        <a:solidFill>
-                          <a:prstClr val="white">
-                            <a:lumMod val="75000"/>
-                          </a:prstClr>
-                        </a:solidFill>
-                        <a:prstDash val="solid"/>
-                        <a:round/>
-                        <a:headEnd type="none" w="med" len="med"/>
-                        <a:tailEnd type="none" w="med" len="med"/>
-                      </a:lnB>
-                      <a:lnTlToBr w="12700" cmpd="sng">
-                        <a:noFill/>
-                        <a:prstDash val="solid"/>
-                      </a:lnTlToBr>
-                      <a:lnBlToTr w="12700" cmpd="sng">
-                        <a:noFill/>
-                        <a:prstDash val="solid"/>
-                      </a:lnBlToTr>
+                        <a:latin typeface="Gill Sans"/>
+                        <a:cs typeface="Gill Sans"/>
+                      </a:endParaRPr>
+                    </a:p>
+                  </a:txBody>
+                  <a:tcPr>
+                    <a:lnL w="12700" cap="flat" cmpd="sng" algn="ctr">
                       <a:solidFill>
-                        <a:schemeClr val="bg1">
+                        <a:prstClr val="white">
                           <a:lumMod val="75000"/>
-                        </a:schemeClr>
+                        </a:prstClr>
                       </a:solidFill>
-                    </a:tcPr>
-                  </a:tc>
-                </a:tr>
-                <a:tr h="287866">
-                  <a:tc>
-                    <a:txBody>
-                      <a:bodyPr/>
-                      <a:lstStyle/>
-                      <a:p>
-                        <a:r>
-                          <a:rPr lang="en-US" sz="1800" b="0" dirty="0" smtClean="0">
-                            <a:latin typeface="+mn-lt"/>
-                            <a:cs typeface="Gill Sans"/>
-                          </a:rPr>
-                          <a:t>t1</a:t>
-                        </a:r>
-                        <a:endParaRPr lang="en-US" sz="1800" b="0" dirty="0">
+                      <a:prstDash val="solid"/>
+                      <a:round/>
+                      <a:headEnd type="none" w="med" len="med"/>
+                      <a:tailEnd type="none" w="med" len="med"/>
+                    </a:lnL>
+                    <a:lnR w="12700" cap="flat" cmpd="sng" algn="ctr">
+                      <a:solidFill>
+                        <a:prstClr val="white">
+                          <a:lumMod val="75000"/>
+                        </a:prstClr>
+                      </a:solidFill>
+                      <a:prstDash val="solid"/>
+                      <a:round/>
+                      <a:headEnd type="none" w="med" len="med"/>
+                      <a:tailEnd type="none" w="med" len="med"/>
+                    </a:lnR>
+                    <a:lnT w="12700" cap="flat" cmpd="sng" algn="ctr">
+                      <a:solidFill>
+                        <a:prstClr val="white">
+                          <a:lumMod val="75000"/>
+                        </a:prstClr>
+                      </a:solidFill>
+                      <a:prstDash val="solid"/>
+                      <a:round/>
+                      <a:headEnd type="none" w="med" len="med"/>
+                      <a:tailEnd type="none" w="med" len="med"/>
+                    </a:lnT>
+                    <a:lnB w="12700" cap="flat" cmpd="sng" algn="ctr">
+                      <a:solidFill>
+                        <a:prstClr val="white">
+                          <a:lumMod val="75000"/>
+                        </a:prstClr>
+                      </a:solidFill>
+                      <a:prstDash val="solid"/>
+                      <a:round/>
+                      <a:headEnd type="none" w="med" len="med"/>
+                      <a:tailEnd type="none" w="med" len="med"/>
+                    </a:lnB>
+                    <a:lnTlToBr w="12700" cmpd="sng">
+                      <a:noFill/>
+                      <a:prstDash val="solid"/>
+                    </a:lnTlToBr>
+                    <a:lnBlToTr w="12700" cmpd="sng">
+                      <a:noFill/>
+                      <a:prstDash val="solid"/>
+                    </a:lnBlToTr>
+                    <a:solidFill>
+                      <a:schemeClr val="bg1">
+                        <a:lumMod val="75000"/>
+                      </a:schemeClr>
+                    </a:solidFill>
+                  </a:tcPr>
+                </a:tc>
+              </a:tr>
+              <a:tr h="287866">
+                <a:tc>
+                  <a:txBody>
+                    <a:bodyPr/>
+                    <a:lstStyle/>
+                    <a:p>
+                      <a:r>
+                        <a:rPr lang="en-US" sz="1800" b="0" dirty="0" smtClean="0">
                           <a:latin typeface="+mn-lt"/>
                           <a:cs typeface="Gill Sans"/>
-                        </a:endParaRPr>
-                      </a:p>
-                    </a:txBody>
-                    <a:tcPr>
-                      <a:lnL w="12700" cap="flat" cmpd="sng" algn="ctr">
-                        <a:solidFill>
-                          <a:prstClr val="white">
-                            <a:lumMod val="75000"/>
-                          </a:prstClr>
-                        </a:solidFill>
-                        <a:prstDash val="solid"/>
-                        <a:round/>
-                        <a:headEnd type="none" w="med" len="med"/>
-                        <a:tailEnd type="none" w="med" len="med"/>
-                      </a:lnL>
-                      <a:lnR w="12700" cap="flat" cmpd="sng" algn="ctr">
-                        <a:solidFill>
-                          <a:prstClr val="white">
-                            <a:lumMod val="75000"/>
-                          </a:prstClr>
-                        </a:solidFill>
-                        <a:prstDash val="solid"/>
-                        <a:round/>
-                        <a:headEnd type="none" w="med" len="med"/>
-                        <a:tailEnd type="none" w="med" len="med"/>
-                      </a:lnR>
-                      <a:lnT w="12700" cap="flat" cmpd="sng" algn="ctr">
-                        <a:solidFill>
-                          <a:prstClr val="white">
-                            <a:lumMod val="75000"/>
-                          </a:prstClr>
-                        </a:solidFill>
-                        <a:prstDash val="solid"/>
-                        <a:round/>
-                        <a:headEnd type="none" w="med" len="med"/>
-                        <a:tailEnd type="none" w="med" len="med"/>
-                      </a:lnT>
-                      <a:lnB w="12700" cap="flat" cmpd="sng" algn="ctr">
-                        <a:solidFill>
-                          <a:prstClr val="white">
-                            <a:lumMod val="75000"/>
-                          </a:prstClr>
-                        </a:solidFill>
-                        <a:prstDash val="solid"/>
-                        <a:round/>
-                        <a:headEnd type="none" w="med" len="med"/>
-                        <a:tailEnd type="none" w="med" len="med"/>
-                      </a:lnB>
-                      <a:lnTlToBr w="12700" cmpd="sng">
-                        <a:noFill/>
-                        <a:prstDash val="solid"/>
-                      </a:lnTlToBr>
-                      <a:lnBlToTr w="12700" cmpd="sng">
-                        <a:noFill/>
-                        <a:prstDash val="solid"/>
-                      </a:lnBlToTr>
-                    </a:tcPr>
-                  </a:tc>
-                  <a:tc>
-                    <a:txBody>
-                      <a:bodyPr/>
-                      <a:lstStyle/>
-                      <a:p>
-                        <a:r>
-                          <a:rPr lang="en-US" sz="1800" b="0" dirty="0" smtClean="0">
-                            <a:latin typeface="+mn-lt"/>
-                            <a:cs typeface="Gill Sans"/>
-                          </a:rPr>
-                          <a:t>950</a:t>
-                        </a:r>
-                        <a:endParaRPr lang="en-US" sz="1800" b="0" dirty="0">
+                        </a:rPr>
+                        <a:t>t1</a:t>
+                      </a:r>
+                      <a:endParaRPr lang="en-US" sz="1800" b="0" dirty="0">
+                        <a:latin typeface="+mn-lt"/>
+                        <a:cs typeface="Gill Sans"/>
+                      </a:endParaRPr>
+                    </a:p>
+                  </a:txBody>
+                  <a:tcPr>
+                    <a:lnL w="12700" cap="flat" cmpd="sng" algn="ctr">
+                      <a:solidFill>
+                        <a:prstClr val="white">
+                          <a:lumMod val="75000"/>
+                        </a:prstClr>
+                      </a:solidFill>
+                      <a:prstDash val="solid"/>
+                      <a:round/>
+                      <a:headEnd type="none" w="med" len="med"/>
+                      <a:tailEnd type="none" w="med" len="med"/>
+                    </a:lnL>
+                    <a:lnR w="12700" cap="flat" cmpd="sng" algn="ctr">
+                      <a:solidFill>
+                        <a:prstClr val="white">
+                          <a:lumMod val="75000"/>
+                        </a:prstClr>
+                      </a:solidFill>
+                      <a:prstDash val="solid"/>
+                      <a:round/>
+                      <a:headEnd type="none" w="med" len="med"/>
+                      <a:tailEnd type="none" w="med" len="med"/>
+                    </a:lnR>
+                    <a:lnT w="12700" cap="flat" cmpd="sng" algn="ctr">
+                      <a:solidFill>
+                        <a:prstClr val="white">
+                          <a:lumMod val="75000"/>
+                        </a:prstClr>
+                      </a:solidFill>
+                      <a:prstDash val="solid"/>
+                      <a:round/>
+                      <a:headEnd type="none" w="med" len="med"/>
+                      <a:tailEnd type="none" w="med" len="med"/>
+                    </a:lnT>
+                    <a:lnB w="12700" cap="flat" cmpd="sng" algn="ctr">
+                      <a:solidFill>
+                        <a:prstClr val="white">
+                          <a:lumMod val="75000"/>
+                        </a:prstClr>
+                      </a:solidFill>
+                      <a:prstDash val="solid"/>
+                      <a:round/>
+                      <a:headEnd type="none" w="med" len="med"/>
+                      <a:tailEnd type="none" w="med" len="med"/>
+                    </a:lnB>
+                    <a:lnTlToBr w="12700" cmpd="sng">
+                      <a:noFill/>
+                      <a:prstDash val="solid"/>
+                    </a:lnTlToBr>
+                    <a:lnBlToTr w="12700" cmpd="sng">
+                      <a:noFill/>
+                      <a:prstDash val="solid"/>
+                    </a:lnBlToTr>
+                  </a:tcPr>
+                </a:tc>
+                <a:tc>
+                  <a:txBody>
+                    <a:bodyPr/>
+                    <a:lstStyle/>
+                    <a:p>
+                      <a:r>
+                        <a:rPr lang="en-US" sz="1800" b="0" dirty="0" smtClean="0">
                           <a:latin typeface="+mn-lt"/>
                           <a:cs typeface="Gill Sans"/>
-                        </a:endParaRPr>
-                      </a:p>
-                    </a:txBody>
-                    <a:tcPr>
-                      <a:lnL w="12700" cap="flat" cmpd="sng" algn="ctr">
-                        <a:solidFill>
-                          <a:prstClr val="white">
-                            <a:lumMod val="75000"/>
-                          </a:prstClr>
-                        </a:solidFill>
-                        <a:prstDash val="solid"/>
-                        <a:round/>
-                        <a:headEnd type="none" w="med" len="med"/>
-                        <a:tailEnd type="none" w="med" len="med"/>
-                      </a:lnL>
-                      <a:lnR w="12700" cap="flat" cmpd="sng" algn="ctr">
-                        <a:solidFill>
-                          <a:prstClr val="white">
-                            <a:lumMod val="75000"/>
-                          </a:prstClr>
-                        </a:solidFill>
-                        <a:prstDash val="solid"/>
-                        <a:round/>
-                        <a:headEnd type="none" w="med" len="med"/>
-                        <a:tailEnd type="none" w="med" len="med"/>
-                      </a:lnR>
-                      <a:lnT w="12700" cap="flat" cmpd="sng" algn="ctr">
-                        <a:solidFill>
-                          <a:prstClr val="white">
-                            <a:lumMod val="75000"/>
-                          </a:prstClr>
-                        </a:solidFill>
-                        <a:prstDash val="solid"/>
-                        <a:round/>
-                        <a:headEnd type="none" w="med" len="med"/>
-                        <a:tailEnd type="none" w="med" len="med"/>
-                      </a:lnT>
-                      <a:lnB w="12700" cap="flat" cmpd="sng" algn="ctr">
-                        <a:solidFill>
-                          <a:prstClr val="white">
-                            <a:lumMod val="75000"/>
-                          </a:prstClr>
-                        </a:solidFill>
-                        <a:prstDash val="solid"/>
-                        <a:round/>
-                        <a:headEnd type="none" w="med" len="med"/>
-                        <a:tailEnd type="none" w="med" len="med"/>
-                      </a:lnB>
-                      <a:lnTlToBr w="12700" cmpd="sng">
-                        <a:noFill/>
-                        <a:prstDash val="solid"/>
-                      </a:lnTlToBr>
-                      <a:lnBlToTr w="12700" cmpd="sng">
-                        <a:noFill/>
-                        <a:prstDash val="solid"/>
-                      </a:lnBlToTr>
-                    </a:tcPr>
-                  </a:tc>
-                  <a:tc>
-                    <a:txBody>
-                      <a:bodyPr/>
-                      <a:lstStyle/>
-                      <a:p>
-                        <a:r>
-                          <a:rPr lang="en-US" sz="1800" dirty="0" smtClean="0">
-                            <a:latin typeface="+mn-lt"/>
-                          </a:rPr>
-                          <a:t>9500</a:t>
-                        </a:r>
-                        <a:endParaRPr lang="en-US" sz="1800" dirty="0">
+                        </a:rPr>
+                        <a:t>950</a:t>
+                      </a:r>
+                      <a:endParaRPr lang="en-US" sz="1800" b="0" dirty="0">
+                        <a:latin typeface="+mn-lt"/>
+                        <a:cs typeface="Gill Sans"/>
+                      </a:endParaRPr>
+                    </a:p>
+                  </a:txBody>
+                  <a:tcPr>
+                    <a:lnL w="12700" cap="flat" cmpd="sng" algn="ctr">
+                      <a:solidFill>
+                        <a:prstClr val="white">
+                          <a:lumMod val="75000"/>
+                        </a:prstClr>
+                      </a:solidFill>
+                      <a:prstDash val="solid"/>
+                      <a:round/>
+                      <a:headEnd type="none" w="med" len="med"/>
+                      <a:tailEnd type="none" w="med" len="med"/>
+                    </a:lnL>
+                    <a:lnR w="12700" cap="flat" cmpd="sng" algn="ctr">
+                      <a:solidFill>
+                        <a:prstClr val="white">
+                          <a:lumMod val="75000"/>
+                        </a:prstClr>
+                      </a:solidFill>
+                      <a:prstDash val="solid"/>
+                      <a:round/>
+                      <a:headEnd type="none" w="med" len="med"/>
+                      <a:tailEnd type="none" w="med" len="med"/>
+                    </a:lnR>
+                    <a:lnT w="12700" cap="flat" cmpd="sng" algn="ctr">
+                      <a:solidFill>
+                        <a:prstClr val="white">
+                          <a:lumMod val="75000"/>
+                        </a:prstClr>
+                      </a:solidFill>
+                      <a:prstDash val="solid"/>
+                      <a:round/>
+                      <a:headEnd type="none" w="med" len="med"/>
+                      <a:tailEnd type="none" w="med" len="med"/>
+                    </a:lnT>
+                    <a:lnB w="12700" cap="flat" cmpd="sng" algn="ctr">
+                      <a:solidFill>
+                        <a:prstClr val="white">
+                          <a:lumMod val="75000"/>
+                        </a:prstClr>
+                      </a:solidFill>
+                      <a:prstDash val="solid"/>
+                      <a:round/>
+                      <a:headEnd type="none" w="med" len="med"/>
+                      <a:tailEnd type="none" w="med" len="med"/>
+                    </a:lnB>
+                    <a:lnTlToBr w="12700" cmpd="sng">
+                      <a:noFill/>
+                      <a:prstDash val="solid"/>
+                    </a:lnTlToBr>
+                    <a:lnBlToTr w="12700" cmpd="sng">
+                      <a:noFill/>
+                      <a:prstDash val="solid"/>
+                    </a:lnBlToTr>
+                  </a:tcPr>
+                </a:tc>
+                <a:tc>
+                  <a:txBody>
+                    <a:bodyPr/>
+                    <a:lstStyle/>
+                    <a:p>
+                      <a:r>
+                        <a:rPr lang="en-US" sz="1800" dirty="0" smtClean="0">
                           <a:latin typeface="+mn-lt"/>
-                        </a:endParaRPr>
-                      </a:p>
-                    </a:txBody>
-                    <a:tcPr>
-                      <a:lnL w="12700" cap="flat" cmpd="sng" algn="ctr">
-                        <a:solidFill>
-                          <a:prstClr val="white">
-                            <a:lumMod val="75000"/>
-                          </a:prstClr>
-                        </a:solidFill>
-                        <a:prstDash val="solid"/>
-                        <a:round/>
-                        <a:headEnd type="none" w="med" len="med"/>
-                        <a:tailEnd type="none" w="med" len="med"/>
-                      </a:lnL>
-                      <a:lnR w="12700" cap="flat" cmpd="sng" algn="ctr">
-                        <a:solidFill>
-                          <a:prstClr val="white">
-                            <a:lumMod val="75000"/>
-                          </a:prstClr>
-                        </a:solidFill>
-                        <a:prstDash val="solid"/>
-                        <a:round/>
-                        <a:headEnd type="none" w="med" len="med"/>
-                        <a:tailEnd type="none" w="med" len="med"/>
-                      </a:lnR>
-                      <a:lnT w="12700" cap="flat" cmpd="sng" algn="ctr">
-                        <a:solidFill>
-                          <a:prstClr val="white">
-                            <a:lumMod val="75000"/>
-                          </a:prstClr>
-                        </a:solidFill>
-                        <a:prstDash val="solid"/>
-                        <a:round/>
-                        <a:headEnd type="none" w="med" len="med"/>
-                        <a:tailEnd type="none" w="med" len="med"/>
-                      </a:lnT>
-                      <a:lnB w="12700" cap="flat" cmpd="sng" algn="ctr">
-                        <a:solidFill>
-                          <a:prstClr val="white">
-                            <a:lumMod val="75000"/>
-                          </a:prstClr>
-                        </a:solidFill>
-                        <a:prstDash val="solid"/>
-                        <a:round/>
-                        <a:headEnd type="none" w="med" len="med"/>
-                        <a:tailEnd type="none" w="med" len="med"/>
-                      </a:lnB>
-                      <a:lnTlToBr w="12700" cmpd="sng">
-                        <a:noFill/>
-                        <a:prstDash val="solid"/>
-                      </a:lnTlToBr>
-                      <a:lnBlToTr w="12700" cmpd="sng">
-                        <a:noFill/>
-                        <a:prstDash val="solid"/>
-                      </a:lnBlToTr>
-                    </a:tcPr>
-                  </a:tc>
-                  <a:tc>
-                    <a:txBody>
-                      <a:bodyPr/>
-                      <a:lstStyle/>
-                      <a:p>
-                        <a:r>
-                          <a:rPr lang="en-US" sz="1800" dirty="0" smtClean="0"/>
-                          <a:t>8550</a:t>
-                        </a:r>
-                        <a:endParaRPr lang="en-US" sz="1800" dirty="0"/>
-                      </a:p>
-                    </a:txBody>
-                    <a:tcPr>
-                      <a:lnL w="12700" cap="flat" cmpd="sng" algn="ctr">
-                        <a:solidFill>
-                          <a:prstClr val="white">
-                            <a:lumMod val="75000"/>
-                          </a:prstClr>
-                        </a:solidFill>
-                        <a:prstDash val="solid"/>
-                        <a:round/>
-                        <a:headEnd type="none" w="med" len="med"/>
-                        <a:tailEnd type="none" w="med" len="med"/>
-                      </a:lnL>
-                      <a:lnR w="12700" cap="flat" cmpd="sng" algn="ctr">
-                        <a:solidFill>
-                          <a:prstClr val="white">
-                            <a:lumMod val="75000"/>
-                          </a:prstClr>
-                        </a:solidFill>
-                        <a:prstDash val="solid"/>
-                        <a:round/>
-                        <a:headEnd type="none" w="med" len="med"/>
-                        <a:tailEnd type="none" w="med" len="med"/>
-                      </a:lnR>
-                      <a:lnT w="12700" cap="flat" cmpd="sng" algn="ctr">
-                        <a:solidFill>
-                          <a:prstClr val="white">
-                            <a:lumMod val="75000"/>
-                          </a:prstClr>
-                        </a:solidFill>
-                        <a:prstDash val="solid"/>
-                        <a:round/>
-                        <a:headEnd type="none" w="med" len="med"/>
-                        <a:tailEnd type="none" w="med" len="med"/>
-                      </a:lnT>
-                      <a:lnB w="12700" cap="flat" cmpd="sng" algn="ctr">
-                        <a:solidFill>
-                          <a:prstClr val="white">
-                            <a:lumMod val="75000"/>
-                          </a:prstClr>
-                        </a:solidFill>
-                        <a:prstDash val="solid"/>
-                        <a:round/>
-                        <a:headEnd type="none" w="med" len="med"/>
-                        <a:tailEnd type="none" w="med" len="med"/>
-                      </a:lnB>
-                      <a:lnTlToBr w="12700" cmpd="sng">
-                        <a:noFill/>
-                        <a:prstDash val="solid"/>
-                      </a:lnTlToBr>
-                      <a:lnBlToTr w="12700" cmpd="sng">
-                        <a:noFill/>
-                        <a:prstDash val="solid"/>
-                      </a:lnBlToTr>
-                    </a:tcPr>
-                  </a:tc>
-                </a:tr>
-                <a:tr h="287866">
-                  <a:tc>
-                    <a:txBody>
-                      <a:bodyPr/>
-                      <a:lstStyle/>
-                      <a:p>
-                        <a:r>
-                          <a:rPr lang="en-US" sz="1800" b="0" dirty="0" smtClean="0">
-                            <a:latin typeface="+mn-lt"/>
-                            <a:cs typeface="Gill Sans"/>
-                          </a:rPr>
-                          <a:t>t2</a:t>
-                        </a:r>
-                        <a:endParaRPr lang="en-US" sz="1800" b="0" dirty="0">
+                        </a:rPr>
+                        <a:t>9500</a:t>
+                      </a:r>
+                      <a:endParaRPr lang="en-US" sz="1800" dirty="0">
+                        <a:latin typeface="+mn-lt"/>
+                      </a:endParaRPr>
+                    </a:p>
+                  </a:txBody>
+                  <a:tcPr>
+                    <a:lnL w="12700" cap="flat" cmpd="sng" algn="ctr">
+                      <a:solidFill>
+                        <a:prstClr val="white">
+                          <a:lumMod val="75000"/>
+                        </a:prstClr>
+                      </a:solidFill>
+                      <a:prstDash val="solid"/>
+                      <a:round/>
+                      <a:headEnd type="none" w="med" len="med"/>
+                      <a:tailEnd type="none" w="med" len="med"/>
+                    </a:lnL>
+                    <a:lnR w="12700" cap="flat" cmpd="sng" algn="ctr">
+                      <a:solidFill>
+                        <a:prstClr val="white">
+                          <a:lumMod val="75000"/>
+                        </a:prstClr>
+                      </a:solidFill>
+                      <a:prstDash val="solid"/>
+                      <a:round/>
+                      <a:headEnd type="none" w="med" len="med"/>
+                      <a:tailEnd type="none" w="med" len="med"/>
+                    </a:lnR>
+                    <a:lnT w="12700" cap="flat" cmpd="sng" algn="ctr">
+                      <a:solidFill>
+                        <a:prstClr val="white">
+                          <a:lumMod val="75000"/>
+                        </a:prstClr>
+                      </a:solidFill>
+                      <a:prstDash val="solid"/>
+                      <a:round/>
+                      <a:headEnd type="none" w="med" len="med"/>
+                      <a:tailEnd type="none" w="med" len="med"/>
+                    </a:lnT>
+                    <a:lnB w="12700" cap="flat" cmpd="sng" algn="ctr">
+                      <a:solidFill>
+                        <a:prstClr val="white">
+                          <a:lumMod val="75000"/>
+                        </a:prstClr>
+                      </a:solidFill>
+                      <a:prstDash val="solid"/>
+                      <a:round/>
+                      <a:headEnd type="none" w="med" len="med"/>
+                      <a:tailEnd type="none" w="med" len="med"/>
+                    </a:lnB>
+                    <a:lnTlToBr w="12700" cmpd="sng">
+                      <a:noFill/>
+                      <a:prstDash val="solid"/>
+                    </a:lnTlToBr>
+                    <a:lnBlToTr w="12700" cmpd="sng">
+                      <a:noFill/>
+                      <a:prstDash val="solid"/>
+                    </a:lnBlToTr>
+                  </a:tcPr>
+                </a:tc>
+                <a:tc>
+                  <a:txBody>
+                    <a:bodyPr/>
+                    <a:lstStyle/>
+                    <a:p>
+                      <a:r>
+                        <a:rPr lang="en-US" sz="1800" dirty="0" smtClean="0"/>
+                        <a:t>8550</a:t>
+                      </a:r>
+                      <a:endParaRPr lang="en-US" sz="1800" dirty="0"/>
+                    </a:p>
+                  </a:txBody>
+                  <a:tcPr>
+                    <a:lnL w="12700" cap="flat" cmpd="sng" algn="ctr">
+                      <a:solidFill>
+                        <a:prstClr val="white">
+                          <a:lumMod val="75000"/>
+                        </a:prstClr>
+                      </a:solidFill>
+                      <a:prstDash val="solid"/>
+                      <a:round/>
+                      <a:headEnd type="none" w="med" len="med"/>
+                      <a:tailEnd type="none" w="med" len="med"/>
+                    </a:lnL>
+                    <a:lnR w="12700" cap="flat" cmpd="sng" algn="ctr">
+                      <a:solidFill>
+                        <a:prstClr val="white">
+                          <a:lumMod val="75000"/>
+                        </a:prstClr>
+                      </a:solidFill>
+                      <a:prstDash val="solid"/>
+                      <a:round/>
+                      <a:headEnd type="none" w="med" len="med"/>
+                      <a:tailEnd type="none" w="med" len="med"/>
+                    </a:lnR>
+                    <a:lnT w="12700" cap="flat" cmpd="sng" algn="ctr">
+                      <a:solidFill>
+                        <a:prstClr val="white">
+                          <a:lumMod val="75000"/>
+                        </a:prstClr>
+                      </a:solidFill>
+                      <a:prstDash val="solid"/>
+                      <a:round/>
+                      <a:headEnd type="none" w="med" len="med"/>
+                      <a:tailEnd type="none" w="med" len="med"/>
+                    </a:lnT>
+                    <a:lnB w="12700" cap="flat" cmpd="sng" algn="ctr">
+                      <a:solidFill>
+                        <a:prstClr val="white">
+                          <a:lumMod val="75000"/>
+                        </a:prstClr>
+                      </a:solidFill>
+                      <a:prstDash val="solid"/>
+                      <a:round/>
+                      <a:headEnd type="none" w="med" len="med"/>
+                      <a:tailEnd type="none" w="med" len="med"/>
+                    </a:lnB>
+                    <a:lnTlToBr w="12700" cmpd="sng">
+                      <a:noFill/>
+                      <a:prstDash val="solid"/>
+                    </a:lnTlToBr>
+                    <a:lnBlToTr w="12700" cmpd="sng">
+                      <a:noFill/>
+                      <a:prstDash val="solid"/>
+                    </a:lnBlToTr>
+                  </a:tcPr>
+                </a:tc>
+              </a:tr>
+              <a:tr h="287866">
+                <a:tc>
+                  <a:txBody>
+                    <a:bodyPr/>
+                    <a:lstStyle/>
+                    <a:p>
+                      <a:r>
+                        <a:rPr lang="en-US" sz="1800" b="0" dirty="0" smtClean="0">
                           <a:latin typeface="+mn-lt"/>
                           <a:cs typeface="Gill Sans"/>
-                        </a:endParaRPr>
-                      </a:p>
-                    </a:txBody>
-                    <a:tcPr>
-                      <a:lnL w="12700" cap="flat" cmpd="sng" algn="ctr">
-                        <a:solidFill>
-                          <a:prstClr val="white">
-                            <a:lumMod val="75000"/>
-                          </a:prstClr>
-                        </a:solidFill>
-                        <a:prstDash val="solid"/>
-                        <a:round/>
-                        <a:headEnd type="none" w="med" len="med"/>
-                        <a:tailEnd type="none" w="med" len="med"/>
-                      </a:lnL>
-                      <a:lnR w="12700" cap="flat" cmpd="sng" algn="ctr">
-                        <a:solidFill>
-                          <a:prstClr val="white">
-                            <a:lumMod val="75000"/>
-                          </a:prstClr>
-                        </a:solidFill>
-                        <a:prstDash val="solid"/>
-                        <a:round/>
-                        <a:headEnd type="none" w="med" len="med"/>
-                        <a:tailEnd type="none" w="med" len="med"/>
-                      </a:lnR>
-                      <a:lnT w="12700" cap="flat" cmpd="sng" algn="ctr">
-                        <a:solidFill>
-                          <a:prstClr val="white">
-                            <a:lumMod val="75000"/>
-                          </a:prstClr>
-                        </a:solidFill>
-                        <a:prstDash val="solid"/>
-                        <a:round/>
-                        <a:headEnd type="none" w="med" len="med"/>
-                        <a:tailEnd type="none" w="med" len="med"/>
-                      </a:lnT>
-                      <a:lnB w="12700" cap="flat" cmpd="sng" algn="ctr">
-                        <a:solidFill>
-                          <a:prstClr val="white">
-                            <a:lumMod val="75000"/>
-                          </a:prstClr>
-                        </a:solidFill>
-                        <a:prstDash val="solid"/>
-                        <a:round/>
-                        <a:headEnd type="none" w="med" len="med"/>
-                        <a:tailEnd type="none" w="med" len="med"/>
-                      </a:lnB>
-                      <a:lnTlToBr w="12700" cmpd="sng">
-                        <a:noFill/>
-                        <a:prstDash val="solid"/>
-                      </a:lnTlToBr>
-                      <a:lnBlToTr w="12700" cmpd="sng">
-                        <a:noFill/>
-                        <a:prstDash val="solid"/>
-                      </a:lnBlToTr>
-                    </a:tcPr>
-                  </a:tc>
-                  <a:tc>
-                    <a:txBody>
-                      <a:bodyPr/>
-                      <a:lstStyle/>
-                      <a:p>
-                        <a:r>
-                          <a:rPr lang="en-US" sz="1800" b="0" dirty="0" smtClean="0">
-                            <a:latin typeface="+mn-lt"/>
-                            <a:cs typeface="Gill Sans"/>
-                          </a:rPr>
-                          <a:t>22500</a:t>
-                        </a:r>
-                        <a:endParaRPr lang="en-US" sz="1800" b="0" dirty="0">
+                        </a:rPr>
+                        <a:t>t2</a:t>
+                      </a:r>
+                      <a:endParaRPr lang="en-US" sz="1800" b="0" dirty="0">
+                        <a:latin typeface="+mn-lt"/>
+                        <a:cs typeface="Gill Sans"/>
+                      </a:endParaRPr>
+                    </a:p>
+                  </a:txBody>
+                  <a:tcPr>
+                    <a:lnL w="12700" cap="flat" cmpd="sng" algn="ctr">
+                      <a:solidFill>
+                        <a:prstClr val="white">
+                          <a:lumMod val="75000"/>
+                        </a:prstClr>
+                      </a:solidFill>
+                      <a:prstDash val="solid"/>
+                      <a:round/>
+                      <a:headEnd type="none" w="med" len="med"/>
+                      <a:tailEnd type="none" w="med" len="med"/>
+                    </a:lnL>
+                    <a:lnR w="12700" cap="flat" cmpd="sng" algn="ctr">
+                      <a:solidFill>
+                        <a:prstClr val="white">
+                          <a:lumMod val="75000"/>
+                        </a:prstClr>
+                      </a:solidFill>
+                      <a:prstDash val="solid"/>
+                      <a:round/>
+                      <a:headEnd type="none" w="med" len="med"/>
+                      <a:tailEnd type="none" w="med" len="med"/>
+                    </a:lnR>
+                    <a:lnT w="12700" cap="flat" cmpd="sng" algn="ctr">
+                      <a:solidFill>
+                        <a:prstClr val="white">
+                          <a:lumMod val="75000"/>
+                        </a:prstClr>
+                      </a:solidFill>
+                      <a:prstDash val="solid"/>
+                      <a:round/>
+                      <a:headEnd type="none" w="med" len="med"/>
+                      <a:tailEnd type="none" w="med" len="med"/>
+                    </a:lnT>
+                    <a:lnB w="12700" cap="flat" cmpd="sng" algn="ctr">
+                      <a:solidFill>
+                        <a:prstClr val="white">
+                          <a:lumMod val="75000"/>
+                        </a:prstClr>
+                      </a:solidFill>
+                      <a:prstDash val="solid"/>
+                      <a:round/>
+                      <a:headEnd type="none" w="med" len="med"/>
+                      <a:tailEnd type="none" w="med" len="med"/>
+                    </a:lnB>
+                    <a:lnTlToBr w="12700" cmpd="sng">
+                      <a:noFill/>
+                      <a:prstDash val="solid"/>
+                    </a:lnTlToBr>
+                    <a:lnBlToTr w="12700" cmpd="sng">
+                      <a:noFill/>
+                      <a:prstDash val="solid"/>
+                    </a:lnBlToTr>
+                  </a:tcPr>
+                </a:tc>
+                <a:tc>
+                  <a:txBody>
+                    <a:bodyPr/>
+                    <a:lstStyle/>
+                    <a:p>
+                      <a:r>
+                        <a:rPr lang="en-US" sz="1800" b="0" dirty="0" smtClean="0">
                           <a:latin typeface="+mn-lt"/>
                           <a:cs typeface="Gill Sans"/>
-                        </a:endParaRPr>
-                      </a:p>
-                    </a:txBody>
-                    <a:tcPr>
-                      <a:lnL w="12700" cap="flat" cmpd="sng" algn="ctr">
-                        <a:solidFill>
-                          <a:prstClr val="white">
-                            <a:lumMod val="75000"/>
-                          </a:prstClr>
-                        </a:solidFill>
-                        <a:prstDash val="solid"/>
-                        <a:round/>
-                        <a:headEnd type="none" w="med" len="med"/>
-                        <a:tailEnd type="none" w="med" len="med"/>
-                      </a:lnL>
-                      <a:lnR w="12700" cap="flat" cmpd="sng" algn="ctr">
-                        <a:solidFill>
-                          <a:prstClr val="white">
-                            <a:lumMod val="75000"/>
-                          </a:prstClr>
-                        </a:solidFill>
-                        <a:prstDash val="solid"/>
-                        <a:round/>
-                        <a:headEnd type="none" w="med" len="med"/>
-                        <a:tailEnd type="none" w="med" len="med"/>
-                      </a:lnR>
-                      <a:lnT w="12700" cap="flat" cmpd="sng" algn="ctr">
-                        <a:solidFill>
-                          <a:prstClr val="white">
-                            <a:lumMod val="75000"/>
-                          </a:prstClr>
-                        </a:solidFill>
-                        <a:prstDash val="solid"/>
-                        <a:round/>
-                        <a:headEnd type="none" w="med" len="med"/>
-                        <a:tailEnd type="none" w="med" len="med"/>
-                      </a:lnT>
-                      <a:lnB w="12700" cap="flat" cmpd="sng" algn="ctr">
-                        <a:solidFill>
-                          <a:prstClr val="white">
-                            <a:lumMod val="75000"/>
-                          </a:prstClr>
-                        </a:solidFill>
-                        <a:prstDash val="solid"/>
-                        <a:round/>
-                        <a:headEnd type="none" w="med" len="med"/>
-                        <a:tailEnd type="none" w="med" len="med"/>
-                      </a:lnB>
-                      <a:lnTlToBr w="12700" cmpd="sng">
-                        <a:noFill/>
-                        <a:prstDash val="solid"/>
-                      </a:lnTlToBr>
-                      <a:lnBlToTr w="12700" cmpd="sng">
-                        <a:noFill/>
-                        <a:prstDash val="solid"/>
-                      </a:lnBlToTr>
-                    </a:tcPr>
-                  </a:tc>
-                  <a:tc>
-                    <a:txBody>
-                      <a:bodyPr/>
-                      <a:lstStyle/>
-                      <a:p>
-                        <a:r>
-                          <a:rPr lang="en-US" sz="1800" dirty="0" smtClean="0">
-                            <a:latin typeface="+mn-lt"/>
-                          </a:rPr>
-                          <a:t>90000</a:t>
-                        </a:r>
-                        <a:endParaRPr lang="en-US" sz="1800" dirty="0">
+                        </a:rPr>
+                        <a:t>22500</a:t>
+                      </a:r>
+                      <a:endParaRPr lang="en-US" sz="1800" b="0" dirty="0">
+                        <a:latin typeface="+mn-lt"/>
+                        <a:cs typeface="Gill Sans"/>
+                      </a:endParaRPr>
+                    </a:p>
+                  </a:txBody>
+                  <a:tcPr>
+                    <a:lnL w="12700" cap="flat" cmpd="sng" algn="ctr">
+                      <a:solidFill>
+                        <a:prstClr val="white">
+                          <a:lumMod val="75000"/>
+                        </a:prstClr>
+                      </a:solidFill>
+                      <a:prstDash val="solid"/>
+                      <a:round/>
+                      <a:headEnd type="none" w="med" len="med"/>
+                      <a:tailEnd type="none" w="med" len="med"/>
+                    </a:lnL>
+                    <a:lnR w="12700" cap="flat" cmpd="sng" algn="ctr">
+                      <a:solidFill>
+                        <a:prstClr val="white">
+                          <a:lumMod val="75000"/>
+                        </a:prstClr>
+                      </a:solidFill>
+                      <a:prstDash val="solid"/>
+                      <a:round/>
+                      <a:headEnd type="none" w="med" len="med"/>
+                      <a:tailEnd type="none" w="med" len="med"/>
+                    </a:lnR>
+                    <a:lnT w="12700" cap="flat" cmpd="sng" algn="ctr">
+                      <a:solidFill>
+                        <a:prstClr val="white">
+                          <a:lumMod val="75000"/>
+                        </a:prstClr>
+                      </a:solidFill>
+                      <a:prstDash val="solid"/>
+                      <a:round/>
+                      <a:headEnd type="none" w="med" len="med"/>
+                      <a:tailEnd type="none" w="med" len="med"/>
+                    </a:lnT>
+                    <a:lnB w="12700" cap="flat" cmpd="sng" algn="ctr">
+                      <a:solidFill>
+                        <a:prstClr val="white">
+                          <a:lumMod val="75000"/>
+                        </a:prstClr>
+                      </a:solidFill>
+                      <a:prstDash val="solid"/>
+                      <a:round/>
+                      <a:headEnd type="none" w="med" len="med"/>
+                      <a:tailEnd type="none" w="med" len="med"/>
+                    </a:lnB>
+                    <a:lnTlToBr w="12700" cmpd="sng">
+                      <a:noFill/>
+                      <a:prstDash val="solid"/>
+                    </a:lnTlToBr>
+                    <a:lnBlToTr w="12700" cmpd="sng">
+                      <a:noFill/>
+                      <a:prstDash val="solid"/>
+                    </a:lnBlToTr>
+                  </a:tcPr>
+                </a:tc>
+                <a:tc>
+                  <a:txBody>
+                    <a:bodyPr/>
+                    <a:lstStyle/>
+                    <a:p>
+                      <a:r>
+                        <a:rPr lang="en-US" sz="1800" dirty="0" smtClean="0">
                           <a:latin typeface="+mn-lt"/>
-                        </a:endParaRPr>
-                      </a:p>
-                    </a:txBody>
-                    <a:tcPr>
-                      <a:lnL w="12700" cap="flat" cmpd="sng" algn="ctr">
-                        <a:solidFill>
-                          <a:prstClr val="white">
-                            <a:lumMod val="75000"/>
-                          </a:prstClr>
-                        </a:solidFill>
-                        <a:prstDash val="solid"/>
-                        <a:round/>
-                        <a:headEnd type="none" w="med" len="med"/>
-                        <a:tailEnd type="none" w="med" len="med"/>
-                      </a:lnL>
-                      <a:lnR w="12700" cap="flat" cmpd="sng" algn="ctr">
-                        <a:solidFill>
-                          <a:prstClr val="white">
-                            <a:lumMod val="75000"/>
-                          </a:prstClr>
-                        </a:solidFill>
-                        <a:prstDash val="solid"/>
-                        <a:round/>
-                        <a:headEnd type="none" w="med" len="med"/>
-                        <a:tailEnd type="none" w="med" len="med"/>
-                      </a:lnR>
-                      <a:lnT w="12700" cap="flat" cmpd="sng" algn="ctr">
-                        <a:solidFill>
-                          <a:prstClr val="white">
-                            <a:lumMod val="75000"/>
-                          </a:prstClr>
-                        </a:solidFill>
-                        <a:prstDash val="solid"/>
-                        <a:round/>
-                        <a:headEnd type="none" w="med" len="med"/>
-                        <a:tailEnd type="none" w="med" len="med"/>
-                      </a:lnT>
-                      <a:lnB w="12700" cap="flat" cmpd="sng" algn="ctr">
-                        <a:solidFill>
-                          <a:prstClr val="white">
-                            <a:lumMod val="75000"/>
-                          </a:prstClr>
-                        </a:solidFill>
-                        <a:prstDash val="solid"/>
-                        <a:round/>
-                        <a:headEnd type="none" w="med" len="med"/>
-                        <a:tailEnd type="none" w="med" len="med"/>
-                      </a:lnB>
-                      <a:lnTlToBr w="12700" cmpd="sng">
-                        <a:noFill/>
-                        <a:prstDash val="solid"/>
-                      </a:lnTlToBr>
-                      <a:lnBlToTr w="12700" cmpd="sng">
-                        <a:noFill/>
-                        <a:prstDash val="solid"/>
-                      </a:lnBlToTr>
-                    </a:tcPr>
-                  </a:tc>
-                  <a:tc>
-                    <a:txBody>
-                      <a:bodyPr/>
-                      <a:lstStyle/>
-                      <a:p>
-                        <a:r>
-                          <a:rPr lang="en-US" sz="1800" dirty="0" smtClean="0"/>
-                          <a:t>67500</a:t>
-                        </a:r>
-                        <a:endParaRPr lang="en-US" sz="1800" dirty="0"/>
-                      </a:p>
-                    </a:txBody>
-                    <a:tcPr>
-                      <a:lnL w="12700" cap="flat" cmpd="sng" algn="ctr">
-                        <a:solidFill>
-                          <a:prstClr val="white">
-                            <a:lumMod val="75000"/>
-                          </a:prstClr>
-                        </a:solidFill>
-                        <a:prstDash val="solid"/>
-                        <a:round/>
-                        <a:headEnd type="none" w="med" len="med"/>
-                        <a:tailEnd type="none" w="med" len="med"/>
-                      </a:lnL>
-                      <a:lnR w="12700" cap="flat" cmpd="sng" algn="ctr">
-                        <a:solidFill>
-                          <a:prstClr val="white">
-                            <a:lumMod val="75000"/>
-                          </a:prstClr>
-                        </a:solidFill>
-                        <a:prstDash val="solid"/>
-                        <a:round/>
-                        <a:headEnd type="none" w="med" len="med"/>
-                        <a:tailEnd type="none" w="med" len="med"/>
-                      </a:lnR>
-                      <a:lnT w="12700" cap="flat" cmpd="sng" algn="ctr">
-                        <a:solidFill>
-                          <a:prstClr val="white">
-                            <a:lumMod val="75000"/>
-                          </a:prstClr>
-                        </a:solidFill>
-                        <a:prstDash val="solid"/>
-                        <a:round/>
-                        <a:headEnd type="none" w="med" len="med"/>
-                        <a:tailEnd type="none" w="med" len="med"/>
-                      </a:lnT>
-                      <a:lnB w="12700" cap="flat" cmpd="sng" algn="ctr">
-                        <a:solidFill>
-                          <a:prstClr val="white">
-                            <a:lumMod val="75000"/>
-                          </a:prstClr>
-                        </a:solidFill>
-                        <a:prstDash val="solid"/>
-                        <a:round/>
-                        <a:headEnd type="none" w="med" len="med"/>
-                        <a:tailEnd type="none" w="med" len="med"/>
-                      </a:lnB>
-                      <a:lnTlToBr w="12700" cmpd="sng">
-                        <a:noFill/>
-                        <a:prstDash val="solid"/>
-                      </a:lnTlToBr>
-                      <a:lnBlToTr w="12700" cmpd="sng">
-                        <a:noFill/>
-                        <a:prstDash val="solid"/>
-                      </a:lnBlToTr>
-                    </a:tcPr>
-                  </a:tc>
-                </a:tr>
-                <a:tr h="287866">
-                  <a:tc>
-                    <a:txBody>
-                      <a:bodyPr/>
-                      <a:lstStyle/>
-                      <a:p>
-                        <a:r>
-                          <a:rPr lang="en-US" sz="1800" b="0" dirty="0" smtClean="0">
-                            <a:latin typeface="+mn-lt"/>
-                            <a:cs typeface="Gill Sans"/>
-                          </a:rPr>
-                          <a:t>t3</a:t>
-                        </a:r>
-                        <a:endParaRPr lang="en-US" sz="1800" b="0" dirty="0">
+                        </a:rPr>
+                        <a:t>90000</a:t>
+                      </a:r>
+                      <a:endParaRPr lang="en-US" sz="1800" dirty="0">
+                        <a:latin typeface="+mn-lt"/>
+                      </a:endParaRPr>
+                    </a:p>
+                  </a:txBody>
+                  <a:tcPr>
+                    <a:lnL w="12700" cap="flat" cmpd="sng" algn="ctr">
+                      <a:solidFill>
+                        <a:prstClr val="white">
+                          <a:lumMod val="75000"/>
+                        </a:prstClr>
+                      </a:solidFill>
+                      <a:prstDash val="solid"/>
+                      <a:round/>
+                      <a:headEnd type="none" w="med" len="med"/>
+                      <a:tailEnd type="none" w="med" len="med"/>
+                    </a:lnL>
+                    <a:lnR w="12700" cap="flat" cmpd="sng" algn="ctr">
+                      <a:solidFill>
+                        <a:prstClr val="white">
+                          <a:lumMod val="75000"/>
+                        </a:prstClr>
+                      </a:solidFill>
+                      <a:prstDash val="solid"/>
+                      <a:round/>
+                      <a:headEnd type="none" w="med" len="med"/>
+                      <a:tailEnd type="none" w="med" len="med"/>
+                    </a:lnR>
+                    <a:lnT w="12700" cap="flat" cmpd="sng" algn="ctr">
+                      <a:solidFill>
+                        <a:prstClr val="white">
+                          <a:lumMod val="75000"/>
+                        </a:prstClr>
+                      </a:solidFill>
+                      <a:prstDash val="solid"/>
+                      <a:round/>
+                      <a:headEnd type="none" w="med" len="med"/>
+                      <a:tailEnd type="none" w="med" len="med"/>
+                    </a:lnT>
+                    <a:lnB w="12700" cap="flat" cmpd="sng" algn="ctr">
+                      <a:solidFill>
+                        <a:prstClr val="white">
+                          <a:lumMod val="75000"/>
+                        </a:prstClr>
+                      </a:solidFill>
+                      <a:prstDash val="solid"/>
+                      <a:round/>
+                      <a:headEnd type="none" w="med" len="med"/>
+                      <a:tailEnd type="none" w="med" len="med"/>
+                    </a:lnB>
+                    <a:lnTlToBr w="12700" cmpd="sng">
+                      <a:noFill/>
+                      <a:prstDash val="solid"/>
+                    </a:lnTlToBr>
+                    <a:lnBlToTr w="12700" cmpd="sng">
+                      <a:noFill/>
+                      <a:prstDash val="solid"/>
+                    </a:lnBlToTr>
+                  </a:tcPr>
+                </a:tc>
+                <a:tc>
+                  <a:txBody>
+                    <a:bodyPr/>
+                    <a:lstStyle/>
+                    <a:p>
+                      <a:r>
+                        <a:rPr lang="en-US" sz="1800" dirty="0" smtClean="0"/>
+                        <a:t>67500</a:t>
+                      </a:r>
+                      <a:endParaRPr lang="en-US" sz="1800" dirty="0"/>
+                    </a:p>
+                  </a:txBody>
+                  <a:tcPr>
+                    <a:lnL w="12700" cap="flat" cmpd="sng" algn="ctr">
+                      <a:solidFill>
+                        <a:prstClr val="white">
+                          <a:lumMod val="75000"/>
+                        </a:prstClr>
+                      </a:solidFill>
+                      <a:prstDash val="solid"/>
+                      <a:round/>
+                      <a:headEnd type="none" w="med" len="med"/>
+                      <a:tailEnd type="none" w="med" len="med"/>
+                    </a:lnL>
+                    <a:lnR w="12700" cap="flat" cmpd="sng" algn="ctr">
+                      <a:solidFill>
+                        <a:prstClr val="white">
+                          <a:lumMod val="75000"/>
+                        </a:prstClr>
+                      </a:solidFill>
+                      <a:prstDash val="solid"/>
+                      <a:round/>
+                      <a:headEnd type="none" w="med" len="med"/>
+                      <a:tailEnd type="none" w="med" len="med"/>
+                    </a:lnR>
+                    <a:lnT w="12700" cap="flat" cmpd="sng" algn="ctr">
+                      <a:solidFill>
+                        <a:prstClr val="white">
+                          <a:lumMod val="75000"/>
+                        </a:prstClr>
+                      </a:solidFill>
+                      <a:prstDash val="solid"/>
+                      <a:round/>
+                      <a:headEnd type="none" w="med" len="med"/>
+                      <a:tailEnd type="none" w="med" len="med"/>
+                    </a:lnT>
+                    <a:lnB w="12700" cap="flat" cmpd="sng" algn="ctr">
+                      <a:solidFill>
+                        <a:prstClr val="white">
+                          <a:lumMod val="75000"/>
+                        </a:prstClr>
+                      </a:solidFill>
+                      <a:prstDash val="solid"/>
+                      <a:round/>
+                      <a:headEnd type="none" w="med" len="med"/>
+                      <a:tailEnd type="none" w="med" len="med"/>
+                    </a:lnB>
+                    <a:lnTlToBr w="12700" cmpd="sng">
+                      <a:noFill/>
+                      <a:prstDash val="solid"/>
+                    </a:lnTlToBr>
+                    <a:lnBlToTr w="12700" cmpd="sng">
+                      <a:noFill/>
+                      <a:prstDash val="solid"/>
+                    </a:lnBlToTr>
+                  </a:tcPr>
+                </a:tc>
+              </a:tr>
+              <a:tr h="287866">
+                <a:tc>
+                  <a:txBody>
+                    <a:bodyPr/>
+                    <a:lstStyle/>
+                    <a:p>
+                      <a:r>
+                        <a:rPr lang="en-US" sz="1800" b="0" dirty="0" smtClean="0">
                           <a:latin typeface="+mn-lt"/>
                           <a:cs typeface="Gill Sans"/>
-                        </a:endParaRPr>
-                      </a:p>
-                    </a:txBody>
-                    <a:tcPr>
-                      <a:lnL w="12700" cap="flat" cmpd="sng" algn="ctr">
-                        <a:solidFill>
-                          <a:prstClr val="white">
-                            <a:lumMod val="75000"/>
-                          </a:prstClr>
-                        </a:solidFill>
-                        <a:prstDash val="solid"/>
-                        <a:round/>
-                        <a:headEnd type="none" w="med" len="med"/>
-                        <a:tailEnd type="none" w="med" len="med"/>
-                      </a:lnL>
-                      <a:lnR w="12700" cap="flat" cmpd="sng" algn="ctr">
-                        <a:solidFill>
-                          <a:prstClr val="white">
-                            <a:lumMod val="75000"/>
-                          </a:prstClr>
-                        </a:solidFill>
-                        <a:prstDash val="solid"/>
-                        <a:round/>
-                        <a:headEnd type="none" w="med" len="med"/>
-                        <a:tailEnd type="none" w="med" len="med"/>
-                      </a:lnR>
-                      <a:lnT w="12700" cap="flat" cmpd="sng" algn="ctr">
-                        <a:solidFill>
-                          <a:prstClr val="white">
-                            <a:lumMod val="75000"/>
-                          </a:prstClr>
-                        </a:solidFill>
-                        <a:prstDash val="solid"/>
-                        <a:round/>
-                        <a:headEnd type="none" w="med" len="med"/>
-                        <a:tailEnd type="none" w="med" len="med"/>
-                      </a:lnT>
-                      <a:lnB w="12700" cap="flat" cmpd="sng" algn="ctr">
-                        <a:solidFill>
-                          <a:prstClr val="white">
-                            <a:lumMod val="75000"/>
-                          </a:prstClr>
-                        </a:solidFill>
-                        <a:prstDash val="solid"/>
-                        <a:round/>
-                        <a:headEnd type="none" w="med" len="med"/>
-                        <a:tailEnd type="none" w="med" len="med"/>
-                      </a:lnB>
-                      <a:lnTlToBr w="12700" cmpd="sng">
-                        <a:noFill/>
-                        <a:prstDash val="solid"/>
-                      </a:lnTlToBr>
-                      <a:lnBlToTr w="12700" cmpd="sng">
-                        <a:noFill/>
-                        <a:prstDash val="solid"/>
-                      </a:lnBlToTr>
-                    </a:tcPr>
-                  </a:tc>
-                  <a:tc>
-                    <a:txBody>
-                      <a:bodyPr/>
-                      <a:lstStyle/>
-                      <a:p>
-                        <a:r>
-                          <a:rPr lang="en-US" sz="1800" b="0" dirty="0" smtClean="0">
-                            <a:latin typeface="+mn-lt"/>
-                            <a:cs typeface="Gill Sans"/>
-                          </a:rPr>
-                          <a:t>21500</a:t>
-                        </a:r>
-                        <a:endParaRPr lang="en-US" sz="1800" b="0" dirty="0">
+                        </a:rPr>
+                        <a:t>t3</a:t>
+                      </a:r>
+                      <a:endParaRPr lang="en-US" sz="1800" b="0" dirty="0">
+                        <a:latin typeface="+mn-lt"/>
+                        <a:cs typeface="Gill Sans"/>
+                      </a:endParaRPr>
+                    </a:p>
+                  </a:txBody>
+                  <a:tcPr>
+                    <a:lnL w="12700" cap="flat" cmpd="sng" algn="ctr">
+                      <a:solidFill>
+                        <a:prstClr val="white">
+                          <a:lumMod val="75000"/>
+                        </a:prstClr>
+                      </a:solidFill>
+                      <a:prstDash val="solid"/>
+                      <a:round/>
+                      <a:headEnd type="none" w="med" len="med"/>
+                      <a:tailEnd type="none" w="med" len="med"/>
+                    </a:lnL>
+                    <a:lnR w="12700" cap="flat" cmpd="sng" algn="ctr">
+                      <a:solidFill>
+                        <a:prstClr val="white">
+                          <a:lumMod val="75000"/>
+                        </a:prstClr>
+                      </a:solidFill>
+                      <a:prstDash val="solid"/>
+                      <a:round/>
+                      <a:headEnd type="none" w="med" len="med"/>
+                      <a:tailEnd type="none" w="med" len="med"/>
+                    </a:lnR>
+                    <a:lnT w="12700" cap="flat" cmpd="sng" algn="ctr">
+                      <a:solidFill>
+                        <a:prstClr val="white">
+                          <a:lumMod val="75000"/>
+                        </a:prstClr>
+                      </a:solidFill>
+                      <a:prstDash val="solid"/>
+                      <a:round/>
+                      <a:headEnd type="none" w="med" len="med"/>
+                      <a:tailEnd type="none" w="med" len="med"/>
+                    </a:lnT>
+                    <a:lnB w="12700" cap="flat" cmpd="sng" algn="ctr">
+                      <a:solidFill>
+                        <a:prstClr val="white">
+                          <a:lumMod val="75000"/>
+                        </a:prstClr>
+                      </a:solidFill>
+                      <a:prstDash val="solid"/>
+                      <a:round/>
+                      <a:headEnd type="none" w="med" len="med"/>
+                      <a:tailEnd type="none" w="med" len="med"/>
+                    </a:lnB>
+                    <a:lnTlToBr w="12700" cmpd="sng">
+                      <a:noFill/>
+                      <a:prstDash val="solid"/>
+                    </a:lnTlToBr>
+                    <a:lnBlToTr w="12700" cmpd="sng">
+                      <a:noFill/>
+                      <a:prstDash val="solid"/>
+                    </a:lnBlToTr>
+                  </a:tcPr>
+                </a:tc>
+                <a:tc>
+                  <a:txBody>
+                    <a:bodyPr/>
+                    <a:lstStyle/>
+                    <a:p>
+                      <a:r>
+                        <a:rPr lang="en-US" sz="1800" b="0" dirty="0" smtClean="0">
                           <a:latin typeface="+mn-lt"/>
                           <a:cs typeface="Gill Sans"/>
-                        </a:endParaRPr>
-                      </a:p>
-                    </a:txBody>
-                    <a:tcPr>
-                      <a:lnL w="12700" cap="flat" cmpd="sng" algn="ctr">
-                        <a:solidFill>
-                          <a:prstClr val="white">
-                            <a:lumMod val="75000"/>
-                          </a:prstClr>
-                        </a:solidFill>
-                        <a:prstDash val="solid"/>
-                        <a:round/>
-                        <a:headEnd type="none" w="med" len="med"/>
-                        <a:tailEnd type="none" w="med" len="med"/>
-                      </a:lnL>
-                      <a:lnR w="12700" cap="flat" cmpd="sng" algn="ctr">
-                        <a:solidFill>
-                          <a:prstClr val="white">
-                            <a:lumMod val="75000"/>
-                          </a:prstClr>
-                        </a:solidFill>
-                        <a:prstDash val="solid"/>
-                        <a:round/>
-                        <a:headEnd type="none" w="med" len="med"/>
-                        <a:tailEnd type="none" w="med" len="med"/>
-                      </a:lnR>
-                      <a:lnT w="12700" cap="flat" cmpd="sng" algn="ctr">
-                        <a:solidFill>
-                          <a:prstClr val="white">
-                            <a:lumMod val="75000"/>
-                          </a:prstClr>
-                        </a:solidFill>
-                        <a:prstDash val="solid"/>
-                        <a:round/>
-                        <a:headEnd type="none" w="med" len="med"/>
-                        <a:tailEnd type="none" w="med" len="med"/>
-                      </a:lnT>
-                      <a:lnB w="12700" cap="flat" cmpd="sng" algn="ctr">
-                        <a:solidFill>
-                          <a:prstClr val="white">
-                            <a:lumMod val="75000"/>
-                          </a:prstClr>
-                        </a:solidFill>
-                        <a:prstDash val="solid"/>
-                        <a:round/>
-                        <a:headEnd type="none" w="med" len="med"/>
-                        <a:tailEnd type="none" w="med" len="med"/>
-                      </a:lnB>
-                      <a:lnTlToBr w="12700" cmpd="sng">
-                        <a:noFill/>
-                        <a:prstDash val="solid"/>
-                      </a:lnTlToBr>
-                      <a:lnBlToTr w="12700" cmpd="sng">
-                        <a:noFill/>
-                        <a:prstDash val="solid"/>
-                      </a:lnBlToTr>
-                    </a:tcPr>
-                  </a:tc>
-                  <a:tc>
-                    <a:txBody>
-                      <a:bodyPr/>
-                      <a:lstStyle/>
-                      <a:p>
-                        <a:r>
-                          <a:rPr lang="en-US" sz="1800" dirty="0" smtClean="0">
-                            <a:latin typeface="+mn-lt"/>
-                          </a:rPr>
-                          <a:t>86000</a:t>
-                        </a:r>
-                        <a:endParaRPr lang="en-US" sz="1800" dirty="0">
+                        </a:rPr>
+                        <a:t>21500</a:t>
+                      </a:r>
+                      <a:endParaRPr lang="en-US" sz="1800" b="0" dirty="0">
+                        <a:latin typeface="+mn-lt"/>
+                        <a:cs typeface="Gill Sans"/>
+                      </a:endParaRPr>
+                    </a:p>
+                  </a:txBody>
+                  <a:tcPr>
+                    <a:lnL w="12700" cap="flat" cmpd="sng" algn="ctr">
+                      <a:solidFill>
+                        <a:prstClr val="white">
+                          <a:lumMod val="75000"/>
+                        </a:prstClr>
+                      </a:solidFill>
+                      <a:prstDash val="solid"/>
+                      <a:round/>
+                      <a:headEnd type="none" w="med" len="med"/>
+                      <a:tailEnd type="none" w="med" len="med"/>
+                    </a:lnL>
+                    <a:lnR w="12700" cap="flat" cmpd="sng" algn="ctr">
+                      <a:solidFill>
+                        <a:prstClr val="white">
+                          <a:lumMod val="75000"/>
+                        </a:prstClr>
+                      </a:solidFill>
+                      <a:prstDash val="solid"/>
+                      <a:round/>
+                      <a:headEnd type="none" w="med" len="med"/>
+                      <a:tailEnd type="none" w="med" len="med"/>
+                    </a:lnR>
+                    <a:lnT w="12700" cap="flat" cmpd="sng" algn="ctr">
+                      <a:solidFill>
+                        <a:prstClr val="white">
+                          <a:lumMod val="75000"/>
+                        </a:prstClr>
+                      </a:solidFill>
+                      <a:prstDash val="solid"/>
+                      <a:round/>
+                      <a:headEnd type="none" w="med" len="med"/>
+                      <a:tailEnd type="none" w="med" len="med"/>
+                    </a:lnT>
+                    <a:lnB w="12700" cap="flat" cmpd="sng" algn="ctr">
+                      <a:solidFill>
+                        <a:prstClr val="white">
+                          <a:lumMod val="75000"/>
+                        </a:prstClr>
+                      </a:solidFill>
+                      <a:prstDash val="solid"/>
+                      <a:round/>
+                      <a:headEnd type="none" w="med" len="med"/>
+                      <a:tailEnd type="none" w="med" len="med"/>
+                    </a:lnB>
+                    <a:lnTlToBr w="12700" cmpd="sng">
+                      <a:noFill/>
+                      <a:prstDash val="solid"/>
+                    </a:lnTlToBr>
+                    <a:lnBlToTr w="12700" cmpd="sng">
+                      <a:noFill/>
+                      <a:prstDash val="solid"/>
+                    </a:lnBlToTr>
+                  </a:tcPr>
+                </a:tc>
+                <a:tc>
+                  <a:txBody>
+                    <a:bodyPr/>
+                    <a:lstStyle/>
+                    <a:p>
+                      <a:r>
+                        <a:rPr lang="en-US" sz="1800" dirty="0" smtClean="0">
                           <a:latin typeface="+mn-lt"/>
-                        </a:endParaRPr>
-                      </a:p>
-                    </a:txBody>
-                    <a:tcPr>
-                      <a:lnL w="12700" cap="flat" cmpd="sng" algn="ctr">
-                        <a:solidFill>
-                          <a:prstClr val="white">
-                            <a:lumMod val="75000"/>
-                          </a:prstClr>
-                        </a:solidFill>
-                        <a:prstDash val="solid"/>
-                        <a:round/>
-                        <a:headEnd type="none" w="med" len="med"/>
-                        <a:tailEnd type="none" w="med" len="med"/>
-                      </a:lnL>
-                      <a:lnR w="12700" cap="flat" cmpd="sng" algn="ctr">
-                        <a:solidFill>
-                          <a:prstClr val="white">
-                            <a:lumMod val="75000"/>
-                          </a:prstClr>
-                        </a:solidFill>
-                        <a:prstDash val="solid"/>
-                        <a:round/>
-                        <a:headEnd type="none" w="med" len="med"/>
-                        <a:tailEnd type="none" w="med" len="med"/>
-                      </a:lnR>
-                      <a:lnT w="12700" cap="flat" cmpd="sng" algn="ctr">
-                        <a:solidFill>
-                          <a:prstClr val="white">
-                            <a:lumMod val="75000"/>
-                          </a:prstClr>
-                        </a:solidFill>
-                        <a:prstDash val="solid"/>
-                        <a:round/>
-                        <a:headEnd type="none" w="med" len="med"/>
-                        <a:tailEnd type="none" w="med" len="med"/>
-                      </a:lnT>
-                      <a:lnB w="12700" cap="flat" cmpd="sng" algn="ctr">
-                        <a:solidFill>
-                          <a:prstClr val="white">
-                            <a:lumMod val="75000"/>
-                          </a:prstClr>
-                        </a:solidFill>
-                        <a:prstDash val="solid"/>
-                        <a:round/>
-                        <a:headEnd type="none" w="med" len="med"/>
-                        <a:tailEnd type="none" w="med" len="med"/>
-                      </a:lnB>
-                      <a:lnTlToBr w="12700" cmpd="sng">
-                        <a:noFill/>
-                        <a:prstDash val="solid"/>
-                      </a:lnTlToBr>
-                      <a:lnBlToTr w="12700" cmpd="sng">
-                        <a:noFill/>
-                        <a:prstDash val="solid"/>
-                      </a:lnBlToTr>
-                    </a:tcPr>
-                  </a:tc>
-                  <a:tc>
-                    <a:txBody>
-                      <a:bodyPr/>
-                      <a:lstStyle/>
-                      <a:p>
-                        <a:r>
-                          <a:rPr lang="en-US" sz="1800" dirty="0" smtClean="0"/>
-                          <a:t>64500</a:t>
-                        </a:r>
-                        <a:endParaRPr lang="en-US" sz="1800" dirty="0"/>
-                      </a:p>
-                    </a:txBody>
-                    <a:tcPr>
-                      <a:lnL w="12700" cap="flat" cmpd="sng" algn="ctr">
-                        <a:solidFill>
-                          <a:prstClr val="white">
-                            <a:lumMod val="75000"/>
-                          </a:prstClr>
-                        </a:solidFill>
-                        <a:prstDash val="solid"/>
-                        <a:round/>
-                        <a:headEnd type="none" w="med" len="med"/>
-                        <a:tailEnd type="none" w="med" len="med"/>
-                      </a:lnL>
-                      <a:lnR w="12700" cap="flat" cmpd="sng" algn="ctr">
-                        <a:solidFill>
-                          <a:prstClr val="white">
-                            <a:lumMod val="75000"/>
-                          </a:prstClr>
-                        </a:solidFill>
-                        <a:prstDash val="solid"/>
-                        <a:round/>
-                        <a:headEnd type="none" w="med" len="med"/>
-                        <a:tailEnd type="none" w="med" len="med"/>
-                      </a:lnR>
-                      <a:lnT w="12700" cap="flat" cmpd="sng" algn="ctr">
-                        <a:solidFill>
-                          <a:prstClr val="white">
-                            <a:lumMod val="75000"/>
-                          </a:prstClr>
-                        </a:solidFill>
-                        <a:prstDash val="solid"/>
-                        <a:round/>
-                        <a:headEnd type="none" w="med" len="med"/>
-                        <a:tailEnd type="none" w="med" len="med"/>
-                      </a:lnT>
-                      <a:lnB w="12700" cap="flat" cmpd="sng" algn="ctr">
-                        <a:solidFill>
-                          <a:prstClr val="white">
-                            <a:lumMod val="75000"/>
-                          </a:prstClr>
-                        </a:solidFill>
-                        <a:prstDash val="solid"/>
-                        <a:round/>
-                        <a:headEnd type="none" w="med" len="med"/>
-                        <a:tailEnd type="none" w="med" len="med"/>
-                      </a:lnB>
-                      <a:lnTlToBr w="12700" cmpd="sng">
-                        <a:noFill/>
-                        <a:prstDash val="solid"/>
-                      </a:lnTlToBr>
-                      <a:lnBlToTr w="12700" cmpd="sng">
-                        <a:noFill/>
-                        <a:prstDash val="solid"/>
-                      </a:lnBlToTr>
-                    </a:tcPr>
-                  </a:tc>
-                </a:tr>
-              </a:tbl>
-            </a:graphicData>
-          </a:graphic>
-        </p:graphicFrame>
-        <p:sp>
-          <p:nvSpPr>
-            <p:cNvPr id="17" name="TextBox 16"/>
-            <p:cNvSpPr txBox="1"/>
-            <p:nvPr/>
-          </p:nvSpPr>
-          <p:spPr>
-            <a:xfrm>
-              <a:off x="-675067" y="1976120"/>
-              <a:ext cx="2597186" cy="461665"/>
-            </a:xfrm>
-            <a:prstGeom prst="rect">
-              <a:avLst/>
-            </a:prstGeom>
-            <a:noFill/>
-          </p:spPr>
-          <p:txBody>
-            <a:bodyPr wrap="none" rtlCol="0">
-              <a:spAutoFit/>
-            </a:bodyPr>
-            <a:lstStyle/>
-            <a:p>
-              <a:r>
-                <a:rPr lang="en-US" sz="2400" dirty="0" smtClean="0">
-                  <a:latin typeface="Alegreya" charset="0"/>
-                  <a:ea typeface="Alegreya" charset="0"/>
-                  <a:cs typeface="Alegreya" charset="0"/>
-                </a:rPr>
-                <a:t>Initial database: D</a:t>
-              </a:r>
-              <a:r>
-                <a:rPr lang="en-US" sz="2400" baseline="-25000" dirty="0" smtClean="0">
-                  <a:latin typeface="Alegreya" charset="0"/>
-                  <a:ea typeface="Alegreya" charset="0"/>
-                  <a:cs typeface="Alegreya" charset="0"/>
-                </a:rPr>
-                <a:t>0</a:t>
-              </a:r>
-              <a:endParaRPr lang="en-US" sz="2400" dirty="0" smtClean="0">
+                        </a:rPr>
+                        <a:t>86000</a:t>
+                      </a:r>
+                      <a:endParaRPr lang="en-US" sz="1800" dirty="0">
+                        <a:latin typeface="+mn-lt"/>
+                      </a:endParaRPr>
+                    </a:p>
+                  </a:txBody>
+                  <a:tcPr>
+                    <a:lnL w="12700" cap="flat" cmpd="sng" algn="ctr">
+                      <a:solidFill>
+                        <a:prstClr val="white">
+                          <a:lumMod val="75000"/>
+                        </a:prstClr>
+                      </a:solidFill>
+                      <a:prstDash val="solid"/>
+                      <a:round/>
+                      <a:headEnd type="none" w="med" len="med"/>
+                      <a:tailEnd type="none" w="med" len="med"/>
+                    </a:lnL>
+                    <a:lnR w="12700" cap="flat" cmpd="sng" algn="ctr">
+                      <a:solidFill>
+                        <a:prstClr val="white">
+                          <a:lumMod val="75000"/>
+                        </a:prstClr>
+                      </a:solidFill>
+                      <a:prstDash val="solid"/>
+                      <a:round/>
+                      <a:headEnd type="none" w="med" len="med"/>
+                      <a:tailEnd type="none" w="med" len="med"/>
+                    </a:lnR>
+                    <a:lnT w="12700" cap="flat" cmpd="sng" algn="ctr">
+                      <a:solidFill>
+                        <a:prstClr val="white">
+                          <a:lumMod val="75000"/>
+                        </a:prstClr>
+                      </a:solidFill>
+                      <a:prstDash val="solid"/>
+                      <a:round/>
+                      <a:headEnd type="none" w="med" len="med"/>
+                      <a:tailEnd type="none" w="med" len="med"/>
+                    </a:lnT>
+                    <a:lnB w="12700" cap="flat" cmpd="sng" algn="ctr">
+                      <a:solidFill>
+                        <a:prstClr val="white">
+                          <a:lumMod val="75000"/>
+                        </a:prstClr>
+                      </a:solidFill>
+                      <a:prstDash val="solid"/>
+                      <a:round/>
+                      <a:headEnd type="none" w="med" len="med"/>
+                      <a:tailEnd type="none" w="med" len="med"/>
+                    </a:lnB>
+                    <a:lnTlToBr w="12700" cmpd="sng">
+                      <a:noFill/>
+                      <a:prstDash val="solid"/>
+                    </a:lnTlToBr>
+                    <a:lnBlToTr w="12700" cmpd="sng">
+                      <a:noFill/>
+                      <a:prstDash val="solid"/>
+                    </a:lnBlToTr>
+                  </a:tcPr>
+                </a:tc>
+                <a:tc>
+                  <a:txBody>
+                    <a:bodyPr/>
+                    <a:lstStyle/>
+                    <a:p>
+                      <a:r>
+                        <a:rPr lang="en-US" sz="1800" dirty="0" smtClean="0"/>
+                        <a:t>64500</a:t>
+                      </a:r>
+                      <a:endParaRPr lang="en-US" sz="1800" dirty="0"/>
+                    </a:p>
+                  </a:txBody>
+                  <a:tcPr>
+                    <a:lnL w="12700" cap="flat" cmpd="sng" algn="ctr">
+                      <a:solidFill>
+                        <a:prstClr val="white">
+                          <a:lumMod val="75000"/>
+                        </a:prstClr>
+                      </a:solidFill>
+                      <a:prstDash val="solid"/>
+                      <a:round/>
+                      <a:headEnd type="none" w="med" len="med"/>
+                      <a:tailEnd type="none" w="med" len="med"/>
+                    </a:lnL>
+                    <a:lnR w="12700" cap="flat" cmpd="sng" algn="ctr">
+                      <a:solidFill>
+                        <a:prstClr val="white">
+                          <a:lumMod val="75000"/>
+                        </a:prstClr>
+                      </a:solidFill>
+                      <a:prstDash val="solid"/>
+                      <a:round/>
+                      <a:headEnd type="none" w="med" len="med"/>
+                      <a:tailEnd type="none" w="med" len="med"/>
+                    </a:lnR>
+                    <a:lnT w="12700" cap="flat" cmpd="sng" algn="ctr">
+                      <a:solidFill>
+                        <a:prstClr val="white">
+                          <a:lumMod val="75000"/>
+                        </a:prstClr>
+                      </a:solidFill>
+                      <a:prstDash val="solid"/>
+                      <a:round/>
+                      <a:headEnd type="none" w="med" len="med"/>
+                      <a:tailEnd type="none" w="med" len="med"/>
+                    </a:lnT>
+                    <a:lnB w="12700" cap="flat" cmpd="sng" algn="ctr">
+                      <a:solidFill>
+                        <a:prstClr val="white">
+                          <a:lumMod val="75000"/>
+                        </a:prstClr>
+                      </a:solidFill>
+                      <a:prstDash val="solid"/>
+                      <a:round/>
+                      <a:headEnd type="none" w="med" len="med"/>
+                      <a:tailEnd type="none" w="med" len="med"/>
+                    </a:lnB>
+                    <a:lnTlToBr w="12700" cmpd="sng">
+                      <a:noFill/>
+                      <a:prstDash val="solid"/>
+                    </a:lnTlToBr>
+                    <a:lnBlToTr w="12700" cmpd="sng">
+                      <a:noFill/>
+                      <a:prstDash val="solid"/>
+                    </a:lnBlToTr>
+                  </a:tcPr>
+                </a:tc>
+              </a:tr>
+            </a:tbl>
+          </a:graphicData>
+        </a:graphic>
+      </p:graphicFrame>
+      <p:sp>
+        <p:nvSpPr>
+          <p:cNvPr id="17" name="TextBox 16"/>
+          <p:cNvSpPr txBox="1"/>
+          <p:nvPr/>
+        </p:nvSpPr>
+        <p:spPr>
+          <a:xfrm>
+            <a:off x="1170447" y="1144023"/>
+            <a:ext cx="2753048" cy="461665"/>
+          </a:xfrm>
+          <a:prstGeom prst="rect">
+            <a:avLst/>
+          </a:prstGeom>
+          <a:noFill/>
+        </p:spPr>
+        <p:txBody>
+          <a:bodyPr wrap="square" rtlCol="0">
+            <a:spAutoFit/>
+          </a:bodyPr>
+          <a:lstStyle/>
+          <a:p>
+            <a:pPr algn="ctr"/>
+            <a:r>
+              <a:rPr lang="en-US" sz="2400" dirty="0" smtClean="0">
                 <a:latin typeface="Alegreya" charset="0"/>
                 <a:ea typeface="Alegreya" charset="0"/>
                 <a:cs typeface="Alegreya" charset="0"/>
-              </a:endParaRPr>
-            </a:p>
-          </p:txBody>
-        </p:sp>
-      </p:grpSp>
+              </a:rPr>
+              <a:t>Initial database: D</a:t>
+            </a:r>
+            <a:r>
+              <a:rPr lang="en-US" sz="2400" baseline="-25000" dirty="0" smtClean="0">
+                <a:latin typeface="Alegreya" charset="0"/>
+                <a:ea typeface="Alegreya" charset="0"/>
+                <a:cs typeface="Alegreya" charset="0"/>
+              </a:rPr>
+              <a:t>0</a:t>
+            </a:r>
+            <a:endParaRPr lang="en-US" sz="2400" dirty="0" smtClean="0">
+              <a:latin typeface="Alegreya" charset="0"/>
+              <a:ea typeface="Alegreya" charset="0"/>
+              <a:cs typeface="Alegreya" charset="0"/>
+            </a:endParaRPr>
+          </a:p>
+        </p:txBody>
+      </p:sp>
       <p:grpSp>
         <p:nvGrpSpPr>
           <p:cNvPr id="13" name="Group 12"/>
@@ -31240,37 +31092,8 @@
                   <a:ea typeface="Consolas" charset="0"/>
                   <a:cs typeface="Consolas" charset="0"/>
                 </a:rPr>
-                <a:t>SET </a:t>
+                <a:t>SET tax = 0.3*income</a:t>
               </a:r>
-              <a:r>
-                <a:rPr lang="en-US" sz="1600" dirty="0" smtClean="0">
-                  <a:latin typeface="Consolas" charset="0"/>
-                  <a:ea typeface="Consolas" charset="0"/>
-                  <a:cs typeface="Consolas" charset="0"/>
-                </a:rPr>
-                <a:t>tax </a:t>
-              </a:r>
-              <a:r>
-                <a:rPr lang="en-US" sz="1600" dirty="0" smtClean="0">
-                  <a:latin typeface="Consolas" charset="0"/>
-                  <a:ea typeface="Consolas" charset="0"/>
-                  <a:cs typeface="Consolas" charset="0"/>
-                </a:rPr>
-                <a:t>= </a:t>
-              </a:r>
-              <a:r>
-                <a:rPr lang="en-US" sz="1600" dirty="0" smtClean="0">
-                  <a:latin typeface="Consolas" charset="0"/>
-                  <a:ea typeface="Consolas" charset="0"/>
-                  <a:cs typeface="Consolas" charset="0"/>
-                </a:rPr>
-                <a:t>0.3*income</a:t>
-              </a:r>
-              <a:endParaRPr lang="en-US" sz="1600" dirty="0" smtClean="0">
-                <a:latin typeface="Consolas" charset="0"/>
-                <a:ea typeface="Consolas" charset="0"/>
-                <a:cs typeface="Consolas" charset="0"/>
-              </a:endParaRPr>
             </a:p>
             <a:p>
               <a:pPr marL="57150" indent="0">
@@ -31358,7 +31181,7 @@
         </p:nvGrpSpPr>
         <p:grpSpPr>
           <a:xfrm>
-            <a:off x="4923974" y="3510422"/>
+            <a:off x="4923974" y="3450340"/>
             <a:ext cx="3150255" cy="584776"/>
             <a:chOff x="2692400" y="3294768"/>
             <a:chExt cx="3150255" cy="584776"/>
@@ -31408,15 +31231,7 @@
                   <a:ea typeface="Consolas" charset="0"/>
                   <a:cs typeface="Consolas" charset="0"/>
                 </a:rPr>
-                <a:t>SET </a:t>
-              </a:r>
-              <a:r>
-                <a:rPr lang="en-US" sz="1600" dirty="0" smtClean="0">
-                  <a:latin typeface="Consolas" charset="0"/>
-                  <a:ea typeface="Consolas" charset="0"/>
-                  <a:cs typeface="Consolas" charset="0"/>
-                </a:rPr>
-                <a:t>pay</a:t>
+                <a:t>SET pay</a:t>
               </a:r>
               <a:r>
                 <a:rPr lang="en-US" sz="1600" dirty="0">
@@ -31434,11 +31249,6 @@
                 </a:rPr>
                 <a:t>= income - tax</a:t>
               </a:r>
-              <a:endParaRPr lang="en-US" sz="1600" dirty="0" smtClean="0">
-                <a:latin typeface="Consolas" charset="0"/>
-                <a:ea typeface="Consolas" charset="0"/>
-                <a:cs typeface="Consolas" charset="0"/>
-              </a:endParaRPr>
             </a:p>
           </p:txBody>
         </p:sp>
@@ -31494,7 +31304,7 @@
         </p:nvGrpSpPr>
         <p:grpSpPr>
           <a:xfrm>
-            <a:off x="4923974" y="5113054"/>
+            <a:off x="4923974" y="4992892"/>
             <a:ext cx="3525358" cy="584775"/>
             <a:chOff x="2692400" y="4292846"/>
             <a:chExt cx="3525358" cy="584775"/>
@@ -31544,31 +31354,7 @@
                   <a:ea typeface="Consolas" charset="0"/>
                   <a:cs typeface="Consolas" charset="0"/>
                 </a:rPr>
-                <a:t>(4, </a:t>
-              </a:r>
-              <a:r>
-                <a:rPr lang="en-US" sz="1600" dirty="0" smtClean="0">
-                  <a:latin typeface="Consolas" charset="0"/>
-                  <a:ea typeface="Consolas" charset="0"/>
-                  <a:cs typeface="Consolas" charset="0"/>
-                </a:rPr>
-                <a:t>21625</a:t>
-              </a:r>
-              <a:r>
-                <a:rPr lang="en-US" sz="1600" dirty="0" smtClean="0">
-                  <a:latin typeface="Consolas" charset="0"/>
-                  <a:ea typeface="Consolas" charset="0"/>
-                  <a:cs typeface="Consolas" charset="0"/>
-                </a:rPr>
-                <a:t>, </a:t>
-              </a:r>
-              <a:r>
-                <a:rPr lang="en-US" sz="1600" dirty="0" smtClean="0">
-                  <a:latin typeface="Consolas" charset="0"/>
-                  <a:ea typeface="Consolas" charset="0"/>
-                  <a:cs typeface="Consolas" charset="0"/>
-                </a:rPr>
-                <a:t>86500, 64875)</a:t>
+                <a:t>(4, 21625, 86500, 64875)</a:t>
               </a:r>
               <a:endParaRPr lang="en-US" sz="1600" dirty="0">
                 <a:latin typeface="Consolas" charset="0"/>
@@ -31664,13 +31450,13 @@
           <p:nvPr>
             <p:extLst>
               <p:ext uri="{D42A27DB-BD31-4B8C-83A1-F6EECF244321}">
-                <p14:modId xmlns:p14="http://schemas.microsoft.com/office/powerpoint/2010/main" val="4261951974"/>
+                <p14:modId xmlns:p14="http://schemas.microsoft.com/office/powerpoint/2010/main" val="32947269"/>
               </p:ext>
             </p:extLst>
           </p:nvPr>
         </p:nvGraphicFramePr>
         <p:xfrm>
-          <a:off x="932303" y="4002865"/>
+          <a:off x="932303" y="3748867"/>
           <a:ext cx="3229336" cy="1828800"/>
         </p:xfrm>
         <a:graphic>
@@ -33213,6 +32999,53 @@
           </a:graphicData>
         </a:graphic>
       </p:graphicFrame>
+      <p:sp>
+        <p:nvSpPr>
+          <p:cNvPr id="16" name="TextBox 15"/>
+          <p:cNvSpPr txBox="1"/>
+          <p:nvPr/>
+        </p:nvSpPr>
+        <p:spPr>
+          <a:xfrm>
+            <a:off x="1330933" y="3256424"/>
+            <a:ext cx="2432076" cy="461665"/>
+          </a:xfrm>
+          <a:prstGeom prst="rect">
+            <a:avLst/>
+          </a:prstGeom>
+          <a:noFill/>
+        </p:spPr>
+        <p:txBody>
+          <a:bodyPr wrap="none" rtlCol="0">
+            <a:spAutoFit/>
+          </a:bodyPr>
+          <a:lstStyle/>
+          <a:p>
+            <a:pPr algn="ctr"/>
+            <a:r>
+              <a:rPr lang="en-US" sz="2400" dirty="0" smtClean="0">
+                <a:latin typeface="Alegreya" charset="0"/>
+                <a:ea typeface="Alegreya" charset="0"/>
+                <a:cs typeface="Alegreya" charset="0"/>
+              </a:rPr>
+              <a:t>Final database: D</a:t>
+            </a:r>
+            <a:r>
+              <a:rPr lang="en-US" sz="2400" baseline="-25000" dirty="0" smtClean="0">
+                <a:latin typeface="Alegreya" charset="0"/>
+                <a:ea typeface="Alegreya" charset="0"/>
+                <a:cs typeface="Alegreya" charset="0"/>
+              </a:rPr>
+              <a:t>3</a:t>
+            </a:r>
+            <a:endParaRPr lang="en-US" sz="2400" dirty="0" smtClean="0">
+              <a:latin typeface="Alegreya" charset="0"/>
+              <a:ea typeface="Alegreya" charset="0"/>
+              <a:cs typeface="Alegreya" charset="0"/>
+            </a:endParaRPr>
+          </a:p>
+        </p:txBody>
+      </p:sp>
     </p:spTree>
     <p:extLst>
       <p:ext uri="{BB962C8B-B14F-4D97-AF65-F5344CB8AC3E}">

--- a/docs/sigmod16demo/figures/figs.pptx
+++ b/docs/sigmod16demo/figures/figs.pptx
@@ -5794,308 +5794,30 @@
           <a:chExt cx="0" cy="0"/>
         </a:xfrm>
       </p:grpSpPr>
-      <p:sp>
-        <p:nvSpPr>
-          <p:cNvPr id="4" name="TextBox 3"/>
-          <p:cNvSpPr txBox="1"/>
-          <p:nvPr/>
-        </p:nvSpPr>
-        <p:spPr>
-          <a:xfrm>
-            <a:off x="2721144" y="617537"/>
-            <a:ext cx="986167" cy="923330"/>
-          </a:xfrm>
-          <a:prstGeom prst="rect">
-            <a:avLst/>
-          </a:prstGeom>
-          <a:noFill/>
-        </p:spPr>
-        <p:txBody>
-          <a:bodyPr wrap="none" rtlCol="0">
-            <a:spAutoFit/>
-          </a:bodyPr>
-          <a:lstStyle/>
-          <a:p>
-            <a:r>
-              <a:rPr lang="en-US" sz="5400" dirty="0" smtClean="0">
-                <a:solidFill>
-                  <a:srgbClr val="595959"/>
-                </a:solidFill>
-                <a:latin typeface="Gill Sans"/>
-                <a:cs typeface="Gill Sans"/>
-              </a:rPr>
-              <a:t>Q</a:t>
-            </a:r>
-            <a:r>
-              <a:rPr lang="en-US" sz="5400" baseline="-25000" dirty="0" smtClean="0">
-                <a:solidFill>
-                  <a:srgbClr val="595959"/>
-                </a:solidFill>
-                <a:latin typeface="Gill Sans"/>
-                <a:cs typeface="Gill Sans"/>
-              </a:rPr>
-              <a:t>2</a:t>
-            </a:r>
-            <a:endParaRPr lang="en-US" sz="5400" dirty="0" smtClean="0">
-              <a:solidFill>
-                <a:srgbClr val="595959"/>
-              </a:solidFill>
-              <a:latin typeface="Gill Sans"/>
-              <a:cs typeface="Gill Sans"/>
-            </a:endParaRPr>
-          </a:p>
-        </p:txBody>
-      </p:sp>
-      <p:sp>
-        <p:nvSpPr>
-          <p:cNvPr id="6" name="Rectangle 5"/>
-          <p:cNvSpPr/>
-          <p:nvPr/>
-        </p:nvSpPr>
-        <p:spPr>
-          <a:xfrm>
-            <a:off x="3911524" y="617537"/>
-            <a:ext cx="4079048" cy="923330"/>
-          </a:xfrm>
-          <a:prstGeom prst="rect">
-            <a:avLst/>
-          </a:prstGeom>
-        </p:spPr>
-        <p:txBody>
-          <a:bodyPr wrap="square">
-            <a:spAutoFit/>
-          </a:bodyPr>
-          <a:lstStyle/>
-          <a:p>
-            <a:r>
-              <a:rPr lang="en-US" dirty="0">
-                <a:solidFill>
-                  <a:schemeClr val="bg1">
-                    <a:lumMod val="50000"/>
-                  </a:schemeClr>
-                </a:solidFill>
-                <a:latin typeface="Gill Sans"/>
-                <a:ea typeface="Gill Sans" charset="0"/>
-                <a:cs typeface="Gill Sans"/>
-              </a:rPr>
-              <a:t>UPDATE 	T</a:t>
-            </a:r>
-          </a:p>
-          <a:p>
-            <a:r>
-              <a:rPr lang="en-US" dirty="0" smtClean="0">
-                <a:solidFill>
-                  <a:schemeClr val="bg1">
-                    <a:lumMod val="50000"/>
-                  </a:schemeClr>
-                </a:solidFill>
-                <a:latin typeface="Gill Sans"/>
-                <a:ea typeface="Gill Sans" charset="0"/>
-                <a:cs typeface="Gill Sans"/>
-              </a:rPr>
-              <a:t>SET</a:t>
-            </a:r>
-            <a:r>
-              <a:rPr lang="zh-CN" altLang="en-US" dirty="0" smtClean="0">
-                <a:solidFill>
-                  <a:schemeClr val="bg1">
-                    <a:lumMod val="50000"/>
-                  </a:schemeClr>
-                </a:solidFill>
-                <a:latin typeface="Gill Sans"/>
-                <a:ea typeface="Gill Sans" charset="0"/>
-                <a:cs typeface="Gill Sans"/>
-              </a:rPr>
-              <a:t> </a:t>
-            </a:r>
-            <a:r>
-              <a:rPr lang="en-US" dirty="0" smtClean="0">
-                <a:solidFill>
-                  <a:schemeClr val="bg1">
-                    <a:lumMod val="50000"/>
-                  </a:schemeClr>
-                </a:solidFill>
-                <a:latin typeface="Gill Sans"/>
-                <a:ea typeface="Gill Sans" charset="0"/>
-                <a:cs typeface="Gill Sans"/>
-              </a:rPr>
-              <a:t>income </a:t>
-            </a:r>
-            <a:r>
-              <a:rPr lang="en-US" dirty="0">
-                <a:solidFill>
-                  <a:schemeClr val="bg1">
-                    <a:lumMod val="50000"/>
-                  </a:schemeClr>
-                </a:solidFill>
-                <a:latin typeface="Gill Sans"/>
-                <a:ea typeface="Gill Sans" charset="0"/>
-                <a:cs typeface="Gill Sans"/>
-              </a:rPr>
-              <a:t>= </a:t>
-            </a:r>
-            <a:r>
-              <a:rPr lang="en-US" dirty="0" smtClean="0">
-                <a:solidFill>
-                  <a:schemeClr val="bg1">
-                    <a:lumMod val="50000"/>
-                  </a:schemeClr>
-                </a:solidFill>
-                <a:latin typeface="Gill Sans"/>
-                <a:ea typeface="Gill Sans" charset="0"/>
-                <a:cs typeface="Gill Sans"/>
-              </a:rPr>
-              <a:t> income + 950 </a:t>
-            </a:r>
-            <a:endParaRPr lang="en-US" strike="sngStrike" dirty="0">
-              <a:solidFill>
-                <a:schemeClr val="bg1">
-                  <a:lumMod val="50000"/>
-                </a:schemeClr>
-              </a:solidFill>
-              <a:latin typeface="Gill Sans"/>
-              <a:ea typeface="Gill Sans" charset="0"/>
-              <a:cs typeface="Gill Sans"/>
-            </a:endParaRPr>
-          </a:p>
-          <a:p>
-            <a:r>
-              <a:rPr lang="en-US" dirty="0">
-                <a:solidFill>
-                  <a:schemeClr val="bg1">
-                    <a:lumMod val="50000"/>
-                  </a:schemeClr>
-                </a:solidFill>
-                <a:latin typeface="Gill Sans"/>
-                <a:ea typeface="Gill Sans" charset="0"/>
-                <a:cs typeface="Gill Sans"/>
-              </a:rPr>
-              <a:t> WHERE </a:t>
-            </a:r>
-            <a:r>
-              <a:rPr lang="zh-CN" altLang="en-US" dirty="0" smtClean="0">
-                <a:solidFill>
-                  <a:schemeClr val="bg1">
-                    <a:lumMod val="50000"/>
-                  </a:schemeClr>
-                </a:solidFill>
-                <a:latin typeface="Gill Sans"/>
-                <a:ea typeface="Gill Sans" charset="0"/>
-                <a:cs typeface="Gill Sans"/>
-              </a:rPr>
-              <a:t> </a:t>
-            </a:r>
-            <a:r>
-              <a:rPr lang="en-US" dirty="0" smtClean="0">
-                <a:solidFill>
-                  <a:schemeClr val="bg1">
-                    <a:lumMod val="50000"/>
-                  </a:schemeClr>
-                </a:solidFill>
-                <a:latin typeface="Gill Sans"/>
-                <a:ea typeface="Gill Sans" charset="0"/>
-                <a:cs typeface="Gill Sans"/>
-              </a:rPr>
-              <a:t>income </a:t>
-            </a:r>
-            <a:r>
-              <a:rPr lang="zh-CN" altLang="zh-CN" dirty="0">
-                <a:solidFill>
-                  <a:schemeClr val="bg1">
-                    <a:lumMod val="50000"/>
-                  </a:schemeClr>
-                </a:solidFill>
-                <a:latin typeface="Gill Sans"/>
-                <a:ea typeface="Gill Sans" charset="0"/>
-                <a:cs typeface="Gill Sans"/>
-              </a:rPr>
-              <a:t>&lt;</a:t>
-            </a:r>
-            <a:r>
-              <a:rPr lang="zh-CN" altLang="en-US" dirty="0">
-                <a:solidFill>
-                  <a:schemeClr val="bg1">
-                    <a:lumMod val="50000"/>
-                  </a:schemeClr>
-                </a:solidFill>
-                <a:latin typeface="Gill Sans"/>
-                <a:ea typeface="Gill Sans" charset="0"/>
-                <a:cs typeface="Gill Sans"/>
-              </a:rPr>
-              <a:t> </a:t>
-            </a:r>
-            <a:r>
-              <a:rPr lang="en-US" altLang="zh-CN" strike="sngStrike" dirty="0">
-                <a:solidFill>
-                  <a:schemeClr val="bg1">
-                    <a:lumMod val="50000"/>
-                  </a:schemeClr>
-                </a:solidFill>
-                <a:latin typeface="Gill Sans"/>
-                <a:ea typeface="Gill Sans" charset="0"/>
-                <a:cs typeface="Gill Sans"/>
-              </a:rPr>
-              <a:t>10000</a:t>
-            </a:r>
-            <a:r>
-              <a:rPr lang="zh-CN" altLang="en-US" dirty="0">
-                <a:solidFill>
-                  <a:schemeClr val="bg1">
-                    <a:lumMod val="50000"/>
-                  </a:schemeClr>
-                </a:solidFill>
-                <a:latin typeface="Gill Sans"/>
-                <a:ea typeface="Gill Sans" charset="0"/>
-                <a:cs typeface="Gill Sans"/>
-              </a:rPr>
-              <a:t> </a:t>
-            </a:r>
-            <a:r>
-              <a:rPr lang="en-US" altLang="zh-CN" dirty="0">
-                <a:solidFill>
-                  <a:srgbClr val="FF0000"/>
-                </a:solidFill>
-                <a:latin typeface="Gill Sans"/>
-                <a:ea typeface="Gill Sans" charset="0"/>
-                <a:cs typeface="Gill Sans"/>
-              </a:rPr>
-              <a:t>1000</a:t>
-            </a:r>
-            <a:endParaRPr lang="en-US" dirty="0">
-              <a:solidFill>
-                <a:srgbClr val="FF0000"/>
-              </a:solidFill>
-              <a:latin typeface="Gill Sans"/>
-              <a:ea typeface="Gill Sans" charset="0"/>
-              <a:cs typeface="Gill Sans"/>
-            </a:endParaRPr>
-          </a:p>
-        </p:txBody>
-      </p:sp>
       <p:grpSp>
         <p:nvGrpSpPr>
-          <p:cNvPr id="29" name="Group 28"/>
+          <p:cNvPr id="2" name="Group 1"/>
           <p:cNvGrpSpPr/>
           <p:nvPr/>
         </p:nvGrpSpPr>
         <p:grpSpPr>
           <a:xfrm>
-            <a:off x="5004918" y="1814374"/>
-            <a:ext cx="3993906" cy="4125426"/>
-            <a:chOff x="214052" y="1998931"/>
-            <a:chExt cx="3993906" cy="4125426"/>
+            <a:off x="2053248" y="617537"/>
+            <a:ext cx="5269428" cy="923330"/>
+            <a:chOff x="2721144" y="617537"/>
+            <a:chExt cx="5269428" cy="923330"/>
           </a:xfrm>
         </p:grpSpPr>
         <p:sp>
           <p:nvSpPr>
-            <p:cNvPr id="8" name="TextBox 7"/>
+            <p:cNvPr id="4" name="TextBox 3"/>
             <p:cNvSpPr txBox="1"/>
             <p:nvPr/>
           </p:nvSpPr>
           <p:spPr>
             <a:xfrm>
-              <a:off x="1395309" y="1998931"/>
-              <a:ext cx="1560299" cy="461665"/>
+              <a:off x="2721144" y="617537"/>
+              <a:ext cx="986167" cy="923330"/>
             </a:xfrm>
             <a:prstGeom prst="rect">
               <a:avLst/>
@@ -6109,28 +5831,45 @@
             <a:lstStyle/>
             <a:p>
               <a:r>
-                <a:rPr lang="en-US" sz="2400" dirty="0" smtClean="0">
+                <a:rPr lang="en-US" sz="5400" dirty="0" smtClean="0">
                   <a:solidFill>
                     <a:srgbClr val="595959"/>
                   </a:solidFill>
                   <a:latin typeface="Gill Sans"/>
                   <a:cs typeface="Gill Sans"/>
                 </a:rPr>
-                <a:t>Alternative</a:t>
+                <a:t>Q</a:t>
               </a:r>
+              <a:r>
+                <a:rPr lang="en-US" sz="5400" baseline="-25000" dirty="0" smtClean="0">
+                  <a:solidFill>
+                    <a:srgbClr val="595959"/>
+                  </a:solidFill>
+                  <a:latin typeface="Gill Sans"/>
+                  <a:cs typeface="Gill Sans"/>
+                </a:rPr>
+                <a:t>2</a:t>
+              </a:r>
+              <a:endParaRPr lang="en-US" sz="5400" dirty="0" smtClean="0">
+                <a:solidFill>
+                  <a:srgbClr val="595959"/>
+                </a:solidFill>
+                <a:latin typeface="Gill Sans"/>
+                <a:cs typeface="Gill Sans"/>
+              </a:endParaRPr>
             </a:p>
           </p:txBody>
         </p:sp>
         <p:sp>
           <p:nvSpPr>
-            <p:cNvPr id="10" name="Rectangle 9"/>
+            <p:cNvPr id="6" name="Rectangle 5"/>
             <p:cNvSpPr/>
             <p:nvPr/>
           </p:nvSpPr>
           <p:spPr>
             <a:xfrm>
-              <a:off x="422343" y="2923277"/>
-              <a:ext cx="3559016" cy="923330"/>
+              <a:off x="3911524" y="617537"/>
+              <a:ext cx="4079048" cy="923330"/>
             </a:xfrm>
             <a:prstGeom prst="rect">
               <a:avLst/>
@@ -6153,12 +5892,35 @@
                   <a:ea typeface="Gill Sans" charset="0"/>
                   <a:cs typeface="Gill Sans"/>
                 </a:rPr>
-                <a:t>UPDATE 	T</a:t>
+                <a:t>UPDATE 	</a:t>
               </a:r>
+              <a:r>
+                <a:rPr lang="en-US" dirty="0" smtClean="0">
+                  <a:solidFill>
+                    <a:schemeClr val="bg1">
+                      <a:lumMod val="50000"/>
+                    </a:schemeClr>
+                  </a:solidFill>
+                  <a:latin typeface="Gill Sans"/>
+                  <a:ea typeface="Gill Sans" charset="0"/>
+                  <a:cs typeface="Gill Sans"/>
+                </a:rPr>
+                <a:t>T</a:t>
+              </a:r>
+              <a:endParaRPr lang="en-US" dirty="0">
+                <a:solidFill>
+                  <a:schemeClr val="bg1">
+                    <a:lumMod val="50000"/>
+                  </a:schemeClr>
+                </a:solidFill>
+                <a:latin typeface="Gill Sans"/>
+                <a:ea typeface="Gill Sans" charset="0"/>
+                <a:cs typeface="Gill Sans"/>
+              </a:endParaRPr>
             </a:p>
             <a:p>
               <a:r>
-                <a:rPr lang="en-US" dirty="0">
+                <a:rPr lang="en-US" dirty="0" smtClean="0">
                   <a:solidFill>
                     <a:schemeClr val="bg1">
                       <a:lumMod val="50000"/>
@@ -6171,7 +5933,7 @@
                 <a:t>SET</a:t>
               </a:r>
               <a:r>
-                <a:rPr lang="zh-CN" altLang="en-US" dirty="0">
+                <a:rPr lang="zh-CN" altLang="en-US" dirty="0" smtClean="0">
                   <a:solidFill>
                     <a:schemeClr val="bg1">
                       <a:lumMod val="50000"/>
@@ -6184,7 +5946,7 @@
                 <a:t> </a:t>
               </a:r>
               <a:r>
-                <a:rPr lang="en-US" dirty="0">
+                <a:rPr lang="en-US" altLang="zh-CN" dirty="0" smtClean="0">
                   <a:solidFill>
                     <a:schemeClr val="bg1">
                       <a:lumMod val="50000"/>
@@ -6194,32 +5956,10 @@
                   <a:ea typeface="Gill Sans" charset="0"/>
                   <a:cs typeface="Gill Sans"/>
                 </a:rPr>
-                <a:t>income =  </a:t>
+                <a:t>		</a:t>
               </a:r>
               <a:r>
-                <a:rPr lang="en-US" b="1" dirty="0">
-                  <a:solidFill>
-                    <a:schemeClr val="accent1"/>
-                  </a:solidFill>
-                  <a:latin typeface="Gill Sans"/>
-                  <a:ea typeface="Gill Sans" charset="0"/>
-                  <a:cs typeface="Gill Sans"/>
-                </a:rPr>
-                <a:t>1.</a:t>
-              </a:r>
-              <a:r>
-                <a:rPr lang="en-US" altLang="zh-CN" b="1" dirty="0">
-                  <a:solidFill>
-                    <a:schemeClr val="accent1"/>
-                  </a:solidFill>
-                  <a:latin typeface="Gill Sans"/>
-                  <a:ea typeface="Gill Sans" charset="0"/>
-                  <a:cs typeface="Gill Sans"/>
-                </a:rPr>
-                <a:t>1</a:t>
-              </a:r>
-              <a:r>
-                <a:rPr lang="en-US" dirty="0">
+                <a:rPr lang="en-US" dirty="0" smtClean="0">
                   <a:solidFill>
                     <a:schemeClr val="bg1">
                       <a:lumMod val="50000"/>
@@ -6229,10 +5969,10 @@
                   <a:ea typeface="Gill Sans" charset="0"/>
                   <a:cs typeface="Gill Sans"/>
                 </a:rPr>
-                <a:t> *</a:t>
+                <a:t>income += </a:t>
               </a:r>
               <a:r>
-                <a:rPr lang="zh-CN" altLang="en-US" dirty="0">
+                <a:rPr lang="en-US" dirty="0" smtClean="0">
                   <a:solidFill>
                     <a:schemeClr val="bg1">
                       <a:lumMod val="50000"/>
@@ -6242,20 +5982,7 @@
                   <a:ea typeface="Gill Sans" charset="0"/>
                   <a:cs typeface="Gill Sans"/>
                 </a:rPr>
-                <a:t> </a:t>
-              </a:r>
-              <a:r>
-                <a:rPr lang="en-US" dirty="0">
-                  <a:solidFill>
-                    <a:schemeClr val="bg1">
-                      <a:lumMod val="50000"/>
-                    </a:schemeClr>
-                  </a:solidFill>
-                  <a:latin typeface="Gill Sans"/>
-                  <a:ea typeface="Gill Sans" charset="0"/>
-                  <a:cs typeface="Gill Sans"/>
-                </a:rPr>
-                <a:t>income </a:t>
+                <a:t>950 </a:t>
               </a:r>
               <a:endParaRPr lang="en-US" strike="sngStrike" dirty="0">
                 <a:solidFill>
@@ -6283,7 +6010,7 @@
                 <a:t> WHERE </a:t>
               </a:r>
               <a:r>
-                <a:rPr lang="zh-CN" altLang="en-US" dirty="0">
+                <a:rPr lang="zh-CN" altLang="en-US" dirty="0" smtClean="0">
                   <a:solidFill>
                     <a:schemeClr val="bg1">
                       <a:lumMod val="50000"/>
@@ -6296,7 +6023,7 @@
                 <a:t> </a:t>
               </a:r>
               <a:r>
-                <a:rPr lang="en-US" dirty="0">
+                <a:rPr lang="en-US" dirty="0" smtClean="0">
                   <a:solidFill>
                     <a:schemeClr val="bg1">
                       <a:lumMod val="50000"/>
@@ -6335,19 +6062,45 @@
                 <a:t> </a:t>
               </a:r>
               <a:r>
-                <a:rPr lang="en-US" altLang="zh-CN" b="1" dirty="0">
+                <a:rPr lang="en-US" altLang="zh-CN" strike="sngStrike" dirty="0">
                   <a:solidFill>
-                    <a:schemeClr val="accent1"/>
+                    <a:schemeClr val="bg1">
+                      <a:lumMod val="50000"/>
+                    </a:schemeClr>
                   </a:solidFill>
                   <a:latin typeface="Gill Sans"/>
                   <a:ea typeface="Gill Sans" charset="0"/>
                   <a:cs typeface="Gill Sans"/>
                 </a:rPr>
-                <a:t>9500.001</a:t>
+                <a:t>10000</a:t>
               </a:r>
-              <a:endParaRPr lang="en-US" b="1" dirty="0">
+              <a:r>
+                <a:rPr lang="zh-CN" altLang="en-US" dirty="0">
+                  <a:solidFill>
+                    <a:schemeClr val="bg1">
+                      <a:lumMod val="50000"/>
+                    </a:schemeClr>
+                  </a:solidFill>
+                  <a:latin typeface="Gill Sans"/>
+                  <a:ea typeface="Gill Sans" charset="0"/>
+                  <a:cs typeface="Gill Sans"/>
+                </a:rPr>
+                <a:t> </a:t>
+              </a:r>
+              <a:r>
+                <a:rPr lang="en-US" altLang="zh-CN" dirty="0">
+                  <a:solidFill>
+                    <a:srgbClr val="FF0000"/>
+                  </a:solidFill>
+                  <a:latin typeface="Gill Sans"/>
+                  <a:ea typeface="Gill Sans" charset="0"/>
+                  <a:cs typeface="Gill Sans"/>
+                </a:rPr>
+                <a:t>1000</a:t>
+              </a:r>
+              <a:endParaRPr lang="en-US" dirty="0">
                 <a:solidFill>
-                  <a:schemeClr val="accent1"/>
+                  <a:srgbClr val="FF0000"/>
                 </a:solidFill>
                 <a:latin typeface="Gill Sans"/>
                 <a:ea typeface="Gill Sans" charset="0"/>
@@ -6356,1505 +6109,45 @@
             </a:p>
           </p:txBody>
         </p:sp>
-        <p:graphicFrame>
-          <p:nvGraphicFramePr>
-            <p:cNvPr id="11" name="Content Placeholder 3"/>
-            <p:cNvGraphicFramePr>
-              <a:graphicFrameLocks/>
-            </p:cNvGraphicFramePr>
-            <p:nvPr>
-              <p:extLst>
-                <p:ext uri="{D42A27DB-BD31-4B8C-83A1-F6EECF244321}">
-                  <p14:modId xmlns:p14="http://schemas.microsoft.com/office/powerpoint/2010/main" val="1587782258"/>
-                </p:ext>
-              </p:extLst>
-            </p:nvPr>
-          </p:nvGraphicFramePr>
-          <p:xfrm>
-            <a:off x="214052" y="4295557"/>
-            <a:ext cx="3993906" cy="1828800"/>
-          </p:xfrm>
-          <a:graphic>
-            <a:graphicData uri="http://schemas.openxmlformats.org/drawingml/2006/table">
-              <a:tbl>
-                <a:tblPr firstRow="1" bandRow="1">
-                  <a:tableStyleId>{5A111915-BE36-4E01-A7E5-04B1672EAD32}</a:tableStyleId>
-                </a:tblPr>
-                <a:tblGrid>
-                  <a:gridCol w="758699"/>
-                  <a:gridCol w="758699"/>
-                  <a:gridCol w="1231096"/>
-                  <a:gridCol w="1245412"/>
-                </a:tblGrid>
-                <a:tr h="287866">
-                  <a:tc>
-                    <a:txBody>
-                      <a:bodyPr/>
-                      <a:lstStyle/>
-                      <a:p>
-                        <a:pPr algn="l"/>
-                        <a:r>
-                          <a:rPr lang="en-US" sz="1800" b="0" u="none" dirty="0" smtClean="0">
-                            <a:solidFill>
-                              <a:srgbClr val="595959"/>
-                            </a:solidFill>
-                            <a:latin typeface="Gill Sans"/>
-                            <a:cs typeface="Gill Sans"/>
-                          </a:rPr>
-                          <a:t>ID</a:t>
-                        </a:r>
-                        <a:endParaRPr lang="en-US" sz="1800" b="0" u="none" dirty="0">
-                          <a:solidFill>
-                            <a:srgbClr val="595959"/>
-                          </a:solidFill>
-                          <a:latin typeface="Gill Sans"/>
-                          <a:cs typeface="Gill Sans"/>
-                        </a:endParaRPr>
-                      </a:p>
-                    </a:txBody>
-                    <a:tcPr>
-                      <a:lnL w="12700" cap="flat" cmpd="sng" algn="ctr">
-                        <a:noFill/>
-                        <a:prstDash val="solid"/>
-                        <a:round/>
-                        <a:headEnd type="none" w="med" len="med"/>
-                        <a:tailEnd type="none" w="med" len="med"/>
-                      </a:lnL>
-                      <a:lnR w="12700" cap="flat" cmpd="sng" algn="ctr">
-                        <a:noFill/>
-                        <a:prstDash val="solid"/>
-                        <a:round/>
-                        <a:headEnd type="none" w="med" len="med"/>
-                        <a:tailEnd type="none" w="med" len="med"/>
-                      </a:lnR>
-                      <a:lnT w="12700" cap="flat" cmpd="sng" algn="ctr">
-                        <a:noFill/>
-                        <a:prstDash val="solid"/>
-                        <a:round/>
-                        <a:headEnd type="none" w="med" len="med"/>
-                        <a:tailEnd type="none" w="med" len="med"/>
-                      </a:lnT>
-                      <a:lnB w="12700" cap="flat" cmpd="sng" algn="ctr">
-                        <a:solidFill>
-                          <a:schemeClr val="tx1"/>
-                        </a:solidFill>
-                        <a:prstDash val="solid"/>
-                        <a:round/>
-                        <a:headEnd type="none" w="med" len="med"/>
-                        <a:tailEnd type="none" w="med" len="med"/>
-                      </a:lnB>
-                      <a:lnTlToBr w="12700" cmpd="sng">
-                        <a:noFill/>
-                        <a:prstDash val="solid"/>
-                      </a:lnTlToBr>
-                      <a:lnBlToTr w="12700" cmpd="sng">
-                        <a:noFill/>
-                        <a:prstDash val="solid"/>
-                      </a:lnBlToTr>
-                      <a:solidFill>
-                        <a:schemeClr val="bg1"/>
-                      </a:solidFill>
-                    </a:tcPr>
-                  </a:tc>
-                  <a:tc>
-                    <a:txBody>
-                      <a:bodyPr/>
-                      <a:lstStyle/>
-                      <a:p>
-                        <a:pPr algn="l"/>
-                        <a:r>
-                          <a:rPr lang="en-US" sz="1800" b="0" u="none" dirty="0" smtClean="0">
-                            <a:solidFill>
-                              <a:srgbClr val="595959"/>
-                            </a:solidFill>
-                            <a:latin typeface="Gill Sans"/>
-                            <a:cs typeface="Gill Sans"/>
-                          </a:rPr>
-                          <a:t>tax</a:t>
-                        </a:r>
-                        <a:endParaRPr lang="en-US" sz="1800" b="0" u="none" dirty="0">
-                          <a:solidFill>
-                            <a:srgbClr val="595959"/>
-                          </a:solidFill>
-                          <a:latin typeface="Gill Sans"/>
-                          <a:cs typeface="Gill Sans"/>
-                        </a:endParaRPr>
-                      </a:p>
-                    </a:txBody>
-                    <a:tcPr>
-                      <a:lnL w="12700" cap="flat" cmpd="sng" algn="ctr">
-                        <a:noFill/>
-                        <a:prstDash val="solid"/>
-                        <a:round/>
-                        <a:headEnd type="none" w="med" len="med"/>
-                        <a:tailEnd type="none" w="med" len="med"/>
-                      </a:lnL>
-                      <a:lnR w="12700" cap="flat" cmpd="sng" algn="ctr">
-                        <a:noFill/>
-                        <a:prstDash val="solid"/>
-                        <a:round/>
-                        <a:headEnd type="none" w="med" len="med"/>
-                        <a:tailEnd type="none" w="med" len="med"/>
-                      </a:lnR>
-                      <a:lnT w="12700" cap="flat" cmpd="sng" algn="ctr">
-                        <a:noFill/>
-                        <a:prstDash val="solid"/>
-                        <a:round/>
-                        <a:headEnd type="none" w="med" len="med"/>
-                        <a:tailEnd type="none" w="med" len="med"/>
-                      </a:lnT>
-                      <a:lnB w="12700" cap="flat" cmpd="sng" algn="ctr">
-                        <a:solidFill>
-                          <a:schemeClr val="tx1"/>
-                        </a:solidFill>
-                        <a:prstDash val="solid"/>
-                        <a:round/>
-                        <a:headEnd type="none" w="med" len="med"/>
-                        <a:tailEnd type="none" w="med" len="med"/>
-                      </a:lnB>
-                      <a:lnTlToBr w="12700" cmpd="sng">
-                        <a:noFill/>
-                        <a:prstDash val="solid"/>
-                      </a:lnTlToBr>
-                      <a:lnBlToTr w="12700" cmpd="sng">
-                        <a:noFill/>
-                        <a:prstDash val="solid"/>
-                      </a:lnBlToTr>
-                      <a:solidFill>
-                        <a:schemeClr val="bg1"/>
-                      </a:solidFill>
-                    </a:tcPr>
-                  </a:tc>
-                  <a:tc>
-                    <a:txBody>
-                      <a:bodyPr/>
-                      <a:lstStyle/>
-                      <a:p>
-                        <a:pPr algn="l"/>
-                        <a:r>
-                          <a:rPr lang="en-US" sz="1800" b="0" u="none" dirty="0" smtClean="0">
-                            <a:solidFill>
-                              <a:srgbClr val="595959"/>
-                            </a:solidFill>
-                            <a:latin typeface="Gill Sans"/>
-                            <a:cs typeface="Gill Sans"/>
-                          </a:rPr>
-                          <a:t>income</a:t>
-                        </a:r>
-                        <a:endParaRPr lang="en-US" sz="1800" b="0" u="none" dirty="0">
-                          <a:solidFill>
-                            <a:srgbClr val="595959"/>
-                          </a:solidFill>
-                          <a:latin typeface="Gill Sans"/>
-                          <a:cs typeface="Gill Sans"/>
-                        </a:endParaRPr>
-                      </a:p>
-                    </a:txBody>
-                    <a:tcPr>
-                      <a:lnL w="12700" cap="flat" cmpd="sng" algn="ctr">
-                        <a:noFill/>
-                        <a:prstDash val="solid"/>
-                        <a:round/>
-                        <a:headEnd type="none" w="med" len="med"/>
-                        <a:tailEnd type="none" w="med" len="med"/>
-                      </a:lnL>
-                      <a:lnR w="12700" cap="flat" cmpd="sng" algn="ctr">
-                        <a:noFill/>
-                        <a:prstDash val="solid"/>
-                        <a:round/>
-                        <a:headEnd type="none" w="med" len="med"/>
-                        <a:tailEnd type="none" w="med" len="med"/>
-                      </a:lnR>
-                      <a:lnT w="12700" cap="flat" cmpd="sng" algn="ctr">
-                        <a:noFill/>
-                        <a:prstDash val="solid"/>
-                        <a:round/>
-                        <a:headEnd type="none" w="med" len="med"/>
-                        <a:tailEnd type="none" w="med" len="med"/>
-                      </a:lnT>
-                      <a:lnB w="12700" cap="flat" cmpd="sng" algn="ctr">
-                        <a:solidFill>
-                          <a:schemeClr val="tx1"/>
-                        </a:solidFill>
-                        <a:prstDash val="solid"/>
-                        <a:round/>
-                        <a:headEnd type="none" w="med" len="med"/>
-                        <a:tailEnd type="none" w="med" len="med"/>
-                      </a:lnB>
-                      <a:lnTlToBr w="12700" cmpd="sng">
-                        <a:noFill/>
-                        <a:prstDash val="solid"/>
-                      </a:lnTlToBr>
-                      <a:lnBlToTr w="12700" cmpd="sng">
-                        <a:noFill/>
-                        <a:prstDash val="solid"/>
-                      </a:lnBlToTr>
-                      <a:solidFill>
-                        <a:schemeClr val="bg1"/>
-                      </a:solidFill>
-                    </a:tcPr>
-                  </a:tc>
-                  <a:tc>
-                    <a:txBody>
-                      <a:bodyPr/>
-                      <a:lstStyle/>
-                      <a:p>
-                        <a:pPr algn="l"/>
-                        <a:r>
-                          <a:rPr lang="en-US" sz="1800" b="0" u="none" dirty="0" smtClean="0">
-                            <a:solidFill>
-                              <a:srgbClr val="595959"/>
-                            </a:solidFill>
-                            <a:latin typeface="Gill Sans"/>
-                            <a:cs typeface="Gill Sans"/>
-                          </a:rPr>
-                          <a:t>pay</a:t>
-                        </a:r>
-                        <a:endParaRPr lang="en-US" sz="1800" b="0" u="none" dirty="0">
-                          <a:solidFill>
-                            <a:srgbClr val="595959"/>
-                          </a:solidFill>
-                          <a:latin typeface="Gill Sans"/>
-                          <a:cs typeface="Gill Sans"/>
-                        </a:endParaRPr>
-                      </a:p>
-                    </a:txBody>
-                    <a:tcPr>
-                      <a:lnL w="12700" cap="flat" cmpd="sng" algn="ctr">
-                        <a:noFill/>
-                        <a:prstDash val="solid"/>
-                        <a:round/>
-                        <a:headEnd type="none" w="med" len="med"/>
-                        <a:tailEnd type="none" w="med" len="med"/>
-                      </a:lnL>
-                      <a:lnR w="12700" cap="flat" cmpd="sng" algn="ctr">
-                        <a:noFill/>
-                        <a:prstDash val="solid"/>
-                        <a:round/>
-                        <a:headEnd type="none" w="med" len="med"/>
-                        <a:tailEnd type="none" w="med" len="med"/>
-                      </a:lnR>
-                      <a:lnT w="12700" cap="flat" cmpd="sng" algn="ctr">
-                        <a:noFill/>
-                        <a:prstDash val="solid"/>
-                        <a:round/>
-                        <a:headEnd type="none" w="med" len="med"/>
-                        <a:tailEnd type="none" w="med" len="med"/>
-                      </a:lnT>
-                      <a:lnB w="12700" cap="flat" cmpd="sng" algn="ctr">
-                        <a:solidFill>
-                          <a:schemeClr val="tx1"/>
-                        </a:solidFill>
-                        <a:prstDash val="solid"/>
-                        <a:round/>
-                        <a:headEnd type="none" w="med" len="med"/>
-                        <a:tailEnd type="none" w="med" len="med"/>
-                      </a:lnB>
-                      <a:lnTlToBr w="12700" cmpd="sng">
-                        <a:noFill/>
-                        <a:prstDash val="solid"/>
-                      </a:lnTlToBr>
-                      <a:lnBlToTr w="12700" cmpd="sng">
-                        <a:noFill/>
-                        <a:prstDash val="solid"/>
-                      </a:lnBlToTr>
-                      <a:solidFill>
-                        <a:schemeClr val="bg1"/>
-                      </a:solidFill>
-                    </a:tcPr>
-                  </a:tc>
-                </a:tr>
-                <a:tr h="287866">
-                  <a:tc>
-                    <a:txBody>
-                      <a:bodyPr/>
-                      <a:lstStyle/>
-                      <a:p>
-                        <a:pPr algn="l"/>
-                        <a:r>
-                          <a:rPr lang="en-US" sz="1800" b="0" dirty="0" smtClean="0">
-                            <a:solidFill>
-                              <a:schemeClr val="bg1">
-                                <a:lumMod val="50000"/>
-                              </a:schemeClr>
-                            </a:solidFill>
-                            <a:latin typeface="Gill Sans"/>
-                            <a:cs typeface="Gill Sans"/>
-                          </a:rPr>
-                          <a:t>t1</a:t>
-                        </a:r>
-                        <a:endParaRPr lang="en-US" sz="1800" b="0" dirty="0">
-                          <a:solidFill>
-                            <a:schemeClr val="bg1">
-                              <a:lumMod val="50000"/>
-                            </a:schemeClr>
-                          </a:solidFill>
-                          <a:latin typeface="Gill Sans"/>
-                          <a:cs typeface="Gill Sans"/>
-                        </a:endParaRPr>
-                      </a:p>
-                    </a:txBody>
-                    <a:tcPr>
-                      <a:lnL w="12700" cap="flat" cmpd="sng" algn="ctr">
-                        <a:noFill/>
-                        <a:prstDash val="solid"/>
-                        <a:round/>
-                        <a:headEnd type="none" w="med" len="med"/>
-                        <a:tailEnd type="none" w="med" len="med"/>
-                      </a:lnL>
-                      <a:lnR w="12700" cap="flat" cmpd="sng" algn="ctr">
-                        <a:noFill/>
-                        <a:prstDash val="solid"/>
-                        <a:round/>
-                        <a:headEnd type="none" w="med" len="med"/>
-                        <a:tailEnd type="none" w="med" len="med"/>
-                      </a:lnR>
-                      <a:lnT w="12700" cap="flat" cmpd="sng" algn="ctr">
-                        <a:solidFill>
-                          <a:schemeClr val="tx1"/>
-                        </a:solidFill>
-                        <a:prstDash val="solid"/>
-                        <a:round/>
-                        <a:headEnd type="none" w="med" len="med"/>
-                        <a:tailEnd type="none" w="med" len="med"/>
-                      </a:lnT>
-                      <a:lnB w="12700" cap="flat" cmpd="sng" algn="ctr">
-                        <a:solidFill>
-                          <a:schemeClr val="tx1"/>
-                        </a:solidFill>
-                        <a:prstDash val="solid"/>
-                        <a:round/>
-                        <a:headEnd type="none" w="med" len="med"/>
-                        <a:tailEnd type="none" w="med" len="med"/>
-                      </a:lnB>
-                      <a:lnTlToBr w="12700" cmpd="sng">
-                        <a:noFill/>
-                        <a:prstDash val="solid"/>
-                      </a:lnTlToBr>
-                      <a:lnBlToTr w="12700" cmpd="sng">
-                        <a:noFill/>
-                        <a:prstDash val="solid"/>
-                      </a:lnBlToTr>
-                    </a:tcPr>
-                  </a:tc>
-                  <a:tc>
-                    <a:txBody>
-                      <a:bodyPr/>
-                      <a:lstStyle/>
-                      <a:p>
-                        <a:pPr algn="l"/>
-                        <a:r>
-                          <a:rPr lang="en-US" altLang="zh-CN" sz="1800" b="1" dirty="0" smtClean="0">
-                            <a:solidFill>
-                              <a:schemeClr val="accent1"/>
-                            </a:solidFill>
-                            <a:latin typeface="Gill Sans"/>
-                            <a:cs typeface="Gill Sans"/>
-                          </a:rPr>
-                          <a:t>1045</a:t>
-                        </a:r>
-                        <a:endParaRPr lang="en-US" sz="1800" b="1" dirty="0">
-                          <a:solidFill>
-                            <a:schemeClr val="accent1"/>
-                          </a:solidFill>
-                          <a:latin typeface="Gill Sans"/>
-                          <a:cs typeface="Gill Sans"/>
-                        </a:endParaRPr>
-                      </a:p>
-                    </a:txBody>
-                    <a:tcPr>
-                      <a:lnL w="12700" cap="flat" cmpd="sng" algn="ctr">
-                        <a:noFill/>
-                        <a:prstDash val="solid"/>
-                        <a:round/>
-                        <a:headEnd type="none" w="med" len="med"/>
-                        <a:tailEnd type="none" w="med" len="med"/>
-                      </a:lnL>
-                      <a:lnR w="12700" cap="flat" cmpd="sng" algn="ctr">
-                        <a:noFill/>
-                        <a:prstDash val="solid"/>
-                        <a:round/>
-                        <a:headEnd type="none" w="med" len="med"/>
-                        <a:tailEnd type="none" w="med" len="med"/>
-                      </a:lnR>
-                      <a:lnT w="12700" cap="flat" cmpd="sng" algn="ctr">
-                        <a:solidFill>
-                          <a:schemeClr val="tx1"/>
-                        </a:solidFill>
-                        <a:prstDash val="solid"/>
-                        <a:round/>
-                        <a:headEnd type="none" w="med" len="med"/>
-                        <a:tailEnd type="none" w="med" len="med"/>
-                      </a:lnT>
-                      <a:lnB w="12700" cap="flat" cmpd="sng" algn="ctr">
-                        <a:solidFill>
-                          <a:schemeClr val="tx1"/>
-                        </a:solidFill>
-                        <a:prstDash val="solid"/>
-                        <a:round/>
-                        <a:headEnd type="none" w="med" len="med"/>
-                        <a:tailEnd type="none" w="med" len="med"/>
-                      </a:lnB>
-                      <a:lnTlToBr w="12700" cmpd="sng">
-                        <a:noFill/>
-                        <a:prstDash val="solid"/>
-                      </a:lnTlToBr>
-                      <a:lnBlToTr w="12700" cmpd="sng">
-                        <a:noFill/>
-                        <a:prstDash val="solid"/>
-                      </a:lnBlToTr>
-                    </a:tcPr>
-                  </a:tc>
-                  <a:tc>
-                    <a:txBody>
-                      <a:bodyPr/>
-                      <a:lstStyle/>
-                      <a:p>
-                        <a:pPr algn="l"/>
-                        <a:r>
-                          <a:rPr lang="en-US" altLang="zh-CN" sz="1800" b="1" dirty="0" smtClean="0">
-                            <a:solidFill>
-                              <a:schemeClr val="accent1"/>
-                            </a:solidFill>
-                            <a:latin typeface="Gill Sans"/>
-                            <a:cs typeface="Gill Sans"/>
-                          </a:rPr>
-                          <a:t>10450</a:t>
-                        </a:r>
-                        <a:endParaRPr lang="en-US" sz="1800" b="1" dirty="0">
-                          <a:solidFill>
-                            <a:schemeClr val="accent1"/>
-                          </a:solidFill>
-                          <a:latin typeface="Gill Sans"/>
-                          <a:cs typeface="Gill Sans"/>
-                        </a:endParaRPr>
-                      </a:p>
-                    </a:txBody>
-                    <a:tcPr>
-                      <a:lnL w="12700" cap="flat" cmpd="sng" algn="ctr">
-                        <a:noFill/>
-                        <a:prstDash val="solid"/>
-                        <a:round/>
-                        <a:headEnd type="none" w="med" len="med"/>
-                        <a:tailEnd type="none" w="med" len="med"/>
-                      </a:lnL>
-                      <a:lnR w="12700" cap="flat" cmpd="sng" algn="ctr">
-                        <a:noFill/>
-                        <a:prstDash val="solid"/>
-                        <a:round/>
-                        <a:headEnd type="none" w="med" len="med"/>
-                        <a:tailEnd type="none" w="med" len="med"/>
-                      </a:lnR>
-                      <a:lnT w="12700" cap="flat" cmpd="sng" algn="ctr">
-                        <a:solidFill>
-                          <a:schemeClr val="tx1"/>
-                        </a:solidFill>
-                        <a:prstDash val="solid"/>
-                        <a:round/>
-                        <a:headEnd type="none" w="med" len="med"/>
-                        <a:tailEnd type="none" w="med" len="med"/>
-                      </a:lnT>
-                      <a:lnB w="12700" cap="flat" cmpd="sng" algn="ctr">
-                        <a:solidFill>
-                          <a:schemeClr val="tx1"/>
-                        </a:solidFill>
-                        <a:prstDash val="solid"/>
-                        <a:round/>
-                        <a:headEnd type="none" w="med" len="med"/>
-                        <a:tailEnd type="none" w="med" len="med"/>
-                      </a:lnB>
-                      <a:lnTlToBr w="12700" cmpd="sng">
-                        <a:noFill/>
-                        <a:prstDash val="solid"/>
-                      </a:lnTlToBr>
-                      <a:lnBlToTr w="12700" cmpd="sng">
-                        <a:noFill/>
-                        <a:prstDash val="solid"/>
-                      </a:lnBlToTr>
-                    </a:tcPr>
-                  </a:tc>
-                  <a:tc>
-                    <a:txBody>
-                      <a:bodyPr/>
-                      <a:lstStyle/>
-                      <a:p>
-                        <a:pPr algn="l"/>
-                        <a:r>
-                          <a:rPr lang="en-US" sz="1800" b="1" dirty="0" smtClean="0">
-                            <a:solidFill>
-                              <a:schemeClr val="accent1"/>
-                            </a:solidFill>
-                            <a:latin typeface="Gill Sans"/>
-                            <a:cs typeface="Gill Sans"/>
-                          </a:rPr>
-                          <a:t>9</a:t>
-                        </a:r>
-                        <a:r>
-                          <a:rPr lang="en-US" altLang="zh-CN" sz="1800" b="1" dirty="0" smtClean="0">
-                            <a:solidFill>
-                              <a:schemeClr val="accent1"/>
-                            </a:solidFill>
-                            <a:latin typeface="Gill Sans"/>
-                            <a:cs typeface="Gill Sans"/>
-                          </a:rPr>
-                          <a:t>405</a:t>
-                        </a:r>
-                        <a:endParaRPr lang="en-US" sz="1800" b="1" dirty="0">
-                          <a:solidFill>
-                            <a:schemeClr val="accent1"/>
-                          </a:solidFill>
-                          <a:latin typeface="Gill Sans"/>
-                          <a:cs typeface="Gill Sans"/>
-                        </a:endParaRPr>
-                      </a:p>
-                    </a:txBody>
-                    <a:tcPr>
-                      <a:lnL w="12700" cap="flat" cmpd="sng" algn="ctr">
-                        <a:noFill/>
-                        <a:prstDash val="solid"/>
-                        <a:round/>
-                        <a:headEnd type="none" w="med" len="med"/>
-                        <a:tailEnd type="none" w="med" len="med"/>
-                      </a:lnL>
-                      <a:lnR w="12700" cap="flat" cmpd="sng" algn="ctr">
-                        <a:noFill/>
-                        <a:prstDash val="solid"/>
-                        <a:round/>
-                        <a:headEnd type="none" w="med" len="med"/>
-                        <a:tailEnd type="none" w="med" len="med"/>
-                      </a:lnR>
-                      <a:lnT w="12700" cap="flat" cmpd="sng" algn="ctr">
-                        <a:solidFill>
-                          <a:schemeClr val="tx1"/>
-                        </a:solidFill>
-                        <a:prstDash val="solid"/>
-                        <a:round/>
-                        <a:headEnd type="none" w="med" len="med"/>
-                        <a:tailEnd type="none" w="med" len="med"/>
-                      </a:lnT>
-                      <a:lnB w="12700" cap="flat" cmpd="sng" algn="ctr">
-                        <a:solidFill>
-                          <a:schemeClr val="tx1"/>
-                        </a:solidFill>
-                        <a:prstDash val="solid"/>
-                        <a:round/>
-                        <a:headEnd type="none" w="med" len="med"/>
-                        <a:tailEnd type="none" w="med" len="med"/>
-                      </a:lnB>
-                      <a:lnTlToBr w="12700" cmpd="sng">
-                        <a:noFill/>
-                        <a:prstDash val="solid"/>
-                      </a:lnTlToBr>
-                      <a:lnBlToTr w="12700" cmpd="sng">
-                        <a:noFill/>
-                        <a:prstDash val="solid"/>
-                      </a:lnBlToTr>
-                    </a:tcPr>
-                  </a:tc>
-                </a:tr>
-                <a:tr h="287866">
-                  <a:tc>
-                    <a:txBody>
-                      <a:bodyPr/>
-                      <a:lstStyle/>
-                      <a:p>
-                        <a:pPr algn="l"/>
-                        <a:r>
-                          <a:rPr lang="en-US" sz="1800" b="0" dirty="0" smtClean="0">
-                            <a:solidFill>
-                              <a:schemeClr val="bg1">
-                                <a:lumMod val="50000"/>
-                              </a:schemeClr>
-                            </a:solidFill>
-                            <a:latin typeface="Gill Sans"/>
-                            <a:cs typeface="Gill Sans"/>
-                          </a:rPr>
-                          <a:t>t2</a:t>
-                        </a:r>
-                        <a:endParaRPr lang="en-US" sz="1800" b="0" dirty="0">
-                          <a:solidFill>
-                            <a:schemeClr val="bg1">
-                              <a:lumMod val="50000"/>
-                            </a:schemeClr>
-                          </a:solidFill>
-                          <a:latin typeface="Gill Sans"/>
-                          <a:cs typeface="Gill Sans"/>
-                        </a:endParaRPr>
-                      </a:p>
-                    </a:txBody>
-                    <a:tcPr>
-                      <a:lnL w="12700" cap="flat" cmpd="sng" algn="ctr">
-                        <a:noFill/>
-                        <a:prstDash val="solid"/>
-                        <a:round/>
-                        <a:headEnd type="none" w="med" len="med"/>
-                        <a:tailEnd type="none" w="med" len="med"/>
-                      </a:lnL>
-                      <a:lnR w="12700" cap="flat" cmpd="sng" algn="ctr">
-                        <a:noFill/>
-                        <a:prstDash val="solid"/>
-                        <a:round/>
-                        <a:headEnd type="none" w="med" len="med"/>
-                        <a:tailEnd type="none" w="med" len="med"/>
-                      </a:lnR>
-                      <a:lnT w="12700" cap="flat" cmpd="sng" algn="ctr">
-                        <a:solidFill>
-                          <a:schemeClr val="tx1"/>
-                        </a:solidFill>
-                        <a:prstDash val="solid"/>
-                        <a:round/>
-                        <a:headEnd type="none" w="med" len="med"/>
-                        <a:tailEnd type="none" w="med" len="med"/>
-                      </a:lnT>
-                      <a:lnB w="12700" cap="flat" cmpd="sng" algn="ctr">
-                        <a:solidFill>
-                          <a:schemeClr val="tx1"/>
-                        </a:solidFill>
-                        <a:prstDash val="solid"/>
-                        <a:round/>
-                        <a:headEnd type="none" w="med" len="med"/>
-                        <a:tailEnd type="none" w="med" len="med"/>
-                      </a:lnB>
-                      <a:lnTlToBr w="12700" cmpd="sng">
-                        <a:noFill/>
-                        <a:prstDash val="solid"/>
-                      </a:lnTlToBr>
-                      <a:lnBlToTr w="12700" cmpd="sng">
-                        <a:noFill/>
-                        <a:prstDash val="solid"/>
-                      </a:lnBlToTr>
-                    </a:tcPr>
-                  </a:tc>
-                  <a:tc>
-                    <a:txBody>
-                      <a:bodyPr/>
-                      <a:lstStyle/>
-                      <a:p>
-                        <a:pPr algn="l"/>
-                        <a:r>
-                          <a:rPr lang="en-US" sz="1800" b="0" dirty="0" smtClean="0">
-                            <a:solidFill>
-                              <a:schemeClr val="bg1">
-                                <a:lumMod val="50000"/>
-                              </a:schemeClr>
-                            </a:solidFill>
-                            <a:latin typeface="Gill Sans"/>
-                            <a:cs typeface="Gill Sans"/>
-                          </a:rPr>
-                          <a:t>2</a:t>
-                        </a:r>
-                        <a:r>
-                          <a:rPr lang="en-US" altLang="zh-CN" sz="1800" b="0" dirty="0" smtClean="0">
-                            <a:solidFill>
-                              <a:schemeClr val="bg1">
-                                <a:lumMod val="50000"/>
-                              </a:schemeClr>
-                            </a:solidFill>
-                            <a:latin typeface="Gill Sans"/>
-                            <a:cs typeface="Gill Sans"/>
-                          </a:rPr>
-                          <a:t>2500</a:t>
-                        </a:r>
-                        <a:endParaRPr lang="en-US" sz="1800" b="0" dirty="0">
-                          <a:solidFill>
-                            <a:schemeClr val="bg1">
-                              <a:lumMod val="50000"/>
-                            </a:schemeClr>
-                          </a:solidFill>
-                          <a:latin typeface="Gill Sans"/>
-                          <a:cs typeface="Gill Sans"/>
-                        </a:endParaRPr>
-                      </a:p>
-                    </a:txBody>
-                    <a:tcPr>
-                      <a:lnL w="12700" cap="flat" cmpd="sng" algn="ctr">
-                        <a:noFill/>
-                        <a:prstDash val="solid"/>
-                        <a:round/>
-                        <a:headEnd type="none" w="med" len="med"/>
-                        <a:tailEnd type="none" w="med" len="med"/>
-                      </a:lnL>
-                      <a:lnR w="12700" cap="flat" cmpd="sng" algn="ctr">
-                        <a:noFill/>
-                        <a:prstDash val="solid"/>
-                        <a:round/>
-                        <a:headEnd type="none" w="med" len="med"/>
-                        <a:tailEnd type="none" w="med" len="med"/>
-                      </a:lnR>
-                      <a:lnT w="12700" cap="flat" cmpd="sng" algn="ctr">
-                        <a:solidFill>
-                          <a:schemeClr val="tx1"/>
-                        </a:solidFill>
-                        <a:prstDash val="solid"/>
-                        <a:round/>
-                        <a:headEnd type="none" w="med" len="med"/>
-                        <a:tailEnd type="none" w="med" len="med"/>
-                      </a:lnT>
-                      <a:lnB w="12700" cap="flat" cmpd="sng" algn="ctr">
-                        <a:solidFill>
-                          <a:schemeClr val="tx1"/>
-                        </a:solidFill>
-                        <a:prstDash val="solid"/>
-                        <a:round/>
-                        <a:headEnd type="none" w="med" len="med"/>
-                        <a:tailEnd type="none" w="med" len="med"/>
-                      </a:lnB>
-                      <a:lnTlToBr w="12700" cmpd="sng">
-                        <a:noFill/>
-                        <a:prstDash val="solid"/>
-                      </a:lnTlToBr>
-                      <a:lnBlToTr w="12700" cmpd="sng">
-                        <a:noFill/>
-                        <a:prstDash val="solid"/>
-                      </a:lnBlToTr>
-                    </a:tcPr>
-                  </a:tc>
-                  <a:tc>
-                    <a:txBody>
-                      <a:bodyPr/>
-                      <a:lstStyle/>
-                      <a:p>
-                        <a:pPr algn="l"/>
-                        <a:r>
-                          <a:rPr lang="en-US" sz="1800" b="0" dirty="0" smtClean="0">
-                            <a:solidFill>
-                              <a:schemeClr val="bg1">
-                                <a:lumMod val="50000"/>
-                              </a:schemeClr>
-                            </a:solidFill>
-                            <a:latin typeface="Gill Sans"/>
-                            <a:cs typeface="Gill Sans"/>
-                          </a:rPr>
-                          <a:t>90000</a:t>
-                        </a:r>
-                        <a:endParaRPr lang="en-US" sz="1800" b="0" dirty="0">
-                          <a:solidFill>
-                            <a:schemeClr val="bg1">
-                              <a:lumMod val="50000"/>
-                            </a:schemeClr>
-                          </a:solidFill>
-                          <a:latin typeface="Gill Sans"/>
-                          <a:cs typeface="Gill Sans"/>
-                        </a:endParaRPr>
-                      </a:p>
-                    </a:txBody>
-                    <a:tcPr>
-                      <a:lnL w="12700" cap="flat" cmpd="sng" algn="ctr">
-                        <a:noFill/>
-                        <a:prstDash val="solid"/>
-                        <a:round/>
-                        <a:headEnd type="none" w="med" len="med"/>
-                        <a:tailEnd type="none" w="med" len="med"/>
-                      </a:lnL>
-                      <a:lnR w="12700" cap="flat" cmpd="sng" algn="ctr">
-                        <a:noFill/>
-                        <a:prstDash val="solid"/>
-                        <a:round/>
-                        <a:headEnd type="none" w="med" len="med"/>
-                        <a:tailEnd type="none" w="med" len="med"/>
-                      </a:lnR>
-                      <a:lnT w="12700" cap="flat" cmpd="sng" algn="ctr">
-                        <a:solidFill>
-                          <a:schemeClr val="tx1"/>
-                        </a:solidFill>
-                        <a:prstDash val="solid"/>
-                        <a:round/>
-                        <a:headEnd type="none" w="med" len="med"/>
-                        <a:tailEnd type="none" w="med" len="med"/>
-                      </a:lnT>
-                      <a:lnB w="12700" cap="flat" cmpd="sng" algn="ctr">
-                        <a:solidFill>
-                          <a:schemeClr val="tx1"/>
-                        </a:solidFill>
-                        <a:prstDash val="solid"/>
-                        <a:round/>
-                        <a:headEnd type="none" w="med" len="med"/>
-                        <a:tailEnd type="none" w="med" len="med"/>
-                      </a:lnB>
-                      <a:lnTlToBr w="12700" cmpd="sng">
-                        <a:noFill/>
-                        <a:prstDash val="solid"/>
-                      </a:lnTlToBr>
-                      <a:lnBlToTr w="12700" cmpd="sng">
-                        <a:noFill/>
-                        <a:prstDash val="solid"/>
-                      </a:lnBlToTr>
-                      <a:noFill/>
-                    </a:tcPr>
-                  </a:tc>
-                  <a:tc>
-                    <a:txBody>
-                      <a:bodyPr/>
-                      <a:lstStyle/>
-                      <a:p>
-                        <a:pPr algn="l"/>
-                        <a:r>
-                          <a:rPr lang="en-US" altLang="zh-CN" sz="1800" dirty="0" smtClean="0">
-                            <a:solidFill>
-                              <a:schemeClr val="bg1">
-                                <a:lumMod val="50000"/>
-                              </a:schemeClr>
-                            </a:solidFill>
-                            <a:latin typeface="Gill Sans"/>
-                            <a:cs typeface="Gill Sans"/>
-                          </a:rPr>
-                          <a:t>67500</a:t>
-                        </a:r>
-                        <a:endParaRPr lang="en-US" sz="1800" dirty="0">
-                          <a:solidFill>
-                            <a:schemeClr val="bg1">
-                              <a:lumMod val="50000"/>
-                            </a:schemeClr>
-                          </a:solidFill>
-                          <a:latin typeface="Gill Sans"/>
-                          <a:cs typeface="Gill Sans"/>
-                        </a:endParaRPr>
-                      </a:p>
-                    </a:txBody>
-                    <a:tcPr>
-                      <a:lnL w="12700" cap="flat" cmpd="sng" algn="ctr">
-                        <a:noFill/>
-                        <a:prstDash val="solid"/>
-                        <a:round/>
-                        <a:headEnd type="none" w="med" len="med"/>
-                        <a:tailEnd type="none" w="med" len="med"/>
-                      </a:lnL>
-                      <a:lnR w="12700" cap="flat" cmpd="sng" algn="ctr">
-                        <a:noFill/>
-                        <a:prstDash val="solid"/>
-                        <a:round/>
-                        <a:headEnd type="none" w="med" len="med"/>
-                        <a:tailEnd type="none" w="med" len="med"/>
-                      </a:lnR>
-                      <a:lnT w="12700" cap="flat" cmpd="sng" algn="ctr">
-                        <a:solidFill>
-                          <a:schemeClr val="tx1"/>
-                        </a:solidFill>
-                        <a:prstDash val="solid"/>
-                        <a:round/>
-                        <a:headEnd type="none" w="med" len="med"/>
-                        <a:tailEnd type="none" w="med" len="med"/>
-                      </a:lnT>
-                      <a:lnB w="12700" cap="flat" cmpd="sng" algn="ctr">
-                        <a:solidFill>
-                          <a:schemeClr val="tx1"/>
-                        </a:solidFill>
-                        <a:prstDash val="solid"/>
-                        <a:round/>
-                        <a:headEnd type="none" w="med" len="med"/>
-                        <a:tailEnd type="none" w="med" len="med"/>
-                      </a:lnB>
-                      <a:lnTlToBr w="12700" cmpd="sng">
-                        <a:noFill/>
-                        <a:prstDash val="solid"/>
-                      </a:lnTlToBr>
-                      <a:lnBlToTr w="12700" cmpd="sng">
-                        <a:noFill/>
-                        <a:prstDash val="solid"/>
-                      </a:lnBlToTr>
-                    </a:tcPr>
-                  </a:tc>
-                </a:tr>
-                <a:tr h="287866">
-                  <a:tc>
-                    <a:txBody>
-                      <a:bodyPr/>
-                      <a:lstStyle/>
-                      <a:p>
-                        <a:pPr algn="l"/>
-                        <a:r>
-                          <a:rPr lang="en-US" sz="1800" b="0" dirty="0" smtClean="0">
-                            <a:solidFill>
-                              <a:schemeClr val="bg1">
-                                <a:lumMod val="50000"/>
-                              </a:schemeClr>
-                            </a:solidFill>
-                            <a:latin typeface="Gill Sans"/>
-                            <a:cs typeface="Gill Sans"/>
-                          </a:rPr>
-                          <a:t>t3</a:t>
-                        </a:r>
-                        <a:endParaRPr lang="en-US" sz="1800" b="0" dirty="0">
-                          <a:solidFill>
-                            <a:schemeClr val="bg1">
-                              <a:lumMod val="50000"/>
-                            </a:schemeClr>
-                          </a:solidFill>
-                          <a:latin typeface="Gill Sans"/>
-                          <a:cs typeface="Gill Sans"/>
-                        </a:endParaRPr>
-                      </a:p>
-                    </a:txBody>
-                    <a:tcPr>
-                      <a:lnL w="12700" cap="flat" cmpd="sng" algn="ctr">
-                        <a:noFill/>
-                        <a:prstDash val="solid"/>
-                        <a:round/>
-                        <a:headEnd type="none" w="med" len="med"/>
-                        <a:tailEnd type="none" w="med" len="med"/>
-                      </a:lnL>
-                      <a:lnR w="12700" cap="flat" cmpd="sng" algn="ctr">
-                        <a:noFill/>
-                        <a:prstDash val="solid"/>
-                        <a:round/>
-                        <a:headEnd type="none" w="med" len="med"/>
-                        <a:tailEnd type="none" w="med" len="med"/>
-                      </a:lnR>
-                      <a:lnT w="12700" cap="flat" cmpd="sng" algn="ctr">
-                        <a:solidFill>
-                          <a:schemeClr val="tx1"/>
-                        </a:solidFill>
-                        <a:prstDash val="solid"/>
-                        <a:round/>
-                        <a:headEnd type="none" w="med" len="med"/>
-                        <a:tailEnd type="none" w="med" len="med"/>
-                      </a:lnT>
-                      <a:lnB w="12700" cap="flat" cmpd="sng" algn="ctr">
-                        <a:solidFill>
-                          <a:schemeClr val="tx1"/>
-                        </a:solidFill>
-                        <a:prstDash val="solid"/>
-                        <a:round/>
-                        <a:headEnd type="none" w="med" len="med"/>
-                        <a:tailEnd type="none" w="med" len="med"/>
-                      </a:lnB>
-                      <a:lnTlToBr w="12700" cmpd="sng">
-                        <a:noFill/>
-                        <a:prstDash val="solid"/>
-                      </a:lnTlToBr>
-                      <a:lnBlToTr w="12700" cmpd="sng">
-                        <a:noFill/>
-                        <a:prstDash val="solid"/>
-                      </a:lnBlToTr>
-                    </a:tcPr>
-                  </a:tc>
-                  <a:tc>
-                    <a:txBody>
-                      <a:bodyPr/>
-                      <a:lstStyle/>
-                      <a:p>
-                        <a:pPr algn="l"/>
-                        <a:r>
-                          <a:rPr lang="en-US" sz="1800" b="0" dirty="0" smtClean="0">
-                            <a:solidFill>
-                              <a:srgbClr val="7F7F7F"/>
-                            </a:solidFill>
-                            <a:latin typeface="Gill Sans"/>
-                            <a:cs typeface="Gill Sans"/>
-                          </a:rPr>
-                          <a:t>2</a:t>
-                        </a:r>
-                        <a:r>
-                          <a:rPr lang="en-US" altLang="zh-CN" sz="1800" b="0" dirty="0" smtClean="0">
-                            <a:solidFill>
-                              <a:srgbClr val="7F7F7F"/>
-                            </a:solidFill>
-                            <a:latin typeface="Gill Sans"/>
-                            <a:cs typeface="Gill Sans"/>
-                          </a:rPr>
-                          <a:t>1500</a:t>
-                        </a:r>
-                        <a:endParaRPr lang="en-US" sz="1800" b="0" dirty="0">
-                          <a:solidFill>
-                            <a:srgbClr val="7F7F7F"/>
-                          </a:solidFill>
-                          <a:latin typeface="Gill Sans"/>
-                          <a:cs typeface="Gill Sans"/>
-                        </a:endParaRPr>
-                      </a:p>
-                    </a:txBody>
-                    <a:tcPr>
-                      <a:lnL w="12700" cap="flat" cmpd="sng" algn="ctr">
-                        <a:noFill/>
-                        <a:prstDash val="solid"/>
-                        <a:round/>
-                        <a:headEnd type="none" w="med" len="med"/>
-                        <a:tailEnd type="none" w="med" len="med"/>
-                      </a:lnL>
-                      <a:lnR w="12700" cap="flat" cmpd="sng" algn="ctr">
-                        <a:noFill/>
-                        <a:prstDash val="solid"/>
-                        <a:round/>
-                        <a:headEnd type="none" w="med" len="med"/>
-                        <a:tailEnd type="none" w="med" len="med"/>
-                      </a:lnR>
-                      <a:lnT w="12700" cap="flat" cmpd="sng" algn="ctr">
-                        <a:solidFill>
-                          <a:schemeClr val="tx1"/>
-                        </a:solidFill>
-                        <a:prstDash val="solid"/>
-                        <a:round/>
-                        <a:headEnd type="none" w="med" len="med"/>
-                        <a:tailEnd type="none" w="med" len="med"/>
-                      </a:lnT>
-                      <a:lnB w="12700" cap="flat" cmpd="sng" algn="ctr">
-                        <a:solidFill>
-                          <a:schemeClr val="tx1"/>
-                        </a:solidFill>
-                        <a:prstDash val="solid"/>
-                        <a:round/>
-                        <a:headEnd type="none" w="med" len="med"/>
-                        <a:tailEnd type="none" w="med" len="med"/>
-                      </a:lnB>
-                      <a:lnTlToBr w="12700" cmpd="sng">
-                        <a:noFill/>
-                        <a:prstDash val="solid"/>
-                      </a:lnTlToBr>
-                      <a:lnBlToTr w="12700" cmpd="sng">
-                        <a:noFill/>
-                        <a:prstDash val="solid"/>
-                      </a:lnBlToTr>
-                    </a:tcPr>
-                  </a:tc>
-                  <a:tc>
-                    <a:txBody>
-                      <a:bodyPr/>
-                      <a:lstStyle/>
-                      <a:p>
-                        <a:pPr algn="l"/>
-                        <a:r>
-                          <a:rPr lang="en-US" sz="1800" kern="1200" dirty="0" smtClean="0">
-                            <a:solidFill>
-                              <a:schemeClr val="bg1">
-                                <a:lumMod val="50000"/>
-                              </a:schemeClr>
-                            </a:solidFill>
-                            <a:latin typeface="Gill Sans"/>
-                            <a:ea typeface="+mn-ea"/>
-                            <a:cs typeface="Gill Sans"/>
-                          </a:rPr>
-                          <a:t>86000</a:t>
-                        </a:r>
-                        <a:endParaRPr lang="en-US" sz="1800" kern="1200" dirty="0">
-                          <a:solidFill>
-                            <a:schemeClr val="bg1">
-                              <a:lumMod val="50000"/>
-                            </a:schemeClr>
-                          </a:solidFill>
-                          <a:latin typeface="Gill Sans"/>
-                          <a:ea typeface="+mn-ea"/>
-                          <a:cs typeface="Gill Sans"/>
-                        </a:endParaRPr>
-                      </a:p>
-                    </a:txBody>
-                    <a:tcPr>
-                      <a:lnL w="12700" cap="flat" cmpd="sng" algn="ctr">
-                        <a:noFill/>
-                        <a:prstDash val="solid"/>
-                        <a:round/>
-                        <a:headEnd type="none" w="med" len="med"/>
-                        <a:tailEnd type="none" w="med" len="med"/>
-                      </a:lnL>
-                      <a:lnR w="12700" cap="flat" cmpd="sng" algn="ctr">
-                        <a:noFill/>
-                        <a:prstDash val="solid"/>
-                        <a:round/>
-                        <a:headEnd type="none" w="med" len="med"/>
-                        <a:tailEnd type="none" w="med" len="med"/>
-                      </a:lnR>
-                      <a:lnT w="12700" cap="flat" cmpd="sng" algn="ctr">
-                        <a:solidFill>
-                          <a:schemeClr val="tx1"/>
-                        </a:solidFill>
-                        <a:prstDash val="solid"/>
-                        <a:round/>
-                        <a:headEnd type="none" w="med" len="med"/>
-                        <a:tailEnd type="none" w="med" len="med"/>
-                      </a:lnT>
-                      <a:lnB w="12700" cap="flat" cmpd="sng" algn="ctr">
-                        <a:solidFill>
-                          <a:schemeClr val="tx1"/>
-                        </a:solidFill>
-                        <a:prstDash val="solid"/>
-                        <a:round/>
-                        <a:headEnd type="none" w="med" len="med"/>
-                        <a:tailEnd type="none" w="med" len="med"/>
-                      </a:lnB>
-                      <a:lnTlToBr w="12700" cmpd="sng">
-                        <a:noFill/>
-                        <a:prstDash val="solid"/>
-                      </a:lnTlToBr>
-                      <a:lnBlToTr w="12700" cmpd="sng">
-                        <a:noFill/>
-                        <a:prstDash val="solid"/>
-                      </a:lnBlToTr>
-                    </a:tcPr>
-                  </a:tc>
-                  <a:tc>
-                    <a:txBody>
-                      <a:bodyPr/>
-                      <a:lstStyle/>
-                      <a:p>
-                        <a:pPr algn="l"/>
-                        <a:r>
-                          <a:rPr lang="en-US" altLang="zh-CN" sz="1800" b="0" dirty="0" smtClean="0">
-                            <a:solidFill>
-                              <a:srgbClr val="7F7F7F"/>
-                            </a:solidFill>
-                            <a:latin typeface="Gill Sans"/>
-                            <a:cs typeface="Gill Sans"/>
-                          </a:rPr>
-                          <a:t>64500</a:t>
-                        </a:r>
-                        <a:endParaRPr lang="en-US" sz="1800" b="0" dirty="0">
-                          <a:solidFill>
-                            <a:srgbClr val="7F7F7F"/>
-                          </a:solidFill>
-                          <a:latin typeface="Gill Sans"/>
-                          <a:cs typeface="Gill Sans"/>
-                        </a:endParaRPr>
-                      </a:p>
-                    </a:txBody>
-                    <a:tcPr>
-                      <a:lnL w="12700" cap="flat" cmpd="sng" algn="ctr">
-                        <a:noFill/>
-                        <a:prstDash val="solid"/>
-                        <a:round/>
-                        <a:headEnd type="none" w="med" len="med"/>
-                        <a:tailEnd type="none" w="med" len="med"/>
-                      </a:lnL>
-                      <a:lnR w="12700" cap="flat" cmpd="sng" algn="ctr">
-                        <a:noFill/>
-                        <a:prstDash val="solid"/>
-                        <a:round/>
-                        <a:headEnd type="none" w="med" len="med"/>
-                        <a:tailEnd type="none" w="med" len="med"/>
-                      </a:lnR>
-                      <a:lnT w="12700" cap="flat" cmpd="sng" algn="ctr">
-                        <a:solidFill>
-                          <a:schemeClr val="tx1"/>
-                        </a:solidFill>
-                        <a:prstDash val="solid"/>
-                        <a:round/>
-                        <a:headEnd type="none" w="med" len="med"/>
-                        <a:tailEnd type="none" w="med" len="med"/>
-                      </a:lnT>
-                      <a:lnB w="12700" cap="flat" cmpd="sng" algn="ctr">
-                        <a:solidFill>
-                          <a:schemeClr val="tx1"/>
-                        </a:solidFill>
-                        <a:prstDash val="solid"/>
-                        <a:round/>
-                        <a:headEnd type="none" w="med" len="med"/>
-                        <a:tailEnd type="none" w="med" len="med"/>
-                      </a:lnB>
-                      <a:lnTlToBr w="12700" cmpd="sng">
-                        <a:noFill/>
-                        <a:prstDash val="solid"/>
-                      </a:lnTlToBr>
-                      <a:lnBlToTr w="12700" cmpd="sng">
-                        <a:noFill/>
-                        <a:prstDash val="solid"/>
-                      </a:lnBlToTr>
-                    </a:tcPr>
-                  </a:tc>
-                </a:tr>
-                <a:tr h="287866">
-                  <a:tc>
-                    <a:txBody>
-                      <a:bodyPr/>
-                      <a:lstStyle/>
-                      <a:p>
-                        <a:pPr algn="l"/>
-                        <a:r>
-                          <a:rPr lang="en-US" sz="1800" b="1" dirty="0" smtClean="0">
-                            <a:solidFill>
-                              <a:schemeClr val="bg1"/>
-                            </a:solidFill>
-                            <a:latin typeface="Gill Sans"/>
-                            <a:cs typeface="Gill Sans"/>
-                          </a:rPr>
-                          <a:t>t9</a:t>
-                        </a:r>
-                        <a:endParaRPr lang="en-US" sz="1800" b="1" dirty="0">
-                          <a:solidFill>
-                            <a:schemeClr val="bg1"/>
-                          </a:solidFill>
-                          <a:latin typeface="Gill Sans"/>
-                          <a:cs typeface="Gill Sans"/>
-                        </a:endParaRPr>
-                      </a:p>
-                    </a:txBody>
-                    <a:tcPr>
-                      <a:lnL w="12700" cap="flat" cmpd="sng" algn="ctr">
-                        <a:noFill/>
-                        <a:prstDash val="solid"/>
-                        <a:round/>
-                        <a:headEnd type="none" w="med" len="med"/>
-                        <a:tailEnd type="none" w="med" len="med"/>
-                      </a:lnL>
-                      <a:lnR w="12700" cap="flat" cmpd="sng" algn="ctr">
-                        <a:noFill/>
-                        <a:prstDash val="solid"/>
-                        <a:round/>
-                        <a:headEnd type="none" w="med" len="med"/>
-                        <a:tailEnd type="none" w="med" len="med"/>
-                      </a:lnR>
-                      <a:lnT w="12700" cap="flat" cmpd="sng" algn="ctr">
-                        <a:solidFill>
-                          <a:schemeClr val="tx1"/>
-                        </a:solidFill>
-                        <a:prstDash val="solid"/>
-                        <a:round/>
-                        <a:headEnd type="none" w="med" len="med"/>
-                        <a:tailEnd type="none" w="med" len="med"/>
-                      </a:lnT>
-                      <a:lnB w="12700" cap="flat" cmpd="sng" algn="ctr">
-                        <a:noFill/>
-                        <a:prstDash val="solid"/>
-                        <a:round/>
-                        <a:headEnd type="none" w="med" len="med"/>
-                        <a:tailEnd type="none" w="med" len="med"/>
-                      </a:lnB>
-                      <a:lnTlToBr w="12700" cmpd="sng">
-                        <a:noFill/>
-                        <a:prstDash val="solid"/>
-                      </a:lnTlToBr>
-                      <a:lnBlToTr w="12700" cmpd="sng">
-                        <a:noFill/>
-                        <a:prstDash val="solid"/>
-                      </a:lnBlToTr>
-                      <a:solidFill>
-                        <a:srgbClr val="FF0000"/>
-                      </a:solidFill>
-                    </a:tcPr>
-                  </a:tc>
-                  <a:tc>
-                    <a:txBody>
-                      <a:bodyPr/>
-                      <a:lstStyle/>
-                      <a:p>
-                        <a:pPr algn="l"/>
-                        <a:r>
-                          <a:rPr lang="en-US" altLang="zh-CN" sz="1800" b="1" dirty="0" smtClean="0">
-                            <a:solidFill>
-                              <a:schemeClr val="bg1"/>
-                            </a:solidFill>
-                            <a:latin typeface="Gill Sans"/>
-                            <a:cs typeface="Gill Sans"/>
-                          </a:rPr>
-                          <a:t>990</a:t>
-                        </a:r>
-                        <a:endParaRPr lang="en-US" sz="1800" b="1" dirty="0">
-                          <a:solidFill>
-                            <a:schemeClr val="bg1"/>
-                          </a:solidFill>
-                          <a:latin typeface="Gill Sans"/>
-                          <a:cs typeface="Gill Sans"/>
-                        </a:endParaRPr>
-                      </a:p>
-                    </a:txBody>
-                    <a:tcPr>
-                      <a:lnL w="12700" cap="flat" cmpd="sng" algn="ctr">
-                        <a:noFill/>
-                        <a:prstDash val="solid"/>
-                        <a:round/>
-                        <a:headEnd type="none" w="med" len="med"/>
-                        <a:tailEnd type="none" w="med" len="med"/>
-                      </a:lnL>
-                      <a:lnR w="12700" cap="flat" cmpd="sng" algn="ctr">
-                        <a:noFill/>
-                        <a:prstDash val="solid"/>
-                        <a:round/>
-                        <a:headEnd type="none" w="med" len="med"/>
-                        <a:tailEnd type="none" w="med" len="med"/>
-                      </a:lnR>
-                      <a:lnT w="12700" cap="flat" cmpd="sng" algn="ctr">
-                        <a:solidFill>
-                          <a:schemeClr val="tx1"/>
-                        </a:solidFill>
-                        <a:prstDash val="solid"/>
-                        <a:round/>
-                        <a:headEnd type="none" w="med" len="med"/>
-                        <a:tailEnd type="none" w="med" len="med"/>
-                      </a:lnT>
-                      <a:lnB w="12700" cap="flat" cmpd="sng" algn="ctr">
-                        <a:noFill/>
-                        <a:prstDash val="solid"/>
-                        <a:round/>
-                        <a:headEnd type="none" w="med" len="med"/>
-                        <a:tailEnd type="none" w="med" len="med"/>
-                      </a:lnB>
-                      <a:lnTlToBr w="12700" cmpd="sng">
-                        <a:noFill/>
-                        <a:prstDash val="solid"/>
-                      </a:lnTlToBr>
-                      <a:lnBlToTr w="12700" cmpd="sng">
-                        <a:noFill/>
-                        <a:prstDash val="solid"/>
-                      </a:lnBlToTr>
-                      <a:solidFill>
-                        <a:srgbClr val="FF0000"/>
-                      </a:solidFill>
-                    </a:tcPr>
-                  </a:tc>
-                  <a:tc>
-                    <a:txBody>
-                      <a:bodyPr/>
-                      <a:lstStyle/>
-                      <a:p>
-                        <a:pPr algn="l"/>
-                        <a:r>
-                          <a:rPr lang="en-US" altLang="zh-CN" sz="1800" b="1" dirty="0" smtClean="0">
-                            <a:solidFill>
-                              <a:schemeClr val="bg1"/>
-                            </a:solidFill>
-                            <a:latin typeface="Gill Sans"/>
-                            <a:cs typeface="Gill Sans"/>
-                          </a:rPr>
-                          <a:t>9900</a:t>
-                        </a:r>
-                        <a:endParaRPr lang="en-US" sz="1800" b="1" dirty="0">
-                          <a:solidFill>
-                            <a:schemeClr val="bg1"/>
-                          </a:solidFill>
-                          <a:latin typeface="Gill Sans"/>
-                          <a:cs typeface="Gill Sans"/>
-                        </a:endParaRPr>
-                      </a:p>
-                    </a:txBody>
-                    <a:tcPr>
-                      <a:lnL w="12700" cap="flat" cmpd="sng" algn="ctr">
-                        <a:noFill/>
-                        <a:prstDash val="solid"/>
-                        <a:round/>
-                        <a:headEnd type="none" w="med" len="med"/>
-                        <a:tailEnd type="none" w="med" len="med"/>
-                      </a:lnL>
-                      <a:lnR w="12700" cap="flat" cmpd="sng" algn="ctr">
-                        <a:noFill/>
-                        <a:prstDash val="solid"/>
-                        <a:round/>
-                        <a:headEnd type="none" w="med" len="med"/>
-                        <a:tailEnd type="none" w="med" len="med"/>
-                      </a:lnR>
-                      <a:lnT w="12700" cap="flat" cmpd="sng" algn="ctr">
-                        <a:solidFill>
-                          <a:schemeClr val="tx1"/>
-                        </a:solidFill>
-                        <a:prstDash val="solid"/>
-                        <a:round/>
-                        <a:headEnd type="none" w="med" len="med"/>
-                        <a:tailEnd type="none" w="med" len="med"/>
-                      </a:lnT>
-                      <a:lnB w="12700" cap="flat" cmpd="sng" algn="ctr">
-                        <a:noFill/>
-                        <a:prstDash val="solid"/>
-                        <a:round/>
-                        <a:headEnd type="none" w="med" len="med"/>
-                        <a:tailEnd type="none" w="med" len="med"/>
-                      </a:lnB>
-                      <a:lnTlToBr w="12700" cmpd="sng">
-                        <a:noFill/>
-                        <a:prstDash val="solid"/>
-                      </a:lnTlToBr>
-                      <a:lnBlToTr w="12700" cmpd="sng">
-                        <a:noFill/>
-                        <a:prstDash val="solid"/>
-                      </a:lnBlToTr>
-                      <a:solidFill>
-                        <a:srgbClr val="FF0000"/>
-                      </a:solidFill>
-                    </a:tcPr>
-                  </a:tc>
-                  <a:tc>
-                    <a:txBody>
-                      <a:bodyPr/>
-                      <a:lstStyle/>
-                      <a:p>
-                        <a:pPr algn="l"/>
-                        <a:r>
-                          <a:rPr lang="en-US" altLang="zh-CN" sz="1800" b="1" dirty="0" smtClean="0">
-                            <a:solidFill>
-                              <a:schemeClr val="bg1"/>
-                            </a:solidFill>
-                            <a:latin typeface="Gill Sans"/>
-                            <a:cs typeface="Gill Sans"/>
-                          </a:rPr>
-                          <a:t>8910</a:t>
-                        </a:r>
-                        <a:endParaRPr lang="en-US" sz="1800" b="1" dirty="0">
-                          <a:solidFill>
-                            <a:schemeClr val="bg1"/>
-                          </a:solidFill>
-                          <a:latin typeface="Gill Sans"/>
-                          <a:cs typeface="Gill Sans"/>
-                        </a:endParaRPr>
-                      </a:p>
-                    </a:txBody>
-                    <a:tcPr>
-                      <a:lnL w="12700" cap="flat" cmpd="sng" algn="ctr">
-                        <a:noFill/>
-                        <a:prstDash val="solid"/>
-                        <a:round/>
-                        <a:headEnd type="none" w="med" len="med"/>
-                        <a:tailEnd type="none" w="med" len="med"/>
-                      </a:lnL>
-                      <a:lnR w="12700" cap="flat" cmpd="sng" algn="ctr">
-                        <a:noFill/>
-                        <a:prstDash val="solid"/>
-                        <a:round/>
-                        <a:headEnd type="none" w="med" len="med"/>
-                        <a:tailEnd type="none" w="med" len="med"/>
-                      </a:lnR>
-                      <a:lnT w="12700" cap="flat" cmpd="sng" algn="ctr">
-                        <a:solidFill>
-                          <a:schemeClr val="tx1"/>
-                        </a:solidFill>
-                        <a:prstDash val="solid"/>
-                        <a:round/>
-                        <a:headEnd type="none" w="med" len="med"/>
-                        <a:tailEnd type="none" w="med" len="med"/>
-                      </a:lnT>
-                      <a:lnB w="12700" cap="flat" cmpd="sng" algn="ctr">
-                        <a:noFill/>
-                        <a:prstDash val="solid"/>
-                        <a:round/>
-                        <a:headEnd type="none" w="med" len="med"/>
-                        <a:tailEnd type="none" w="med" len="med"/>
-                      </a:lnB>
-                      <a:lnTlToBr w="12700" cmpd="sng">
-                        <a:noFill/>
-                        <a:prstDash val="solid"/>
-                      </a:lnTlToBr>
-                      <a:lnBlToTr w="12700" cmpd="sng">
-                        <a:noFill/>
-                        <a:prstDash val="solid"/>
-                      </a:lnBlToTr>
-                      <a:solidFill>
-                        <a:srgbClr val="FF0000"/>
-                      </a:solidFill>
-                    </a:tcPr>
-                  </a:tc>
-                </a:tr>
-              </a:tbl>
-            </a:graphicData>
-          </a:graphic>
-        </p:graphicFrame>
+      </p:grpSp>
+      <p:grpSp>
+        <p:nvGrpSpPr>
+          <p:cNvPr id="12" name="Group 11"/>
+          <p:cNvGrpSpPr/>
+          <p:nvPr/>
+        </p:nvGrpSpPr>
+        <p:grpSpPr>
+          <a:xfrm>
+            <a:off x="377100" y="1814374"/>
+            <a:ext cx="8621724" cy="4125426"/>
+            <a:chOff x="377100" y="1814374"/>
+            <a:chExt cx="8621724" cy="4125426"/>
+          </a:xfrm>
+        </p:grpSpPr>
         <p:grpSp>
           <p:nvGrpSpPr>
-            <p:cNvPr id="24" name="Group 23"/>
+            <p:cNvPr id="29" name="Group 28"/>
             <p:cNvGrpSpPr/>
             <p:nvPr/>
           </p:nvGrpSpPr>
           <p:grpSpPr>
             <a:xfrm>
-              <a:off x="1592112" y="2424231"/>
-              <a:ext cx="1166692" cy="461665"/>
-              <a:chOff x="1600392" y="2424231"/>
-              <a:chExt cx="1166692" cy="461665"/>
+              <a:off x="5004918" y="1814374"/>
+              <a:ext cx="3993906" cy="4125426"/>
+              <a:chOff x="214052" y="1998931"/>
+              <a:chExt cx="3993906" cy="4125426"/>
             </a:xfrm>
           </p:grpSpPr>
           <p:sp>
             <p:nvSpPr>
-              <p:cNvPr id="9" name="TextBox 8"/>
+              <p:cNvPr id="8" name="TextBox 7"/>
               <p:cNvSpPr txBox="1"/>
               <p:nvPr/>
             </p:nvSpPr>
             <p:spPr>
               <a:xfrm>
-                <a:off x="1600392" y="2424231"/>
-                <a:ext cx="540633" cy="461665"/>
+                <a:off x="1395309" y="1998931"/>
+                <a:ext cx="1560299" cy="461665"/>
               </a:xfrm>
               <a:prstGeom prst="rect">
                 <a:avLst/>
@@ -7875,17 +6168,1893 @@
                     <a:latin typeface="Gill Sans"/>
                     <a:cs typeface="Gill Sans"/>
                   </a:rPr>
-                  <a:t>Q</a:t>
+                  <a:t>Alternative</a:t>
+                </a:r>
+              </a:p>
+            </p:txBody>
+          </p:sp>
+          <p:sp>
+            <p:nvSpPr>
+              <p:cNvPr id="10" name="Rectangle 9"/>
+              <p:cNvSpPr/>
+              <p:nvPr/>
+            </p:nvSpPr>
+            <p:spPr>
+              <a:xfrm>
+                <a:off x="422343" y="2923277"/>
+                <a:ext cx="3559016" cy="923330"/>
+              </a:xfrm>
+              <a:prstGeom prst="rect">
+                <a:avLst/>
+              </a:prstGeom>
+            </p:spPr>
+            <p:txBody>
+              <a:bodyPr wrap="square">
+                <a:spAutoFit/>
+              </a:bodyPr>
+              <a:lstStyle/>
+              <a:p>
+                <a:r>
+                  <a:rPr lang="en-US" dirty="0">
+                    <a:solidFill>
+                      <a:schemeClr val="bg1">
+                        <a:lumMod val="50000"/>
+                      </a:schemeClr>
+                    </a:solidFill>
+                    <a:latin typeface="Gill Sans"/>
+                    <a:ea typeface="Gill Sans" charset="0"/>
+                    <a:cs typeface="Gill Sans"/>
+                  </a:rPr>
+                  <a:t>UPDATE 	T</a:t>
+                </a:r>
+              </a:p>
+              <a:p>
+                <a:r>
+                  <a:rPr lang="en-US" dirty="0">
+                    <a:solidFill>
+                      <a:schemeClr val="bg1">
+                        <a:lumMod val="50000"/>
+                      </a:schemeClr>
+                    </a:solidFill>
+                    <a:latin typeface="Gill Sans"/>
+                    <a:ea typeface="Gill Sans" charset="0"/>
+                    <a:cs typeface="Gill Sans"/>
+                  </a:rPr>
+                  <a:t>SET</a:t>
                 </a:r>
                 <a:r>
-                  <a:rPr lang="zh-CN" altLang="zh-CN" sz="2400" baseline="-25000" dirty="0">
+                  <a:rPr lang="zh-CN" altLang="en-US" dirty="0">
+                    <a:solidFill>
+                      <a:schemeClr val="bg1">
+                        <a:lumMod val="50000"/>
+                      </a:schemeClr>
+                    </a:solidFill>
+                    <a:latin typeface="Gill Sans"/>
+                    <a:ea typeface="Gill Sans" charset="0"/>
+                    <a:cs typeface="Gill Sans"/>
+                  </a:rPr>
+                  <a:t> </a:t>
+                </a:r>
+                <a:r>
+                  <a:rPr lang="en-US" dirty="0">
+                    <a:solidFill>
+                      <a:schemeClr val="bg1">
+                        <a:lumMod val="50000"/>
+                      </a:schemeClr>
+                    </a:solidFill>
+                    <a:latin typeface="Gill Sans"/>
+                    <a:ea typeface="Gill Sans" charset="0"/>
+                    <a:cs typeface="Gill Sans"/>
+                  </a:rPr>
+                  <a:t>income =  </a:t>
+                </a:r>
+                <a:r>
+                  <a:rPr lang="en-US" b="1" dirty="0">
+                    <a:solidFill>
+                      <a:srgbClr val="FF0000"/>
+                    </a:solidFill>
+                    <a:latin typeface="Gill Sans"/>
+                    <a:ea typeface="Gill Sans" charset="0"/>
+                    <a:cs typeface="Gill Sans"/>
+                  </a:rPr>
+                  <a:t>1.</a:t>
+                </a:r>
+                <a:r>
+                  <a:rPr lang="en-US" altLang="zh-CN" b="1" dirty="0">
+                    <a:solidFill>
+                      <a:srgbClr val="FF0000"/>
+                    </a:solidFill>
+                    <a:latin typeface="Gill Sans"/>
+                    <a:ea typeface="Gill Sans" charset="0"/>
+                    <a:cs typeface="Gill Sans"/>
+                  </a:rPr>
+                  <a:t>1</a:t>
+                </a:r>
+                <a:r>
+                  <a:rPr lang="en-US" dirty="0">
+                    <a:solidFill>
+                      <a:schemeClr val="bg1">
+                        <a:lumMod val="50000"/>
+                      </a:schemeClr>
+                    </a:solidFill>
+                    <a:latin typeface="Gill Sans"/>
+                    <a:ea typeface="Gill Sans" charset="0"/>
+                    <a:cs typeface="Gill Sans"/>
+                  </a:rPr>
+                  <a:t> *</a:t>
+                </a:r>
+                <a:r>
+                  <a:rPr lang="zh-CN" altLang="en-US" dirty="0">
+                    <a:solidFill>
+                      <a:schemeClr val="bg1">
+                        <a:lumMod val="50000"/>
+                      </a:schemeClr>
+                    </a:solidFill>
+                    <a:latin typeface="Gill Sans"/>
+                    <a:ea typeface="Gill Sans" charset="0"/>
+                    <a:cs typeface="Gill Sans"/>
+                  </a:rPr>
+                  <a:t> </a:t>
+                </a:r>
+                <a:r>
+                  <a:rPr lang="en-US" dirty="0">
+                    <a:solidFill>
+                      <a:schemeClr val="bg1">
+                        <a:lumMod val="50000"/>
+                      </a:schemeClr>
+                    </a:solidFill>
+                    <a:latin typeface="Gill Sans"/>
+                    <a:ea typeface="Gill Sans" charset="0"/>
+                    <a:cs typeface="Gill Sans"/>
+                  </a:rPr>
+                  <a:t>income </a:t>
+                </a:r>
+                <a:endParaRPr lang="en-US" strike="sngStrike" dirty="0">
+                  <a:solidFill>
+                    <a:schemeClr val="bg1">
+                      <a:lumMod val="50000"/>
+                    </a:schemeClr>
+                  </a:solidFill>
+                  <a:latin typeface="Gill Sans"/>
+                  <a:ea typeface="Gill Sans" charset="0"/>
+                  <a:cs typeface="Gill Sans"/>
+                </a:endParaRPr>
+              </a:p>
+              <a:p>
+                <a:r>
+                  <a:rPr lang="en-US" dirty="0">
+                    <a:solidFill>
+                      <a:schemeClr val="bg1">
+                        <a:lumMod val="50000"/>
+                      </a:schemeClr>
+                    </a:solidFill>
+                    <a:latin typeface="Gill Sans"/>
+                    <a:ea typeface="Gill Sans" charset="0"/>
+                    <a:cs typeface="Gill Sans"/>
+                  </a:rPr>
+                  <a:t> WHERE </a:t>
+                </a:r>
+                <a:r>
+                  <a:rPr lang="zh-CN" altLang="en-US" dirty="0">
+                    <a:solidFill>
+                      <a:schemeClr val="bg1">
+                        <a:lumMod val="50000"/>
+                      </a:schemeClr>
+                    </a:solidFill>
+                    <a:latin typeface="Gill Sans"/>
+                    <a:ea typeface="Gill Sans" charset="0"/>
+                    <a:cs typeface="Gill Sans"/>
+                  </a:rPr>
+                  <a:t> </a:t>
+                </a:r>
+                <a:r>
+                  <a:rPr lang="en-US" dirty="0">
+                    <a:solidFill>
+                      <a:schemeClr val="bg1">
+                        <a:lumMod val="50000"/>
+                      </a:schemeClr>
+                    </a:solidFill>
+                    <a:latin typeface="Gill Sans"/>
+                    <a:ea typeface="Gill Sans" charset="0"/>
+                    <a:cs typeface="Gill Sans"/>
+                  </a:rPr>
+                  <a:t>income </a:t>
+                </a:r>
+                <a:r>
+                  <a:rPr lang="zh-CN" altLang="zh-CN" dirty="0">
+                    <a:solidFill>
+                      <a:schemeClr val="bg1">
+                        <a:lumMod val="50000"/>
+                      </a:schemeClr>
+                    </a:solidFill>
+                    <a:latin typeface="Gill Sans"/>
+                    <a:ea typeface="Gill Sans" charset="0"/>
+                    <a:cs typeface="Gill Sans"/>
+                  </a:rPr>
+                  <a:t>&lt;</a:t>
+                </a:r>
+                <a:r>
+                  <a:rPr lang="zh-CN" altLang="en-US" dirty="0">
+                    <a:solidFill>
+                      <a:schemeClr val="bg1">
+                        <a:lumMod val="50000"/>
+                      </a:schemeClr>
+                    </a:solidFill>
+                    <a:latin typeface="Gill Sans"/>
+                    <a:ea typeface="Gill Sans" charset="0"/>
+                    <a:cs typeface="Gill Sans"/>
+                  </a:rPr>
+                  <a:t> </a:t>
+                </a:r>
+                <a:r>
+                  <a:rPr lang="en-US" altLang="zh-CN" b="1" dirty="0" smtClean="0">
+                    <a:solidFill>
+                      <a:srgbClr val="FF0000"/>
+                    </a:solidFill>
+                    <a:latin typeface="Gill Sans"/>
+                    <a:ea typeface="Gill Sans" charset="0"/>
+                    <a:cs typeface="Gill Sans"/>
+                  </a:rPr>
+                  <a:t>9500</a:t>
+                </a:r>
+                <a:endParaRPr lang="en-US" b="1" dirty="0">
+                  <a:solidFill>
+                    <a:srgbClr val="FF0000"/>
+                  </a:solidFill>
+                  <a:latin typeface="Gill Sans"/>
+                  <a:ea typeface="Gill Sans" charset="0"/>
+                  <a:cs typeface="Gill Sans"/>
+                </a:endParaRPr>
+              </a:p>
+            </p:txBody>
+          </p:sp>
+          <p:graphicFrame>
+            <p:nvGraphicFramePr>
+              <p:cNvPr id="11" name="Content Placeholder 3"/>
+              <p:cNvGraphicFramePr>
+                <a:graphicFrameLocks/>
+              </p:cNvGraphicFramePr>
+              <p:nvPr>
+                <p:extLst>
+                  <p:ext uri="{D42A27DB-BD31-4B8C-83A1-F6EECF244321}">
+                    <p14:modId xmlns:p14="http://schemas.microsoft.com/office/powerpoint/2010/main" val="475181447"/>
+                  </p:ext>
+                </p:extLst>
+              </p:nvPr>
+            </p:nvGraphicFramePr>
+            <p:xfrm>
+              <a:off x="214052" y="4295557"/>
+              <a:ext cx="3993906" cy="1828800"/>
+            </p:xfrm>
+            <a:graphic>
+              <a:graphicData uri="http://schemas.openxmlformats.org/drawingml/2006/table">
+                <a:tbl>
+                  <a:tblPr firstRow="1" bandRow="1">
+                    <a:tableStyleId>{5A111915-BE36-4E01-A7E5-04B1672EAD32}</a:tableStyleId>
+                  </a:tblPr>
+                  <a:tblGrid>
+                    <a:gridCol w="758699"/>
+                    <a:gridCol w="758699"/>
+                    <a:gridCol w="1231096"/>
+                    <a:gridCol w="1245412"/>
+                  </a:tblGrid>
+                  <a:tr h="287866">
+                    <a:tc>
+                      <a:txBody>
+                        <a:bodyPr/>
+                        <a:lstStyle/>
+                        <a:p>
+                          <a:pPr algn="l"/>
+                          <a:r>
+                            <a:rPr lang="en-US" sz="1800" b="0" u="none" dirty="0" smtClean="0">
+                              <a:solidFill>
+                                <a:srgbClr val="595959"/>
+                              </a:solidFill>
+                              <a:latin typeface="Gill Sans"/>
+                              <a:cs typeface="Gill Sans"/>
+                            </a:rPr>
+                            <a:t>ID</a:t>
+                          </a:r>
+                          <a:endParaRPr lang="en-US" sz="1800" b="0" u="none" dirty="0">
+                            <a:solidFill>
+                              <a:srgbClr val="595959"/>
+                            </a:solidFill>
+                            <a:latin typeface="Gill Sans"/>
+                            <a:cs typeface="Gill Sans"/>
+                          </a:endParaRPr>
+                        </a:p>
+                      </a:txBody>
+                      <a:tcPr>
+                        <a:lnL w="12700" cap="flat" cmpd="sng" algn="ctr">
+                          <a:noFill/>
+                          <a:prstDash val="solid"/>
+                          <a:round/>
+                          <a:headEnd type="none" w="med" len="med"/>
+                          <a:tailEnd type="none" w="med" len="med"/>
+                        </a:lnL>
+                        <a:lnR w="12700" cap="flat" cmpd="sng" algn="ctr">
+                          <a:noFill/>
+                          <a:prstDash val="solid"/>
+                          <a:round/>
+                          <a:headEnd type="none" w="med" len="med"/>
+                          <a:tailEnd type="none" w="med" len="med"/>
+                        </a:lnR>
+                        <a:lnT w="12700" cap="flat" cmpd="sng" algn="ctr">
+                          <a:noFill/>
+                          <a:prstDash val="solid"/>
+                          <a:round/>
+                          <a:headEnd type="none" w="med" len="med"/>
+                          <a:tailEnd type="none" w="med" len="med"/>
+                        </a:lnT>
+                        <a:lnB w="12700" cap="flat" cmpd="sng" algn="ctr">
+                          <a:solidFill>
+                            <a:schemeClr val="tx1"/>
+                          </a:solidFill>
+                          <a:prstDash val="solid"/>
+                          <a:round/>
+                          <a:headEnd type="none" w="med" len="med"/>
+                          <a:tailEnd type="none" w="med" len="med"/>
+                        </a:lnB>
+                        <a:lnTlToBr w="12700" cmpd="sng">
+                          <a:noFill/>
+                          <a:prstDash val="solid"/>
+                        </a:lnTlToBr>
+                        <a:lnBlToTr w="12700" cmpd="sng">
+                          <a:noFill/>
+                          <a:prstDash val="solid"/>
+                        </a:lnBlToTr>
+                        <a:solidFill>
+                          <a:schemeClr val="bg1"/>
+                        </a:solidFill>
+                      </a:tcPr>
+                    </a:tc>
+                    <a:tc>
+                      <a:txBody>
+                        <a:bodyPr/>
+                        <a:lstStyle/>
+                        <a:p>
+                          <a:pPr algn="l"/>
+                          <a:r>
+                            <a:rPr lang="en-US" sz="1800" b="0" u="none" dirty="0" smtClean="0">
+                              <a:solidFill>
+                                <a:srgbClr val="595959"/>
+                              </a:solidFill>
+                              <a:latin typeface="Gill Sans"/>
+                              <a:cs typeface="Gill Sans"/>
+                            </a:rPr>
+                            <a:t>tax</a:t>
+                          </a:r>
+                          <a:endParaRPr lang="en-US" sz="1800" b="0" u="none" dirty="0">
+                            <a:solidFill>
+                              <a:srgbClr val="595959"/>
+                            </a:solidFill>
+                            <a:latin typeface="Gill Sans"/>
+                            <a:cs typeface="Gill Sans"/>
+                          </a:endParaRPr>
+                        </a:p>
+                      </a:txBody>
+                      <a:tcPr>
+                        <a:lnL w="12700" cap="flat" cmpd="sng" algn="ctr">
+                          <a:noFill/>
+                          <a:prstDash val="solid"/>
+                          <a:round/>
+                          <a:headEnd type="none" w="med" len="med"/>
+                          <a:tailEnd type="none" w="med" len="med"/>
+                        </a:lnL>
+                        <a:lnR w="12700" cap="flat" cmpd="sng" algn="ctr">
+                          <a:noFill/>
+                          <a:prstDash val="solid"/>
+                          <a:round/>
+                          <a:headEnd type="none" w="med" len="med"/>
+                          <a:tailEnd type="none" w="med" len="med"/>
+                        </a:lnR>
+                        <a:lnT w="12700" cap="flat" cmpd="sng" algn="ctr">
+                          <a:noFill/>
+                          <a:prstDash val="solid"/>
+                          <a:round/>
+                          <a:headEnd type="none" w="med" len="med"/>
+                          <a:tailEnd type="none" w="med" len="med"/>
+                        </a:lnT>
+                        <a:lnB w="12700" cap="flat" cmpd="sng" algn="ctr">
+                          <a:solidFill>
+                            <a:schemeClr val="tx1"/>
+                          </a:solidFill>
+                          <a:prstDash val="solid"/>
+                          <a:round/>
+                          <a:headEnd type="none" w="med" len="med"/>
+                          <a:tailEnd type="none" w="med" len="med"/>
+                        </a:lnB>
+                        <a:lnTlToBr w="12700" cmpd="sng">
+                          <a:noFill/>
+                          <a:prstDash val="solid"/>
+                        </a:lnTlToBr>
+                        <a:lnBlToTr w="12700" cmpd="sng">
+                          <a:noFill/>
+                          <a:prstDash val="solid"/>
+                        </a:lnBlToTr>
+                        <a:solidFill>
+                          <a:schemeClr val="bg1"/>
+                        </a:solidFill>
+                      </a:tcPr>
+                    </a:tc>
+                    <a:tc>
+                      <a:txBody>
+                        <a:bodyPr/>
+                        <a:lstStyle/>
+                        <a:p>
+                          <a:pPr algn="l"/>
+                          <a:r>
+                            <a:rPr lang="en-US" sz="1800" b="0" u="none" dirty="0" smtClean="0">
+                              <a:solidFill>
+                                <a:srgbClr val="595959"/>
+                              </a:solidFill>
+                              <a:latin typeface="Gill Sans"/>
+                              <a:cs typeface="Gill Sans"/>
+                            </a:rPr>
+                            <a:t>income</a:t>
+                          </a:r>
+                          <a:endParaRPr lang="en-US" sz="1800" b="0" u="none" dirty="0">
+                            <a:solidFill>
+                              <a:srgbClr val="595959"/>
+                            </a:solidFill>
+                            <a:latin typeface="Gill Sans"/>
+                            <a:cs typeface="Gill Sans"/>
+                          </a:endParaRPr>
+                        </a:p>
+                      </a:txBody>
+                      <a:tcPr>
+                        <a:lnL w="12700" cap="flat" cmpd="sng" algn="ctr">
+                          <a:noFill/>
+                          <a:prstDash val="solid"/>
+                          <a:round/>
+                          <a:headEnd type="none" w="med" len="med"/>
+                          <a:tailEnd type="none" w="med" len="med"/>
+                        </a:lnL>
+                        <a:lnR w="12700" cap="flat" cmpd="sng" algn="ctr">
+                          <a:noFill/>
+                          <a:prstDash val="solid"/>
+                          <a:round/>
+                          <a:headEnd type="none" w="med" len="med"/>
+                          <a:tailEnd type="none" w="med" len="med"/>
+                        </a:lnR>
+                        <a:lnT w="12700" cap="flat" cmpd="sng" algn="ctr">
+                          <a:noFill/>
+                          <a:prstDash val="solid"/>
+                          <a:round/>
+                          <a:headEnd type="none" w="med" len="med"/>
+                          <a:tailEnd type="none" w="med" len="med"/>
+                        </a:lnT>
+                        <a:lnB w="12700" cap="flat" cmpd="sng" algn="ctr">
+                          <a:solidFill>
+                            <a:schemeClr val="tx1"/>
+                          </a:solidFill>
+                          <a:prstDash val="solid"/>
+                          <a:round/>
+                          <a:headEnd type="none" w="med" len="med"/>
+                          <a:tailEnd type="none" w="med" len="med"/>
+                        </a:lnB>
+                        <a:lnTlToBr w="12700" cmpd="sng">
+                          <a:noFill/>
+                          <a:prstDash val="solid"/>
+                        </a:lnTlToBr>
+                        <a:lnBlToTr w="12700" cmpd="sng">
+                          <a:noFill/>
+                          <a:prstDash val="solid"/>
+                        </a:lnBlToTr>
+                        <a:solidFill>
+                          <a:schemeClr val="bg1"/>
+                        </a:solidFill>
+                      </a:tcPr>
+                    </a:tc>
+                    <a:tc>
+                      <a:txBody>
+                        <a:bodyPr/>
+                        <a:lstStyle/>
+                        <a:p>
+                          <a:pPr algn="l"/>
+                          <a:r>
+                            <a:rPr lang="en-US" sz="1800" b="0" u="none" dirty="0" smtClean="0">
+                              <a:solidFill>
+                                <a:srgbClr val="595959"/>
+                              </a:solidFill>
+                              <a:latin typeface="Gill Sans"/>
+                              <a:cs typeface="Gill Sans"/>
+                            </a:rPr>
+                            <a:t>pay</a:t>
+                          </a:r>
+                          <a:endParaRPr lang="en-US" sz="1800" b="0" u="none" dirty="0">
+                            <a:solidFill>
+                              <a:srgbClr val="595959"/>
+                            </a:solidFill>
+                            <a:latin typeface="Gill Sans"/>
+                            <a:cs typeface="Gill Sans"/>
+                          </a:endParaRPr>
+                        </a:p>
+                      </a:txBody>
+                      <a:tcPr>
+                        <a:lnL w="12700" cap="flat" cmpd="sng" algn="ctr">
+                          <a:noFill/>
+                          <a:prstDash val="solid"/>
+                          <a:round/>
+                          <a:headEnd type="none" w="med" len="med"/>
+                          <a:tailEnd type="none" w="med" len="med"/>
+                        </a:lnL>
+                        <a:lnR w="12700" cap="flat" cmpd="sng" algn="ctr">
+                          <a:noFill/>
+                          <a:prstDash val="solid"/>
+                          <a:round/>
+                          <a:headEnd type="none" w="med" len="med"/>
+                          <a:tailEnd type="none" w="med" len="med"/>
+                        </a:lnR>
+                        <a:lnT w="12700" cap="flat" cmpd="sng" algn="ctr">
+                          <a:noFill/>
+                          <a:prstDash val="solid"/>
+                          <a:round/>
+                          <a:headEnd type="none" w="med" len="med"/>
+                          <a:tailEnd type="none" w="med" len="med"/>
+                        </a:lnT>
+                        <a:lnB w="12700" cap="flat" cmpd="sng" algn="ctr">
+                          <a:solidFill>
+                            <a:schemeClr val="tx1"/>
+                          </a:solidFill>
+                          <a:prstDash val="solid"/>
+                          <a:round/>
+                          <a:headEnd type="none" w="med" len="med"/>
+                          <a:tailEnd type="none" w="med" len="med"/>
+                        </a:lnB>
+                        <a:lnTlToBr w="12700" cmpd="sng">
+                          <a:noFill/>
+                          <a:prstDash val="solid"/>
+                        </a:lnTlToBr>
+                        <a:lnBlToTr w="12700" cmpd="sng">
+                          <a:noFill/>
+                          <a:prstDash val="solid"/>
+                        </a:lnBlToTr>
+                        <a:solidFill>
+                          <a:schemeClr val="bg1"/>
+                        </a:solidFill>
+                      </a:tcPr>
+                    </a:tc>
+                  </a:tr>
+                  <a:tr h="287866">
+                    <a:tc>
+                      <a:txBody>
+                        <a:bodyPr/>
+                        <a:lstStyle/>
+                        <a:p>
+                          <a:pPr algn="l"/>
+                          <a:r>
+                            <a:rPr lang="en-US" sz="1800" b="0" dirty="0" smtClean="0">
+                              <a:solidFill>
+                                <a:schemeClr val="bg1">
+                                  <a:lumMod val="50000"/>
+                                </a:schemeClr>
+                              </a:solidFill>
+                              <a:latin typeface="Gill Sans"/>
+                              <a:cs typeface="Gill Sans"/>
+                            </a:rPr>
+                            <a:t>t1</a:t>
+                          </a:r>
+                          <a:endParaRPr lang="en-US" sz="1800" b="0" dirty="0">
+                            <a:solidFill>
+                              <a:schemeClr val="bg1">
+                                <a:lumMod val="50000"/>
+                              </a:schemeClr>
+                            </a:solidFill>
+                            <a:latin typeface="Gill Sans"/>
+                            <a:cs typeface="Gill Sans"/>
+                          </a:endParaRPr>
+                        </a:p>
+                      </a:txBody>
+                      <a:tcPr>
+                        <a:lnL w="12700" cap="flat" cmpd="sng" algn="ctr">
+                          <a:noFill/>
+                          <a:prstDash val="solid"/>
+                          <a:round/>
+                          <a:headEnd type="none" w="med" len="med"/>
+                          <a:tailEnd type="none" w="med" len="med"/>
+                        </a:lnL>
+                        <a:lnR w="12700" cap="flat" cmpd="sng" algn="ctr">
+                          <a:noFill/>
+                          <a:prstDash val="solid"/>
+                          <a:round/>
+                          <a:headEnd type="none" w="med" len="med"/>
+                          <a:tailEnd type="none" w="med" len="med"/>
+                        </a:lnR>
+                        <a:lnT w="12700" cap="flat" cmpd="sng" algn="ctr">
+                          <a:solidFill>
+                            <a:schemeClr val="tx1"/>
+                          </a:solidFill>
+                          <a:prstDash val="solid"/>
+                          <a:round/>
+                          <a:headEnd type="none" w="med" len="med"/>
+                          <a:tailEnd type="none" w="med" len="med"/>
+                        </a:lnT>
+                        <a:lnB w="12700" cap="flat" cmpd="sng" algn="ctr">
+                          <a:solidFill>
+                            <a:schemeClr val="tx1"/>
+                          </a:solidFill>
+                          <a:prstDash val="solid"/>
+                          <a:round/>
+                          <a:headEnd type="none" w="med" len="med"/>
+                          <a:tailEnd type="none" w="med" len="med"/>
+                        </a:lnB>
+                        <a:lnTlToBr w="12700" cmpd="sng">
+                          <a:noFill/>
+                          <a:prstDash val="solid"/>
+                        </a:lnTlToBr>
+                        <a:lnBlToTr w="12700" cmpd="sng">
+                          <a:noFill/>
+                          <a:prstDash val="solid"/>
+                        </a:lnBlToTr>
+                      </a:tcPr>
+                    </a:tc>
+                    <a:tc>
+                      <a:txBody>
+                        <a:bodyPr/>
+                        <a:lstStyle/>
+                        <a:p>
+                          <a:pPr algn="l"/>
+                          <a:r>
+                            <a:rPr lang="en-US" altLang="zh-CN" sz="1800" b="1" dirty="0" smtClean="0">
+                              <a:solidFill>
+                                <a:schemeClr val="accent1"/>
+                              </a:solidFill>
+                              <a:latin typeface="Gill Sans"/>
+                              <a:cs typeface="Gill Sans"/>
+                            </a:rPr>
+                            <a:t>1045</a:t>
+                          </a:r>
+                          <a:endParaRPr lang="en-US" sz="1800" b="1" dirty="0">
+                            <a:solidFill>
+                              <a:schemeClr val="accent1"/>
+                            </a:solidFill>
+                            <a:latin typeface="Gill Sans"/>
+                            <a:cs typeface="Gill Sans"/>
+                          </a:endParaRPr>
+                        </a:p>
+                      </a:txBody>
+                      <a:tcPr>
+                        <a:lnL w="12700" cap="flat" cmpd="sng" algn="ctr">
+                          <a:noFill/>
+                          <a:prstDash val="solid"/>
+                          <a:round/>
+                          <a:headEnd type="none" w="med" len="med"/>
+                          <a:tailEnd type="none" w="med" len="med"/>
+                        </a:lnL>
+                        <a:lnR w="12700" cap="flat" cmpd="sng" algn="ctr">
+                          <a:noFill/>
+                          <a:prstDash val="solid"/>
+                          <a:round/>
+                          <a:headEnd type="none" w="med" len="med"/>
+                          <a:tailEnd type="none" w="med" len="med"/>
+                        </a:lnR>
+                        <a:lnT w="12700" cap="flat" cmpd="sng" algn="ctr">
+                          <a:solidFill>
+                            <a:schemeClr val="tx1"/>
+                          </a:solidFill>
+                          <a:prstDash val="solid"/>
+                          <a:round/>
+                          <a:headEnd type="none" w="med" len="med"/>
+                          <a:tailEnd type="none" w="med" len="med"/>
+                        </a:lnT>
+                        <a:lnB w="12700" cap="flat" cmpd="sng" algn="ctr">
+                          <a:solidFill>
+                            <a:schemeClr val="tx1"/>
+                          </a:solidFill>
+                          <a:prstDash val="solid"/>
+                          <a:round/>
+                          <a:headEnd type="none" w="med" len="med"/>
+                          <a:tailEnd type="none" w="med" len="med"/>
+                        </a:lnB>
+                        <a:lnTlToBr w="12700" cmpd="sng">
+                          <a:noFill/>
+                          <a:prstDash val="solid"/>
+                        </a:lnTlToBr>
+                        <a:lnBlToTr w="12700" cmpd="sng">
+                          <a:noFill/>
+                          <a:prstDash val="solid"/>
+                        </a:lnBlToTr>
+                      </a:tcPr>
+                    </a:tc>
+                    <a:tc>
+                      <a:txBody>
+                        <a:bodyPr/>
+                        <a:lstStyle/>
+                        <a:p>
+                          <a:pPr algn="l"/>
+                          <a:r>
+                            <a:rPr lang="en-US" altLang="zh-CN" sz="1800" b="1" dirty="0" smtClean="0">
+                              <a:solidFill>
+                                <a:schemeClr val="accent1"/>
+                              </a:solidFill>
+                              <a:latin typeface="Gill Sans"/>
+                              <a:cs typeface="Gill Sans"/>
+                            </a:rPr>
+                            <a:t>10450</a:t>
+                          </a:r>
+                          <a:endParaRPr lang="en-US" sz="1800" b="1" dirty="0">
+                            <a:solidFill>
+                              <a:schemeClr val="accent1"/>
+                            </a:solidFill>
+                            <a:latin typeface="Gill Sans"/>
+                            <a:cs typeface="Gill Sans"/>
+                          </a:endParaRPr>
+                        </a:p>
+                      </a:txBody>
+                      <a:tcPr>
+                        <a:lnL w="12700" cap="flat" cmpd="sng" algn="ctr">
+                          <a:noFill/>
+                          <a:prstDash val="solid"/>
+                          <a:round/>
+                          <a:headEnd type="none" w="med" len="med"/>
+                          <a:tailEnd type="none" w="med" len="med"/>
+                        </a:lnL>
+                        <a:lnR w="12700" cap="flat" cmpd="sng" algn="ctr">
+                          <a:noFill/>
+                          <a:prstDash val="solid"/>
+                          <a:round/>
+                          <a:headEnd type="none" w="med" len="med"/>
+                          <a:tailEnd type="none" w="med" len="med"/>
+                        </a:lnR>
+                        <a:lnT w="12700" cap="flat" cmpd="sng" algn="ctr">
+                          <a:solidFill>
+                            <a:schemeClr val="tx1"/>
+                          </a:solidFill>
+                          <a:prstDash val="solid"/>
+                          <a:round/>
+                          <a:headEnd type="none" w="med" len="med"/>
+                          <a:tailEnd type="none" w="med" len="med"/>
+                        </a:lnT>
+                        <a:lnB w="12700" cap="flat" cmpd="sng" algn="ctr">
+                          <a:solidFill>
+                            <a:schemeClr val="tx1"/>
+                          </a:solidFill>
+                          <a:prstDash val="solid"/>
+                          <a:round/>
+                          <a:headEnd type="none" w="med" len="med"/>
+                          <a:tailEnd type="none" w="med" len="med"/>
+                        </a:lnB>
+                        <a:lnTlToBr w="12700" cmpd="sng">
+                          <a:noFill/>
+                          <a:prstDash val="solid"/>
+                        </a:lnTlToBr>
+                        <a:lnBlToTr w="12700" cmpd="sng">
+                          <a:noFill/>
+                          <a:prstDash val="solid"/>
+                        </a:lnBlToTr>
+                      </a:tcPr>
+                    </a:tc>
+                    <a:tc>
+                      <a:txBody>
+                        <a:bodyPr/>
+                        <a:lstStyle/>
+                        <a:p>
+                          <a:pPr algn="l"/>
+                          <a:r>
+                            <a:rPr lang="en-US" sz="1800" b="1" dirty="0" smtClean="0">
+                              <a:solidFill>
+                                <a:schemeClr val="accent1"/>
+                              </a:solidFill>
+                              <a:latin typeface="Gill Sans"/>
+                              <a:cs typeface="Gill Sans"/>
+                            </a:rPr>
+                            <a:t>9</a:t>
+                          </a:r>
+                          <a:r>
+                            <a:rPr lang="en-US" altLang="zh-CN" sz="1800" b="1" dirty="0" smtClean="0">
+                              <a:solidFill>
+                                <a:schemeClr val="accent1"/>
+                              </a:solidFill>
+                              <a:latin typeface="Gill Sans"/>
+                              <a:cs typeface="Gill Sans"/>
+                            </a:rPr>
+                            <a:t>405</a:t>
+                          </a:r>
+                          <a:endParaRPr lang="en-US" sz="1800" b="1" dirty="0">
+                            <a:solidFill>
+                              <a:schemeClr val="accent1"/>
+                            </a:solidFill>
+                            <a:latin typeface="Gill Sans"/>
+                            <a:cs typeface="Gill Sans"/>
+                          </a:endParaRPr>
+                        </a:p>
+                      </a:txBody>
+                      <a:tcPr>
+                        <a:lnL w="12700" cap="flat" cmpd="sng" algn="ctr">
+                          <a:noFill/>
+                          <a:prstDash val="solid"/>
+                          <a:round/>
+                          <a:headEnd type="none" w="med" len="med"/>
+                          <a:tailEnd type="none" w="med" len="med"/>
+                        </a:lnL>
+                        <a:lnR w="12700" cap="flat" cmpd="sng" algn="ctr">
+                          <a:noFill/>
+                          <a:prstDash val="solid"/>
+                          <a:round/>
+                          <a:headEnd type="none" w="med" len="med"/>
+                          <a:tailEnd type="none" w="med" len="med"/>
+                        </a:lnR>
+                        <a:lnT w="12700" cap="flat" cmpd="sng" algn="ctr">
+                          <a:solidFill>
+                            <a:schemeClr val="tx1"/>
+                          </a:solidFill>
+                          <a:prstDash val="solid"/>
+                          <a:round/>
+                          <a:headEnd type="none" w="med" len="med"/>
+                          <a:tailEnd type="none" w="med" len="med"/>
+                        </a:lnT>
+                        <a:lnB w="12700" cap="flat" cmpd="sng" algn="ctr">
+                          <a:solidFill>
+                            <a:schemeClr val="tx1"/>
+                          </a:solidFill>
+                          <a:prstDash val="solid"/>
+                          <a:round/>
+                          <a:headEnd type="none" w="med" len="med"/>
+                          <a:tailEnd type="none" w="med" len="med"/>
+                        </a:lnB>
+                        <a:lnTlToBr w="12700" cmpd="sng">
+                          <a:noFill/>
+                          <a:prstDash val="solid"/>
+                        </a:lnTlToBr>
+                        <a:lnBlToTr w="12700" cmpd="sng">
+                          <a:noFill/>
+                          <a:prstDash val="solid"/>
+                        </a:lnBlToTr>
+                      </a:tcPr>
+                    </a:tc>
+                  </a:tr>
+                  <a:tr h="287866">
+                    <a:tc>
+                      <a:txBody>
+                        <a:bodyPr/>
+                        <a:lstStyle/>
+                        <a:p>
+                          <a:pPr algn="l"/>
+                          <a:r>
+                            <a:rPr lang="en-US" sz="1800" b="0" dirty="0" smtClean="0">
+                              <a:solidFill>
+                                <a:schemeClr val="bg1">
+                                  <a:lumMod val="50000"/>
+                                </a:schemeClr>
+                              </a:solidFill>
+                              <a:latin typeface="Gill Sans"/>
+                              <a:cs typeface="Gill Sans"/>
+                            </a:rPr>
+                            <a:t>t2</a:t>
+                          </a:r>
+                          <a:endParaRPr lang="en-US" sz="1800" b="0" dirty="0">
+                            <a:solidFill>
+                              <a:schemeClr val="bg1">
+                                <a:lumMod val="50000"/>
+                              </a:schemeClr>
+                            </a:solidFill>
+                            <a:latin typeface="Gill Sans"/>
+                            <a:cs typeface="Gill Sans"/>
+                          </a:endParaRPr>
+                        </a:p>
+                      </a:txBody>
+                      <a:tcPr>
+                        <a:lnL w="12700" cap="flat" cmpd="sng" algn="ctr">
+                          <a:noFill/>
+                          <a:prstDash val="solid"/>
+                          <a:round/>
+                          <a:headEnd type="none" w="med" len="med"/>
+                          <a:tailEnd type="none" w="med" len="med"/>
+                        </a:lnL>
+                        <a:lnR w="12700" cap="flat" cmpd="sng" algn="ctr">
+                          <a:noFill/>
+                          <a:prstDash val="solid"/>
+                          <a:round/>
+                          <a:headEnd type="none" w="med" len="med"/>
+                          <a:tailEnd type="none" w="med" len="med"/>
+                        </a:lnR>
+                        <a:lnT w="12700" cap="flat" cmpd="sng" algn="ctr">
+                          <a:solidFill>
+                            <a:schemeClr val="tx1"/>
+                          </a:solidFill>
+                          <a:prstDash val="solid"/>
+                          <a:round/>
+                          <a:headEnd type="none" w="med" len="med"/>
+                          <a:tailEnd type="none" w="med" len="med"/>
+                        </a:lnT>
+                        <a:lnB w="12700" cap="flat" cmpd="sng" algn="ctr">
+                          <a:solidFill>
+                            <a:schemeClr val="tx1"/>
+                          </a:solidFill>
+                          <a:prstDash val="solid"/>
+                          <a:round/>
+                          <a:headEnd type="none" w="med" len="med"/>
+                          <a:tailEnd type="none" w="med" len="med"/>
+                        </a:lnB>
+                        <a:lnTlToBr w="12700" cmpd="sng">
+                          <a:noFill/>
+                          <a:prstDash val="solid"/>
+                        </a:lnTlToBr>
+                        <a:lnBlToTr w="12700" cmpd="sng">
+                          <a:noFill/>
+                          <a:prstDash val="solid"/>
+                        </a:lnBlToTr>
+                      </a:tcPr>
+                    </a:tc>
+                    <a:tc>
+                      <a:txBody>
+                        <a:bodyPr/>
+                        <a:lstStyle/>
+                        <a:p>
+                          <a:pPr algn="l"/>
+                          <a:r>
+                            <a:rPr lang="en-US" sz="1800" b="0" dirty="0" smtClean="0">
+                              <a:solidFill>
+                                <a:schemeClr val="bg1">
+                                  <a:lumMod val="50000"/>
+                                </a:schemeClr>
+                              </a:solidFill>
+                              <a:latin typeface="Gill Sans"/>
+                              <a:cs typeface="Gill Sans"/>
+                            </a:rPr>
+                            <a:t>2</a:t>
+                          </a:r>
+                          <a:r>
+                            <a:rPr lang="en-US" altLang="zh-CN" sz="1800" b="0" dirty="0" smtClean="0">
+                              <a:solidFill>
+                                <a:schemeClr val="bg1">
+                                  <a:lumMod val="50000"/>
+                                </a:schemeClr>
+                              </a:solidFill>
+                              <a:latin typeface="Gill Sans"/>
+                              <a:cs typeface="Gill Sans"/>
+                            </a:rPr>
+                            <a:t>2500</a:t>
+                          </a:r>
+                          <a:endParaRPr lang="en-US" sz="1800" b="0" dirty="0">
+                            <a:solidFill>
+                              <a:schemeClr val="bg1">
+                                <a:lumMod val="50000"/>
+                              </a:schemeClr>
+                            </a:solidFill>
+                            <a:latin typeface="Gill Sans"/>
+                            <a:cs typeface="Gill Sans"/>
+                          </a:endParaRPr>
+                        </a:p>
+                      </a:txBody>
+                      <a:tcPr>
+                        <a:lnL w="12700" cap="flat" cmpd="sng" algn="ctr">
+                          <a:noFill/>
+                          <a:prstDash val="solid"/>
+                          <a:round/>
+                          <a:headEnd type="none" w="med" len="med"/>
+                          <a:tailEnd type="none" w="med" len="med"/>
+                        </a:lnL>
+                        <a:lnR w="12700" cap="flat" cmpd="sng" algn="ctr">
+                          <a:noFill/>
+                          <a:prstDash val="solid"/>
+                          <a:round/>
+                          <a:headEnd type="none" w="med" len="med"/>
+                          <a:tailEnd type="none" w="med" len="med"/>
+                        </a:lnR>
+                        <a:lnT w="12700" cap="flat" cmpd="sng" algn="ctr">
+                          <a:solidFill>
+                            <a:schemeClr val="tx1"/>
+                          </a:solidFill>
+                          <a:prstDash val="solid"/>
+                          <a:round/>
+                          <a:headEnd type="none" w="med" len="med"/>
+                          <a:tailEnd type="none" w="med" len="med"/>
+                        </a:lnT>
+                        <a:lnB w="12700" cap="flat" cmpd="sng" algn="ctr">
+                          <a:solidFill>
+                            <a:schemeClr val="tx1"/>
+                          </a:solidFill>
+                          <a:prstDash val="solid"/>
+                          <a:round/>
+                          <a:headEnd type="none" w="med" len="med"/>
+                          <a:tailEnd type="none" w="med" len="med"/>
+                        </a:lnB>
+                        <a:lnTlToBr w="12700" cmpd="sng">
+                          <a:noFill/>
+                          <a:prstDash val="solid"/>
+                        </a:lnTlToBr>
+                        <a:lnBlToTr w="12700" cmpd="sng">
+                          <a:noFill/>
+                          <a:prstDash val="solid"/>
+                        </a:lnBlToTr>
+                      </a:tcPr>
+                    </a:tc>
+                    <a:tc>
+                      <a:txBody>
+                        <a:bodyPr/>
+                        <a:lstStyle/>
+                        <a:p>
+                          <a:pPr algn="l"/>
+                          <a:r>
+                            <a:rPr lang="en-US" sz="1800" b="0" dirty="0" smtClean="0">
+                              <a:solidFill>
+                                <a:schemeClr val="bg1"/>
+                              </a:solidFill>
+                              <a:latin typeface="Gill Sans"/>
+                              <a:cs typeface="Gill Sans"/>
+                            </a:rPr>
+                            <a:t>94000</a:t>
+                          </a:r>
+                          <a:endParaRPr lang="en-US" sz="1800" b="0" dirty="0">
+                            <a:solidFill>
+                              <a:schemeClr val="bg1"/>
+                            </a:solidFill>
+                            <a:latin typeface="Gill Sans"/>
+                            <a:cs typeface="Gill Sans"/>
+                          </a:endParaRPr>
+                        </a:p>
+                      </a:txBody>
+                      <a:tcPr>
+                        <a:lnL w="12700" cap="flat" cmpd="sng" algn="ctr">
+                          <a:noFill/>
+                          <a:prstDash val="solid"/>
+                          <a:round/>
+                          <a:headEnd type="none" w="med" len="med"/>
+                          <a:tailEnd type="none" w="med" len="med"/>
+                        </a:lnL>
+                        <a:lnR w="12700" cap="flat" cmpd="sng" algn="ctr">
+                          <a:noFill/>
+                          <a:prstDash val="solid"/>
+                          <a:round/>
+                          <a:headEnd type="none" w="med" len="med"/>
+                          <a:tailEnd type="none" w="med" len="med"/>
+                        </a:lnR>
+                        <a:lnT w="12700" cap="flat" cmpd="sng" algn="ctr">
+                          <a:solidFill>
+                            <a:schemeClr val="tx1"/>
+                          </a:solidFill>
+                          <a:prstDash val="solid"/>
+                          <a:round/>
+                          <a:headEnd type="none" w="med" len="med"/>
+                          <a:tailEnd type="none" w="med" len="med"/>
+                        </a:lnT>
+                        <a:lnB w="12700" cap="flat" cmpd="sng" algn="ctr">
+                          <a:solidFill>
+                            <a:schemeClr val="tx1"/>
+                          </a:solidFill>
+                          <a:prstDash val="solid"/>
+                          <a:round/>
+                          <a:headEnd type="none" w="med" len="med"/>
+                          <a:tailEnd type="none" w="med" len="med"/>
+                        </a:lnB>
+                        <a:lnTlToBr w="12700" cmpd="sng">
+                          <a:noFill/>
+                          <a:prstDash val="solid"/>
+                        </a:lnTlToBr>
+                        <a:lnBlToTr w="12700" cmpd="sng">
+                          <a:noFill/>
+                          <a:prstDash val="solid"/>
+                        </a:lnBlToTr>
+                        <a:solidFill>
+                          <a:srgbClr val="FF0000"/>
+                        </a:solidFill>
+                      </a:tcPr>
+                    </a:tc>
+                    <a:tc>
+                      <a:txBody>
+                        <a:bodyPr/>
+                        <a:lstStyle/>
+                        <a:p>
+                          <a:pPr algn="l"/>
+                          <a:r>
+                            <a:rPr lang="en-US" altLang="zh-CN" sz="1800" dirty="0" smtClean="0">
+                              <a:solidFill>
+                                <a:schemeClr val="bg1">
+                                  <a:lumMod val="50000"/>
+                                </a:schemeClr>
+                              </a:solidFill>
+                              <a:latin typeface="Gill Sans"/>
+                              <a:cs typeface="Gill Sans"/>
+                            </a:rPr>
+                            <a:t>67500</a:t>
+                          </a:r>
+                          <a:endParaRPr lang="en-US" sz="1800" dirty="0">
+                            <a:solidFill>
+                              <a:schemeClr val="bg1">
+                                <a:lumMod val="50000"/>
+                              </a:schemeClr>
+                            </a:solidFill>
+                            <a:latin typeface="Gill Sans"/>
+                            <a:cs typeface="Gill Sans"/>
+                          </a:endParaRPr>
+                        </a:p>
+                      </a:txBody>
+                      <a:tcPr>
+                        <a:lnL w="12700" cap="flat" cmpd="sng" algn="ctr">
+                          <a:noFill/>
+                          <a:prstDash val="solid"/>
+                          <a:round/>
+                          <a:headEnd type="none" w="med" len="med"/>
+                          <a:tailEnd type="none" w="med" len="med"/>
+                        </a:lnL>
+                        <a:lnR w="12700" cap="flat" cmpd="sng" algn="ctr">
+                          <a:noFill/>
+                          <a:prstDash val="solid"/>
+                          <a:round/>
+                          <a:headEnd type="none" w="med" len="med"/>
+                          <a:tailEnd type="none" w="med" len="med"/>
+                        </a:lnR>
+                        <a:lnT w="12700" cap="flat" cmpd="sng" algn="ctr">
+                          <a:solidFill>
+                            <a:schemeClr val="tx1"/>
+                          </a:solidFill>
+                          <a:prstDash val="solid"/>
+                          <a:round/>
+                          <a:headEnd type="none" w="med" len="med"/>
+                          <a:tailEnd type="none" w="med" len="med"/>
+                        </a:lnT>
+                        <a:lnB w="12700" cap="flat" cmpd="sng" algn="ctr">
+                          <a:solidFill>
+                            <a:schemeClr val="tx1"/>
+                          </a:solidFill>
+                          <a:prstDash val="solid"/>
+                          <a:round/>
+                          <a:headEnd type="none" w="med" len="med"/>
+                          <a:tailEnd type="none" w="med" len="med"/>
+                        </a:lnB>
+                        <a:lnTlToBr w="12700" cmpd="sng">
+                          <a:noFill/>
+                          <a:prstDash val="solid"/>
+                        </a:lnTlToBr>
+                        <a:lnBlToTr w="12700" cmpd="sng">
+                          <a:noFill/>
+                          <a:prstDash val="solid"/>
+                        </a:lnBlToTr>
+                      </a:tcPr>
+                    </a:tc>
+                  </a:tr>
+                  <a:tr h="287866">
+                    <a:tc>
+                      <a:txBody>
+                        <a:bodyPr/>
+                        <a:lstStyle/>
+                        <a:p>
+                          <a:pPr algn="l"/>
+                          <a:r>
+                            <a:rPr lang="en-US" sz="1800" b="0" dirty="0" smtClean="0">
+                              <a:solidFill>
+                                <a:schemeClr val="bg1">
+                                  <a:lumMod val="50000"/>
+                                </a:schemeClr>
+                              </a:solidFill>
+                              <a:latin typeface="Gill Sans"/>
+                              <a:cs typeface="Gill Sans"/>
+                            </a:rPr>
+                            <a:t>t3</a:t>
+                          </a:r>
+                          <a:endParaRPr lang="en-US" sz="1800" b="0" dirty="0">
+                            <a:solidFill>
+                              <a:schemeClr val="bg1">
+                                <a:lumMod val="50000"/>
+                              </a:schemeClr>
+                            </a:solidFill>
+                            <a:latin typeface="Gill Sans"/>
+                            <a:cs typeface="Gill Sans"/>
+                          </a:endParaRPr>
+                        </a:p>
+                      </a:txBody>
+                      <a:tcPr>
+                        <a:lnL w="12700" cap="flat" cmpd="sng" algn="ctr">
+                          <a:noFill/>
+                          <a:prstDash val="solid"/>
+                          <a:round/>
+                          <a:headEnd type="none" w="med" len="med"/>
+                          <a:tailEnd type="none" w="med" len="med"/>
+                        </a:lnL>
+                        <a:lnR w="12700" cap="flat" cmpd="sng" algn="ctr">
+                          <a:noFill/>
+                          <a:prstDash val="solid"/>
+                          <a:round/>
+                          <a:headEnd type="none" w="med" len="med"/>
+                          <a:tailEnd type="none" w="med" len="med"/>
+                        </a:lnR>
+                        <a:lnT w="12700" cap="flat" cmpd="sng" algn="ctr">
+                          <a:solidFill>
+                            <a:schemeClr val="tx1"/>
+                          </a:solidFill>
+                          <a:prstDash val="solid"/>
+                          <a:round/>
+                          <a:headEnd type="none" w="med" len="med"/>
+                          <a:tailEnd type="none" w="med" len="med"/>
+                        </a:lnT>
+                        <a:lnB w="12700" cap="flat" cmpd="sng" algn="ctr">
+                          <a:solidFill>
+                            <a:schemeClr val="tx1"/>
+                          </a:solidFill>
+                          <a:prstDash val="solid"/>
+                          <a:round/>
+                          <a:headEnd type="none" w="med" len="med"/>
+                          <a:tailEnd type="none" w="med" len="med"/>
+                        </a:lnB>
+                        <a:lnTlToBr w="12700" cmpd="sng">
+                          <a:noFill/>
+                          <a:prstDash val="solid"/>
+                        </a:lnTlToBr>
+                        <a:lnBlToTr w="12700" cmpd="sng">
+                          <a:noFill/>
+                          <a:prstDash val="solid"/>
+                        </a:lnBlToTr>
+                      </a:tcPr>
+                    </a:tc>
+                    <a:tc>
+                      <a:txBody>
+                        <a:bodyPr/>
+                        <a:lstStyle/>
+                        <a:p>
+                          <a:pPr algn="l"/>
+                          <a:r>
+                            <a:rPr lang="en-US" sz="1800" b="0" dirty="0" smtClean="0">
+                              <a:solidFill>
+                                <a:srgbClr val="7F7F7F"/>
+                              </a:solidFill>
+                              <a:latin typeface="Gill Sans"/>
+                              <a:cs typeface="Gill Sans"/>
+                            </a:rPr>
+                            <a:t>2</a:t>
+                          </a:r>
+                          <a:r>
+                            <a:rPr lang="en-US" altLang="zh-CN" sz="1800" b="0" dirty="0" smtClean="0">
+                              <a:solidFill>
+                                <a:srgbClr val="7F7F7F"/>
+                              </a:solidFill>
+                              <a:latin typeface="Gill Sans"/>
+                              <a:cs typeface="Gill Sans"/>
+                            </a:rPr>
+                            <a:t>1500</a:t>
+                          </a:r>
+                          <a:endParaRPr lang="en-US" sz="1800" b="0" dirty="0">
+                            <a:solidFill>
+                              <a:srgbClr val="7F7F7F"/>
+                            </a:solidFill>
+                            <a:latin typeface="Gill Sans"/>
+                            <a:cs typeface="Gill Sans"/>
+                          </a:endParaRPr>
+                        </a:p>
+                      </a:txBody>
+                      <a:tcPr>
+                        <a:lnL w="12700" cap="flat" cmpd="sng" algn="ctr">
+                          <a:noFill/>
+                          <a:prstDash val="solid"/>
+                          <a:round/>
+                          <a:headEnd type="none" w="med" len="med"/>
+                          <a:tailEnd type="none" w="med" len="med"/>
+                        </a:lnL>
+                        <a:lnR w="12700" cap="flat" cmpd="sng" algn="ctr">
+                          <a:noFill/>
+                          <a:prstDash val="solid"/>
+                          <a:round/>
+                          <a:headEnd type="none" w="med" len="med"/>
+                          <a:tailEnd type="none" w="med" len="med"/>
+                        </a:lnR>
+                        <a:lnT w="12700" cap="flat" cmpd="sng" algn="ctr">
+                          <a:solidFill>
+                            <a:schemeClr val="tx1"/>
+                          </a:solidFill>
+                          <a:prstDash val="solid"/>
+                          <a:round/>
+                          <a:headEnd type="none" w="med" len="med"/>
+                          <a:tailEnd type="none" w="med" len="med"/>
+                        </a:lnT>
+                        <a:lnB w="12700" cap="flat" cmpd="sng" algn="ctr">
+                          <a:solidFill>
+                            <a:schemeClr val="tx1"/>
+                          </a:solidFill>
+                          <a:prstDash val="solid"/>
+                          <a:round/>
+                          <a:headEnd type="none" w="med" len="med"/>
+                          <a:tailEnd type="none" w="med" len="med"/>
+                        </a:lnB>
+                        <a:lnTlToBr w="12700" cmpd="sng">
+                          <a:noFill/>
+                          <a:prstDash val="solid"/>
+                        </a:lnTlToBr>
+                        <a:lnBlToTr w="12700" cmpd="sng">
+                          <a:noFill/>
+                          <a:prstDash val="solid"/>
+                        </a:lnBlToTr>
+                      </a:tcPr>
+                    </a:tc>
+                    <a:tc>
+                      <a:txBody>
+                        <a:bodyPr/>
+                        <a:lstStyle/>
+                        <a:p>
+                          <a:pPr algn="l"/>
+                          <a:r>
+                            <a:rPr lang="en-US" sz="1800" kern="1200" dirty="0" smtClean="0">
+                              <a:solidFill>
+                                <a:schemeClr val="bg1">
+                                  <a:lumMod val="50000"/>
+                                </a:schemeClr>
+                              </a:solidFill>
+                              <a:latin typeface="Gill Sans"/>
+                              <a:ea typeface="+mn-ea"/>
+                              <a:cs typeface="Gill Sans"/>
+                            </a:rPr>
+                            <a:t>86000</a:t>
+                          </a:r>
+                          <a:endParaRPr lang="en-US" sz="1800" kern="1200" dirty="0">
+                            <a:solidFill>
+                              <a:schemeClr val="bg1">
+                                <a:lumMod val="50000"/>
+                              </a:schemeClr>
+                            </a:solidFill>
+                            <a:latin typeface="Gill Sans"/>
+                            <a:ea typeface="+mn-ea"/>
+                            <a:cs typeface="Gill Sans"/>
+                          </a:endParaRPr>
+                        </a:p>
+                      </a:txBody>
+                      <a:tcPr>
+                        <a:lnL w="12700" cap="flat" cmpd="sng" algn="ctr">
+                          <a:noFill/>
+                          <a:prstDash val="solid"/>
+                          <a:round/>
+                          <a:headEnd type="none" w="med" len="med"/>
+                          <a:tailEnd type="none" w="med" len="med"/>
+                        </a:lnL>
+                        <a:lnR w="12700" cap="flat" cmpd="sng" algn="ctr">
+                          <a:noFill/>
+                          <a:prstDash val="solid"/>
+                          <a:round/>
+                          <a:headEnd type="none" w="med" len="med"/>
+                          <a:tailEnd type="none" w="med" len="med"/>
+                        </a:lnR>
+                        <a:lnT w="12700" cap="flat" cmpd="sng" algn="ctr">
+                          <a:solidFill>
+                            <a:schemeClr val="tx1"/>
+                          </a:solidFill>
+                          <a:prstDash val="solid"/>
+                          <a:round/>
+                          <a:headEnd type="none" w="med" len="med"/>
+                          <a:tailEnd type="none" w="med" len="med"/>
+                        </a:lnT>
+                        <a:lnB w="12700" cap="flat" cmpd="sng" algn="ctr">
+                          <a:solidFill>
+                            <a:schemeClr val="tx1"/>
+                          </a:solidFill>
+                          <a:prstDash val="solid"/>
+                          <a:round/>
+                          <a:headEnd type="none" w="med" len="med"/>
+                          <a:tailEnd type="none" w="med" len="med"/>
+                        </a:lnB>
+                        <a:lnTlToBr w="12700" cmpd="sng">
+                          <a:noFill/>
+                          <a:prstDash val="solid"/>
+                        </a:lnTlToBr>
+                        <a:lnBlToTr w="12700" cmpd="sng">
+                          <a:noFill/>
+                          <a:prstDash val="solid"/>
+                        </a:lnBlToTr>
+                      </a:tcPr>
+                    </a:tc>
+                    <a:tc>
+                      <a:txBody>
+                        <a:bodyPr/>
+                        <a:lstStyle/>
+                        <a:p>
+                          <a:pPr algn="l"/>
+                          <a:r>
+                            <a:rPr lang="en-US" altLang="zh-CN" sz="1800" b="0" dirty="0" smtClean="0">
+                              <a:solidFill>
+                                <a:srgbClr val="7F7F7F"/>
+                              </a:solidFill>
+                              <a:latin typeface="Gill Sans"/>
+                              <a:cs typeface="Gill Sans"/>
+                            </a:rPr>
+                            <a:t>64500</a:t>
+                          </a:r>
+                          <a:endParaRPr lang="en-US" sz="1800" b="0" dirty="0">
+                            <a:solidFill>
+                              <a:srgbClr val="7F7F7F"/>
+                            </a:solidFill>
+                            <a:latin typeface="Gill Sans"/>
+                            <a:cs typeface="Gill Sans"/>
+                          </a:endParaRPr>
+                        </a:p>
+                      </a:txBody>
+                      <a:tcPr>
+                        <a:lnL w="12700" cap="flat" cmpd="sng" algn="ctr">
+                          <a:noFill/>
+                          <a:prstDash val="solid"/>
+                          <a:round/>
+                          <a:headEnd type="none" w="med" len="med"/>
+                          <a:tailEnd type="none" w="med" len="med"/>
+                        </a:lnL>
+                        <a:lnR w="12700" cap="flat" cmpd="sng" algn="ctr">
+                          <a:noFill/>
+                          <a:prstDash val="solid"/>
+                          <a:round/>
+                          <a:headEnd type="none" w="med" len="med"/>
+                          <a:tailEnd type="none" w="med" len="med"/>
+                        </a:lnR>
+                        <a:lnT w="12700" cap="flat" cmpd="sng" algn="ctr">
+                          <a:solidFill>
+                            <a:schemeClr val="tx1"/>
+                          </a:solidFill>
+                          <a:prstDash val="solid"/>
+                          <a:round/>
+                          <a:headEnd type="none" w="med" len="med"/>
+                          <a:tailEnd type="none" w="med" len="med"/>
+                        </a:lnT>
+                        <a:lnB w="12700" cap="flat" cmpd="sng" algn="ctr">
+                          <a:solidFill>
+                            <a:schemeClr val="tx1"/>
+                          </a:solidFill>
+                          <a:prstDash val="solid"/>
+                          <a:round/>
+                          <a:headEnd type="none" w="med" len="med"/>
+                          <a:tailEnd type="none" w="med" len="med"/>
+                        </a:lnB>
+                        <a:lnTlToBr w="12700" cmpd="sng">
+                          <a:noFill/>
+                          <a:prstDash val="solid"/>
+                        </a:lnTlToBr>
+                        <a:lnBlToTr w="12700" cmpd="sng">
+                          <a:noFill/>
+                          <a:prstDash val="solid"/>
+                        </a:lnBlToTr>
+                      </a:tcPr>
+                    </a:tc>
+                  </a:tr>
+                  <a:tr h="287866">
+                    <a:tc>
+                      <a:txBody>
+                        <a:bodyPr/>
+                        <a:lstStyle/>
+                        <a:p>
+                          <a:pPr algn="l"/>
+                          <a:r>
+                            <a:rPr lang="en-US" sz="1800" b="1" dirty="0" smtClean="0">
+                              <a:solidFill>
+                                <a:schemeClr val="bg1"/>
+                              </a:solidFill>
+                              <a:latin typeface="Gill Sans"/>
+                              <a:cs typeface="Gill Sans"/>
+                            </a:rPr>
+                            <a:t>t9</a:t>
+                          </a:r>
+                          <a:endParaRPr lang="en-US" sz="1800" b="1" dirty="0">
+                            <a:solidFill>
+                              <a:schemeClr val="bg1"/>
+                            </a:solidFill>
+                            <a:latin typeface="Gill Sans"/>
+                            <a:cs typeface="Gill Sans"/>
+                          </a:endParaRPr>
+                        </a:p>
+                      </a:txBody>
+                      <a:tcPr>
+                        <a:lnL w="12700" cap="flat" cmpd="sng" algn="ctr">
+                          <a:noFill/>
+                          <a:prstDash val="solid"/>
+                          <a:round/>
+                          <a:headEnd type="none" w="med" len="med"/>
+                          <a:tailEnd type="none" w="med" len="med"/>
+                        </a:lnL>
+                        <a:lnR w="12700" cap="flat" cmpd="sng" algn="ctr">
+                          <a:noFill/>
+                          <a:prstDash val="solid"/>
+                          <a:round/>
+                          <a:headEnd type="none" w="med" len="med"/>
+                          <a:tailEnd type="none" w="med" len="med"/>
+                        </a:lnR>
+                        <a:lnT w="12700" cap="flat" cmpd="sng" algn="ctr">
+                          <a:solidFill>
+                            <a:schemeClr val="tx1"/>
+                          </a:solidFill>
+                          <a:prstDash val="solid"/>
+                          <a:round/>
+                          <a:headEnd type="none" w="med" len="med"/>
+                          <a:tailEnd type="none" w="med" len="med"/>
+                        </a:lnT>
+                        <a:lnB w="12700" cap="flat" cmpd="sng" algn="ctr">
+                          <a:noFill/>
+                          <a:prstDash val="solid"/>
+                          <a:round/>
+                          <a:headEnd type="none" w="med" len="med"/>
+                          <a:tailEnd type="none" w="med" len="med"/>
+                        </a:lnB>
+                        <a:lnTlToBr w="12700" cmpd="sng">
+                          <a:noFill/>
+                          <a:prstDash val="solid"/>
+                        </a:lnTlToBr>
+                        <a:lnBlToTr w="12700" cmpd="sng">
+                          <a:noFill/>
+                          <a:prstDash val="solid"/>
+                        </a:lnBlToTr>
+                        <a:solidFill>
+                          <a:srgbClr val="FF0000"/>
+                        </a:solidFill>
+                      </a:tcPr>
+                    </a:tc>
+                    <a:tc>
+                      <a:txBody>
+                        <a:bodyPr/>
+                        <a:lstStyle/>
+                        <a:p>
+                          <a:pPr algn="l"/>
+                          <a:r>
+                            <a:rPr lang="en-US" altLang="zh-CN" sz="1800" b="1" dirty="0" smtClean="0">
+                              <a:solidFill>
+                                <a:schemeClr val="bg1"/>
+                              </a:solidFill>
+                              <a:latin typeface="Gill Sans"/>
+                              <a:cs typeface="Gill Sans"/>
+                            </a:rPr>
+                            <a:t>990</a:t>
+                          </a:r>
+                          <a:endParaRPr lang="en-US" sz="1800" b="1" dirty="0">
+                            <a:solidFill>
+                              <a:schemeClr val="bg1"/>
+                            </a:solidFill>
+                            <a:latin typeface="Gill Sans"/>
+                            <a:cs typeface="Gill Sans"/>
+                          </a:endParaRPr>
+                        </a:p>
+                      </a:txBody>
+                      <a:tcPr>
+                        <a:lnL w="12700" cap="flat" cmpd="sng" algn="ctr">
+                          <a:noFill/>
+                          <a:prstDash val="solid"/>
+                          <a:round/>
+                          <a:headEnd type="none" w="med" len="med"/>
+                          <a:tailEnd type="none" w="med" len="med"/>
+                        </a:lnL>
+                        <a:lnR w="12700" cap="flat" cmpd="sng" algn="ctr">
+                          <a:noFill/>
+                          <a:prstDash val="solid"/>
+                          <a:round/>
+                          <a:headEnd type="none" w="med" len="med"/>
+                          <a:tailEnd type="none" w="med" len="med"/>
+                        </a:lnR>
+                        <a:lnT w="12700" cap="flat" cmpd="sng" algn="ctr">
+                          <a:solidFill>
+                            <a:schemeClr val="tx1"/>
+                          </a:solidFill>
+                          <a:prstDash val="solid"/>
+                          <a:round/>
+                          <a:headEnd type="none" w="med" len="med"/>
+                          <a:tailEnd type="none" w="med" len="med"/>
+                        </a:lnT>
+                        <a:lnB w="12700" cap="flat" cmpd="sng" algn="ctr">
+                          <a:noFill/>
+                          <a:prstDash val="solid"/>
+                          <a:round/>
+                          <a:headEnd type="none" w="med" len="med"/>
+                          <a:tailEnd type="none" w="med" len="med"/>
+                        </a:lnB>
+                        <a:lnTlToBr w="12700" cmpd="sng">
+                          <a:noFill/>
+                          <a:prstDash val="solid"/>
+                        </a:lnTlToBr>
+                        <a:lnBlToTr w="12700" cmpd="sng">
+                          <a:noFill/>
+                          <a:prstDash val="solid"/>
+                        </a:lnBlToTr>
+                        <a:solidFill>
+                          <a:srgbClr val="FF0000"/>
+                        </a:solidFill>
+                      </a:tcPr>
+                    </a:tc>
+                    <a:tc>
+                      <a:txBody>
+                        <a:bodyPr/>
+                        <a:lstStyle/>
+                        <a:p>
+                          <a:pPr algn="l"/>
+                          <a:r>
+                            <a:rPr lang="en-US" altLang="zh-CN" sz="1800" b="1" dirty="0" smtClean="0">
+                              <a:solidFill>
+                                <a:schemeClr val="bg1"/>
+                              </a:solidFill>
+                              <a:latin typeface="Gill Sans"/>
+                              <a:cs typeface="Gill Sans"/>
+                            </a:rPr>
+                            <a:t>9900</a:t>
+                          </a:r>
+                          <a:endParaRPr lang="en-US" sz="1800" b="1" dirty="0">
+                            <a:solidFill>
+                              <a:schemeClr val="bg1"/>
+                            </a:solidFill>
+                            <a:latin typeface="Gill Sans"/>
+                            <a:cs typeface="Gill Sans"/>
+                          </a:endParaRPr>
+                        </a:p>
+                      </a:txBody>
+                      <a:tcPr>
+                        <a:lnL w="12700" cap="flat" cmpd="sng" algn="ctr">
+                          <a:noFill/>
+                          <a:prstDash val="solid"/>
+                          <a:round/>
+                          <a:headEnd type="none" w="med" len="med"/>
+                          <a:tailEnd type="none" w="med" len="med"/>
+                        </a:lnL>
+                        <a:lnR w="12700" cap="flat" cmpd="sng" algn="ctr">
+                          <a:noFill/>
+                          <a:prstDash val="solid"/>
+                          <a:round/>
+                          <a:headEnd type="none" w="med" len="med"/>
+                          <a:tailEnd type="none" w="med" len="med"/>
+                        </a:lnR>
+                        <a:lnT w="12700" cap="flat" cmpd="sng" algn="ctr">
+                          <a:solidFill>
+                            <a:schemeClr val="tx1"/>
+                          </a:solidFill>
+                          <a:prstDash val="solid"/>
+                          <a:round/>
+                          <a:headEnd type="none" w="med" len="med"/>
+                          <a:tailEnd type="none" w="med" len="med"/>
+                        </a:lnT>
+                        <a:lnB w="12700" cap="flat" cmpd="sng" algn="ctr">
+                          <a:noFill/>
+                          <a:prstDash val="solid"/>
+                          <a:round/>
+                          <a:headEnd type="none" w="med" len="med"/>
+                          <a:tailEnd type="none" w="med" len="med"/>
+                        </a:lnB>
+                        <a:lnTlToBr w="12700" cmpd="sng">
+                          <a:noFill/>
+                          <a:prstDash val="solid"/>
+                        </a:lnTlToBr>
+                        <a:lnBlToTr w="12700" cmpd="sng">
+                          <a:noFill/>
+                          <a:prstDash val="solid"/>
+                        </a:lnBlToTr>
+                        <a:solidFill>
+                          <a:srgbClr val="FF0000"/>
+                        </a:solidFill>
+                      </a:tcPr>
+                    </a:tc>
+                    <a:tc>
+                      <a:txBody>
+                        <a:bodyPr/>
+                        <a:lstStyle/>
+                        <a:p>
+                          <a:pPr algn="l"/>
+                          <a:r>
+                            <a:rPr lang="en-US" altLang="zh-CN" sz="1800" b="1" dirty="0" smtClean="0">
+                              <a:solidFill>
+                                <a:schemeClr val="bg1"/>
+                              </a:solidFill>
+                              <a:latin typeface="Gill Sans"/>
+                              <a:cs typeface="Gill Sans"/>
+                            </a:rPr>
+                            <a:t>8910</a:t>
+                          </a:r>
+                          <a:endParaRPr lang="en-US" sz="1800" b="1" dirty="0">
+                            <a:solidFill>
+                              <a:schemeClr val="bg1"/>
+                            </a:solidFill>
+                            <a:latin typeface="Gill Sans"/>
+                            <a:cs typeface="Gill Sans"/>
+                          </a:endParaRPr>
+                        </a:p>
+                      </a:txBody>
+                      <a:tcPr>
+                        <a:lnL w="12700" cap="flat" cmpd="sng" algn="ctr">
+                          <a:noFill/>
+                          <a:prstDash val="solid"/>
+                          <a:round/>
+                          <a:headEnd type="none" w="med" len="med"/>
+                          <a:tailEnd type="none" w="med" len="med"/>
+                        </a:lnL>
+                        <a:lnR w="12700" cap="flat" cmpd="sng" algn="ctr">
+                          <a:noFill/>
+                          <a:prstDash val="solid"/>
+                          <a:round/>
+                          <a:headEnd type="none" w="med" len="med"/>
+                          <a:tailEnd type="none" w="med" len="med"/>
+                        </a:lnR>
+                        <a:lnT w="12700" cap="flat" cmpd="sng" algn="ctr">
+                          <a:solidFill>
+                            <a:schemeClr val="tx1"/>
+                          </a:solidFill>
+                          <a:prstDash val="solid"/>
+                          <a:round/>
+                          <a:headEnd type="none" w="med" len="med"/>
+                          <a:tailEnd type="none" w="med" len="med"/>
+                        </a:lnT>
+                        <a:lnB w="12700" cap="flat" cmpd="sng" algn="ctr">
+                          <a:noFill/>
+                          <a:prstDash val="solid"/>
+                          <a:round/>
+                          <a:headEnd type="none" w="med" len="med"/>
+                          <a:tailEnd type="none" w="med" len="med"/>
+                        </a:lnB>
+                        <a:lnTlToBr w="12700" cmpd="sng">
+                          <a:noFill/>
+                          <a:prstDash val="solid"/>
+                        </a:lnTlToBr>
+                        <a:lnBlToTr w="12700" cmpd="sng">
+                          <a:noFill/>
+                          <a:prstDash val="solid"/>
+                        </a:lnBlToTr>
+                        <a:solidFill>
+                          <a:srgbClr val="FF0000"/>
+                        </a:solidFill>
+                      </a:tcPr>
+                    </a:tc>
+                  </a:tr>
+                </a:tbl>
+              </a:graphicData>
+            </a:graphic>
+          </p:graphicFrame>
+          <p:grpSp>
+            <p:nvGrpSpPr>
+              <p:cNvPr id="24" name="Group 23"/>
+              <p:cNvGrpSpPr/>
+              <p:nvPr/>
+            </p:nvGrpSpPr>
+            <p:grpSpPr>
+              <a:xfrm>
+                <a:off x="1592112" y="2424231"/>
+                <a:ext cx="1282109" cy="461665"/>
+                <a:chOff x="1600392" y="2424231"/>
+                <a:chExt cx="1282109" cy="461665"/>
+              </a:xfrm>
+            </p:grpSpPr>
+            <p:sp>
+              <p:nvSpPr>
+                <p:cNvPr id="9" name="TextBox 8"/>
+                <p:cNvSpPr txBox="1"/>
+                <p:nvPr/>
+              </p:nvSpPr>
+              <p:spPr>
+                <a:xfrm>
+                  <a:off x="1600392" y="2424231"/>
+                  <a:ext cx="540633" cy="461665"/>
+                </a:xfrm>
+                <a:prstGeom prst="rect">
+                  <a:avLst/>
+                </a:prstGeom>
+                <a:noFill/>
+              </p:spPr>
+              <p:txBody>
+                <a:bodyPr wrap="none" rtlCol="0">
+                  <a:spAutoFit/>
+                </a:bodyPr>
+                <a:lstStyle/>
+                <a:p>
+                  <a:r>
+                    <a:rPr lang="en-US" sz="2400" dirty="0" smtClean="0">
+                      <a:solidFill>
+                        <a:srgbClr val="FF0000"/>
+                      </a:solidFill>
+                      <a:latin typeface="Gill Sans"/>
+                      <a:cs typeface="Gill Sans"/>
+                    </a:rPr>
+                    <a:t>Q</a:t>
+                  </a:r>
+                  <a:r>
+                    <a:rPr lang="zh-CN" altLang="zh-CN" sz="2400" baseline="-25000" dirty="0" smtClean="0">
+                      <a:solidFill>
+                        <a:srgbClr val="FF0000"/>
+                      </a:solidFill>
+                      <a:latin typeface="Gill Sans"/>
+                      <a:cs typeface="Gill Sans"/>
+                    </a:rPr>
+                    <a:t>5</a:t>
+                  </a:r>
+                  <a:endParaRPr lang="en-US" sz="2400" dirty="0" smtClean="0">
+                    <a:solidFill>
+                      <a:srgbClr val="FF0000"/>
+                    </a:solidFill>
+                    <a:latin typeface="Gill Sans"/>
+                    <a:cs typeface="Gill Sans"/>
+                  </a:endParaRPr>
+                </a:p>
+              </p:txBody>
+            </p:sp>
+            <p:sp>
+              <p:nvSpPr>
+                <p:cNvPr id="22" name="TextBox 21"/>
+                <p:cNvSpPr txBox="1"/>
+                <p:nvPr/>
+              </p:nvSpPr>
+              <p:spPr>
+                <a:xfrm>
+                  <a:off x="2103120" y="2470397"/>
+                  <a:ext cx="779381" cy="369332"/>
+                </a:xfrm>
+                <a:prstGeom prst="rect">
+                  <a:avLst/>
+                </a:prstGeom>
+                <a:noFill/>
+              </p:spPr>
+              <p:txBody>
+                <a:bodyPr wrap="none" rtlCol="0">
+                  <a:spAutoFit/>
+                </a:bodyPr>
+                <a:lstStyle/>
+                <a:p>
+                  <a:r>
+                    <a:rPr lang="en-US" dirty="0" smtClean="0">
+                      <a:solidFill>
+                        <a:schemeClr val="bg1">
+                          <a:lumMod val="50000"/>
+                        </a:schemeClr>
+                      </a:solidFill>
+                      <a:latin typeface="Gill Sans"/>
+                      <a:cs typeface="Gill Sans"/>
+                    </a:rPr>
+                    <a:t>10</a:t>
+                  </a:r>
+                  <a:r>
+                    <a:rPr lang="en-US" dirty="0" smtClean="0">
+                      <a:solidFill>
+                        <a:schemeClr val="bg1">
+                          <a:lumMod val="50000"/>
+                        </a:schemeClr>
+                      </a:solidFill>
+                      <a:latin typeface="Gill Sans"/>
+                      <a:cs typeface="Gill Sans"/>
+                    </a:rPr>
+                    <a:t> </a:t>
+                  </a:r>
+                  <a:r>
+                    <a:rPr lang="en-US" dirty="0" smtClean="0">
+                      <a:solidFill>
+                        <a:schemeClr val="bg1">
+                          <a:lumMod val="50000"/>
+                        </a:schemeClr>
+                      </a:solidFill>
+                      <a:latin typeface="Gill Sans"/>
+                      <a:cs typeface="Gill Sans"/>
+                    </a:rPr>
+                    <a:t>sec</a:t>
+                  </a:r>
+                </a:p>
+              </p:txBody>
+            </p:sp>
+          </p:grpSp>
+        </p:grpSp>
+        <p:grpSp>
+          <p:nvGrpSpPr>
+            <p:cNvPr id="28" name="Group 27"/>
+            <p:cNvGrpSpPr/>
+            <p:nvPr/>
+          </p:nvGrpSpPr>
+          <p:grpSpPr>
+            <a:xfrm>
+              <a:off x="377100" y="1814374"/>
+              <a:ext cx="3928326" cy="3759666"/>
+              <a:chOff x="4966216" y="1998931"/>
+              <a:chExt cx="3928326" cy="3759666"/>
+            </a:xfrm>
+          </p:grpSpPr>
+          <p:sp>
+            <p:nvSpPr>
+              <p:cNvPr id="3" name="TextBox 2"/>
+              <p:cNvSpPr txBox="1"/>
+              <p:nvPr/>
+            </p:nvSpPr>
+            <p:spPr>
+              <a:xfrm>
+                <a:off x="5895793" y="1998931"/>
+                <a:ext cx="1370183" cy="461665"/>
+              </a:xfrm>
+              <a:prstGeom prst="rect">
+                <a:avLst/>
+              </a:prstGeom>
+              <a:noFill/>
+            </p:spPr>
+            <p:txBody>
+              <a:bodyPr wrap="none" rtlCol="0">
+                <a:spAutoFit/>
+              </a:bodyPr>
+              <a:lstStyle/>
+              <a:p>
+                <a:r>
+                  <a:rPr lang="en-US" sz="2400" dirty="0" err="1" smtClean="0">
                     <a:solidFill>
                       <a:srgbClr val="595959"/>
                     </a:solidFill>
                     <a:latin typeface="Gill Sans"/>
                     <a:cs typeface="Gill Sans"/>
                   </a:rPr>
-                  <a:t>5</a:t>
+                  <a:t>QueryFix</a:t>
                 </a:r>
                 <a:endParaRPr lang="en-US" sz="2400" dirty="0" smtClean="0">
                   <a:solidFill>
@@ -7899,22 +8068,21 @@
           </p:sp>
           <p:sp>
             <p:nvSpPr>
-              <p:cNvPr id="22" name="TextBox 21"/>
-              <p:cNvSpPr txBox="1"/>
+              <p:cNvPr id="7" name="Rectangle 6"/>
+              <p:cNvSpPr/>
               <p:nvPr/>
             </p:nvSpPr>
             <p:spPr>
               <a:xfrm>
-                <a:off x="2103120" y="2470397"/>
-                <a:ext cx="663964" cy="369332"/>
+                <a:off x="5360119" y="2923277"/>
+                <a:ext cx="3534423" cy="923330"/>
               </a:xfrm>
               <a:prstGeom prst="rect">
                 <a:avLst/>
               </a:prstGeom>
-              <a:noFill/>
             </p:spPr>
             <p:txBody>
-              <a:bodyPr wrap="none" rtlCol="0">
+              <a:bodyPr wrap="square">
                 <a:spAutoFit/>
               </a:bodyPr>
               <a:lstStyle/>
@@ -7927,94 +8095,38 @@
                       </a:schemeClr>
                     </a:solidFill>
                     <a:latin typeface="Gill Sans"/>
+                    <a:ea typeface="Gill Sans" charset="0"/>
                     <a:cs typeface="Gill Sans"/>
                   </a:rPr>
-                  <a:t>5 sec</a:t>
+                  <a:t>UPDATE</a:t>
                 </a:r>
-              </a:p>
-            </p:txBody>
-          </p:sp>
-        </p:grpSp>
-      </p:grpSp>
-      <p:grpSp>
-        <p:nvGrpSpPr>
-          <p:cNvPr id="28" name="Group 27"/>
-          <p:cNvGrpSpPr/>
-          <p:nvPr/>
-        </p:nvGrpSpPr>
-        <p:grpSpPr>
-          <a:xfrm>
-            <a:off x="377100" y="1814374"/>
-            <a:ext cx="3928326" cy="3759666"/>
-            <a:chOff x="4966216" y="1998931"/>
-            <a:chExt cx="3928326" cy="3759666"/>
-          </a:xfrm>
-        </p:grpSpPr>
-        <p:sp>
-          <p:nvSpPr>
-            <p:cNvPr id="3" name="TextBox 2"/>
-            <p:cNvSpPr txBox="1"/>
-            <p:nvPr/>
-          </p:nvSpPr>
-          <p:spPr>
-            <a:xfrm>
-              <a:off x="5895793" y="1998931"/>
-              <a:ext cx="1370183" cy="461665"/>
-            </a:xfrm>
-            <a:prstGeom prst="rect">
-              <a:avLst/>
-            </a:prstGeom>
-            <a:noFill/>
-          </p:spPr>
-          <p:txBody>
-            <a:bodyPr wrap="none" rtlCol="0">
-              <a:spAutoFit/>
-            </a:bodyPr>
-            <a:lstStyle/>
-            <a:p>
-              <a:r>
-                <a:rPr lang="en-US" sz="2400" dirty="0" err="1" smtClean="0">
-                  <a:solidFill>
-                    <a:srgbClr val="595959"/>
-                  </a:solidFill>
-                  <a:latin typeface="Gill Sans"/>
-                  <a:cs typeface="Gill Sans"/>
-                </a:rPr>
-                <a:t>QueryFix</a:t>
-              </a:r>
-              <a:endParaRPr lang="en-US" sz="2400" dirty="0" smtClean="0">
-                <a:solidFill>
-                  <a:srgbClr val="595959"/>
-                </a:solidFill>
-                <a:latin typeface="Gill Sans"/>
-                <a:cs typeface="Gill Sans"/>
-              </a:endParaRPr>
-            </a:p>
-          </p:txBody>
-        </p:sp>
-        <p:sp>
-          <p:nvSpPr>
-            <p:cNvPr id="7" name="Rectangle 6"/>
-            <p:cNvSpPr/>
-            <p:nvPr/>
-          </p:nvSpPr>
-          <p:spPr>
-            <a:xfrm>
-              <a:off x="5360119" y="2923277"/>
-              <a:ext cx="3534423" cy="923330"/>
-            </a:xfrm>
-            <a:prstGeom prst="rect">
-              <a:avLst/>
-            </a:prstGeom>
-          </p:spPr>
-          <p:txBody>
-            <a:bodyPr wrap="square">
-              <a:spAutoFit/>
-            </a:bodyPr>
-            <a:lstStyle/>
-            <a:p>
-              <a:r>
-                <a:rPr lang="en-US" dirty="0" smtClean="0">
+                <a:r>
+                  <a:rPr lang="zh-CN" altLang="en-US" dirty="0" smtClean="0">
+                    <a:solidFill>
+                      <a:schemeClr val="bg1">
+                        <a:lumMod val="50000"/>
+                      </a:schemeClr>
+                    </a:solidFill>
+                    <a:latin typeface="Gill Sans"/>
+                    <a:ea typeface="Gill Sans" charset="0"/>
+                    <a:cs typeface="Gill Sans"/>
+                  </a:rPr>
+                  <a:t> </a:t>
+                </a:r>
+                <a:r>
+                  <a:rPr lang="en-US" altLang="zh-CN" dirty="0" smtClean="0">
+                    <a:solidFill>
+                      <a:schemeClr val="bg1">
+                        <a:lumMod val="50000"/>
+                      </a:schemeClr>
+                    </a:solidFill>
+                    <a:latin typeface="Gill Sans"/>
+                    <a:ea typeface="Gill Sans" charset="0"/>
+                    <a:cs typeface="Gill Sans"/>
+                  </a:rPr>
+                  <a:t>T</a:t>
+                </a:r>
+                <a:endParaRPr lang="en-US" dirty="0" smtClean="0">
                   <a:solidFill>
                     <a:schemeClr val="bg1">
                       <a:lumMod val="50000"/>
@@ -8023,1562 +8135,8 @@
                   <a:latin typeface="Gill Sans"/>
                   <a:ea typeface="Gill Sans" charset="0"/>
                   <a:cs typeface="Gill Sans"/>
-                </a:rPr>
-                <a:t>UPDATE</a:t>
-              </a:r>
-              <a:r>
-                <a:rPr lang="zh-CN" altLang="en-US" dirty="0" smtClean="0">
-                  <a:solidFill>
-                    <a:schemeClr val="bg1">
-                      <a:lumMod val="50000"/>
-                    </a:schemeClr>
-                  </a:solidFill>
-                  <a:latin typeface="Gill Sans"/>
-                  <a:ea typeface="Gill Sans" charset="0"/>
-                  <a:cs typeface="Gill Sans"/>
-                </a:rPr>
-                <a:t> </a:t>
-              </a:r>
-              <a:r>
-                <a:rPr lang="en-US" altLang="zh-CN" dirty="0" smtClean="0">
-                  <a:solidFill>
-                    <a:schemeClr val="bg1">
-                      <a:lumMod val="50000"/>
-                    </a:schemeClr>
-                  </a:solidFill>
-                  <a:latin typeface="Gill Sans"/>
-                  <a:ea typeface="Gill Sans" charset="0"/>
-                  <a:cs typeface="Gill Sans"/>
-                </a:rPr>
-                <a:t>T</a:t>
-              </a:r>
-              <a:endParaRPr lang="en-US" dirty="0" smtClean="0">
-                <a:solidFill>
-                  <a:schemeClr val="bg1">
-                    <a:lumMod val="50000"/>
-                  </a:schemeClr>
-                </a:solidFill>
-                <a:latin typeface="Gill Sans"/>
-                <a:ea typeface="Gill Sans" charset="0"/>
-                <a:cs typeface="Gill Sans"/>
-              </a:endParaRPr>
-            </a:p>
-            <a:p>
-              <a:r>
-                <a:rPr lang="en-US" dirty="0" smtClean="0">
-                  <a:solidFill>
-                    <a:schemeClr val="bg1">
-                      <a:lumMod val="50000"/>
-                    </a:schemeClr>
-                  </a:solidFill>
-                  <a:latin typeface="Gill Sans"/>
-                  <a:ea typeface="Gill Sans" charset="0"/>
-                  <a:cs typeface="Gill Sans"/>
-                </a:rPr>
-                <a:t>SET</a:t>
-              </a:r>
-              <a:r>
-                <a:rPr lang="zh-CN" altLang="en-US" dirty="0" smtClean="0">
-                  <a:solidFill>
-                    <a:schemeClr val="bg1">
-                      <a:lumMod val="50000"/>
-                    </a:schemeClr>
-                  </a:solidFill>
-                  <a:latin typeface="Gill Sans"/>
-                  <a:ea typeface="Gill Sans" charset="0"/>
-                  <a:cs typeface="Gill Sans"/>
-                </a:rPr>
-                <a:t> </a:t>
-              </a:r>
-              <a:r>
-                <a:rPr lang="en-US" dirty="0">
-                  <a:solidFill>
-                    <a:schemeClr val="bg1">
-                      <a:lumMod val="50000"/>
-                    </a:schemeClr>
-                  </a:solidFill>
-                  <a:latin typeface="Gill Sans"/>
-                  <a:ea typeface="Gill Sans" charset="0"/>
-                  <a:cs typeface="Gill Sans"/>
-                </a:rPr>
-                <a:t>income =  </a:t>
-              </a:r>
-              <a:r>
-                <a:rPr lang="en-US" dirty="0" smtClean="0">
-                  <a:solidFill>
-                    <a:schemeClr val="bg1">
-                      <a:lumMod val="50000"/>
-                    </a:schemeClr>
-                  </a:solidFill>
-                  <a:latin typeface="Gill Sans"/>
-                  <a:ea typeface="Gill Sans" charset="0"/>
-                  <a:cs typeface="Gill Sans"/>
-                </a:rPr>
-                <a:t>income</a:t>
-              </a:r>
-              <a:r>
-                <a:rPr lang="zh-CN" altLang="en-US" dirty="0" smtClean="0">
-                  <a:solidFill>
-                    <a:schemeClr val="bg1">
-                      <a:lumMod val="50000"/>
-                    </a:schemeClr>
-                  </a:solidFill>
-                  <a:latin typeface="Gill Sans"/>
-                  <a:ea typeface="Gill Sans" charset="0"/>
-                  <a:cs typeface="Gill Sans"/>
-                </a:rPr>
-                <a:t> </a:t>
-              </a:r>
-              <a:r>
-                <a:rPr lang="en-US" altLang="zh-CN" dirty="0" smtClean="0">
-                  <a:solidFill>
-                    <a:schemeClr val="bg1">
-                      <a:lumMod val="50000"/>
-                    </a:schemeClr>
-                  </a:solidFill>
-                  <a:latin typeface="Gill Sans"/>
-                  <a:ea typeface="Gill Sans" charset="0"/>
-                  <a:cs typeface="Gill Sans"/>
-                </a:rPr>
-                <a:t>+</a:t>
-              </a:r>
-              <a:r>
-                <a:rPr lang="zh-CN" altLang="en-US" dirty="0" smtClean="0">
-                  <a:solidFill>
-                    <a:schemeClr val="bg1">
-                      <a:lumMod val="50000"/>
-                    </a:schemeClr>
-                  </a:solidFill>
-                  <a:latin typeface="Gill Sans"/>
-                  <a:ea typeface="Gill Sans" charset="0"/>
-                  <a:cs typeface="Gill Sans"/>
-                </a:rPr>
-                <a:t> </a:t>
-              </a:r>
-              <a:r>
-                <a:rPr lang="en-US" altLang="zh-CN" dirty="0" smtClean="0">
-                  <a:solidFill>
-                    <a:schemeClr val="bg1">
-                      <a:lumMod val="50000"/>
-                    </a:schemeClr>
-                  </a:solidFill>
-                  <a:latin typeface="Gill Sans"/>
-                  <a:ea typeface="Gill Sans" charset="0"/>
-                  <a:cs typeface="Gill Sans"/>
-                </a:rPr>
-                <a:t>950</a:t>
-              </a:r>
-              <a:r>
-                <a:rPr lang="en-US" dirty="0" smtClean="0">
-                  <a:solidFill>
-                    <a:schemeClr val="bg1">
-                      <a:lumMod val="50000"/>
-                    </a:schemeClr>
-                  </a:solidFill>
-                  <a:latin typeface="Gill Sans"/>
-                  <a:ea typeface="Gill Sans" charset="0"/>
-                  <a:cs typeface="Gill Sans"/>
-                </a:rPr>
-                <a:t> </a:t>
-              </a:r>
-              <a:endParaRPr lang="en-US" strike="sngStrike" dirty="0">
-                <a:solidFill>
-                  <a:schemeClr val="bg1">
-                    <a:lumMod val="50000"/>
-                  </a:schemeClr>
-                </a:solidFill>
-                <a:latin typeface="Gill Sans"/>
-                <a:ea typeface="Gill Sans" charset="0"/>
-                <a:cs typeface="Gill Sans"/>
-              </a:endParaRPr>
-            </a:p>
-            <a:p>
-              <a:r>
-                <a:rPr lang="en-US" dirty="0">
-                  <a:solidFill>
-                    <a:schemeClr val="bg1">
-                      <a:lumMod val="50000"/>
-                    </a:schemeClr>
-                  </a:solidFill>
-                  <a:latin typeface="Gill Sans"/>
-                  <a:ea typeface="Gill Sans" charset="0"/>
-                  <a:cs typeface="Gill Sans"/>
-                </a:rPr>
-                <a:t> WHERE </a:t>
-              </a:r>
-              <a:r>
-                <a:rPr lang="zh-CN" altLang="en-US" dirty="0">
-                  <a:solidFill>
-                    <a:schemeClr val="bg1">
-                      <a:lumMod val="50000"/>
-                    </a:schemeClr>
-                  </a:solidFill>
-                  <a:latin typeface="Gill Sans"/>
-                  <a:ea typeface="Gill Sans" charset="0"/>
-                  <a:cs typeface="Gill Sans"/>
-                </a:rPr>
-                <a:t> </a:t>
-              </a:r>
-              <a:r>
-                <a:rPr lang="en-US" dirty="0">
-                  <a:solidFill>
-                    <a:schemeClr val="bg1">
-                      <a:lumMod val="50000"/>
-                    </a:schemeClr>
-                  </a:solidFill>
-                  <a:latin typeface="Gill Sans"/>
-                  <a:ea typeface="Gill Sans" charset="0"/>
-                  <a:cs typeface="Gill Sans"/>
-                </a:rPr>
-                <a:t>income </a:t>
-              </a:r>
-              <a:r>
-                <a:rPr lang="zh-CN" altLang="zh-CN" dirty="0">
-                  <a:solidFill>
-                    <a:schemeClr val="bg1">
-                      <a:lumMod val="50000"/>
-                    </a:schemeClr>
-                  </a:solidFill>
-                  <a:latin typeface="Gill Sans"/>
-                  <a:ea typeface="Gill Sans" charset="0"/>
-                  <a:cs typeface="Gill Sans"/>
-                </a:rPr>
-                <a:t>&lt;</a:t>
-              </a:r>
-              <a:r>
-                <a:rPr lang="zh-CN" altLang="en-US" dirty="0">
-                  <a:solidFill>
-                    <a:schemeClr val="bg1">
-                      <a:lumMod val="50000"/>
-                    </a:schemeClr>
-                  </a:solidFill>
-                  <a:latin typeface="Gill Sans"/>
-                  <a:ea typeface="Gill Sans" charset="0"/>
-                  <a:cs typeface="Gill Sans"/>
-                </a:rPr>
-                <a:t> </a:t>
-              </a:r>
-              <a:r>
-                <a:rPr lang="en-US" altLang="zh-CN" b="1" dirty="0" smtClean="0">
-                  <a:solidFill>
-                    <a:schemeClr val="accent1"/>
-                  </a:solidFill>
-                  <a:latin typeface="Gill Sans"/>
-                  <a:ea typeface="Gill Sans" charset="0"/>
-                  <a:cs typeface="Gill Sans"/>
-                </a:rPr>
-                <a:t>9500.001</a:t>
-              </a:r>
-              <a:endParaRPr lang="en-US" b="1" dirty="0">
-                <a:solidFill>
-                  <a:schemeClr val="accent1"/>
-                </a:solidFill>
-                <a:latin typeface="Gill Sans"/>
-                <a:ea typeface="Gill Sans" charset="0"/>
-                <a:cs typeface="Gill Sans"/>
-              </a:endParaRPr>
-            </a:p>
-          </p:txBody>
-        </p:sp>
-        <p:graphicFrame>
-          <p:nvGraphicFramePr>
-            <p:cNvPr id="14" name="Content Placeholder 3"/>
-            <p:cNvGraphicFramePr>
-              <a:graphicFrameLocks/>
-            </p:cNvGraphicFramePr>
-            <p:nvPr>
-              <p:extLst>
-                <p:ext uri="{D42A27DB-BD31-4B8C-83A1-F6EECF244321}">
-                  <p14:modId xmlns:p14="http://schemas.microsoft.com/office/powerpoint/2010/main" val="3533941241"/>
-                </p:ext>
-              </p:extLst>
-            </p:nvPr>
-          </p:nvGraphicFramePr>
-          <p:xfrm>
-            <a:off x="4966216" y="4295557"/>
-            <a:ext cx="3928326" cy="1463040"/>
-          </p:xfrm>
-          <a:graphic>
-            <a:graphicData uri="http://schemas.openxmlformats.org/drawingml/2006/table">
-              <a:tbl>
-                <a:tblPr firstRow="1" bandRow="1">
-                  <a:tableStyleId>{5A111915-BE36-4E01-A7E5-04B1672EAD32}</a:tableStyleId>
-                </a:tblPr>
-                <a:tblGrid>
-                  <a:gridCol w="746241"/>
-                  <a:gridCol w="865030"/>
-                  <a:gridCol w="1092094"/>
-                  <a:gridCol w="1224961"/>
-                </a:tblGrid>
-                <a:tr h="287866">
-                  <a:tc>
-                    <a:txBody>
-                      <a:bodyPr/>
-                      <a:lstStyle/>
-                      <a:p>
-                        <a:pPr algn="l"/>
-                        <a:r>
-                          <a:rPr lang="en-US" sz="1800" b="0" u="none" dirty="0" smtClean="0">
-                            <a:solidFill>
-                              <a:schemeClr val="tx1">
-                                <a:lumMod val="65000"/>
-                                <a:lumOff val="35000"/>
-                              </a:schemeClr>
-                            </a:solidFill>
-                            <a:latin typeface="Gill Sans"/>
-                            <a:cs typeface="Gill Sans"/>
-                          </a:rPr>
-                          <a:t>ID</a:t>
-                        </a:r>
-                        <a:endParaRPr lang="en-US" sz="1800" b="0" u="none" dirty="0">
-                          <a:solidFill>
-                            <a:schemeClr val="tx1">
-                              <a:lumMod val="65000"/>
-                              <a:lumOff val="35000"/>
-                            </a:schemeClr>
-                          </a:solidFill>
-                          <a:latin typeface="Gill Sans"/>
-                          <a:cs typeface="Gill Sans"/>
-                        </a:endParaRPr>
-                      </a:p>
-                    </a:txBody>
-                    <a:tcPr>
-                      <a:lnL w="12700" cap="flat" cmpd="sng" algn="ctr">
-                        <a:noFill/>
-                        <a:prstDash val="solid"/>
-                        <a:round/>
-                        <a:headEnd type="none" w="med" len="med"/>
-                        <a:tailEnd type="none" w="med" len="med"/>
-                      </a:lnL>
-                      <a:lnR w="12700" cap="flat" cmpd="sng" algn="ctr">
-                        <a:noFill/>
-                        <a:prstDash val="solid"/>
-                        <a:round/>
-                        <a:headEnd type="none" w="med" len="med"/>
-                        <a:tailEnd type="none" w="med" len="med"/>
-                      </a:lnR>
-                      <a:lnT w="12700" cap="flat" cmpd="sng" algn="ctr">
-                        <a:noFill/>
-                        <a:prstDash val="solid"/>
-                        <a:round/>
-                        <a:headEnd type="none" w="med" len="med"/>
-                        <a:tailEnd type="none" w="med" len="med"/>
-                      </a:lnT>
-                      <a:lnB w="12700" cap="flat" cmpd="sng" algn="ctr">
-                        <a:solidFill>
-                          <a:schemeClr val="tx1"/>
-                        </a:solidFill>
-                        <a:prstDash val="solid"/>
-                        <a:round/>
-                        <a:headEnd type="none" w="med" len="med"/>
-                        <a:tailEnd type="none" w="med" len="med"/>
-                      </a:lnB>
-                      <a:lnTlToBr w="12700" cmpd="sng">
-                        <a:noFill/>
-                        <a:prstDash val="solid"/>
-                      </a:lnTlToBr>
-                      <a:lnBlToTr w="12700" cmpd="sng">
-                        <a:noFill/>
-                        <a:prstDash val="solid"/>
-                      </a:lnBlToTr>
-                      <a:solidFill>
-                        <a:schemeClr val="bg1"/>
-                      </a:solidFill>
-                    </a:tcPr>
-                  </a:tc>
-                  <a:tc>
-                    <a:txBody>
-                      <a:bodyPr/>
-                      <a:lstStyle/>
-                      <a:p>
-                        <a:pPr algn="l"/>
-                        <a:r>
-                          <a:rPr lang="en-US" sz="1800" b="0" u="none" dirty="0" smtClean="0">
-                            <a:solidFill>
-                              <a:schemeClr val="tx1">
-                                <a:lumMod val="65000"/>
-                                <a:lumOff val="35000"/>
-                              </a:schemeClr>
-                            </a:solidFill>
-                            <a:latin typeface="Gill Sans"/>
-                            <a:cs typeface="Gill Sans"/>
-                          </a:rPr>
-                          <a:t>tax</a:t>
-                        </a:r>
-                        <a:endParaRPr lang="en-US" sz="1800" b="0" u="none" dirty="0">
-                          <a:solidFill>
-                            <a:schemeClr val="tx1">
-                              <a:lumMod val="65000"/>
-                              <a:lumOff val="35000"/>
-                            </a:schemeClr>
-                          </a:solidFill>
-                          <a:latin typeface="Gill Sans"/>
-                          <a:cs typeface="Gill Sans"/>
-                        </a:endParaRPr>
-                      </a:p>
-                    </a:txBody>
-                    <a:tcPr>
-                      <a:lnL w="12700" cap="flat" cmpd="sng" algn="ctr">
-                        <a:noFill/>
-                        <a:prstDash val="solid"/>
-                        <a:round/>
-                        <a:headEnd type="none" w="med" len="med"/>
-                        <a:tailEnd type="none" w="med" len="med"/>
-                      </a:lnL>
-                      <a:lnR w="12700" cap="flat" cmpd="sng" algn="ctr">
-                        <a:noFill/>
-                        <a:prstDash val="solid"/>
-                        <a:round/>
-                        <a:headEnd type="none" w="med" len="med"/>
-                        <a:tailEnd type="none" w="med" len="med"/>
-                      </a:lnR>
-                      <a:lnT w="12700" cap="flat" cmpd="sng" algn="ctr">
-                        <a:noFill/>
-                        <a:prstDash val="solid"/>
-                        <a:round/>
-                        <a:headEnd type="none" w="med" len="med"/>
-                        <a:tailEnd type="none" w="med" len="med"/>
-                      </a:lnT>
-                      <a:lnB w="12700" cap="flat" cmpd="sng" algn="ctr">
-                        <a:solidFill>
-                          <a:schemeClr val="tx1"/>
-                        </a:solidFill>
-                        <a:prstDash val="solid"/>
-                        <a:round/>
-                        <a:headEnd type="none" w="med" len="med"/>
-                        <a:tailEnd type="none" w="med" len="med"/>
-                      </a:lnB>
-                      <a:lnTlToBr w="12700" cmpd="sng">
-                        <a:noFill/>
-                        <a:prstDash val="solid"/>
-                      </a:lnTlToBr>
-                      <a:lnBlToTr w="12700" cmpd="sng">
-                        <a:noFill/>
-                        <a:prstDash val="solid"/>
-                      </a:lnBlToTr>
-                      <a:solidFill>
-                        <a:schemeClr val="bg1"/>
-                      </a:solidFill>
-                    </a:tcPr>
-                  </a:tc>
-                  <a:tc>
-                    <a:txBody>
-                      <a:bodyPr/>
-                      <a:lstStyle/>
-                      <a:p>
-                        <a:pPr algn="l"/>
-                        <a:r>
-                          <a:rPr lang="en-US" sz="1800" b="0" u="none" dirty="0" smtClean="0">
-                            <a:solidFill>
-                              <a:schemeClr val="tx1">
-                                <a:lumMod val="65000"/>
-                                <a:lumOff val="35000"/>
-                              </a:schemeClr>
-                            </a:solidFill>
-                            <a:latin typeface="Gill Sans"/>
-                            <a:cs typeface="Gill Sans"/>
-                          </a:rPr>
-                          <a:t>income</a:t>
-                        </a:r>
-                        <a:endParaRPr lang="en-US" sz="1800" b="0" u="none" dirty="0">
-                          <a:solidFill>
-                            <a:schemeClr val="tx1">
-                              <a:lumMod val="65000"/>
-                              <a:lumOff val="35000"/>
-                            </a:schemeClr>
-                          </a:solidFill>
-                          <a:latin typeface="Gill Sans"/>
-                          <a:cs typeface="Gill Sans"/>
-                        </a:endParaRPr>
-                      </a:p>
-                    </a:txBody>
-                    <a:tcPr>
-                      <a:lnL w="12700" cap="flat" cmpd="sng" algn="ctr">
-                        <a:noFill/>
-                        <a:prstDash val="solid"/>
-                        <a:round/>
-                        <a:headEnd type="none" w="med" len="med"/>
-                        <a:tailEnd type="none" w="med" len="med"/>
-                      </a:lnL>
-                      <a:lnR w="12700" cap="flat" cmpd="sng" algn="ctr">
-                        <a:noFill/>
-                        <a:prstDash val="solid"/>
-                        <a:round/>
-                        <a:headEnd type="none" w="med" len="med"/>
-                        <a:tailEnd type="none" w="med" len="med"/>
-                      </a:lnR>
-                      <a:lnT w="12700" cap="flat" cmpd="sng" algn="ctr">
-                        <a:noFill/>
-                        <a:prstDash val="solid"/>
-                        <a:round/>
-                        <a:headEnd type="none" w="med" len="med"/>
-                        <a:tailEnd type="none" w="med" len="med"/>
-                      </a:lnT>
-                      <a:lnB w="12700" cap="flat" cmpd="sng" algn="ctr">
-                        <a:solidFill>
-                          <a:schemeClr val="tx1"/>
-                        </a:solidFill>
-                        <a:prstDash val="solid"/>
-                        <a:round/>
-                        <a:headEnd type="none" w="med" len="med"/>
-                        <a:tailEnd type="none" w="med" len="med"/>
-                      </a:lnB>
-                      <a:lnTlToBr w="12700" cmpd="sng">
-                        <a:noFill/>
-                        <a:prstDash val="solid"/>
-                      </a:lnTlToBr>
-                      <a:lnBlToTr w="12700" cmpd="sng">
-                        <a:noFill/>
-                        <a:prstDash val="solid"/>
-                      </a:lnBlToTr>
-                      <a:solidFill>
-                        <a:schemeClr val="bg1"/>
-                      </a:solidFill>
-                    </a:tcPr>
-                  </a:tc>
-                  <a:tc>
-                    <a:txBody>
-                      <a:bodyPr/>
-                      <a:lstStyle/>
-                      <a:p>
-                        <a:pPr algn="l"/>
-                        <a:r>
-                          <a:rPr lang="en-US" sz="1800" b="0" u="none" dirty="0" smtClean="0">
-                            <a:solidFill>
-                              <a:schemeClr val="tx1">
-                                <a:lumMod val="65000"/>
-                                <a:lumOff val="35000"/>
-                              </a:schemeClr>
-                            </a:solidFill>
-                            <a:latin typeface="Gill Sans"/>
-                            <a:cs typeface="Gill Sans"/>
-                          </a:rPr>
-                          <a:t>pay</a:t>
-                        </a:r>
-                        <a:endParaRPr lang="en-US" sz="1800" b="0" u="none" dirty="0">
-                          <a:solidFill>
-                            <a:schemeClr val="tx1">
-                              <a:lumMod val="65000"/>
-                              <a:lumOff val="35000"/>
-                            </a:schemeClr>
-                          </a:solidFill>
-                          <a:latin typeface="Gill Sans"/>
-                          <a:cs typeface="Gill Sans"/>
-                        </a:endParaRPr>
-                      </a:p>
-                    </a:txBody>
-                    <a:tcPr>
-                      <a:lnL w="12700" cap="flat" cmpd="sng" algn="ctr">
-                        <a:noFill/>
-                        <a:prstDash val="solid"/>
-                        <a:round/>
-                        <a:headEnd type="none" w="med" len="med"/>
-                        <a:tailEnd type="none" w="med" len="med"/>
-                      </a:lnL>
-                      <a:lnR w="12700" cap="flat" cmpd="sng" algn="ctr">
-                        <a:noFill/>
-                        <a:prstDash val="solid"/>
-                        <a:round/>
-                        <a:headEnd type="none" w="med" len="med"/>
-                        <a:tailEnd type="none" w="med" len="med"/>
-                      </a:lnR>
-                      <a:lnT w="12700" cap="flat" cmpd="sng" algn="ctr">
-                        <a:noFill/>
-                        <a:prstDash val="solid"/>
-                        <a:round/>
-                        <a:headEnd type="none" w="med" len="med"/>
-                        <a:tailEnd type="none" w="med" len="med"/>
-                      </a:lnT>
-                      <a:lnB w="12700" cap="flat" cmpd="sng" algn="ctr">
-                        <a:solidFill>
-                          <a:schemeClr val="tx1"/>
-                        </a:solidFill>
-                        <a:prstDash val="solid"/>
-                        <a:round/>
-                        <a:headEnd type="none" w="med" len="med"/>
-                        <a:tailEnd type="none" w="med" len="med"/>
-                      </a:lnB>
-                      <a:lnTlToBr w="12700" cmpd="sng">
-                        <a:noFill/>
-                        <a:prstDash val="solid"/>
-                      </a:lnTlToBr>
-                      <a:lnBlToTr w="12700" cmpd="sng">
-                        <a:noFill/>
-                        <a:prstDash val="solid"/>
-                      </a:lnBlToTr>
-                      <a:solidFill>
-                        <a:schemeClr val="bg1"/>
-                      </a:solidFill>
-                    </a:tcPr>
-                  </a:tc>
-                </a:tr>
-                <a:tr h="287866">
-                  <a:tc>
-                    <a:txBody>
-                      <a:bodyPr/>
-                      <a:lstStyle/>
-                      <a:p>
-                        <a:pPr algn="l"/>
-                        <a:r>
-                          <a:rPr lang="en-US" sz="1800" b="0" dirty="0" smtClean="0">
-                            <a:solidFill>
-                              <a:schemeClr val="bg1">
-                                <a:lumMod val="50000"/>
-                              </a:schemeClr>
-                            </a:solidFill>
-                            <a:latin typeface="Gill Sans"/>
-                            <a:cs typeface="Gill Sans"/>
-                          </a:rPr>
-                          <a:t>t1</a:t>
-                        </a:r>
-                        <a:endParaRPr lang="en-US" sz="1800" b="0" dirty="0">
-                          <a:solidFill>
-                            <a:schemeClr val="bg1">
-                              <a:lumMod val="50000"/>
-                            </a:schemeClr>
-                          </a:solidFill>
-                          <a:latin typeface="Gill Sans"/>
-                          <a:cs typeface="Gill Sans"/>
-                        </a:endParaRPr>
-                      </a:p>
-                    </a:txBody>
-                    <a:tcPr>
-                      <a:lnL w="12700" cap="flat" cmpd="sng" algn="ctr">
-                        <a:noFill/>
-                        <a:prstDash val="solid"/>
-                        <a:round/>
-                        <a:headEnd type="none" w="med" len="med"/>
-                        <a:tailEnd type="none" w="med" len="med"/>
-                      </a:lnL>
-                      <a:lnR w="12700" cap="flat" cmpd="sng" algn="ctr">
-                        <a:noFill/>
-                        <a:prstDash val="solid"/>
-                        <a:round/>
-                        <a:headEnd type="none" w="med" len="med"/>
-                        <a:tailEnd type="none" w="med" len="med"/>
-                      </a:lnR>
-                      <a:lnT w="12700" cap="flat" cmpd="sng" algn="ctr">
-                        <a:solidFill>
-                          <a:schemeClr val="tx1"/>
-                        </a:solidFill>
-                        <a:prstDash val="solid"/>
-                        <a:round/>
-                        <a:headEnd type="none" w="med" len="med"/>
-                        <a:tailEnd type="none" w="med" len="med"/>
-                      </a:lnT>
-                      <a:lnB w="12700" cap="flat" cmpd="sng" algn="ctr">
-                        <a:solidFill>
-                          <a:schemeClr val="tx1"/>
-                        </a:solidFill>
-                        <a:prstDash val="solid"/>
-                        <a:round/>
-                        <a:headEnd type="none" w="med" len="med"/>
-                        <a:tailEnd type="none" w="med" len="med"/>
-                      </a:lnB>
-                      <a:lnTlToBr w="12700" cmpd="sng">
-                        <a:noFill/>
-                        <a:prstDash val="solid"/>
-                      </a:lnTlToBr>
-                      <a:lnBlToTr w="12700" cmpd="sng">
-                        <a:noFill/>
-                        <a:prstDash val="solid"/>
-                      </a:lnBlToTr>
-                    </a:tcPr>
-                  </a:tc>
-                  <a:tc>
-                    <a:txBody>
-                      <a:bodyPr/>
-                      <a:lstStyle/>
-                      <a:p>
-                        <a:pPr algn="l"/>
-                        <a:r>
-                          <a:rPr lang="en-US" altLang="zh-CN" sz="1800" b="1" dirty="0" smtClean="0">
-                            <a:solidFill>
-                              <a:schemeClr val="accent1"/>
-                            </a:solidFill>
-                            <a:latin typeface="Gill Sans"/>
-                            <a:cs typeface="Gill Sans"/>
-                          </a:rPr>
-                          <a:t>1045</a:t>
-                        </a:r>
-                        <a:endParaRPr lang="en-US" sz="1800" b="1" dirty="0">
-                          <a:solidFill>
-                            <a:schemeClr val="accent1"/>
-                          </a:solidFill>
-                          <a:latin typeface="Gill Sans"/>
-                          <a:cs typeface="Gill Sans"/>
-                        </a:endParaRPr>
-                      </a:p>
-                    </a:txBody>
-                    <a:tcPr>
-                      <a:lnL w="12700" cap="flat" cmpd="sng" algn="ctr">
-                        <a:noFill/>
-                        <a:prstDash val="solid"/>
-                        <a:round/>
-                        <a:headEnd type="none" w="med" len="med"/>
-                        <a:tailEnd type="none" w="med" len="med"/>
-                      </a:lnL>
-                      <a:lnR w="12700" cap="flat" cmpd="sng" algn="ctr">
-                        <a:noFill/>
-                        <a:prstDash val="solid"/>
-                        <a:round/>
-                        <a:headEnd type="none" w="med" len="med"/>
-                        <a:tailEnd type="none" w="med" len="med"/>
-                      </a:lnR>
-                      <a:lnT w="12700" cap="flat" cmpd="sng" algn="ctr">
-                        <a:solidFill>
-                          <a:schemeClr val="tx1"/>
-                        </a:solidFill>
-                        <a:prstDash val="solid"/>
-                        <a:round/>
-                        <a:headEnd type="none" w="med" len="med"/>
-                        <a:tailEnd type="none" w="med" len="med"/>
-                      </a:lnT>
-                      <a:lnB w="12700" cap="flat" cmpd="sng" algn="ctr">
-                        <a:solidFill>
-                          <a:schemeClr val="tx1"/>
-                        </a:solidFill>
-                        <a:prstDash val="solid"/>
-                        <a:round/>
-                        <a:headEnd type="none" w="med" len="med"/>
-                        <a:tailEnd type="none" w="med" len="med"/>
-                      </a:lnB>
-                      <a:lnTlToBr w="12700" cmpd="sng">
-                        <a:noFill/>
-                        <a:prstDash val="solid"/>
-                      </a:lnTlToBr>
-                      <a:lnBlToTr w="12700" cmpd="sng">
-                        <a:noFill/>
-                        <a:prstDash val="solid"/>
-                      </a:lnBlToTr>
-                    </a:tcPr>
-                  </a:tc>
-                  <a:tc>
-                    <a:txBody>
-                      <a:bodyPr/>
-                      <a:lstStyle/>
-                      <a:p>
-                        <a:pPr algn="l"/>
-                        <a:r>
-                          <a:rPr lang="en-US" altLang="zh-CN" sz="1800" b="1" dirty="0" smtClean="0">
-                            <a:solidFill>
-                              <a:schemeClr val="accent1"/>
-                            </a:solidFill>
-                            <a:latin typeface="Gill Sans"/>
-                            <a:cs typeface="Gill Sans"/>
-                          </a:rPr>
-                          <a:t>10450</a:t>
-                        </a:r>
-                        <a:endParaRPr lang="en-US" sz="1800" b="1" dirty="0">
-                          <a:solidFill>
-                            <a:schemeClr val="accent1"/>
-                          </a:solidFill>
-                          <a:latin typeface="Gill Sans"/>
-                          <a:cs typeface="Gill Sans"/>
-                        </a:endParaRPr>
-                      </a:p>
-                    </a:txBody>
-                    <a:tcPr>
-                      <a:lnL w="12700" cap="flat" cmpd="sng" algn="ctr">
-                        <a:noFill/>
-                        <a:prstDash val="solid"/>
-                        <a:round/>
-                        <a:headEnd type="none" w="med" len="med"/>
-                        <a:tailEnd type="none" w="med" len="med"/>
-                      </a:lnL>
-                      <a:lnR w="12700" cap="flat" cmpd="sng" algn="ctr">
-                        <a:noFill/>
-                        <a:prstDash val="solid"/>
-                        <a:round/>
-                        <a:headEnd type="none" w="med" len="med"/>
-                        <a:tailEnd type="none" w="med" len="med"/>
-                      </a:lnR>
-                      <a:lnT w="12700" cap="flat" cmpd="sng" algn="ctr">
-                        <a:solidFill>
-                          <a:schemeClr val="tx1"/>
-                        </a:solidFill>
-                        <a:prstDash val="solid"/>
-                        <a:round/>
-                        <a:headEnd type="none" w="med" len="med"/>
-                        <a:tailEnd type="none" w="med" len="med"/>
-                      </a:lnT>
-                      <a:lnB w="12700" cap="flat" cmpd="sng" algn="ctr">
-                        <a:solidFill>
-                          <a:schemeClr val="tx1"/>
-                        </a:solidFill>
-                        <a:prstDash val="solid"/>
-                        <a:round/>
-                        <a:headEnd type="none" w="med" len="med"/>
-                        <a:tailEnd type="none" w="med" len="med"/>
-                      </a:lnB>
-                      <a:lnTlToBr w="12700" cmpd="sng">
-                        <a:noFill/>
-                        <a:prstDash val="solid"/>
-                      </a:lnTlToBr>
-                      <a:lnBlToTr w="12700" cmpd="sng">
-                        <a:noFill/>
-                        <a:prstDash val="solid"/>
-                      </a:lnBlToTr>
-                    </a:tcPr>
-                  </a:tc>
-                  <a:tc>
-                    <a:txBody>
-                      <a:bodyPr/>
-                      <a:lstStyle/>
-                      <a:p>
-                        <a:pPr algn="l"/>
-                        <a:r>
-                          <a:rPr lang="en-US" sz="1800" b="1" dirty="0" smtClean="0">
-                            <a:solidFill>
-                              <a:schemeClr val="accent1"/>
-                            </a:solidFill>
-                            <a:latin typeface="Gill Sans"/>
-                            <a:cs typeface="Gill Sans"/>
-                          </a:rPr>
-                          <a:t>9</a:t>
-                        </a:r>
-                        <a:r>
-                          <a:rPr lang="en-US" altLang="zh-CN" sz="1800" b="1" dirty="0" smtClean="0">
-                            <a:solidFill>
-                              <a:schemeClr val="accent1"/>
-                            </a:solidFill>
-                            <a:latin typeface="Gill Sans"/>
-                            <a:cs typeface="Gill Sans"/>
-                          </a:rPr>
-                          <a:t>405</a:t>
-                        </a:r>
-                        <a:endParaRPr lang="en-US" sz="1800" b="1" dirty="0">
-                          <a:solidFill>
-                            <a:schemeClr val="accent1"/>
-                          </a:solidFill>
-                          <a:latin typeface="Gill Sans"/>
-                          <a:cs typeface="Gill Sans"/>
-                        </a:endParaRPr>
-                      </a:p>
-                    </a:txBody>
-                    <a:tcPr>
-                      <a:lnL w="12700" cap="flat" cmpd="sng" algn="ctr">
-                        <a:noFill/>
-                        <a:prstDash val="solid"/>
-                        <a:round/>
-                        <a:headEnd type="none" w="med" len="med"/>
-                        <a:tailEnd type="none" w="med" len="med"/>
-                      </a:lnL>
-                      <a:lnR w="12700" cap="flat" cmpd="sng" algn="ctr">
-                        <a:noFill/>
-                        <a:prstDash val="solid"/>
-                        <a:round/>
-                        <a:headEnd type="none" w="med" len="med"/>
-                        <a:tailEnd type="none" w="med" len="med"/>
-                      </a:lnR>
-                      <a:lnT w="12700" cap="flat" cmpd="sng" algn="ctr">
-                        <a:solidFill>
-                          <a:schemeClr val="tx1"/>
-                        </a:solidFill>
-                        <a:prstDash val="solid"/>
-                        <a:round/>
-                        <a:headEnd type="none" w="med" len="med"/>
-                        <a:tailEnd type="none" w="med" len="med"/>
-                      </a:lnT>
-                      <a:lnB w="12700" cap="flat" cmpd="sng" algn="ctr">
-                        <a:solidFill>
-                          <a:schemeClr val="tx1"/>
-                        </a:solidFill>
-                        <a:prstDash val="solid"/>
-                        <a:round/>
-                        <a:headEnd type="none" w="med" len="med"/>
-                        <a:tailEnd type="none" w="med" len="med"/>
-                      </a:lnB>
-                      <a:lnTlToBr w="12700" cmpd="sng">
-                        <a:noFill/>
-                        <a:prstDash val="solid"/>
-                      </a:lnTlToBr>
-                      <a:lnBlToTr w="12700" cmpd="sng">
-                        <a:noFill/>
-                        <a:prstDash val="solid"/>
-                      </a:lnBlToTr>
-                    </a:tcPr>
-                  </a:tc>
-                </a:tr>
-                <a:tr h="287866">
-                  <a:tc>
-                    <a:txBody>
-                      <a:bodyPr/>
-                      <a:lstStyle/>
-                      <a:p>
-                        <a:pPr algn="l"/>
-                        <a:r>
-                          <a:rPr lang="en-US" sz="1800" b="0" dirty="0" smtClean="0">
-                            <a:solidFill>
-                              <a:schemeClr val="bg1">
-                                <a:lumMod val="50000"/>
-                              </a:schemeClr>
-                            </a:solidFill>
-                            <a:latin typeface="Gill Sans"/>
-                            <a:cs typeface="Gill Sans"/>
-                          </a:rPr>
-                          <a:t>t2</a:t>
-                        </a:r>
-                        <a:endParaRPr lang="en-US" sz="1800" b="0" dirty="0">
-                          <a:solidFill>
-                            <a:schemeClr val="bg1">
-                              <a:lumMod val="50000"/>
-                            </a:schemeClr>
-                          </a:solidFill>
-                          <a:latin typeface="Gill Sans"/>
-                          <a:cs typeface="Gill Sans"/>
-                        </a:endParaRPr>
-                      </a:p>
-                    </a:txBody>
-                    <a:tcPr>
-                      <a:lnL w="12700" cap="flat" cmpd="sng" algn="ctr">
-                        <a:noFill/>
-                        <a:prstDash val="solid"/>
-                        <a:round/>
-                        <a:headEnd type="none" w="med" len="med"/>
-                        <a:tailEnd type="none" w="med" len="med"/>
-                      </a:lnL>
-                      <a:lnR w="12700" cap="flat" cmpd="sng" algn="ctr">
-                        <a:noFill/>
-                        <a:prstDash val="solid"/>
-                        <a:round/>
-                        <a:headEnd type="none" w="med" len="med"/>
-                        <a:tailEnd type="none" w="med" len="med"/>
-                      </a:lnR>
-                      <a:lnT w="12700" cap="flat" cmpd="sng" algn="ctr">
-                        <a:solidFill>
-                          <a:schemeClr val="tx1"/>
-                        </a:solidFill>
-                        <a:prstDash val="solid"/>
-                        <a:round/>
-                        <a:headEnd type="none" w="med" len="med"/>
-                        <a:tailEnd type="none" w="med" len="med"/>
-                      </a:lnT>
-                      <a:lnB w="12700" cap="flat" cmpd="sng" algn="ctr">
-                        <a:solidFill>
-                          <a:schemeClr val="tx1"/>
-                        </a:solidFill>
-                        <a:prstDash val="solid"/>
-                        <a:round/>
-                        <a:headEnd type="none" w="med" len="med"/>
-                        <a:tailEnd type="none" w="med" len="med"/>
-                      </a:lnB>
-                      <a:lnTlToBr w="12700" cmpd="sng">
-                        <a:noFill/>
-                        <a:prstDash val="solid"/>
-                      </a:lnTlToBr>
-                      <a:lnBlToTr w="12700" cmpd="sng">
-                        <a:noFill/>
-                        <a:prstDash val="solid"/>
-                      </a:lnBlToTr>
-                    </a:tcPr>
-                  </a:tc>
-                  <a:tc>
-                    <a:txBody>
-                      <a:bodyPr/>
-                      <a:lstStyle/>
-                      <a:p>
-                        <a:pPr algn="l"/>
-                        <a:r>
-                          <a:rPr lang="en-US" sz="1800" b="0" dirty="0" smtClean="0">
-                            <a:solidFill>
-                              <a:schemeClr val="bg1">
-                                <a:lumMod val="50000"/>
-                              </a:schemeClr>
-                            </a:solidFill>
-                            <a:latin typeface="Gill Sans"/>
-                            <a:cs typeface="Gill Sans"/>
-                          </a:rPr>
-                          <a:t>2</a:t>
-                        </a:r>
-                        <a:r>
-                          <a:rPr lang="en-US" altLang="zh-CN" sz="1800" b="0" dirty="0" smtClean="0">
-                            <a:solidFill>
-                              <a:schemeClr val="bg1">
-                                <a:lumMod val="50000"/>
-                              </a:schemeClr>
-                            </a:solidFill>
-                            <a:latin typeface="Gill Sans"/>
-                            <a:cs typeface="Gill Sans"/>
-                          </a:rPr>
-                          <a:t>2500</a:t>
-                        </a:r>
-                        <a:endParaRPr lang="en-US" sz="1800" b="0" dirty="0">
-                          <a:solidFill>
-                            <a:schemeClr val="bg1">
-                              <a:lumMod val="50000"/>
-                            </a:schemeClr>
-                          </a:solidFill>
-                          <a:latin typeface="Gill Sans"/>
-                          <a:cs typeface="Gill Sans"/>
-                        </a:endParaRPr>
-                      </a:p>
-                    </a:txBody>
-                    <a:tcPr>
-                      <a:lnL w="12700" cap="flat" cmpd="sng" algn="ctr">
-                        <a:noFill/>
-                        <a:prstDash val="solid"/>
-                        <a:round/>
-                        <a:headEnd type="none" w="med" len="med"/>
-                        <a:tailEnd type="none" w="med" len="med"/>
-                      </a:lnL>
-                      <a:lnR w="12700" cap="flat" cmpd="sng" algn="ctr">
-                        <a:noFill/>
-                        <a:prstDash val="solid"/>
-                        <a:round/>
-                        <a:headEnd type="none" w="med" len="med"/>
-                        <a:tailEnd type="none" w="med" len="med"/>
-                      </a:lnR>
-                      <a:lnT w="12700" cap="flat" cmpd="sng" algn="ctr">
-                        <a:solidFill>
-                          <a:schemeClr val="tx1"/>
-                        </a:solidFill>
-                        <a:prstDash val="solid"/>
-                        <a:round/>
-                        <a:headEnd type="none" w="med" len="med"/>
-                        <a:tailEnd type="none" w="med" len="med"/>
-                      </a:lnT>
-                      <a:lnB w="12700" cap="flat" cmpd="sng" algn="ctr">
-                        <a:solidFill>
-                          <a:schemeClr val="tx1"/>
-                        </a:solidFill>
-                        <a:prstDash val="solid"/>
-                        <a:round/>
-                        <a:headEnd type="none" w="med" len="med"/>
-                        <a:tailEnd type="none" w="med" len="med"/>
-                      </a:lnB>
-                      <a:lnTlToBr w="12700" cmpd="sng">
-                        <a:noFill/>
-                        <a:prstDash val="solid"/>
-                      </a:lnTlToBr>
-                      <a:lnBlToTr w="12700" cmpd="sng">
-                        <a:noFill/>
-                        <a:prstDash val="solid"/>
-                      </a:lnBlToTr>
-                    </a:tcPr>
-                  </a:tc>
-                  <a:tc>
-                    <a:txBody>
-                      <a:bodyPr/>
-                      <a:lstStyle/>
-                      <a:p>
-                        <a:pPr algn="l"/>
-                        <a:r>
-                          <a:rPr lang="en-US" sz="1800" b="0" dirty="0" smtClean="0">
-                            <a:solidFill>
-                              <a:schemeClr val="bg1">
-                                <a:lumMod val="50000"/>
-                              </a:schemeClr>
-                            </a:solidFill>
-                            <a:latin typeface="Gill Sans"/>
-                            <a:cs typeface="Gill Sans"/>
-                          </a:rPr>
-                          <a:t>90000</a:t>
-                        </a:r>
-                        <a:endParaRPr lang="en-US" sz="1800" b="0" dirty="0">
-                          <a:solidFill>
-                            <a:schemeClr val="bg1">
-                              <a:lumMod val="50000"/>
-                            </a:schemeClr>
-                          </a:solidFill>
-                          <a:latin typeface="Gill Sans"/>
-                          <a:cs typeface="Gill Sans"/>
-                        </a:endParaRPr>
-                      </a:p>
-                    </a:txBody>
-                    <a:tcPr>
-                      <a:lnL w="12700" cap="flat" cmpd="sng" algn="ctr">
-                        <a:noFill/>
-                        <a:prstDash val="solid"/>
-                        <a:round/>
-                        <a:headEnd type="none" w="med" len="med"/>
-                        <a:tailEnd type="none" w="med" len="med"/>
-                      </a:lnL>
-                      <a:lnR w="12700" cap="flat" cmpd="sng" algn="ctr">
-                        <a:noFill/>
-                        <a:prstDash val="solid"/>
-                        <a:round/>
-                        <a:headEnd type="none" w="med" len="med"/>
-                        <a:tailEnd type="none" w="med" len="med"/>
-                      </a:lnR>
-                      <a:lnT w="12700" cap="flat" cmpd="sng" algn="ctr">
-                        <a:solidFill>
-                          <a:schemeClr val="tx1"/>
-                        </a:solidFill>
-                        <a:prstDash val="solid"/>
-                        <a:round/>
-                        <a:headEnd type="none" w="med" len="med"/>
-                        <a:tailEnd type="none" w="med" len="med"/>
-                      </a:lnT>
-                      <a:lnB w="12700" cap="flat" cmpd="sng" algn="ctr">
-                        <a:solidFill>
-                          <a:schemeClr val="tx1"/>
-                        </a:solidFill>
-                        <a:prstDash val="solid"/>
-                        <a:round/>
-                        <a:headEnd type="none" w="med" len="med"/>
-                        <a:tailEnd type="none" w="med" len="med"/>
-                      </a:lnB>
-                      <a:lnTlToBr w="12700" cmpd="sng">
-                        <a:noFill/>
-                        <a:prstDash val="solid"/>
-                      </a:lnTlToBr>
-                      <a:lnBlToTr w="12700" cmpd="sng">
-                        <a:noFill/>
-                        <a:prstDash val="solid"/>
-                      </a:lnBlToTr>
-                    </a:tcPr>
-                  </a:tc>
-                  <a:tc>
-                    <a:txBody>
-                      <a:bodyPr/>
-                      <a:lstStyle/>
-                      <a:p>
-                        <a:pPr algn="l"/>
-                        <a:r>
-                          <a:rPr lang="en-US" altLang="zh-CN" sz="1800" dirty="0" smtClean="0">
-                            <a:solidFill>
-                              <a:schemeClr val="bg1">
-                                <a:lumMod val="50000"/>
-                              </a:schemeClr>
-                            </a:solidFill>
-                            <a:latin typeface="Gill Sans"/>
-                            <a:cs typeface="Gill Sans"/>
-                          </a:rPr>
-                          <a:t>67500</a:t>
-                        </a:r>
-                        <a:endParaRPr lang="en-US" sz="1800" dirty="0">
-                          <a:solidFill>
-                            <a:schemeClr val="bg1">
-                              <a:lumMod val="50000"/>
-                            </a:schemeClr>
-                          </a:solidFill>
-                          <a:latin typeface="Gill Sans"/>
-                          <a:cs typeface="Gill Sans"/>
-                        </a:endParaRPr>
-                      </a:p>
-                    </a:txBody>
-                    <a:tcPr>
-                      <a:lnL w="12700" cap="flat" cmpd="sng" algn="ctr">
-                        <a:noFill/>
-                        <a:prstDash val="solid"/>
-                        <a:round/>
-                        <a:headEnd type="none" w="med" len="med"/>
-                        <a:tailEnd type="none" w="med" len="med"/>
-                      </a:lnL>
-                      <a:lnR w="12700" cap="flat" cmpd="sng" algn="ctr">
-                        <a:noFill/>
-                        <a:prstDash val="solid"/>
-                        <a:round/>
-                        <a:headEnd type="none" w="med" len="med"/>
-                        <a:tailEnd type="none" w="med" len="med"/>
-                      </a:lnR>
-                      <a:lnT w="12700" cap="flat" cmpd="sng" algn="ctr">
-                        <a:solidFill>
-                          <a:schemeClr val="tx1"/>
-                        </a:solidFill>
-                        <a:prstDash val="solid"/>
-                        <a:round/>
-                        <a:headEnd type="none" w="med" len="med"/>
-                        <a:tailEnd type="none" w="med" len="med"/>
-                      </a:lnT>
-                      <a:lnB w="12700" cap="flat" cmpd="sng" algn="ctr">
-                        <a:solidFill>
-                          <a:schemeClr val="tx1"/>
-                        </a:solidFill>
-                        <a:prstDash val="solid"/>
-                        <a:round/>
-                        <a:headEnd type="none" w="med" len="med"/>
-                        <a:tailEnd type="none" w="med" len="med"/>
-                      </a:lnB>
-                      <a:lnTlToBr w="12700" cmpd="sng">
-                        <a:noFill/>
-                        <a:prstDash val="solid"/>
-                      </a:lnTlToBr>
-                      <a:lnBlToTr w="12700" cmpd="sng">
-                        <a:noFill/>
-                        <a:prstDash val="solid"/>
-                      </a:lnBlToTr>
-                    </a:tcPr>
-                  </a:tc>
-                </a:tr>
-                <a:tr h="287866">
-                  <a:tc>
-                    <a:txBody>
-                      <a:bodyPr/>
-                      <a:lstStyle/>
-                      <a:p>
-                        <a:pPr algn="l"/>
-                        <a:r>
-                          <a:rPr lang="en-US" sz="1800" b="0" dirty="0" smtClean="0">
-                            <a:solidFill>
-                              <a:schemeClr val="bg1">
-                                <a:lumMod val="50000"/>
-                              </a:schemeClr>
-                            </a:solidFill>
-                            <a:latin typeface="Gill Sans"/>
-                            <a:cs typeface="Gill Sans"/>
-                          </a:rPr>
-                          <a:t>t3</a:t>
-                        </a:r>
-                        <a:endParaRPr lang="en-US" sz="1800" b="0" dirty="0">
-                          <a:solidFill>
-                            <a:schemeClr val="bg1">
-                              <a:lumMod val="50000"/>
-                            </a:schemeClr>
-                          </a:solidFill>
-                          <a:latin typeface="Gill Sans"/>
-                          <a:cs typeface="Gill Sans"/>
-                        </a:endParaRPr>
-                      </a:p>
-                    </a:txBody>
-                    <a:tcPr>
-                      <a:lnL w="12700" cap="flat" cmpd="sng" algn="ctr">
-                        <a:noFill/>
-                        <a:prstDash val="solid"/>
-                        <a:round/>
-                        <a:headEnd type="none" w="med" len="med"/>
-                        <a:tailEnd type="none" w="med" len="med"/>
-                      </a:lnL>
-                      <a:lnR w="12700" cap="flat" cmpd="sng" algn="ctr">
-                        <a:noFill/>
-                        <a:prstDash val="solid"/>
-                        <a:round/>
-                        <a:headEnd type="none" w="med" len="med"/>
-                        <a:tailEnd type="none" w="med" len="med"/>
-                      </a:lnR>
-                      <a:lnT w="12700" cap="flat" cmpd="sng" algn="ctr">
-                        <a:solidFill>
-                          <a:schemeClr val="tx1"/>
-                        </a:solidFill>
-                        <a:prstDash val="solid"/>
-                        <a:round/>
-                        <a:headEnd type="none" w="med" len="med"/>
-                        <a:tailEnd type="none" w="med" len="med"/>
-                      </a:lnT>
-                      <a:lnB w="12700" cap="flat" cmpd="sng" algn="ctr">
-                        <a:noFill/>
-                        <a:prstDash val="solid"/>
-                        <a:round/>
-                        <a:headEnd type="none" w="med" len="med"/>
-                        <a:tailEnd type="none" w="med" len="med"/>
-                      </a:lnB>
-                      <a:lnTlToBr w="12700" cmpd="sng">
-                        <a:noFill/>
-                        <a:prstDash val="solid"/>
-                      </a:lnTlToBr>
-                      <a:lnBlToTr w="12700" cmpd="sng">
-                        <a:noFill/>
-                        <a:prstDash val="solid"/>
-                      </a:lnBlToTr>
-                    </a:tcPr>
-                  </a:tc>
-                  <a:tc>
-                    <a:txBody>
-                      <a:bodyPr/>
-                      <a:lstStyle/>
-                      <a:p>
-                        <a:pPr algn="l"/>
-                        <a:r>
-                          <a:rPr lang="en-US" sz="1800" b="0" dirty="0" smtClean="0">
-                            <a:solidFill>
-                              <a:srgbClr val="7F7F7F"/>
-                            </a:solidFill>
-                            <a:latin typeface="Gill Sans"/>
-                            <a:cs typeface="Gill Sans"/>
-                          </a:rPr>
-                          <a:t>2</a:t>
-                        </a:r>
-                        <a:r>
-                          <a:rPr lang="en-US" altLang="zh-CN" sz="1800" b="0" dirty="0" smtClean="0">
-                            <a:solidFill>
-                              <a:srgbClr val="7F7F7F"/>
-                            </a:solidFill>
-                            <a:latin typeface="Gill Sans"/>
-                            <a:cs typeface="Gill Sans"/>
-                          </a:rPr>
-                          <a:t>1500</a:t>
-                        </a:r>
-                        <a:endParaRPr lang="en-US" sz="1800" b="0" dirty="0">
-                          <a:solidFill>
-                            <a:srgbClr val="7F7F7F"/>
-                          </a:solidFill>
-                          <a:latin typeface="Gill Sans"/>
-                          <a:cs typeface="Gill Sans"/>
-                        </a:endParaRPr>
-                      </a:p>
-                    </a:txBody>
-                    <a:tcPr>
-                      <a:lnL w="12700" cap="flat" cmpd="sng" algn="ctr">
-                        <a:noFill/>
-                        <a:prstDash val="solid"/>
-                        <a:round/>
-                        <a:headEnd type="none" w="med" len="med"/>
-                        <a:tailEnd type="none" w="med" len="med"/>
-                      </a:lnL>
-                      <a:lnR w="12700" cap="flat" cmpd="sng" algn="ctr">
-                        <a:noFill/>
-                        <a:prstDash val="solid"/>
-                        <a:round/>
-                        <a:headEnd type="none" w="med" len="med"/>
-                        <a:tailEnd type="none" w="med" len="med"/>
-                      </a:lnR>
-                      <a:lnT w="12700" cap="flat" cmpd="sng" algn="ctr">
-                        <a:solidFill>
-                          <a:schemeClr val="tx1"/>
-                        </a:solidFill>
-                        <a:prstDash val="solid"/>
-                        <a:round/>
-                        <a:headEnd type="none" w="med" len="med"/>
-                        <a:tailEnd type="none" w="med" len="med"/>
-                      </a:lnT>
-                      <a:lnB w="12700" cap="flat" cmpd="sng" algn="ctr">
-                        <a:noFill/>
-                        <a:prstDash val="solid"/>
-                        <a:round/>
-                        <a:headEnd type="none" w="med" len="med"/>
-                        <a:tailEnd type="none" w="med" len="med"/>
-                      </a:lnB>
-                      <a:lnTlToBr w="12700" cmpd="sng">
-                        <a:noFill/>
-                        <a:prstDash val="solid"/>
-                      </a:lnTlToBr>
-                      <a:lnBlToTr w="12700" cmpd="sng">
-                        <a:noFill/>
-                        <a:prstDash val="solid"/>
-                      </a:lnBlToTr>
-                    </a:tcPr>
-                  </a:tc>
-                  <a:tc>
-                    <a:txBody>
-                      <a:bodyPr/>
-                      <a:lstStyle/>
-                      <a:p>
-                        <a:pPr algn="l"/>
-                        <a:r>
-                          <a:rPr lang="en-US" sz="1800" kern="1200" dirty="0" smtClean="0">
-                            <a:solidFill>
-                              <a:schemeClr val="bg1">
-                                <a:lumMod val="50000"/>
-                              </a:schemeClr>
-                            </a:solidFill>
-                            <a:latin typeface="Gill Sans"/>
-                            <a:ea typeface="+mn-ea"/>
-                            <a:cs typeface="Gill Sans"/>
-                          </a:rPr>
-                          <a:t>86000</a:t>
-                        </a:r>
-                        <a:endParaRPr lang="en-US" sz="1800" kern="1200" dirty="0">
-                          <a:solidFill>
-                            <a:schemeClr val="bg1">
-                              <a:lumMod val="50000"/>
-                            </a:schemeClr>
-                          </a:solidFill>
-                          <a:latin typeface="Gill Sans"/>
-                          <a:ea typeface="+mn-ea"/>
-                          <a:cs typeface="Gill Sans"/>
-                        </a:endParaRPr>
-                      </a:p>
-                    </a:txBody>
-                    <a:tcPr>
-                      <a:lnL w="12700" cap="flat" cmpd="sng" algn="ctr">
-                        <a:noFill/>
-                        <a:prstDash val="solid"/>
-                        <a:round/>
-                        <a:headEnd type="none" w="med" len="med"/>
-                        <a:tailEnd type="none" w="med" len="med"/>
-                      </a:lnL>
-                      <a:lnR w="12700" cap="flat" cmpd="sng" algn="ctr">
-                        <a:noFill/>
-                        <a:prstDash val="solid"/>
-                        <a:round/>
-                        <a:headEnd type="none" w="med" len="med"/>
-                        <a:tailEnd type="none" w="med" len="med"/>
-                      </a:lnR>
-                      <a:lnT w="12700" cap="flat" cmpd="sng" algn="ctr">
-                        <a:solidFill>
-                          <a:schemeClr val="tx1"/>
-                        </a:solidFill>
-                        <a:prstDash val="solid"/>
-                        <a:round/>
-                        <a:headEnd type="none" w="med" len="med"/>
-                        <a:tailEnd type="none" w="med" len="med"/>
-                      </a:lnT>
-                      <a:lnB w="12700" cap="flat" cmpd="sng" algn="ctr">
-                        <a:noFill/>
-                        <a:prstDash val="solid"/>
-                        <a:round/>
-                        <a:headEnd type="none" w="med" len="med"/>
-                        <a:tailEnd type="none" w="med" len="med"/>
-                      </a:lnB>
-                      <a:lnTlToBr w="12700" cmpd="sng">
-                        <a:noFill/>
-                        <a:prstDash val="solid"/>
-                      </a:lnTlToBr>
-                      <a:lnBlToTr w="12700" cmpd="sng">
-                        <a:noFill/>
-                        <a:prstDash val="solid"/>
-                      </a:lnBlToTr>
-                    </a:tcPr>
-                  </a:tc>
-                  <a:tc>
-                    <a:txBody>
-                      <a:bodyPr/>
-                      <a:lstStyle/>
-                      <a:p>
-                        <a:pPr algn="l"/>
-                        <a:r>
-                          <a:rPr lang="en-US" altLang="zh-CN" sz="1800" b="0" dirty="0" smtClean="0">
-                            <a:solidFill>
-                              <a:srgbClr val="7F7F7F"/>
-                            </a:solidFill>
-                            <a:latin typeface="Gill Sans"/>
-                            <a:cs typeface="Gill Sans"/>
-                          </a:rPr>
-                          <a:t>64500</a:t>
-                        </a:r>
-                        <a:endParaRPr lang="en-US" sz="1800" b="0" dirty="0">
-                          <a:solidFill>
-                            <a:srgbClr val="7F7F7F"/>
-                          </a:solidFill>
-                          <a:latin typeface="Gill Sans"/>
-                          <a:cs typeface="Gill Sans"/>
-                        </a:endParaRPr>
-                      </a:p>
-                    </a:txBody>
-                    <a:tcPr>
-                      <a:lnL w="12700" cap="flat" cmpd="sng" algn="ctr">
-                        <a:noFill/>
-                        <a:prstDash val="solid"/>
-                        <a:round/>
-                        <a:headEnd type="none" w="med" len="med"/>
-                        <a:tailEnd type="none" w="med" len="med"/>
-                      </a:lnL>
-                      <a:lnR w="12700" cap="flat" cmpd="sng" algn="ctr">
-                        <a:noFill/>
-                        <a:prstDash val="solid"/>
-                        <a:round/>
-                        <a:headEnd type="none" w="med" len="med"/>
-                        <a:tailEnd type="none" w="med" len="med"/>
-                      </a:lnR>
-                      <a:lnT w="12700" cap="flat" cmpd="sng" algn="ctr">
-                        <a:solidFill>
-                          <a:schemeClr val="tx1"/>
-                        </a:solidFill>
-                        <a:prstDash val="solid"/>
-                        <a:round/>
-                        <a:headEnd type="none" w="med" len="med"/>
-                        <a:tailEnd type="none" w="med" len="med"/>
-                      </a:lnT>
-                      <a:lnB w="12700" cap="flat" cmpd="sng" algn="ctr">
-                        <a:noFill/>
-                        <a:prstDash val="solid"/>
-                        <a:round/>
-                        <a:headEnd type="none" w="med" len="med"/>
-                        <a:tailEnd type="none" w="med" len="med"/>
-                      </a:lnB>
-                      <a:lnTlToBr w="12700" cmpd="sng">
-                        <a:noFill/>
-                        <a:prstDash val="solid"/>
-                      </a:lnTlToBr>
-                      <a:lnBlToTr w="12700" cmpd="sng">
-                        <a:noFill/>
-                        <a:prstDash val="solid"/>
-                      </a:lnBlToTr>
-                    </a:tcPr>
-                  </a:tc>
-                </a:tr>
-              </a:tbl>
-            </a:graphicData>
-          </a:graphic>
-        </p:graphicFrame>
-        <p:grpSp>
-          <p:nvGrpSpPr>
-            <p:cNvPr id="25" name="Group 24"/>
-            <p:cNvGrpSpPr/>
-            <p:nvPr/>
-          </p:nvGrpSpPr>
-          <p:grpSpPr>
-            <a:xfrm>
-              <a:off x="5949563" y="2424231"/>
-              <a:ext cx="1262642" cy="461665"/>
-              <a:chOff x="6005818" y="2424231"/>
-              <a:chExt cx="1262642" cy="461665"/>
-            </a:xfrm>
-          </p:grpSpPr>
-          <p:sp>
-            <p:nvSpPr>
-              <p:cNvPr id="5" name="TextBox 4"/>
-              <p:cNvSpPr txBox="1"/>
-              <p:nvPr/>
-            </p:nvSpPr>
-            <p:spPr>
-              <a:xfrm>
-                <a:off x="6005818" y="2424231"/>
-                <a:ext cx="540533" cy="461665"/>
-              </a:xfrm>
-              <a:prstGeom prst="rect">
-                <a:avLst/>
-              </a:prstGeom>
-              <a:noFill/>
-            </p:spPr>
-            <p:txBody>
-              <a:bodyPr wrap="none" rtlCol="0">
-                <a:spAutoFit/>
-              </a:bodyPr>
-              <a:lstStyle/>
-              <a:p>
-                <a:r>
-                  <a:rPr lang="en-US" sz="2400" dirty="0" smtClean="0">
-                    <a:solidFill>
-                      <a:srgbClr val="595959"/>
-                    </a:solidFill>
-                    <a:latin typeface="Gill Sans"/>
-                    <a:cs typeface="Gill Sans"/>
-                  </a:rPr>
-                  <a:t>Q</a:t>
-                </a:r>
-                <a:r>
-                  <a:rPr lang="en-US" sz="2400" baseline="-25000" dirty="0" smtClean="0">
-                    <a:solidFill>
-                      <a:srgbClr val="595959"/>
-                    </a:solidFill>
-                    <a:latin typeface="Gill Sans"/>
-                    <a:cs typeface="Gill Sans"/>
-                  </a:rPr>
-                  <a:t>2</a:t>
-                </a:r>
-                <a:endParaRPr lang="en-US" sz="2400" dirty="0" smtClean="0">
-                  <a:solidFill>
-                    <a:srgbClr val="595959"/>
-                  </a:solidFill>
-                  <a:latin typeface="Gill Sans"/>
-                  <a:cs typeface="Gill Sans"/>
                 </a:endParaRPr>
               </a:p>
-            </p:txBody>
-          </p:sp>
-          <p:sp>
-            <p:nvSpPr>
-              <p:cNvPr id="23" name="TextBox 22"/>
-              <p:cNvSpPr txBox="1"/>
-              <p:nvPr/>
-            </p:nvSpPr>
-            <p:spPr>
-              <a:xfrm>
-                <a:off x="6553200" y="2470397"/>
-                <a:ext cx="715260" cy="369332"/>
-              </a:xfrm>
-              <a:prstGeom prst="rect">
-                <a:avLst/>
-              </a:prstGeom>
-              <a:noFill/>
-            </p:spPr>
-            <p:txBody>
-              <a:bodyPr wrap="none" rtlCol="0">
-                <a:spAutoFit/>
-              </a:bodyPr>
-              <a:lstStyle/>
               <a:p>
                 <a:r>
                   <a:rPr lang="en-US" dirty="0" smtClean="0">
@@ -9588,25 +8146,1542 @@
                       </a:schemeClr>
                     </a:solidFill>
                     <a:latin typeface="Gill Sans"/>
+                    <a:ea typeface="Gill Sans" charset="0"/>
                     <a:cs typeface="Gill Sans"/>
                   </a:rPr>
-                  <a:t>.2 sec</a:t>
+                  <a:t>SET</a:t>
                 </a:r>
+                <a:r>
+                  <a:rPr lang="zh-CN" altLang="en-US" dirty="0" smtClean="0">
+                    <a:solidFill>
+                      <a:schemeClr val="bg1">
+                        <a:lumMod val="50000"/>
+                      </a:schemeClr>
+                    </a:solidFill>
+                    <a:latin typeface="Gill Sans"/>
+                    <a:ea typeface="Gill Sans" charset="0"/>
+                    <a:cs typeface="Gill Sans"/>
+                  </a:rPr>
+                  <a:t> </a:t>
+                </a:r>
+                <a:r>
+                  <a:rPr lang="en-US" dirty="0">
+                    <a:solidFill>
+                      <a:schemeClr val="bg1">
+                        <a:lumMod val="50000"/>
+                      </a:schemeClr>
+                    </a:solidFill>
+                    <a:latin typeface="Gill Sans"/>
+                    <a:ea typeface="Gill Sans" charset="0"/>
+                    <a:cs typeface="Gill Sans"/>
+                  </a:rPr>
+                  <a:t>income =  </a:t>
+                </a:r>
+                <a:r>
+                  <a:rPr lang="en-US" dirty="0" smtClean="0">
+                    <a:solidFill>
+                      <a:schemeClr val="bg1">
+                        <a:lumMod val="50000"/>
+                      </a:schemeClr>
+                    </a:solidFill>
+                    <a:latin typeface="Gill Sans"/>
+                    <a:ea typeface="Gill Sans" charset="0"/>
+                    <a:cs typeface="Gill Sans"/>
+                  </a:rPr>
+                  <a:t>income</a:t>
+                </a:r>
+                <a:r>
+                  <a:rPr lang="zh-CN" altLang="en-US" dirty="0" smtClean="0">
+                    <a:solidFill>
+                      <a:schemeClr val="bg1">
+                        <a:lumMod val="50000"/>
+                      </a:schemeClr>
+                    </a:solidFill>
+                    <a:latin typeface="Gill Sans"/>
+                    <a:ea typeface="Gill Sans" charset="0"/>
+                    <a:cs typeface="Gill Sans"/>
+                  </a:rPr>
+                  <a:t> </a:t>
+                </a:r>
+                <a:r>
+                  <a:rPr lang="en-US" altLang="zh-CN" dirty="0" smtClean="0">
+                    <a:solidFill>
+                      <a:schemeClr val="bg1">
+                        <a:lumMod val="50000"/>
+                      </a:schemeClr>
+                    </a:solidFill>
+                    <a:latin typeface="Gill Sans"/>
+                    <a:ea typeface="Gill Sans" charset="0"/>
+                    <a:cs typeface="Gill Sans"/>
+                  </a:rPr>
+                  <a:t>+</a:t>
+                </a:r>
+                <a:r>
+                  <a:rPr lang="zh-CN" altLang="en-US" dirty="0" smtClean="0">
+                    <a:solidFill>
+                      <a:schemeClr val="bg1">
+                        <a:lumMod val="50000"/>
+                      </a:schemeClr>
+                    </a:solidFill>
+                    <a:latin typeface="Gill Sans"/>
+                    <a:ea typeface="Gill Sans" charset="0"/>
+                    <a:cs typeface="Gill Sans"/>
+                  </a:rPr>
+                  <a:t> </a:t>
+                </a:r>
+                <a:r>
+                  <a:rPr lang="en-US" altLang="zh-CN" dirty="0" smtClean="0">
+                    <a:solidFill>
+                      <a:schemeClr val="bg1">
+                        <a:lumMod val="50000"/>
+                      </a:schemeClr>
+                    </a:solidFill>
+                    <a:latin typeface="Gill Sans"/>
+                    <a:ea typeface="Gill Sans" charset="0"/>
+                    <a:cs typeface="Gill Sans"/>
+                  </a:rPr>
+                  <a:t>950</a:t>
+                </a:r>
+                <a:r>
+                  <a:rPr lang="en-US" dirty="0" smtClean="0">
+                    <a:solidFill>
+                      <a:schemeClr val="bg1">
+                        <a:lumMod val="50000"/>
+                      </a:schemeClr>
+                    </a:solidFill>
+                    <a:latin typeface="Gill Sans"/>
+                    <a:ea typeface="Gill Sans" charset="0"/>
+                    <a:cs typeface="Gill Sans"/>
+                  </a:rPr>
+                  <a:t> </a:t>
+                </a:r>
+                <a:endParaRPr lang="en-US" strike="sngStrike" dirty="0">
+                  <a:solidFill>
+                    <a:schemeClr val="bg1">
+                      <a:lumMod val="50000"/>
+                    </a:schemeClr>
+                  </a:solidFill>
+                  <a:latin typeface="Gill Sans"/>
+                  <a:ea typeface="Gill Sans" charset="0"/>
+                  <a:cs typeface="Gill Sans"/>
+                </a:endParaRPr>
+              </a:p>
+              <a:p>
+                <a:r>
+                  <a:rPr lang="en-US" dirty="0">
+                    <a:solidFill>
+                      <a:schemeClr val="bg1">
+                        <a:lumMod val="50000"/>
+                      </a:schemeClr>
+                    </a:solidFill>
+                    <a:latin typeface="Gill Sans"/>
+                    <a:ea typeface="Gill Sans" charset="0"/>
+                    <a:cs typeface="Gill Sans"/>
+                  </a:rPr>
+                  <a:t> WHERE </a:t>
+                </a:r>
+                <a:r>
+                  <a:rPr lang="zh-CN" altLang="en-US" dirty="0">
+                    <a:solidFill>
+                      <a:schemeClr val="bg1">
+                        <a:lumMod val="50000"/>
+                      </a:schemeClr>
+                    </a:solidFill>
+                    <a:latin typeface="Gill Sans"/>
+                    <a:ea typeface="Gill Sans" charset="0"/>
+                    <a:cs typeface="Gill Sans"/>
+                  </a:rPr>
+                  <a:t> </a:t>
+                </a:r>
+                <a:r>
+                  <a:rPr lang="en-US" dirty="0">
+                    <a:solidFill>
+                      <a:schemeClr val="bg1">
+                        <a:lumMod val="50000"/>
+                      </a:schemeClr>
+                    </a:solidFill>
+                    <a:latin typeface="Gill Sans"/>
+                    <a:ea typeface="Gill Sans" charset="0"/>
+                    <a:cs typeface="Gill Sans"/>
+                  </a:rPr>
+                  <a:t>income </a:t>
+                </a:r>
+                <a:r>
+                  <a:rPr lang="zh-CN" altLang="zh-CN" dirty="0">
+                    <a:solidFill>
+                      <a:schemeClr val="bg1">
+                        <a:lumMod val="50000"/>
+                      </a:schemeClr>
+                    </a:solidFill>
+                    <a:latin typeface="Gill Sans"/>
+                    <a:ea typeface="Gill Sans" charset="0"/>
+                    <a:cs typeface="Gill Sans"/>
+                  </a:rPr>
+                  <a:t>&lt;</a:t>
+                </a:r>
+                <a:r>
+                  <a:rPr lang="zh-CN" altLang="en-US" dirty="0">
+                    <a:solidFill>
+                      <a:schemeClr val="bg1">
+                        <a:lumMod val="50000"/>
+                      </a:schemeClr>
+                    </a:solidFill>
+                    <a:latin typeface="Gill Sans"/>
+                    <a:ea typeface="Gill Sans" charset="0"/>
+                    <a:cs typeface="Gill Sans"/>
+                  </a:rPr>
+                  <a:t> </a:t>
+                </a:r>
+                <a:r>
+                  <a:rPr lang="en-US" altLang="zh-CN" b="1" dirty="0" smtClean="0">
+                    <a:solidFill>
+                      <a:schemeClr val="accent1"/>
+                    </a:solidFill>
+                    <a:latin typeface="Gill Sans"/>
+                    <a:ea typeface="Gill Sans" charset="0"/>
+                    <a:cs typeface="Gill Sans"/>
+                  </a:rPr>
+                  <a:t>10000</a:t>
+                </a:r>
+                <a:endParaRPr lang="en-US" b="1" dirty="0">
+                  <a:solidFill>
+                    <a:schemeClr val="accent1"/>
+                  </a:solidFill>
+                  <a:latin typeface="Gill Sans"/>
+                  <a:ea typeface="Gill Sans" charset="0"/>
+                  <a:cs typeface="Gill Sans"/>
+                </a:endParaRPr>
               </a:p>
             </p:txBody>
           </p:sp>
+          <p:graphicFrame>
+            <p:nvGraphicFramePr>
+              <p:cNvPr id="14" name="Content Placeholder 3"/>
+              <p:cNvGraphicFramePr>
+                <a:graphicFrameLocks/>
+              </p:cNvGraphicFramePr>
+              <p:nvPr>
+                <p:extLst>
+                  <p:ext uri="{D42A27DB-BD31-4B8C-83A1-F6EECF244321}">
+                    <p14:modId xmlns:p14="http://schemas.microsoft.com/office/powerpoint/2010/main" val="3533941241"/>
+                  </p:ext>
+                </p:extLst>
+              </p:nvPr>
+            </p:nvGraphicFramePr>
+            <p:xfrm>
+              <a:off x="4966216" y="4295557"/>
+              <a:ext cx="3928326" cy="1463040"/>
+            </p:xfrm>
+            <a:graphic>
+              <a:graphicData uri="http://schemas.openxmlformats.org/drawingml/2006/table">
+                <a:tbl>
+                  <a:tblPr firstRow="1" bandRow="1">
+                    <a:tableStyleId>{5A111915-BE36-4E01-A7E5-04B1672EAD32}</a:tableStyleId>
+                  </a:tblPr>
+                  <a:tblGrid>
+                    <a:gridCol w="746241"/>
+                    <a:gridCol w="865030"/>
+                    <a:gridCol w="1092094"/>
+                    <a:gridCol w="1224961"/>
+                  </a:tblGrid>
+                  <a:tr h="287866">
+                    <a:tc>
+                      <a:txBody>
+                        <a:bodyPr/>
+                        <a:lstStyle/>
+                        <a:p>
+                          <a:pPr algn="l"/>
+                          <a:r>
+                            <a:rPr lang="en-US" sz="1800" b="0" u="none" dirty="0" smtClean="0">
+                              <a:solidFill>
+                                <a:schemeClr val="tx1">
+                                  <a:lumMod val="65000"/>
+                                  <a:lumOff val="35000"/>
+                                </a:schemeClr>
+                              </a:solidFill>
+                              <a:latin typeface="Gill Sans"/>
+                              <a:cs typeface="Gill Sans"/>
+                            </a:rPr>
+                            <a:t>ID</a:t>
+                          </a:r>
+                          <a:endParaRPr lang="en-US" sz="1800" b="0" u="none" dirty="0">
+                            <a:solidFill>
+                              <a:schemeClr val="tx1">
+                                <a:lumMod val="65000"/>
+                                <a:lumOff val="35000"/>
+                              </a:schemeClr>
+                            </a:solidFill>
+                            <a:latin typeface="Gill Sans"/>
+                            <a:cs typeface="Gill Sans"/>
+                          </a:endParaRPr>
+                        </a:p>
+                      </a:txBody>
+                      <a:tcPr>
+                        <a:lnL w="12700" cap="flat" cmpd="sng" algn="ctr">
+                          <a:noFill/>
+                          <a:prstDash val="solid"/>
+                          <a:round/>
+                          <a:headEnd type="none" w="med" len="med"/>
+                          <a:tailEnd type="none" w="med" len="med"/>
+                        </a:lnL>
+                        <a:lnR w="12700" cap="flat" cmpd="sng" algn="ctr">
+                          <a:noFill/>
+                          <a:prstDash val="solid"/>
+                          <a:round/>
+                          <a:headEnd type="none" w="med" len="med"/>
+                          <a:tailEnd type="none" w="med" len="med"/>
+                        </a:lnR>
+                        <a:lnT w="12700" cap="flat" cmpd="sng" algn="ctr">
+                          <a:noFill/>
+                          <a:prstDash val="solid"/>
+                          <a:round/>
+                          <a:headEnd type="none" w="med" len="med"/>
+                          <a:tailEnd type="none" w="med" len="med"/>
+                        </a:lnT>
+                        <a:lnB w="12700" cap="flat" cmpd="sng" algn="ctr">
+                          <a:solidFill>
+                            <a:schemeClr val="tx1"/>
+                          </a:solidFill>
+                          <a:prstDash val="solid"/>
+                          <a:round/>
+                          <a:headEnd type="none" w="med" len="med"/>
+                          <a:tailEnd type="none" w="med" len="med"/>
+                        </a:lnB>
+                        <a:lnTlToBr w="12700" cmpd="sng">
+                          <a:noFill/>
+                          <a:prstDash val="solid"/>
+                        </a:lnTlToBr>
+                        <a:lnBlToTr w="12700" cmpd="sng">
+                          <a:noFill/>
+                          <a:prstDash val="solid"/>
+                        </a:lnBlToTr>
+                        <a:solidFill>
+                          <a:schemeClr val="bg1"/>
+                        </a:solidFill>
+                      </a:tcPr>
+                    </a:tc>
+                    <a:tc>
+                      <a:txBody>
+                        <a:bodyPr/>
+                        <a:lstStyle/>
+                        <a:p>
+                          <a:pPr algn="l"/>
+                          <a:r>
+                            <a:rPr lang="en-US" sz="1800" b="0" u="none" dirty="0" smtClean="0">
+                              <a:solidFill>
+                                <a:schemeClr val="tx1">
+                                  <a:lumMod val="65000"/>
+                                  <a:lumOff val="35000"/>
+                                </a:schemeClr>
+                              </a:solidFill>
+                              <a:latin typeface="Gill Sans"/>
+                              <a:cs typeface="Gill Sans"/>
+                            </a:rPr>
+                            <a:t>tax</a:t>
+                          </a:r>
+                          <a:endParaRPr lang="en-US" sz="1800" b="0" u="none" dirty="0">
+                            <a:solidFill>
+                              <a:schemeClr val="tx1">
+                                <a:lumMod val="65000"/>
+                                <a:lumOff val="35000"/>
+                              </a:schemeClr>
+                            </a:solidFill>
+                            <a:latin typeface="Gill Sans"/>
+                            <a:cs typeface="Gill Sans"/>
+                          </a:endParaRPr>
+                        </a:p>
+                      </a:txBody>
+                      <a:tcPr>
+                        <a:lnL w="12700" cap="flat" cmpd="sng" algn="ctr">
+                          <a:noFill/>
+                          <a:prstDash val="solid"/>
+                          <a:round/>
+                          <a:headEnd type="none" w="med" len="med"/>
+                          <a:tailEnd type="none" w="med" len="med"/>
+                        </a:lnL>
+                        <a:lnR w="12700" cap="flat" cmpd="sng" algn="ctr">
+                          <a:noFill/>
+                          <a:prstDash val="solid"/>
+                          <a:round/>
+                          <a:headEnd type="none" w="med" len="med"/>
+                          <a:tailEnd type="none" w="med" len="med"/>
+                        </a:lnR>
+                        <a:lnT w="12700" cap="flat" cmpd="sng" algn="ctr">
+                          <a:noFill/>
+                          <a:prstDash val="solid"/>
+                          <a:round/>
+                          <a:headEnd type="none" w="med" len="med"/>
+                          <a:tailEnd type="none" w="med" len="med"/>
+                        </a:lnT>
+                        <a:lnB w="12700" cap="flat" cmpd="sng" algn="ctr">
+                          <a:solidFill>
+                            <a:schemeClr val="tx1"/>
+                          </a:solidFill>
+                          <a:prstDash val="solid"/>
+                          <a:round/>
+                          <a:headEnd type="none" w="med" len="med"/>
+                          <a:tailEnd type="none" w="med" len="med"/>
+                        </a:lnB>
+                        <a:lnTlToBr w="12700" cmpd="sng">
+                          <a:noFill/>
+                          <a:prstDash val="solid"/>
+                        </a:lnTlToBr>
+                        <a:lnBlToTr w="12700" cmpd="sng">
+                          <a:noFill/>
+                          <a:prstDash val="solid"/>
+                        </a:lnBlToTr>
+                        <a:solidFill>
+                          <a:schemeClr val="bg1"/>
+                        </a:solidFill>
+                      </a:tcPr>
+                    </a:tc>
+                    <a:tc>
+                      <a:txBody>
+                        <a:bodyPr/>
+                        <a:lstStyle/>
+                        <a:p>
+                          <a:pPr algn="l"/>
+                          <a:r>
+                            <a:rPr lang="en-US" sz="1800" b="0" u="none" dirty="0" smtClean="0">
+                              <a:solidFill>
+                                <a:schemeClr val="tx1">
+                                  <a:lumMod val="65000"/>
+                                  <a:lumOff val="35000"/>
+                                </a:schemeClr>
+                              </a:solidFill>
+                              <a:latin typeface="Gill Sans"/>
+                              <a:cs typeface="Gill Sans"/>
+                            </a:rPr>
+                            <a:t>income</a:t>
+                          </a:r>
+                          <a:endParaRPr lang="en-US" sz="1800" b="0" u="none" dirty="0">
+                            <a:solidFill>
+                              <a:schemeClr val="tx1">
+                                <a:lumMod val="65000"/>
+                                <a:lumOff val="35000"/>
+                              </a:schemeClr>
+                            </a:solidFill>
+                            <a:latin typeface="Gill Sans"/>
+                            <a:cs typeface="Gill Sans"/>
+                          </a:endParaRPr>
+                        </a:p>
+                      </a:txBody>
+                      <a:tcPr>
+                        <a:lnL w="12700" cap="flat" cmpd="sng" algn="ctr">
+                          <a:noFill/>
+                          <a:prstDash val="solid"/>
+                          <a:round/>
+                          <a:headEnd type="none" w="med" len="med"/>
+                          <a:tailEnd type="none" w="med" len="med"/>
+                        </a:lnL>
+                        <a:lnR w="12700" cap="flat" cmpd="sng" algn="ctr">
+                          <a:noFill/>
+                          <a:prstDash val="solid"/>
+                          <a:round/>
+                          <a:headEnd type="none" w="med" len="med"/>
+                          <a:tailEnd type="none" w="med" len="med"/>
+                        </a:lnR>
+                        <a:lnT w="12700" cap="flat" cmpd="sng" algn="ctr">
+                          <a:noFill/>
+                          <a:prstDash val="solid"/>
+                          <a:round/>
+                          <a:headEnd type="none" w="med" len="med"/>
+                          <a:tailEnd type="none" w="med" len="med"/>
+                        </a:lnT>
+                        <a:lnB w="12700" cap="flat" cmpd="sng" algn="ctr">
+                          <a:solidFill>
+                            <a:schemeClr val="tx1"/>
+                          </a:solidFill>
+                          <a:prstDash val="solid"/>
+                          <a:round/>
+                          <a:headEnd type="none" w="med" len="med"/>
+                          <a:tailEnd type="none" w="med" len="med"/>
+                        </a:lnB>
+                        <a:lnTlToBr w="12700" cmpd="sng">
+                          <a:noFill/>
+                          <a:prstDash val="solid"/>
+                        </a:lnTlToBr>
+                        <a:lnBlToTr w="12700" cmpd="sng">
+                          <a:noFill/>
+                          <a:prstDash val="solid"/>
+                        </a:lnBlToTr>
+                        <a:solidFill>
+                          <a:schemeClr val="bg1"/>
+                        </a:solidFill>
+                      </a:tcPr>
+                    </a:tc>
+                    <a:tc>
+                      <a:txBody>
+                        <a:bodyPr/>
+                        <a:lstStyle/>
+                        <a:p>
+                          <a:pPr algn="l"/>
+                          <a:r>
+                            <a:rPr lang="en-US" sz="1800" b="0" u="none" dirty="0" smtClean="0">
+                              <a:solidFill>
+                                <a:schemeClr val="tx1">
+                                  <a:lumMod val="65000"/>
+                                  <a:lumOff val="35000"/>
+                                </a:schemeClr>
+                              </a:solidFill>
+                              <a:latin typeface="Gill Sans"/>
+                              <a:cs typeface="Gill Sans"/>
+                            </a:rPr>
+                            <a:t>pay</a:t>
+                          </a:r>
+                          <a:endParaRPr lang="en-US" sz="1800" b="0" u="none" dirty="0">
+                            <a:solidFill>
+                              <a:schemeClr val="tx1">
+                                <a:lumMod val="65000"/>
+                                <a:lumOff val="35000"/>
+                              </a:schemeClr>
+                            </a:solidFill>
+                            <a:latin typeface="Gill Sans"/>
+                            <a:cs typeface="Gill Sans"/>
+                          </a:endParaRPr>
+                        </a:p>
+                      </a:txBody>
+                      <a:tcPr>
+                        <a:lnL w="12700" cap="flat" cmpd="sng" algn="ctr">
+                          <a:noFill/>
+                          <a:prstDash val="solid"/>
+                          <a:round/>
+                          <a:headEnd type="none" w="med" len="med"/>
+                          <a:tailEnd type="none" w="med" len="med"/>
+                        </a:lnL>
+                        <a:lnR w="12700" cap="flat" cmpd="sng" algn="ctr">
+                          <a:noFill/>
+                          <a:prstDash val="solid"/>
+                          <a:round/>
+                          <a:headEnd type="none" w="med" len="med"/>
+                          <a:tailEnd type="none" w="med" len="med"/>
+                        </a:lnR>
+                        <a:lnT w="12700" cap="flat" cmpd="sng" algn="ctr">
+                          <a:noFill/>
+                          <a:prstDash val="solid"/>
+                          <a:round/>
+                          <a:headEnd type="none" w="med" len="med"/>
+                          <a:tailEnd type="none" w="med" len="med"/>
+                        </a:lnT>
+                        <a:lnB w="12700" cap="flat" cmpd="sng" algn="ctr">
+                          <a:solidFill>
+                            <a:schemeClr val="tx1"/>
+                          </a:solidFill>
+                          <a:prstDash val="solid"/>
+                          <a:round/>
+                          <a:headEnd type="none" w="med" len="med"/>
+                          <a:tailEnd type="none" w="med" len="med"/>
+                        </a:lnB>
+                        <a:lnTlToBr w="12700" cmpd="sng">
+                          <a:noFill/>
+                          <a:prstDash val="solid"/>
+                        </a:lnTlToBr>
+                        <a:lnBlToTr w="12700" cmpd="sng">
+                          <a:noFill/>
+                          <a:prstDash val="solid"/>
+                        </a:lnBlToTr>
+                        <a:solidFill>
+                          <a:schemeClr val="bg1"/>
+                        </a:solidFill>
+                      </a:tcPr>
+                    </a:tc>
+                  </a:tr>
+                  <a:tr h="287866">
+                    <a:tc>
+                      <a:txBody>
+                        <a:bodyPr/>
+                        <a:lstStyle/>
+                        <a:p>
+                          <a:pPr algn="l"/>
+                          <a:r>
+                            <a:rPr lang="en-US" sz="1800" b="0" dirty="0" smtClean="0">
+                              <a:solidFill>
+                                <a:schemeClr val="bg1">
+                                  <a:lumMod val="50000"/>
+                                </a:schemeClr>
+                              </a:solidFill>
+                              <a:latin typeface="Gill Sans"/>
+                              <a:cs typeface="Gill Sans"/>
+                            </a:rPr>
+                            <a:t>t1</a:t>
+                          </a:r>
+                          <a:endParaRPr lang="en-US" sz="1800" b="0" dirty="0">
+                            <a:solidFill>
+                              <a:schemeClr val="bg1">
+                                <a:lumMod val="50000"/>
+                              </a:schemeClr>
+                            </a:solidFill>
+                            <a:latin typeface="Gill Sans"/>
+                            <a:cs typeface="Gill Sans"/>
+                          </a:endParaRPr>
+                        </a:p>
+                      </a:txBody>
+                      <a:tcPr>
+                        <a:lnL w="12700" cap="flat" cmpd="sng" algn="ctr">
+                          <a:noFill/>
+                          <a:prstDash val="solid"/>
+                          <a:round/>
+                          <a:headEnd type="none" w="med" len="med"/>
+                          <a:tailEnd type="none" w="med" len="med"/>
+                        </a:lnL>
+                        <a:lnR w="12700" cap="flat" cmpd="sng" algn="ctr">
+                          <a:noFill/>
+                          <a:prstDash val="solid"/>
+                          <a:round/>
+                          <a:headEnd type="none" w="med" len="med"/>
+                          <a:tailEnd type="none" w="med" len="med"/>
+                        </a:lnR>
+                        <a:lnT w="12700" cap="flat" cmpd="sng" algn="ctr">
+                          <a:solidFill>
+                            <a:schemeClr val="tx1"/>
+                          </a:solidFill>
+                          <a:prstDash val="solid"/>
+                          <a:round/>
+                          <a:headEnd type="none" w="med" len="med"/>
+                          <a:tailEnd type="none" w="med" len="med"/>
+                        </a:lnT>
+                        <a:lnB w="12700" cap="flat" cmpd="sng" algn="ctr">
+                          <a:solidFill>
+                            <a:schemeClr val="tx1"/>
+                          </a:solidFill>
+                          <a:prstDash val="solid"/>
+                          <a:round/>
+                          <a:headEnd type="none" w="med" len="med"/>
+                          <a:tailEnd type="none" w="med" len="med"/>
+                        </a:lnB>
+                        <a:lnTlToBr w="12700" cmpd="sng">
+                          <a:noFill/>
+                          <a:prstDash val="solid"/>
+                        </a:lnTlToBr>
+                        <a:lnBlToTr w="12700" cmpd="sng">
+                          <a:noFill/>
+                          <a:prstDash val="solid"/>
+                        </a:lnBlToTr>
+                      </a:tcPr>
+                    </a:tc>
+                    <a:tc>
+                      <a:txBody>
+                        <a:bodyPr/>
+                        <a:lstStyle/>
+                        <a:p>
+                          <a:pPr algn="l"/>
+                          <a:r>
+                            <a:rPr lang="en-US" altLang="zh-CN" sz="1800" b="1" dirty="0" smtClean="0">
+                              <a:solidFill>
+                                <a:schemeClr val="accent1"/>
+                              </a:solidFill>
+                              <a:latin typeface="Gill Sans"/>
+                              <a:cs typeface="Gill Sans"/>
+                            </a:rPr>
+                            <a:t>1045</a:t>
+                          </a:r>
+                          <a:endParaRPr lang="en-US" sz="1800" b="1" dirty="0">
+                            <a:solidFill>
+                              <a:schemeClr val="accent1"/>
+                            </a:solidFill>
+                            <a:latin typeface="Gill Sans"/>
+                            <a:cs typeface="Gill Sans"/>
+                          </a:endParaRPr>
+                        </a:p>
+                      </a:txBody>
+                      <a:tcPr>
+                        <a:lnL w="12700" cap="flat" cmpd="sng" algn="ctr">
+                          <a:noFill/>
+                          <a:prstDash val="solid"/>
+                          <a:round/>
+                          <a:headEnd type="none" w="med" len="med"/>
+                          <a:tailEnd type="none" w="med" len="med"/>
+                        </a:lnL>
+                        <a:lnR w="12700" cap="flat" cmpd="sng" algn="ctr">
+                          <a:noFill/>
+                          <a:prstDash val="solid"/>
+                          <a:round/>
+                          <a:headEnd type="none" w="med" len="med"/>
+                          <a:tailEnd type="none" w="med" len="med"/>
+                        </a:lnR>
+                        <a:lnT w="12700" cap="flat" cmpd="sng" algn="ctr">
+                          <a:solidFill>
+                            <a:schemeClr val="tx1"/>
+                          </a:solidFill>
+                          <a:prstDash val="solid"/>
+                          <a:round/>
+                          <a:headEnd type="none" w="med" len="med"/>
+                          <a:tailEnd type="none" w="med" len="med"/>
+                        </a:lnT>
+                        <a:lnB w="12700" cap="flat" cmpd="sng" algn="ctr">
+                          <a:solidFill>
+                            <a:schemeClr val="tx1"/>
+                          </a:solidFill>
+                          <a:prstDash val="solid"/>
+                          <a:round/>
+                          <a:headEnd type="none" w="med" len="med"/>
+                          <a:tailEnd type="none" w="med" len="med"/>
+                        </a:lnB>
+                        <a:lnTlToBr w="12700" cmpd="sng">
+                          <a:noFill/>
+                          <a:prstDash val="solid"/>
+                        </a:lnTlToBr>
+                        <a:lnBlToTr w="12700" cmpd="sng">
+                          <a:noFill/>
+                          <a:prstDash val="solid"/>
+                        </a:lnBlToTr>
+                      </a:tcPr>
+                    </a:tc>
+                    <a:tc>
+                      <a:txBody>
+                        <a:bodyPr/>
+                        <a:lstStyle/>
+                        <a:p>
+                          <a:pPr algn="l"/>
+                          <a:r>
+                            <a:rPr lang="en-US" altLang="zh-CN" sz="1800" b="1" dirty="0" smtClean="0">
+                              <a:solidFill>
+                                <a:schemeClr val="accent1"/>
+                              </a:solidFill>
+                              <a:latin typeface="Gill Sans"/>
+                              <a:cs typeface="Gill Sans"/>
+                            </a:rPr>
+                            <a:t>10450</a:t>
+                          </a:r>
+                          <a:endParaRPr lang="en-US" sz="1800" b="1" dirty="0">
+                            <a:solidFill>
+                              <a:schemeClr val="accent1"/>
+                            </a:solidFill>
+                            <a:latin typeface="Gill Sans"/>
+                            <a:cs typeface="Gill Sans"/>
+                          </a:endParaRPr>
+                        </a:p>
+                      </a:txBody>
+                      <a:tcPr>
+                        <a:lnL w="12700" cap="flat" cmpd="sng" algn="ctr">
+                          <a:noFill/>
+                          <a:prstDash val="solid"/>
+                          <a:round/>
+                          <a:headEnd type="none" w="med" len="med"/>
+                          <a:tailEnd type="none" w="med" len="med"/>
+                        </a:lnL>
+                        <a:lnR w="12700" cap="flat" cmpd="sng" algn="ctr">
+                          <a:noFill/>
+                          <a:prstDash val="solid"/>
+                          <a:round/>
+                          <a:headEnd type="none" w="med" len="med"/>
+                          <a:tailEnd type="none" w="med" len="med"/>
+                        </a:lnR>
+                        <a:lnT w="12700" cap="flat" cmpd="sng" algn="ctr">
+                          <a:solidFill>
+                            <a:schemeClr val="tx1"/>
+                          </a:solidFill>
+                          <a:prstDash val="solid"/>
+                          <a:round/>
+                          <a:headEnd type="none" w="med" len="med"/>
+                          <a:tailEnd type="none" w="med" len="med"/>
+                        </a:lnT>
+                        <a:lnB w="12700" cap="flat" cmpd="sng" algn="ctr">
+                          <a:solidFill>
+                            <a:schemeClr val="tx1"/>
+                          </a:solidFill>
+                          <a:prstDash val="solid"/>
+                          <a:round/>
+                          <a:headEnd type="none" w="med" len="med"/>
+                          <a:tailEnd type="none" w="med" len="med"/>
+                        </a:lnB>
+                        <a:lnTlToBr w="12700" cmpd="sng">
+                          <a:noFill/>
+                          <a:prstDash val="solid"/>
+                        </a:lnTlToBr>
+                        <a:lnBlToTr w="12700" cmpd="sng">
+                          <a:noFill/>
+                          <a:prstDash val="solid"/>
+                        </a:lnBlToTr>
+                      </a:tcPr>
+                    </a:tc>
+                    <a:tc>
+                      <a:txBody>
+                        <a:bodyPr/>
+                        <a:lstStyle/>
+                        <a:p>
+                          <a:pPr algn="l"/>
+                          <a:r>
+                            <a:rPr lang="en-US" sz="1800" b="1" dirty="0" smtClean="0">
+                              <a:solidFill>
+                                <a:schemeClr val="accent1"/>
+                              </a:solidFill>
+                              <a:latin typeface="Gill Sans"/>
+                              <a:cs typeface="Gill Sans"/>
+                            </a:rPr>
+                            <a:t>9</a:t>
+                          </a:r>
+                          <a:r>
+                            <a:rPr lang="en-US" altLang="zh-CN" sz="1800" b="1" dirty="0" smtClean="0">
+                              <a:solidFill>
+                                <a:schemeClr val="accent1"/>
+                              </a:solidFill>
+                              <a:latin typeface="Gill Sans"/>
+                              <a:cs typeface="Gill Sans"/>
+                            </a:rPr>
+                            <a:t>405</a:t>
+                          </a:r>
+                          <a:endParaRPr lang="en-US" sz="1800" b="1" dirty="0">
+                            <a:solidFill>
+                              <a:schemeClr val="accent1"/>
+                            </a:solidFill>
+                            <a:latin typeface="Gill Sans"/>
+                            <a:cs typeface="Gill Sans"/>
+                          </a:endParaRPr>
+                        </a:p>
+                      </a:txBody>
+                      <a:tcPr>
+                        <a:lnL w="12700" cap="flat" cmpd="sng" algn="ctr">
+                          <a:noFill/>
+                          <a:prstDash val="solid"/>
+                          <a:round/>
+                          <a:headEnd type="none" w="med" len="med"/>
+                          <a:tailEnd type="none" w="med" len="med"/>
+                        </a:lnL>
+                        <a:lnR w="12700" cap="flat" cmpd="sng" algn="ctr">
+                          <a:noFill/>
+                          <a:prstDash val="solid"/>
+                          <a:round/>
+                          <a:headEnd type="none" w="med" len="med"/>
+                          <a:tailEnd type="none" w="med" len="med"/>
+                        </a:lnR>
+                        <a:lnT w="12700" cap="flat" cmpd="sng" algn="ctr">
+                          <a:solidFill>
+                            <a:schemeClr val="tx1"/>
+                          </a:solidFill>
+                          <a:prstDash val="solid"/>
+                          <a:round/>
+                          <a:headEnd type="none" w="med" len="med"/>
+                          <a:tailEnd type="none" w="med" len="med"/>
+                        </a:lnT>
+                        <a:lnB w="12700" cap="flat" cmpd="sng" algn="ctr">
+                          <a:solidFill>
+                            <a:schemeClr val="tx1"/>
+                          </a:solidFill>
+                          <a:prstDash val="solid"/>
+                          <a:round/>
+                          <a:headEnd type="none" w="med" len="med"/>
+                          <a:tailEnd type="none" w="med" len="med"/>
+                        </a:lnB>
+                        <a:lnTlToBr w="12700" cmpd="sng">
+                          <a:noFill/>
+                          <a:prstDash val="solid"/>
+                        </a:lnTlToBr>
+                        <a:lnBlToTr w="12700" cmpd="sng">
+                          <a:noFill/>
+                          <a:prstDash val="solid"/>
+                        </a:lnBlToTr>
+                      </a:tcPr>
+                    </a:tc>
+                  </a:tr>
+                  <a:tr h="287866">
+                    <a:tc>
+                      <a:txBody>
+                        <a:bodyPr/>
+                        <a:lstStyle/>
+                        <a:p>
+                          <a:pPr algn="l"/>
+                          <a:r>
+                            <a:rPr lang="en-US" sz="1800" b="0" dirty="0" smtClean="0">
+                              <a:solidFill>
+                                <a:schemeClr val="bg1">
+                                  <a:lumMod val="50000"/>
+                                </a:schemeClr>
+                              </a:solidFill>
+                              <a:latin typeface="Gill Sans"/>
+                              <a:cs typeface="Gill Sans"/>
+                            </a:rPr>
+                            <a:t>t2</a:t>
+                          </a:r>
+                          <a:endParaRPr lang="en-US" sz="1800" b="0" dirty="0">
+                            <a:solidFill>
+                              <a:schemeClr val="bg1">
+                                <a:lumMod val="50000"/>
+                              </a:schemeClr>
+                            </a:solidFill>
+                            <a:latin typeface="Gill Sans"/>
+                            <a:cs typeface="Gill Sans"/>
+                          </a:endParaRPr>
+                        </a:p>
+                      </a:txBody>
+                      <a:tcPr>
+                        <a:lnL w="12700" cap="flat" cmpd="sng" algn="ctr">
+                          <a:noFill/>
+                          <a:prstDash val="solid"/>
+                          <a:round/>
+                          <a:headEnd type="none" w="med" len="med"/>
+                          <a:tailEnd type="none" w="med" len="med"/>
+                        </a:lnL>
+                        <a:lnR w="12700" cap="flat" cmpd="sng" algn="ctr">
+                          <a:noFill/>
+                          <a:prstDash val="solid"/>
+                          <a:round/>
+                          <a:headEnd type="none" w="med" len="med"/>
+                          <a:tailEnd type="none" w="med" len="med"/>
+                        </a:lnR>
+                        <a:lnT w="12700" cap="flat" cmpd="sng" algn="ctr">
+                          <a:solidFill>
+                            <a:schemeClr val="tx1"/>
+                          </a:solidFill>
+                          <a:prstDash val="solid"/>
+                          <a:round/>
+                          <a:headEnd type="none" w="med" len="med"/>
+                          <a:tailEnd type="none" w="med" len="med"/>
+                        </a:lnT>
+                        <a:lnB w="12700" cap="flat" cmpd="sng" algn="ctr">
+                          <a:solidFill>
+                            <a:schemeClr val="tx1"/>
+                          </a:solidFill>
+                          <a:prstDash val="solid"/>
+                          <a:round/>
+                          <a:headEnd type="none" w="med" len="med"/>
+                          <a:tailEnd type="none" w="med" len="med"/>
+                        </a:lnB>
+                        <a:lnTlToBr w="12700" cmpd="sng">
+                          <a:noFill/>
+                          <a:prstDash val="solid"/>
+                        </a:lnTlToBr>
+                        <a:lnBlToTr w="12700" cmpd="sng">
+                          <a:noFill/>
+                          <a:prstDash val="solid"/>
+                        </a:lnBlToTr>
+                      </a:tcPr>
+                    </a:tc>
+                    <a:tc>
+                      <a:txBody>
+                        <a:bodyPr/>
+                        <a:lstStyle/>
+                        <a:p>
+                          <a:pPr algn="l"/>
+                          <a:r>
+                            <a:rPr lang="en-US" sz="1800" b="0" dirty="0" smtClean="0">
+                              <a:solidFill>
+                                <a:schemeClr val="bg1">
+                                  <a:lumMod val="50000"/>
+                                </a:schemeClr>
+                              </a:solidFill>
+                              <a:latin typeface="Gill Sans"/>
+                              <a:cs typeface="Gill Sans"/>
+                            </a:rPr>
+                            <a:t>2</a:t>
+                          </a:r>
+                          <a:r>
+                            <a:rPr lang="en-US" altLang="zh-CN" sz="1800" b="0" dirty="0" smtClean="0">
+                              <a:solidFill>
+                                <a:schemeClr val="bg1">
+                                  <a:lumMod val="50000"/>
+                                </a:schemeClr>
+                              </a:solidFill>
+                              <a:latin typeface="Gill Sans"/>
+                              <a:cs typeface="Gill Sans"/>
+                            </a:rPr>
+                            <a:t>2500</a:t>
+                          </a:r>
+                          <a:endParaRPr lang="en-US" sz="1800" b="0" dirty="0">
+                            <a:solidFill>
+                              <a:schemeClr val="bg1">
+                                <a:lumMod val="50000"/>
+                              </a:schemeClr>
+                            </a:solidFill>
+                            <a:latin typeface="Gill Sans"/>
+                            <a:cs typeface="Gill Sans"/>
+                          </a:endParaRPr>
+                        </a:p>
+                      </a:txBody>
+                      <a:tcPr>
+                        <a:lnL w="12700" cap="flat" cmpd="sng" algn="ctr">
+                          <a:noFill/>
+                          <a:prstDash val="solid"/>
+                          <a:round/>
+                          <a:headEnd type="none" w="med" len="med"/>
+                          <a:tailEnd type="none" w="med" len="med"/>
+                        </a:lnL>
+                        <a:lnR w="12700" cap="flat" cmpd="sng" algn="ctr">
+                          <a:noFill/>
+                          <a:prstDash val="solid"/>
+                          <a:round/>
+                          <a:headEnd type="none" w="med" len="med"/>
+                          <a:tailEnd type="none" w="med" len="med"/>
+                        </a:lnR>
+                        <a:lnT w="12700" cap="flat" cmpd="sng" algn="ctr">
+                          <a:solidFill>
+                            <a:schemeClr val="tx1"/>
+                          </a:solidFill>
+                          <a:prstDash val="solid"/>
+                          <a:round/>
+                          <a:headEnd type="none" w="med" len="med"/>
+                          <a:tailEnd type="none" w="med" len="med"/>
+                        </a:lnT>
+                        <a:lnB w="12700" cap="flat" cmpd="sng" algn="ctr">
+                          <a:solidFill>
+                            <a:schemeClr val="tx1"/>
+                          </a:solidFill>
+                          <a:prstDash val="solid"/>
+                          <a:round/>
+                          <a:headEnd type="none" w="med" len="med"/>
+                          <a:tailEnd type="none" w="med" len="med"/>
+                        </a:lnB>
+                        <a:lnTlToBr w="12700" cmpd="sng">
+                          <a:noFill/>
+                          <a:prstDash val="solid"/>
+                        </a:lnTlToBr>
+                        <a:lnBlToTr w="12700" cmpd="sng">
+                          <a:noFill/>
+                          <a:prstDash val="solid"/>
+                        </a:lnBlToTr>
+                      </a:tcPr>
+                    </a:tc>
+                    <a:tc>
+                      <a:txBody>
+                        <a:bodyPr/>
+                        <a:lstStyle/>
+                        <a:p>
+                          <a:pPr algn="l"/>
+                          <a:r>
+                            <a:rPr lang="en-US" sz="1800" b="0" dirty="0" smtClean="0">
+                              <a:solidFill>
+                                <a:schemeClr val="bg1">
+                                  <a:lumMod val="50000"/>
+                                </a:schemeClr>
+                              </a:solidFill>
+                              <a:latin typeface="Gill Sans"/>
+                              <a:cs typeface="Gill Sans"/>
+                            </a:rPr>
+                            <a:t>90000</a:t>
+                          </a:r>
+                          <a:endParaRPr lang="en-US" sz="1800" b="0" dirty="0">
+                            <a:solidFill>
+                              <a:schemeClr val="bg1">
+                                <a:lumMod val="50000"/>
+                              </a:schemeClr>
+                            </a:solidFill>
+                            <a:latin typeface="Gill Sans"/>
+                            <a:cs typeface="Gill Sans"/>
+                          </a:endParaRPr>
+                        </a:p>
+                      </a:txBody>
+                      <a:tcPr>
+                        <a:lnL w="12700" cap="flat" cmpd="sng" algn="ctr">
+                          <a:noFill/>
+                          <a:prstDash val="solid"/>
+                          <a:round/>
+                          <a:headEnd type="none" w="med" len="med"/>
+                          <a:tailEnd type="none" w="med" len="med"/>
+                        </a:lnL>
+                        <a:lnR w="12700" cap="flat" cmpd="sng" algn="ctr">
+                          <a:noFill/>
+                          <a:prstDash val="solid"/>
+                          <a:round/>
+                          <a:headEnd type="none" w="med" len="med"/>
+                          <a:tailEnd type="none" w="med" len="med"/>
+                        </a:lnR>
+                        <a:lnT w="12700" cap="flat" cmpd="sng" algn="ctr">
+                          <a:solidFill>
+                            <a:schemeClr val="tx1"/>
+                          </a:solidFill>
+                          <a:prstDash val="solid"/>
+                          <a:round/>
+                          <a:headEnd type="none" w="med" len="med"/>
+                          <a:tailEnd type="none" w="med" len="med"/>
+                        </a:lnT>
+                        <a:lnB w="12700" cap="flat" cmpd="sng" algn="ctr">
+                          <a:solidFill>
+                            <a:schemeClr val="tx1"/>
+                          </a:solidFill>
+                          <a:prstDash val="solid"/>
+                          <a:round/>
+                          <a:headEnd type="none" w="med" len="med"/>
+                          <a:tailEnd type="none" w="med" len="med"/>
+                        </a:lnB>
+                        <a:lnTlToBr w="12700" cmpd="sng">
+                          <a:noFill/>
+                          <a:prstDash val="solid"/>
+                        </a:lnTlToBr>
+                        <a:lnBlToTr w="12700" cmpd="sng">
+                          <a:noFill/>
+                          <a:prstDash val="solid"/>
+                        </a:lnBlToTr>
+                      </a:tcPr>
+                    </a:tc>
+                    <a:tc>
+                      <a:txBody>
+                        <a:bodyPr/>
+                        <a:lstStyle/>
+                        <a:p>
+                          <a:pPr algn="l"/>
+                          <a:r>
+                            <a:rPr lang="en-US" altLang="zh-CN" sz="1800" dirty="0" smtClean="0">
+                              <a:solidFill>
+                                <a:schemeClr val="bg1">
+                                  <a:lumMod val="50000"/>
+                                </a:schemeClr>
+                              </a:solidFill>
+                              <a:latin typeface="Gill Sans"/>
+                              <a:cs typeface="Gill Sans"/>
+                            </a:rPr>
+                            <a:t>67500</a:t>
+                          </a:r>
+                          <a:endParaRPr lang="en-US" sz="1800" dirty="0">
+                            <a:solidFill>
+                              <a:schemeClr val="bg1">
+                                <a:lumMod val="50000"/>
+                              </a:schemeClr>
+                            </a:solidFill>
+                            <a:latin typeface="Gill Sans"/>
+                            <a:cs typeface="Gill Sans"/>
+                          </a:endParaRPr>
+                        </a:p>
+                      </a:txBody>
+                      <a:tcPr>
+                        <a:lnL w="12700" cap="flat" cmpd="sng" algn="ctr">
+                          <a:noFill/>
+                          <a:prstDash val="solid"/>
+                          <a:round/>
+                          <a:headEnd type="none" w="med" len="med"/>
+                          <a:tailEnd type="none" w="med" len="med"/>
+                        </a:lnL>
+                        <a:lnR w="12700" cap="flat" cmpd="sng" algn="ctr">
+                          <a:noFill/>
+                          <a:prstDash val="solid"/>
+                          <a:round/>
+                          <a:headEnd type="none" w="med" len="med"/>
+                          <a:tailEnd type="none" w="med" len="med"/>
+                        </a:lnR>
+                        <a:lnT w="12700" cap="flat" cmpd="sng" algn="ctr">
+                          <a:solidFill>
+                            <a:schemeClr val="tx1"/>
+                          </a:solidFill>
+                          <a:prstDash val="solid"/>
+                          <a:round/>
+                          <a:headEnd type="none" w="med" len="med"/>
+                          <a:tailEnd type="none" w="med" len="med"/>
+                        </a:lnT>
+                        <a:lnB w="12700" cap="flat" cmpd="sng" algn="ctr">
+                          <a:solidFill>
+                            <a:schemeClr val="tx1"/>
+                          </a:solidFill>
+                          <a:prstDash val="solid"/>
+                          <a:round/>
+                          <a:headEnd type="none" w="med" len="med"/>
+                          <a:tailEnd type="none" w="med" len="med"/>
+                        </a:lnB>
+                        <a:lnTlToBr w="12700" cmpd="sng">
+                          <a:noFill/>
+                          <a:prstDash val="solid"/>
+                        </a:lnTlToBr>
+                        <a:lnBlToTr w="12700" cmpd="sng">
+                          <a:noFill/>
+                          <a:prstDash val="solid"/>
+                        </a:lnBlToTr>
+                      </a:tcPr>
+                    </a:tc>
+                  </a:tr>
+                  <a:tr h="287866">
+                    <a:tc>
+                      <a:txBody>
+                        <a:bodyPr/>
+                        <a:lstStyle/>
+                        <a:p>
+                          <a:pPr algn="l"/>
+                          <a:r>
+                            <a:rPr lang="en-US" sz="1800" b="0" dirty="0" smtClean="0">
+                              <a:solidFill>
+                                <a:schemeClr val="bg1">
+                                  <a:lumMod val="50000"/>
+                                </a:schemeClr>
+                              </a:solidFill>
+                              <a:latin typeface="Gill Sans"/>
+                              <a:cs typeface="Gill Sans"/>
+                            </a:rPr>
+                            <a:t>t3</a:t>
+                          </a:r>
+                          <a:endParaRPr lang="en-US" sz="1800" b="0" dirty="0">
+                            <a:solidFill>
+                              <a:schemeClr val="bg1">
+                                <a:lumMod val="50000"/>
+                              </a:schemeClr>
+                            </a:solidFill>
+                            <a:latin typeface="Gill Sans"/>
+                            <a:cs typeface="Gill Sans"/>
+                          </a:endParaRPr>
+                        </a:p>
+                      </a:txBody>
+                      <a:tcPr>
+                        <a:lnL w="12700" cap="flat" cmpd="sng" algn="ctr">
+                          <a:noFill/>
+                          <a:prstDash val="solid"/>
+                          <a:round/>
+                          <a:headEnd type="none" w="med" len="med"/>
+                          <a:tailEnd type="none" w="med" len="med"/>
+                        </a:lnL>
+                        <a:lnR w="12700" cap="flat" cmpd="sng" algn="ctr">
+                          <a:noFill/>
+                          <a:prstDash val="solid"/>
+                          <a:round/>
+                          <a:headEnd type="none" w="med" len="med"/>
+                          <a:tailEnd type="none" w="med" len="med"/>
+                        </a:lnR>
+                        <a:lnT w="12700" cap="flat" cmpd="sng" algn="ctr">
+                          <a:solidFill>
+                            <a:schemeClr val="tx1"/>
+                          </a:solidFill>
+                          <a:prstDash val="solid"/>
+                          <a:round/>
+                          <a:headEnd type="none" w="med" len="med"/>
+                          <a:tailEnd type="none" w="med" len="med"/>
+                        </a:lnT>
+                        <a:lnB w="12700" cap="flat" cmpd="sng" algn="ctr">
+                          <a:noFill/>
+                          <a:prstDash val="solid"/>
+                          <a:round/>
+                          <a:headEnd type="none" w="med" len="med"/>
+                          <a:tailEnd type="none" w="med" len="med"/>
+                        </a:lnB>
+                        <a:lnTlToBr w="12700" cmpd="sng">
+                          <a:noFill/>
+                          <a:prstDash val="solid"/>
+                        </a:lnTlToBr>
+                        <a:lnBlToTr w="12700" cmpd="sng">
+                          <a:noFill/>
+                          <a:prstDash val="solid"/>
+                        </a:lnBlToTr>
+                      </a:tcPr>
+                    </a:tc>
+                    <a:tc>
+                      <a:txBody>
+                        <a:bodyPr/>
+                        <a:lstStyle/>
+                        <a:p>
+                          <a:pPr algn="l"/>
+                          <a:r>
+                            <a:rPr lang="en-US" sz="1800" b="0" dirty="0" smtClean="0">
+                              <a:solidFill>
+                                <a:srgbClr val="7F7F7F"/>
+                              </a:solidFill>
+                              <a:latin typeface="Gill Sans"/>
+                              <a:cs typeface="Gill Sans"/>
+                            </a:rPr>
+                            <a:t>2</a:t>
+                          </a:r>
+                          <a:r>
+                            <a:rPr lang="en-US" altLang="zh-CN" sz="1800" b="0" dirty="0" smtClean="0">
+                              <a:solidFill>
+                                <a:srgbClr val="7F7F7F"/>
+                              </a:solidFill>
+                              <a:latin typeface="Gill Sans"/>
+                              <a:cs typeface="Gill Sans"/>
+                            </a:rPr>
+                            <a:t>1500</a:t>
+                          </a:r>
+                          <a:endParaRPr lang="en-US" sz="1800" b="0" dirty="0">
+                            <a:solidFill>
+                              <a:srgbClr val="7F7F7F"/>
+                            </a:solidFill>
+                            <a:latin typeface="Gill Sans"/>
+                            <a:cs typeface="Gill Sans"/>
+                          </a:endParaRPr>
+                        </a:p>
+                      </a:txBody>
+                      <a:tcPr>
+                        <a:lnL w="12700" cap="flat" cmpd="sng" algn="ctr">
+                          <a:noFill/>
+                          <a:prstDash val="solid"/>
+                          <a:round/>
+                          <a:headEnd type="none" w="med" len="med"/>
+                          <a:tailEnd type="none" w="med" len="med"/>
+                        </a:lnL>
+                        <a:lnR w="12700" cap="flat" cmpd="sng" algn="ctr">
+                          <a:noFill/>
+                          <a:prstDash val="solid"/>
+                          <a:round/>
+                          <a:headEnd type="none" w="med" len="med"/>
+                          <a:tailEnd type="none" w="med" len="med"/>
+                        </a:lnR>
+                        <a:lnT w="12700" cap="flat" cmpd="sng" algn="ctr">
+                          <a:solidFill>
+                            <a:schemeClr val="tx1"/>
+                          </a:solidFill>
+                          <a:prstDash val="solid"/>
+                          <a:round/>
+                          <a:headEnd type="none" w="med" len="med"/>
+                          <a:tailEnd type="none" w="med" len="med"/>
+                        </a:lnT>
+                        <a:lnB w="12700" cap="flat" cmpd="sng" algn="ctr">
+                          <a:noFill/>
+                          <a:prstDash val="solid"/>
+                          <a:round/>
+                          <a:headEnd type="none" w="med" len="med"/>
+                          <a:tailEnd type="none" w="med" len="med"/>
+                        </a:lnB>
+                        <a:lnTlToBr w="12700" cmpd="sng">
+                          <a:noFill/>
+                          <a:prstDash val="solid"/>
+                        </a:lnTlToBr>
+                        <a:lnBlToTr w="12700" cmpd="sng">
+                          <a:noFill/>
+                          <a:prstDash val="solid"/>
+                        </a:lnBlToTr>
+                      </a:tcPr>
+                    </a:tc>
+                    <a:tc>
+                      <a:txBody>
+                        <a:bodyPr/>
+                        <a:lstStyle/>
+                        <a:p>
+                          <a:pPr algn="l"/>
+                          <a:r>
+                            <a:rPr lang="en-US" sz="1800" kern="1200" dirty="0" smtClean="0">
+                              <a:solidFill>
+                                <a:schemeClr val="bg1">
+                                  <a:lumMod val="50000"/>
+                                </a:schemeClr>
+                              </a:solidFill>
+                              <a:latin typeface="Gill Sans"/>
+                              <a:ea typeface="+mn-ea"/>
+                              <a:cs typeface="Gill Sans"/>
+                            </a:rPr>
+                            <a:t>86000</a:t>
+                          </a:r>
+                          <a:endParaRPr lang="en-US" sz="1800" kern="1200" dirty="0">
+                            <a:solidFill>
+                              <a:schemeClr val="bg1">
+                                <a:lumMod val="50000"/>
+                              </a:schemeClr>
+                            </a:solidFill>
+                            <a:latin typeface="Gill Sans"/>
+                            <a:ea typeface="+mn-ea"/>
+                            <a:cs typeface="Gill Sans"/>
+                          </a:endParaRPr>
+                        </a:p>
+                      </a:txBody>
+                      <a:tcPr>
+                        <a:lnL w="12700" cap="flat" cmpd="sng" algn="ctr">
+                          <a:noFill/>
+                          <a:prstDash val="solid"/>
+                          <a:round/>
+                          <a:headEnd type="none" w="med" len="med"/>
+                          <a:tailEnd type="none" w="med" len="med"/>
+                        </a:lnL>
+                        <a:lnR w="12700" cap="flat" cmpd="sng" algn="ctr">
+                          <a:noFill/>
+                          <a:prstDash val="solid"/>
+                          <a:round/>
+                          <a:headEnd type="none" w="med" len="med"/>
+                          <a:tailEnd type="none" w="med" len="med"/>
+                        </a:lnR>
+                        <a:lnT w="12700" cap="flat" cmpd="sng" algn="ctr">
+                          <a:solidFill>
+                            <a:schemeClr val="tx1"/>
+                          </a:solidFill>
+                          <a:prstDash val="solid"/>
+                          <a:round/>
+                          <a:headEnd type="none" w="med" len="med"/>
+                          <a:tailEnd type="none" w="med" len="med"/>
+                        </a:lnT>
+                        <a:lnB w="12700" cap="flat" cmpd="sng" algn="ctr">
+                          <a:noFill/>
+                          <a:prstDash val="solid"/>
+                          <a:round/>
+                          <a:headEnd type="none" w="med" len="med"/>
+                          <a:tailEnd type="none" w="med" len="med"/>
+                        </a:lnB>
+                        <a:lnTlToBr w="12700" cmpd="sng">
+                          <a:noFill/>
+                          <a:prstDash val="solid"/>
+                        </a:lnTlToBr>
+                        <a:lnBlToTr w="12700" cmpd="sng">
+                          <a:noFill/>
+                          <a:prstDash val="solid"/>
+                        </a:lnBlToTr>
+                      </a:tcPr>
+                    </a:tc>
+                    <a:tc>
+                      <a:txBody>
+                        <a:bodyPr/>
+                        <a:lstStyle/>
+                        <a:p>
+                          <a:pPr algn="l"/>
+                          <a:r>
+                            <a:rPr lang="en-US" altLang="zh-CN" sz="1800" b="0" dirty="0" smtClean="0">
+                              <a:solidFill>
+                                <a:srgbClr val="7F7F7F"/>
+                              </a:solidFill>
+                              <a:latin typeface="Gill Sans"/>
+                              <a:cs typeface="Gill Sans"/>
+                            </a:rPr>
+                            <a:t>64500</a:t>
+                          </a:r>
+                          <a:endParaRPr lang="en-US" sz="1800" b="0" dirty="0">
+                            <a:solidFill>
+                              <a:srgbClr val="7F7F7F"/>
+                            </a:solidFill>
+                            <a:latin typeface="Gill Sans"/>
+                            <a:cs typeface="Gill Sans"/>
+                          </a:endParaRPr>
+                        </a:p>
+                      </a:txBody>
+                      <a:tcPr>
+                        <a:lnL w="12700" cap="flat" cmpd="sng" algn="ctr">
+                          <a:noFill/>
+                          <a:prstDash val="solid"/>
+                          <a:round/>
+                          <a:headEnd type="none" w="med" len="med"/>
+                          <a:tailEnd type="none" w="med" len="med"/>
+                        </a:lnL>
+                        <a:lnR w="12700" cap="flat" cmpd="sng" algn="ctr">
+                          <a:noFill/>
+                          <a:prstDash val="solid"/>
+                          <a:round/>
+                          <a:headEnd type="none" w="med" len="med"/>
+                          <a:tailEnd type="none" w="med" len="med"/>
+                        </a:lnR>
+                        <a:lnT w="12700" cap="flat" cmpd="sng" algn="ctr">
+                          <a:solidFill>
+                            <a:schemeClr val="tx1"/>
+                          </a:solidFill>
+                          <a:prstDash val="solid"/>
+                          <a:round/>
+                          <a:headEnd type="none" w="med" len="med"/>
+                          <a:tailEnd type="none" w="med" len="med"/>
+                        </a:lnT>
+                        <a:lnB w="12700" cap="flat" cmpd="sng" algn="ctr">
+                          <a:noFill/>
+                          <a:prstDash val="solid"/>
+                          <a:round/>
+                          <a:headEnd type="none" w="med" len="med"/>
+                          <a:tailEnd type="none" w="med" len="med"/>
+                        </a:lnB>
+                        <a:lnTlToBr w="12700" cmpd="sng">
+                          <a:noFill/>
+                          <a:prstDash val="solid"/>
+                        </a:lnTlToBr>
+                        <a:lnBlToTr w="12700" cmpd="sng">
+                          <a:noFill/>
+                          <a:prstDash val="solid"/>
+                        </a:lnBlToTr>
+                      </a:tcPr>
+                    </a:tc>
+                  </a:tr>
+                </a:tbl>
+              </a:graphicData>
+            </a:graphic>
+          </p:graphicFrame>
+          <p:grpSp>
+            <p:nvGrpSpPr>
+              <p:cNvPr id="25" name="Group 24"/>
+              <p:cNvGrpSpPr/>
+              <p:nvPr/>
+            </p:nvGrpSpPr>
+            <p:grpSpPr>
+              <a:xfrm>
+                <a:off x="5949563" y="2424231"/>
+                <a:ext cx="1262642" cy="461665"/>
+                <a:chOff x="6005818" y="2424231"/>
+                <a:chExt cx="1262642" cy="461665"/>
+              </a:xfrm>
+            </p:grpSpPr>
+            <p:sp>
+              <p:nvSpPr>
+                <p:cNvPr id="5" name="TextBox 4"/>
+                <p:cNvSpPr txBox="1"/>
+                <p:nvPr/>
+              </p:nvSpPr>
+              <p:spPr>
+                <a:xfrm>
+                  <a:off x="6005818" y="2424231"/>
+                  <a:ext cx="540533" cy="461665"/>
+                </a:xfrm>
+                <a:prstGeom prst="rect">
+                  <a:avLst/>
+                </a:prstGeom>
+                <a:noFill/>
+              </p:spPr>
+              <p:txBody>
+                <a:bodyPr wrap="none" rtlCol="0">
+                  <a:spAutoFit/>
+                </a:bodyPr>
+                <a:lstStyle/>
+                <a:p>
+                  <a:r>
+                    <a:rPr lang="en-US" sz="2400" dirty="0" smtClean="0">
+                      <a:solidFill>
+                        <a:srgbClr val="595959"/>
+                      </a:solidFill>
+                      <a:latin typeface="Gill Sans"/>
+                      <a:cs typeface="Gill Sans"/>
+                    </a:rPr>
+                    <a:t>Q</a:t>
+                  </a:r>
+                  <a:r>
+                    <a:rPr lang="en-US" sz="2400" baseline="-25000" dirty="0" smtClean="0">
+                      <a:solidFill>
+                        <a:srgbClr val="595959"/>
+                      </a:solidFill>
+                      <a:latin typeface="Gill Sans"/>
+                      <a:cs typeface="Gill Sans"/>
+                    </a:rPr>
+                    <a:t>2</a:t>
+                  </a:r>
+                  <a:endParaRPr lang="en-US" sz="2400" dirty="0" smtClean="0">
+                    <a:solidFill>
+                      <a:srgbClr val="595959"/>
+                    </a:solidFill>
+                    <a:latin typeface="Gill Sans"/>
+                    <a:cs typeface="Gill Sans"/>
+                  </a:endParaRPr>
+                </a:p>
+              </p:txBody>
+            </p:sp>
+            <p:sp>
+              <p:nvSpPr>
+                <p:cNvPr id="23" name="TextBox 22"/>
+                <p:cNvSpPr txBox="1"/>
+                <p:nvPr/>
+              </p:nvSpPr>
+              <p:spPr>
+                <a:xfrm>
+                  <a:off x="6553200" y="2470397"/>
+                  <a:ext cx="715260" cy="369332"/>
+                </a:xfrm>
+                <a:prstGeom prst="rect">
+                  <a:avLst/>
+                </a:prstGeom>
+                <a:noFill/>
+              </p:spPr>
+              <p:txBody>
+                <a:bodyPr wrap="none" rtlCol="0">
+                  <a:spAutoFit/>
+                </a:bodyPr>
+                <a:lstStyle/>
+                <a:p>
+                  <a:r>
+                    <a:rPr lang="en-US" dirty="0" smtClean="0">
+                      <a:solidFill>
+                        <a:schemeClr val="bg1">
+                          <a:lumMod val="50000"/>
+                        </a:schemeClr>
+                      </a:solidFill>
+                      <a:latin typeface="Gill Sans"/>
+                      <a:cs typeface="Gill Sans"/>
+                    </a:rPr>
+                    <a:t>.2 sec</a:t>
+                  </a:r>
+                </a:p>
+              </p:txBody>
+            </p:sp>
+          </p:grpSp>
         </p:grpSp>
       </p:grpSp>
       <p:sp>
         <p:nvSpPr>
-          <p:cNvPr id="26" name="Oval 25"/>
+          <p:cNvPr id="20" name="Oval 19"/>
           <p:cNvSpPr/>
           <p:nvPr/>
         </p:nvSpPr>
         <p:spPr>
           <a:xfrm>
-            <a:off x="4305426" y="2113356"/>
-            <a:ext cx="347240" cy="347240"/>
+            <a:off x="4460371" y="1762226"/>
+            <a:ext cx="455182" cy="455182"/>
           </a:xfrm>
           <a:prstGeom prst="ellipse">
             <a:avLst/>
@@ -9648,7 +9723,7 @@
           <a:p>
             <a:pPr algn="ctr"/>
             <a:r>
-              <a:rPr lang="en-US" dirty="0" smtClean="0">
+              <a:rPr lang="en-US" dirty="0">
                 <a:solidFill>
                   <a:schemeClr val="bg1">
                     <a:lumMod val="50000"/>
@@ -9660,19 +9735,29 @@
               </a:rPr>
               <a:t>4</a:t>
             </a:r>
+            <a:endParaRPr lang="en-US" dirty="0" smtClean="0">
+              <a:solidFill>
+                <a:schemeClr val="bg1">
+                  <a:lumMod val="50000"/>
+                </a:schemeClr>
+              </a:solidFill>
+              <a:latin typeface="Gill Sans"/>
+              <a:ea typeface="Times New Roman" charset="0"/>
+              <a:cs typeface="Gill Sans"/>
+            </a:endParaRPr>
           </a:p>
         </p:txBody>
       </p:sp>
       <p:sp>
         <p:nvSpPr>
-          <p:cNvPr id="27" name="Oval 26"/>
+          <p:cNvPr id="21" name="Oval 20"/>
           <p:cNvSpPr/>
           <p:nvPr/>
         </p:nvSpPr>
         <p:spPr>
           <a:xfrm>
-            <a:off x="4305426" y="4853457"/>
-            <a:ext cx="347240" cy="347240"/>
+            <a:off x="4460371" y="4602342"/>
+            <a:ext cx="455182" cy="455182"/>
           </a:xfrm>
           <a:prstGeom prst="ellipse">
             <a:avLst/>
@@ -18909,8 +18994,8 @@
         </p:nvSpPr>
         <p:spPr>
           <a:xfrm>
-            <a:off x="3490356" y="347551"/>
-            <a:ext cx="3057870" cy="372139"/>
+            <a:off x="3628581" y="348340"/>
+            <a:ext cx="3991267" cy="372139"/>
           </a:xfrm>
           <a:prstGeom prst="rect">
             <a:avLst/>
@@ -18946,115 +19031,114 @@
           </a:bodyPr>
           <a:lstStyle/>
           <a:p>
-            <a:pPr algn="ctr"/>
             <a:r>
-              <a:rPr lang="en-US" dirty="0" smtClean="0">
+              <a:rPr lang="en-US" sz="2400" dirty="0" smtClean="0">
                 <a:solidFill>
                   <a:schemeClr val="tx1">
                     <a:lumMod val="65000"/>
                     <a:lumOff val="35000"/>
                   </a:schemeClr>
                 </a:solidFill>
-                <a:latin typeface="Gill Sans"/>
-                <a:ea typeface="Gill Sans" charset="0"/>
-                <a:cs typeface="Gill Sans"/>
+                <a:latin typeface="Alegreya" charset="0"/>
+                <a:ea typeface="Alegreya" charset="0"/>
+                <a:cs typeface="Alegreya" charset="0"/>
               </a:rPr>
               <a:t>CORRUPT</a:t>
             </a:r>
             <a:r>
-              <a:rPr lang="zh-CN" altLang="en-US" dirty="0" smtClean="0">
+              <a:rPr lang="zh-CN" altLang="en-US" sz="2400" dirty="0" smtClean="0">
                 <a:solidFill>
                   <a:schemeClr val="tx1">
                     <a:lumMod val="65000"/>
                     <a:lumOff val="35000"/>
                   </a:schemeClr>
                 </a:solidFill>
-                <a:latin typeface="Gill Sans"/>
-                <a:ea typeface="Gill Sans" charset="0"/>
-                <a:cs typeface="Gill Sans"/>
+                <a:latin typeface="Alegreya" charset="0"/>
+                <a:ea typeface="Alegreya" charset="0"/>
+                <a:cs typeface="Alegreya" charset="0"/>
               </a:rPr>
               <a:t> </a:t>
             </a:r>
             <a:r>
-              <a:rPr lang="en-US" altLang="zh-CN" dirty="0" smtClean="0">
+              <a:rPr lang="en-US" altLang="zh-CN" sz="2400" dirty="0" smtClean="0">
                 <a:solidFill>
                   <a:schemeClr val="tx1">
                     <a:lumMod val="65000"/>
                     <a:lumOff val="35000"/>
                   </a:schemeClr>
                 </a:solidFill>
-                <a:latin typeface="Gill Sans"/>
-                <a:ea typeface="Gill Sans" charset="0"/>
-                <a:cs typeface="Gill Sans"/>
+                <a:latin typeface="Alegreya" charset="0"/>
+                <a:ea typeface="Alegreya" charset="0"/>
+                <a:cs typeface="Alegreya" charset="0"/>
               </a:rPr>
               <a:t>THE</a:t>
             </a:r>
             <a:r>
-              <a:rPr lang="zh-CN" altLang="en-US" dirty="0" smtClean="0">
+              <a:rPr lang="zh-CN" altLang="en-US" sz="2400" dirty="0" smtClean="0">
                 <a:solidFill>
                   <a:schemeClr val="tx1">
                     <a:lumMod val="65000"/>
                     <a:lumOff val="35000"/>
                   </a:schemeClr>
                 </a:solidFill>
-                <a:latin typeface="Gill Sans"/>
-                <a:ea typeface="Gill Sans" charset="0"/>
-                <a:cs typeface="Gill Sans"/>
+                <a:latin typeface="Alegreya" charset="0"/>
+                <a:ea typeface="Alegreya" charset="0"/>
+                <a:cs typeface="Alegreya" charset="0"/>
               </a:rPr>
               <a:t> </a:t>
             </a:r>
             <a:r>
-              <a:rPr lang="en-US" altLang="zh-CN" dirty="0" smtClean="0">
+              <a:rPr lang="en-US" altLang="zh-CN" sz="2400" dirty="0" smtClean="0">
                 <a:solidFill>
                   <a:schemeClr val="tx1">
                     <a:lumMod val="65000"/>
                     <a:lumOff val="35000"/>
                   </a:schemeClr>
                 </a:solidFill>
-                <a:latin typeface="Gill Sans"/>
-                <a:ea typeface="Gill Sans" charset="0"/>
-                <a:cs typeface="Gill Sans"/>
+                <a:latin typeface="Alegreya" charset="0"/>
+                <a:ea typeface="Alegreya" charset="0"/>
+                <a:cs typeface="Alegreya" charset="0"/>
               </a:rPr>
               <a:t>QUERY</a:t>
             </a:r>
             <a:r>
-              <a:rPr lang="zh-CN" altLang="en-US" dirty="0" smtClean="0">
+              <a:rPr lang="zh-CN" altLang="en-US" sz="2400" dirty="0" smtClean="0">
                 <a:solidFill>
                   <a:schemeClr val="tx1">
                     <a:lumMod val="65000"/>
                     <a:lumOff val="35000"/>
                   </a:schemeClr>
                 </a:solidFill>
-                <a:latin typeface="Gill Sans"/>
-                <a:ea typeface="Gill Sans" charset="0"/>
-                <a:cs typeface="Gill Sans"/>
+                <a:latin typeface="Alegreya" charset="0"/>
+                <a:ea typeface="Alegreya" charset="0"/>
+                <a:cs typeface="Alegreya" charset="0"/>
               </a:rPr>
               <a:t> </a:t>
             </a:r>
             <a:r>
-              <a:rPr lang="en-US" altLang="zh-CN" dirty="0" smtClean="0">
+              <a:rPr lang="en-US" altLang="zh-CN" sz="2400" dirty="0" smtClean="0">
                 <a:solidFill>
                   <a:schemeClr val="tx1">
                     <a:lumMod val="65000"/>
                     <a:lumOff val="35000"/>
                   </a:schemeClr>
                 </a:solidFill>
-                <a:latin typeface="Gill Sans"/>
-                <a:ea typeface="Gill Sans" charset="0"/>
-                <a:cs typeface="Gill Sans"/>
+                <a:latin typeface="Alegreya" charset="0"/>
+                <a:ea typeface="Alegreya" charset="0"/>
+                <a:cs typeface="Alegreya" charset="0"/>
               </a:rPr>
               <a:t>LOG</a:t>
             </a:r>
-            <a:endParaRPr lang="en-US" dirty="0" smtClean="0">
+            <a:endParaRPr lang="en-US" sz="2400" dirty="0" smtClean="0">
               <a:solidFill>
                 <a:schemeClr val="tx1">
                   <a:lumMod val="65000"/>
                   <a:lumOff val="35000"/>
                 </a:schemeClr>
               </a:solidFill>
-              <a:latin typeface="Gill Sans"/>
-              <a:ea typeface="Gill Sans" charset="0"/>
-              <a:cs typeface="Gill Sans"/>
+              <a:latin typeface="Alegreya" charset="0"/>
+              <a:ea typeface="Alegreya" charset="0"/>
+              <a:cs typeface="Alegreya" charset="0"/>
             </a:endParaRPr>
           </a:p>
         </p:txBody>
@@ -19067,8 +19151,8 @@
         </p:nvSpPr>
         <p:spPr>
           <a:xfrm>
-            <a:off x="636544" y="349129"/>
-            <a:ext cx="2315237" cy="372139"/>
+            <a:off x="636544" y="348340"/>
+            <a:ext cx="3021949" cy="372139"/>
           </a:xfrm>
           <a:prstGeom prst="rect">
             <a:avLst/>
@@ -19104,87 +19188,58 @@
           </a:bodyPr>
           <a:lstStyle/>
           <a:p>
-            <a:pPr algn="ctr"/>
             <a:r>
-              <a:rPr lang="en-US" dirty="0" smtClean="0">
+              <a:rPr lang="en-US" sz="2400" dirty="0" smtClean="0">
                 <a:solidFill>
                   <a:schemeClr val="tx1">
                     <a:lumMod val="65000"/>
                     <a:lumOff val="35000"/>
                   </a:schemeClr>
                 </a:solidFill>
-                <a:latin typeface="Gill Sans"/>
-                <a:ea typeface="Gill Sans" charset="0"/>
-                <a:cs typeface="Gill Sans"/>
+                <a:latin typeface="Alegreya" charset="0"/>
+                <a:ea typeface="Alegreya" charset="0"/>
+                <a:cs typeface="Alegreya" charset="0"/>
               </a:rPr>
               <a:t>SELECT</a:t>
             </a:r>
             <a:r>
-              <a:rPr lang="zh-CN" altLang="en-US" dirty="0" smtClean="0">
+              <a:rPr lang="zh-CN" altLang="en-US" sz="2400" dirty="0" smtClean="0">
                 <a:solidFill>
                   <a:schemeClr val="tx1">
                     <a:lumMod val="65000"/>
                     <a:lumOff val="35000"/>
                   </a:schemeClr>
                 </a:solidFill>
-                <a:latin typeface="Gill Sans"/>
-                <a:ea typeface="Gill Sans" charset="0"/>
-                <a:cs typeface="Gill Sans"/>
+                <a:latin typeface="Alegreya" charset="0"/>
+                <a:ea typeface="Alegreya" charset="0"/>
+                <a:cs typeface="Alegreya" charset="0"/>
               </a:rPr>
               <a:t> </a:t>
             </a:r>
             <a:r>
-              <a:rPr lang="en-US" altLang="zh-CN" dirty="0" smtClean="0">
+              <a:rPr lang="en-US" altLang="zh-CN" sz="2400" dirty="0" smtClean="0">
                 <a:solidFill>
                   <a:schemeClr val="tx1">
                     <a:lumMod val="65000"/>
                     <a:lumOff val="35000"/>
                   </a:schemeClr>
                 </a:solidFill>
-                <a:latin typeface="Gill Sans"/>
-                <a:ea typeface="Gill Sans" charset="0"/>
-                <a:cs typeface="Gill Sans"/>
-              </a:rPr>
-              <a:t>A</a:t>
-            </a:r>
-            <a:r>
-              <a:rPr lang="zh-CN" altLang="en-US" dirty="0" smtClean="0">
-                <a:solidFill>
-                  <a:schemeClr val="tx1">
-                    <a:lumMod val="65000"/>
-                    <a:lumOff val="35000"/>
-                  </a:schemeClr>
-                </a:solidFill>
-                <a:latin typeface="Gill Sans"/>
-                <a:ea typeface="Gill Sans" charset="0"/>
-                <a:cs typeface="Gill Sans"/>
-              </a:rPr>
-              <a:t> </a:t>
-            </a:r>
-            <a:r>
-              <a:rPr lang="en-US" altLang="zh-CN" dirty="0" smtClean="0">
-                <a:solidFill>
-                  <a:schemeClr val="tx1">
-                    <a:lumMod val="65000"/>
-                    <a:lumOff val="35000"/>
-                  </a:schemeClr>
-                </a:solidFill>
-                <a:latin typeface="Gill Sans"/>
-                <a:ea typeface="Gill Sans" charset="0"/>
-                <a:cs typeface="Gill Sans"/>
+                <a:latin typeface="Alegreya" charset="0"/>
+                <a:ea typeface="Alegreya" charset="0"/>
+                <a:cs typeface="Alegreya" charset="0"/>
               </a:rPr>
               <a:t>DATASET</a:t>
             </a:r>
-            <a:endParaRPr lang="en-US" dirty="0" smtClean="0">
+            <a:endParaRPr lang="en-US" sz="2400" dirty="0" smtClean="0">
               <a:solidFill>
                 <a:schemeClr val="tx1">
                   <a:lumMod val="65000"/>
                   <a:lumOff val="35000"/>
                 </a:schemeClr>
               </a:solidFill>
-              <a:latin typeface="Gill Sans"/>
-              <a:ea typeface="Gill Sans" charset="0"/>
-              <a:cs typeface="Gill Sans"/>
+              <a:latin typeface="Alegreya" charset="0"/>
+              <a:ea typeface="Alegreya" charset="0"/>
+              <a:cs typeface="Alegreya" charset="0"/>
             </a:endParaRPr>
           </a:p>
         </p:txBody>
@@ -19198,14 +19253,14 @@
           <p:nvPr>
             <p:extLst>
               <p:ext uri="{D42A27DB-BD31-4B8C-83A1-F6EECF244321}">
-                <p14:modId xmlns:p14="http://schemas.microsoft.com/office/powerpoint/2010/main" val="3064768155"/>
+                <p14:modId xmlns:p14="http://schemas.microsoft.com/office/powerpoint/2010/main" val="1629628269"/>
               </p:ext>
             </p:extLst>
           </p:nvPr>
         </p:nvGraphicFramePr>
         <p:xfrm>
-          <a:off x="576535" y="3886655"/>
-          <a:ext cx="5971692" cy="1463040"/>
+          <a:off x="576535" y="3610203"/>
+          <a:ext cx="7922597" cy="1463040"/>
         </p:xfrm>
         <a:graphic>
           <a:graphicData uri="http://schemas.openxmlformats.org/drawingml/2006/table">
@@ -19214,10 +19269,10 @@
                 <a:tableStyleId>{5A111915-BE36-4E01-A7E5-04B1672EAD32}</a:tableStyleId>
               </a:tblPr>
               <a:tblGrid>
-                <a:gridCol w="1134407"/>
-                <a:gridCol w="1134407"/>
-                <a:gridCol w="1840737"/>
-                <a:gridCol w="1862141"/>
+                <a:gridCol w="1505009"/>
+                <a:gridCol w="1505009"/>
+                <a:gridCol w="2442091"/>
+                <a:gridCol w="2470488"/>
               </a:tblGrid>
               <a:tr h="287866">
                 <a:tc>
@@ -19225,7 +19280,7 @@
                     <a:bodyPr/>
                     <a:lstStyle/>
                     <a:p>
-                      <a:pPr algn="l"/>
+                      <a:pPr algn="ctr"/>
                       <a:r>
                         <a:rPr lang="en-US" sz="1800" b="1" u="none" dirty="0" smtClean="0">
                           <a:solidFill>
@@ -19515,7 +19570,7 @@
                     <a:bodyPr/>
                     <a:lstStyle/>
                     <a:p>
-                      <a:pPr algn="l"/>
+                      <a:pPr algn="ctr"/>
                       <a:r>
                         <a:rPr lang="en-US" sz="1800" b="0" dirty="0" smtClean="0">
                           <a:solidFill>
@@ -19797,7 +19852,7 @@
                     <a:bodyPr/>
                     <a:lstStyle/>
                     <a:p>
-                      <a:pPr algn="l"/>
+                      <a:pPr algn="ctr"/>
                       <a:r>
                         <a:rPr lang="en-US" sz="1800" b="0" dirty="0" smtClean="0">
                           <a:solidFill>
@@ -20061,7 +20116,7 @@
                     <a:bodyPr/>
                     <a:lstStyle/>
                     <a:p>
-                      <a:pPr algn="l"/>
+                      <a:pPr algn="ctr"/>
                       <a:r>
                         <a:rPr lang="en-US" sz="1800" b="0" dirty="0" smtClean="0">
                           <a:solidFill>
@@ -20321,8 +20376,8 @@
         </p:nvSpPr>
         <p:spPr>
           <a:xfrm>
-            <a:off x="2732969" y="5626033"/>
-            <a:ext cx="3229336" cy="430618"/>
+            <a:off x="576535" y="5265258"/>
+            <a:ext cx="8337393" cy="430618"/>
           </a:xfrm>
           <a:prstGeom prst="roundRect">
             <a:avLst/>
@@ -20383,70 +20438,11 @@
                 <a:ea typeface="Gill Sans" charset="0"/>
                 <a:cs typeface="Gill Sans"/>
               </a:rPr>
-              <a:t>QueryFix</a:t>
+              <a:t>QFix</a:t>
             </a:r>
             <a:endParaRPr lang="en-US" dirty="0" smtClean="0">
               <a:solidFill>
                 <a:schemeClr val="bg1"/>
-              </a:solidFill>
-              <a:latin typeface="Gill Sans"/>
-              <a:ea typeface="Gill Sans" charset="0"/>
-              <a:cs typeface="Gill Sans"/>
-            </a:endParaRPr>
-          </a:p>
-        </p:txBody>
-      </p:sp>
-      <p:sp>
-        <p:nvSpPr>
-          <p:cNvPr id="14" name="Rectangle 13"/>
-          <p:cNvSpPr/>
-          <p:nvPr/>
-        </p:nvSpPr>
-        <p:spPr>
-          <a:xfrm>
-            <a:off x="576535" y="4279470"/>
-            <a:ext cx="5971692" cy="338705"/>
-          </a:xfrm>
-          <a:prstGeom prst="rect">
-            <a:avLst/>
-          </a:prstGeom>
-          <a:noFill/>
-          <a:ln w="38100">
-            <a:solidFill>
-              <a:srgbClr val="FF0000"/>
-            </a:solidFill>
-          </a:ln>
-          <a:effectLst/>
-        </p:spPr>
-        <p:style>
-          <a:lnRef idx="1">
-            <a:schemeClr val="accent1"/>
-          </a:lnRef>
-          <a:fillRef idx="3">
-            <a:schemeClr val="accent1"/>
-          </a:fillRef>
-          <a:effectRef idx="2">
-            <a:schemeClr val="accent1"/>
-          </a:effectRef>
-          <a:fontRef idx="minor">
-            <a:schemeClr val="lt1"/>
-          </a:fontRef>
-        </p:style>
-        <p:txBody>
-          <a:bodyPr rot="0" spcFirstLastPara="0" vertOverflow="overflow" horzOverflow="overflow" vert="horz" wrap="square" lIns="91440" tIns="45720" rIns="91440" bIns="45720" numCol="1" spcCol="0" rtlCol="0" fromWordArt="0" anchor="ctr" anchorCtr="0" forceAA="0" compatLnSpc="1">
-            <a:prstTxWarp prst="textNoShape">
-              <a:avLst/>
-            </a:prstTxWarp>
-            <a:noAutofit/>
-          </a:bodyPr>
-          <a:lstStyle/>
-          <a:p>
-            <a:pPr algn="ctr"/>
-            <a:endParaRPr lang="en-US" dirty="0" smtClean="0">
-              <a:solidFill>
-                <a:schemeClr val="bg1">
-                  <a:lumMod val="50000"/>
-                </a:schemeClr>
               </a:solidFill>
               <a:latin typeface="Gill Sans"/>
               <a:ea typeface="Gill Sans" charset="0"/>
@@ -20463,8 +20459,8 @@
         </p:nvSpPr>
         <p:spPr>
           <a:xfrm>
-            <a:off x="704883" y="3389182"/>
-            <a:ext cx="2919817" cy="369332"/>
+            <a:off x="569540" y="3241929"/>
+            <a:ext cx="3811073" cy="369332"/>
           </a:xfrm>
           <a:prstGeom prst="rect">
             <a:avLst/>
@@ -20572,54 +20568,59 @@
             </a:lvl9pPr>
           </a:lstStyle>
           <a:p>
+            <a:pPr algn="l"/>
             <a:r>
-              <a:rPr lang="en-US" dirty="0" smtClean="0">
+              <a:rPr lang="en-US" sz="2400" dirty="0" smtClean="0">
                 <a:solidFill>
                   <a:schemeClr val="tx1">
                     <a:lumMod val="65000"/>
                     <a:lumOff val="35000"/>
                   </a:schemeClr>
                 </a:solidFill>
-                <a:latin typeface="Gill Sans"/>
-                <a:cs typeface="Gill Sans"/>
+                <a:latin typeface="Alegreya" charset="0"/>
+                <a:ea typeface="Alegreya" charset="0"/>
+                <a:cs typeface="Alegreya" charset="0"/>
               </a:rPr>
               <a:t>CANDIDATE</a:t>
             </a:r>
             <a:r>
-              <a:rPr lang="zh-CN" altLang="en-US" dirty="0" smtClean="0">
+              <a:rPr lang="zh-CN" altLang="en-US" sz="2400" dirty="0" smtClean="0">
                 <a:solidFill>
                   <a:schemeClr val="tx1">
                     <a:lumMod val="65000"/>
                     <a:lumOff val="35000"/>
                   </a:schemeClr>
                 </a:solidFill>
-                <a:latin typeface="Gill Sans"/>
-                <a:cs typeface="Gill Sans"/>
+                <a:latin typeface="Alegreya" charset="0"/>
+                <a:ea typeface="Alegreya" charset="0"/>
+                <a:cs typeface="Alegreya" charset="0"/>
               </a:rPr>
               <a:t> </a:t>
             </a:r>
             <a:r>
-              <a:rPr lang="en-US" altLang="zh-CN" dirty="0" smtClean="0">
+              <a:rPr lang="en-US" altLang="zh-CN" sz="2400" dirty="0" smtClean="0">
                 <a:solidFill>
                   <a:schemeClr val="tx1">
                     <a:lumMod val="65000"/>
                     <a:lumOff val="35000"/>
                   </a:schemeClr>
                 </a:solidFill>
-                <a:latin typeface="Gill Sans"/>
-                <a:cs typeface="Gill Sans"/>
+                <a:latin typeface="Alegreya" charset="0"/>
+                <a:ea typeface="Alegreya" charset="0"/>
+                <a:cs typeface="Alegreya" charset="0"/>
               </a:rPr>
               <a:t>COMPLAINTS</a:t>
             </a:r>
-            <a:endParaRPr lang="en-US" dirty="0">
+            <a:endParaRPr lang="en-US" sz="2400" dirty="0">
               <a:solidFill>
                 <a:schemeClr val="tx1">
                   <a:lumMod val="65000"/>
                   <a:lumOff val="35000"/>
                 </a:schemeClr>
               </a:solidFill>
-              <a:latin typeface="Gill Sans"/>
-              <a:cs typeface="Gill Sans"/>
+              <a:latin typeface="Alegreya" charset="0"/>
+              <a:ea typeface="Alegreya" charset="0"/>
+              <a:cs typeface="Alegreya" charset="0"/>
             </a:endParaRPr>
           </a:p>
         </p:txBody>
@@ -20632,7 +20633,7 @@
         </p:nvGrpSpPr>
         <p:grpSpPr>
           <a:xfrm>
-            <a:off x="636544" y="2027013"/>
+            <a:off x="636544" y="2239669"/>
             <a:ext cx="2315237" cy="372139"/>
             <a:chOff x="5990402" y="716753"/>
             <a:chExt cx="2315237" cy="372139"/>
@@ -20731,148 +20732,6 @@
           </p:spPr>
         </p:pic>
       </p:grpSp>
-      <p:sp>
-        <p:nvSpPr>
-          <p:cNvPr id="41" name="Oval 40"/>
-          <p:cNvSpPr/>
-          <p:nvPr/>
-        </p:nvSpPr>
-        <p:spPr>
-          <a:xfrm>
-            <a:off x="3218645" y="292564"/>
-            <a:ext cx="347240" cy="347240"/>
-          </a:xfrm>
-          <a:prstGeom prst="ellipse">
-            <a:avLst/>
-          </a:prstGeom>
-          <a:solidFill>
-            <a:schemeClr val="bg1"/>
-          </a:solidFill>
-          <a:ln w="38100">
-            <a:solidFill>
-              <a:schemeClr val="bg1">
-                <a:lumMod val="50000"/>
-              </a:schemeClr>
-            </a:solidFill>
-          </a:ln>
-          <a:effectLst/>
-        </p:spPr>
-        <p:style>
-          <a:lnRef idx="1">
-            <a:schemeClr val="accent1"/>
-          </a:lnRef>
-          <a:fillRef idx="3">
-            <a:schemeClr val="accent1"/>
-          </a:fillRef>
-          <a:effectRef idx="2">
-            <a:schemeClr val="accent1"/>
-          </a:effectRef>
-          <a:fontRef idx="minor">
-            <a:schemeClr val="lt1"/>
-          </a:fontRef>
-        </p:style>
-        <p:txBody>
-          <a:bodyPr rot="0" spcFirstLastPara="0" vertOverflow="overflow" horzOverflow="overflow" vert="horz" wrap="square" lIns="91440" tIns="45720" rIns="91440" bIns="45720" numCol="1" spcCol="0" rtlCol="0" fromWordArt="0" anchor="ctr" anchorCtr="0" forceAA="0" compatLnSpc="1">
-            <a:prstTxWarp prst="textNoShape">
-              <a:avLst/>
-            </a:prstTxWarp>
-            <a:noAutofit/>
-          </a:bodyPr>
-          <a:lstStyle/>
-          <a:p>
-            <a:pPr algn="ctr"/>
-            <a:r>
-              <a:rPr lang="en-US" dirty="0">
-                <a:solidFill>
-                  <a:schemeClr val="bg1">
-                    <a:lumMod val="50000"/>
-                  </a:schemeClr>
-                </a:solidFill>
-                <a:latin typeface="Gill Sans"/>
-                <a:ea typeface="Times New Roman" charset="0"/>
-                <a:cs typeface="Gill Sans"/>
-              </a:rPr>
-              <a:t>2</a:t>
-            </a:r>
-            <a:endParaRPr lang="en-US" dirty="0" smtClean="0">
-              <a:solidFill>
-                <a:schemeClr val="bg1">
-                  <a:lumMod val="50000"/>
-                </a:schemeClr>
-              </a:solidFill>
-              <a:latin typeface="Gill Sans"/>
-              <a:ea typeface="Times New Roman" charset="0"/>
-              <a:cs typeface="Gill Sans"/>
-            </a:endParaRPr>
-          </a:p>
-        </p:txBody>
-      </p:sp>
-      <p:sp>
-        <p:nvSpPr>
-          <p:cNvPr id="42" name="Oval 41"/>
-          <p:cNvSpPr/>
-          <p:nvPr/>
-        </p:nvSpPr>
-        <p:spPr>
-          <a:xfrm>
-            <a:off x="332170" y="3389182"/>
-            <a:ext cx="347240" cy="347240"/>
-          </a:xfrm>
-          <a:prstGeom prst="ellipse">
-            <a:avLst/>
-          </a:prstGeom>
-          <a:solidFill>
-            <a:schemeClr val="bg1"/>
-          </a:solidFill>
-          <a:ln w="38100">
-            <a:solidFill>
-              <a:schemeClr val="bg1">
-                <a:lumMod val="50000"/>
-              </a:schemeClr>
-            </a:solidFill>
-          </a:ln>
-          <a:effectLst/>
-        </p:spPr>
-        <p:style>
-          <a:lnRef idx="1">
-            <a:schemeClr val="accent1"/>
-          </a:lnRef>
-          <a:fillRef idx="3">
-            <a:schemeClr val="accent1"/>
-          </a:fillRef>
-          <a:effectRef idx="2">
-            <a:schemeClr val="accent1"/>
-          </a:effectRef>
-          <a:fontRef idx="minor">
-            <a:schemeClr val="lt1"/>
-          </a:fontRef>
-        </p:style>
-        <p:txBody>
-          <a:bodyPr rot="0" spcFirstLastPara="0" vertOverflow="overflow" horzOverflow="overflow" vert="horz" wrap="square" lIns="91440" tIns="45720" rIns="91440" bIns="45720" numCol="1" spcCol="0" rtlCol="0" fromWordArt="0" anchor="ctr" anchorCtr="0" forceAA="0" compatLnSpc="1">
-            <a:prstTxWarp prst="textNoShape">
-              <a:avLst/>
-            </a:prstTxWarp>
-            <a:noAutofit/>
-          </a:bodyPr>
-          <a:lstStyle/>
-          <a:p>
-            <a:pPr algn="ctr"/>
-            <a:r>
-              <a:rPr lang="en-US" dirty="0" smtClean="0">
-                <a:solidFill>
-                  <a:schemeClr val="bg1">
-                    <a:lumMod val="50000"/>
-                  </a:schemeClr>
-                </a:solidFill>
-                <a:latin typeface="Gill Sans"/>
-                <a:ea typeface="Times New Roman" charset="0"/>
-                <a:cs typeface="Gill Sans"/>
-              </a:rPr>
-              <a:t>3</a:t>
-            </a:r>
-          </a:p>
-        </p:txBody>
-      </p:sp>
       <p:sp>
         <p:nvSpPr>
           <p:cNvPr id="45" name="Rectangle 44"/>
@@ -21218,8 +21077,8 @@
         </p:nvSpPr>
         <p:spPr>
           <a:xfrm>
-            <a:off x="332170" y="292564"/>
-            <a:ext cx="347240" cy="347240"/>
+            <a:off x="253221" y="510304"/>
+            <a:ext cx="455182" cy="455182"/>
           </a:xfrm>
           <a:prstGeom prst="ellipse">
             <a:avLst/>
@@ -21753,130 +21612,145 @@
           </a:p>
         </p:txBody>
       </p:sp>
-      <p:sp>
-        <p:nvSpPr>
-          <p:cNvPr id="29" name="Rectangle 28"/>
-          <p:cNvSpPr/>
+      <p:grpSp>
+        <p:nvGrpSpPr>
+          <p:cNvPr id="12" name="Group 11"/>
+          <p:cNvGrpSpPr/>
           <p:nvPr/>
-        </p:nvSpPr>
-        <p:spPr>
+        </p:nvGrpSpPr>
+        <p:grpSpPr>
           <a:xfrm>
-            <a:off x="5136792" y="760070"/>
+            <a:off x="5136792" y="2514248"/>
             <a:ext cx="422353" cy="372139"/>
+            <a:chOff x="5136792" y="760070"/>
+            <a:chExt cx="422353" cy="372139"/>
           </a:xfrm>
-          <a:prstGeom prst="rect">
-            <a:avLst/>
-          </a:prstGeom>
-          <a:solidFill>
-            <a:schemeClr val="bg1"/>
-          </a:solidFill>
-          <a:ln w="38100">
+        </p:grpSpPr>
+        <p:sp>
+          <p:nvSpPr>
+            <p:cNvPr id="29" name="Rectangle 28"/>
+            <p:cNvSpPr/>
+            <p:nvPr/>
+          </p:nvSpPr>
+          <p:spPr>
+            <a:xfrm>
+              <a:off x="5136792" y="760070"/>
+              <a:ext cx="422353" cy="372139"/>
+            </a:xfrm>
+            <a:prstGeom prst="rect">
+              <a:avLst/>
+            </a:prstGeom>
+            <a:solidFill>
+              <a:schemeClr val="bg1"/>
+            </a:solidFill>
+            <a:ln w="38100">
+              <a:solidFill>
+                <a:schemeClr val="bg1">
+                  <a:lumMod val="50000"/>
+                </a:schemeClr>
+              </a:solidFill>
+            </a:ln>
+            <a:effectLst/>
+          </p:spPr>
+          <p:style>
+            <a:lnRef idx="1">
+              <a:schemeClr val="accent1"/>
+            </a:lnRef>
+            <a:fillRef idx="3">
+              <a:schemeClr val="accent1"/>
+            </a:fillRef>
+            <a:effectRef idx="2">
+              <a:schemeClr val="accent1"/>
+            </a:effectRef>
+            <a:fontRef idx="minor">
+              <a:schemeClr val="lt1"/>
+            </a:fontRef>
+          </p:style>
+          <p:txBody>
+            <a:bodyPr rot="0" spcFirstLastPara="0" vertOverflow="overflow" horzOverflow="overflow" vert="horz" wrap="square" lIns="91440" tIns="45720" rIns="91440" bIns="45720" numCol="1" spcCol="0" rtlCol="0" fromWordArt="0" anchor="ctr" anchorCtr="0" forceAA="0" compatLnSpc="1">
+              <a:prstTxWarp prst="textNoShape">
+                <a:avLst/>
+              </a:prstTxWarp>
+              <a:noAutofit/>
+            </a:bodyPr>
+            <a:lstStyle/>
+            <a:p>
+              <a:pPr algn="ctr"/>
+              <a:endParaRPr lang="en-US" dirty="0" smtClean="0">
+                <a:solidFill>
+                  <a:schemeClr val="bg1">
+                    <a:lumMod val="50000"/>
+                  </a:schemeClr>
+                </a:solidFill>
+                <a:latin typeface="Gill Sans"/>
+                <a:ea typeface="Gill Sans" charset="0"/>
+                <a:cs typeface="Gill Sans"/>
+              </a:endParaRPr>
+            </a:p>
+          </p:txBody>
+        </p:sp>
+        <p:sp>
+          <p:nvSpPr>
+            <p:cNvPr id="30" name="Triangle 34"/>
+            <p:cNvSpPr/>
+            <p:nvPr/>
+          </p:nvSpPr>
+          <p:spPr>
+            <a:xfrm rot="10800000">
+              <a:off x="5234729" y="845079"/>
+              <a:ext cx="234035" cy="202121"/>
+            </a:xfrm>
+            <a:prstGeom prst="triangle">
+              <a:avLst/>
+            </a:prstGeom>
             <a:solidFill>
               <a:schemeClr val="bg1">
                 <a:lumMod val="50000"/>
               </a:schemeClr>
             </a:solidFill>
-          </a:ln>
-          <a:effectLst/>
-        </p:spPr>
-        <p:style>
-          <a:lnRef idx="1">
-            <a:schemeClr val="accent1"/>
-          </a:lnRef>
-          <a:fillRef idx="3">
-            <a:schemeClr val="accent1"/>
-          </a:fillRef>
-          <a:effectRef idx="2">
-            <a:schemeClr val="accent1"/>
-          </a:effectRef>
-          <a:fontRef idx="minor">
-            <a:schemeClr val="lt1"/>
-          </a:fontRef>
-        </p:style>
-        <p:txBody>
-          <a:bodyPr rot="0" spcFirstLastPara="0" vertOverflow="overflow" horzOverflow="overflow" vert="horz" wrap="square" lIns="91440" tIns="45720" rIns="91440" bIns="45720" numCol="1" spcCol="0" rtlCol="0" fromWordArt="0" anchor="ctr" anchorCtr="0" forceAA="0" compatLnSpc="1">
-            <a:prstTxWarp prst="textNoShape">
-              <a:avLst/>
-            </a:prstTxWarp>
-            <a:noAutofit/>
-          </a:bodyPr>
-          <a:lstStyle/>
-          <a:p>
-            <a:pPr algn="ctr"/>
-            <a:endParaRPr lang="en-US" dirty="0" smtClean="0">
-              <a:solidFill>
-                <a:schemeClr val="bg1">
-                  <a:lumMod val="50000"/>
-                </a:schemeClr>
-              </a:solidFill>
-              <a:latin typeface="Gill Sans"/>
-              <a:ea typeface="Gill Sans" charset="0"/>
-              <a:cs typeface="Gill Sans"/>
-            </a:endParaRPr>
-          </a:p>
-        </p:txBody>
-      </p:sp>
-      <p:sp>
-        <p:nvSpPr>
-          <p:cNvPr id="30" name="Triangle 34"/>
-          <p:cNvSpPr/>
-          <p:nvPr/>
-        </p:nvSpPr>
-        <p:spPr>
-          <a:xfrm rot="10800000">
-            <a:off x="5234729" y="845079"/>
-            <a:ext cx="234035" cy="202121"/>
-          </a:xfrm>
-          <a:prstGeom prst="triangle">
-            <a:avLst/>
-          </a:prstGeom>
-          <a:solidFill>
-            <a:schemeClr val="bg1">
-              <a:lumMod val="50000"/>
-            </a:schemeClr>
-          </a:solidFill>
-          <a:ln w="38100">
-            <a:noFill/>
-          </a:ln>
-          <a:effectLst/>
-        </p:spPr>
-        <p:style>
-          <a:lnRef idx="1">
-            <a:schemeClr val="accent1"/>
-          </a:lnRef>
-          <a:fillRef idx="3">
-            <a:schemeClr val="accent1"/>
-          </a:fillRef>
-          <a:effectRef idx="2">
-            <a:schemeClr val="accent1"/>
-          </a:effectRef>
-          <a:fontRef idx="minor">
-            <a:schemeClr val="lt1"/>
-          </a:fontRef>
-        </p:style>
-        <p:txBody>
-          <a:bodyPr rot="0" spcFirstLastPara="0" vertOverflow="overflow" horzOverflow="overflow" vert="horz" wrap="square" lIns="91440" tIns="45720" rIns="91440" bIns="45720" numCol="1" spcCol="0" rtlCol="0" fromWordArt="0" anchor="ctr" anchorCtr="0" forceAA="0" compatLnSpc="1">
-            <a:prstTxWarp prst="textNoShape">
-              <a:avLst/>
-            </a:prstTxWarp>
-            <a:noAutofit/>
-          </a:bodyPr>
-          <a:lstStyle/>
-          <a:p>
-            <a:pPr algn="ctr"/>
-            <a:endParaRPr lang="en-US" dirty="0" smtClean="0">
-              <a:solidFill>
-                <a:schemeClr val="bg1">
-                  <a:lumMod val="50000"/>
-                </a:schemeClr>
-              </a:solidFill>
-              <a:latin typeface="Gill Sans"/>
-              <a:ea typeface="Gill Sans" charset="0"/>
-              <a:cs typeface="Gill Sans"/>
-            </a:endParaRPr>
-          </a:p>
-        </p:txBody>
-      </p:sp>
+            <a:ln w="38100">
+              <a:noFill/>
+            </a:ln>
+            <a:effectLst/>
+          </p:spPr>
+          <p:style>
+            <a:lnRef idx="1">
+              <a:schemeClr val="accent1"/>
+            </a:lnRef>
+            <a:fillRef idx="3">
+              <a:schemeClr val="accent1"/>
+            </a:fillRef>
+            <a:effectRef idx="2">
+              <a:schemeClr val="accent1"/>
+            </a:effectRef>
+            <a:fontRef idx="minor">
+              <a:schemeClr val="lt1"/>
+            </a:fontRef>
+          </p:style>
+          <p:txBody>
+            <a:bodyPr rot="0" spcFirstLastPara="0" vertOverflow="overflow" horzOverflow="overflow" vert="horz" wrap="square" lIns="91440" tIns="45720" rIns="91440" bIns="45720" numCol="1" spcCol="0" rtlCol="0" fromWordArt="0" anchor="ctr" anchorCtr="0" forceAA="0" compatLnSpc="1">
+              <a:prstTxWarp prst="textNoShape">
+                <a:avLst/>
+              </a:prstTxWarp>
+              <a:noAutofit/>
+            </a:bodyPr>
+            <a:lstStyle/>
+            <a:p>
+              <a:pPr algn="ctr"/>
+              <a:endParaRPr lang="en-US" dirty="0" smtClean="0">
+                <a:solidFill>
+                  <a:schemeClr val="bg1">
+                    <a:lumMod val="50000"/>
+                  </a:schemeClr>
+                </a:solidFill>
+                <a:latin typeface="Gill Sans"/>
+                <a:ea typeface="Gill Sans" charset="0"/>
+                <a:cs typeface="Gill Sans"/>
+              </a:endParaRPr>
+            </a:p>
+          </p:txBody>
+        </p:sp>
+      </p:grpSp>
       <p:grpSp>
         <p:nvGrpSpPr>
           <p:cNvPr id="11" name="Group 10"/>
@@ -21885,7 +21759,7 @@
         </p:nvGrpSpPr>
         <p:grpSpPr>
           <a:xfrm>
-            <a:off x="5136792" y="2511765"/>
+            <a:off x="5136792" y="754068"/>
             <a:ext cx="422353" cy="372139"/>
             <a:chOff x="5725077" y="2445537"/>
             <a:chExt cx="411854" cy="372139"/>
@@ -22089,13 +21963,13 @@
         </p:nvSpPr>
         <p:spPr>
           <a:xfrm>
-            <a:off x="5962305" y="748839"/>
-            <a:ext cx="2952360" cy="1424764"/>
+            <a:off x="5761554" y="748839"/>
+            <a:ext cx="3308017" cy="1424764"/>
           </a:xfrm>
           <a:prstGeom prst="wedgeRoundRectCallout">
             <a:avLst>
-              <a:gd name="adj1" fmla="val -91938"/>
-              <a:gd name="adj2" fmla="val -6017"/>
+              <a:gd name="adj1" fmla="val -76862"/>
+              <a:gd name="adj2" fmla="val -7510"/>
               <a:gd name="adj3" fmla="val 16667"/>
             </a:avLst>
           </a:prstGeom>
@@ -22134,6 +22008,18 @@
           </a:bodyPr>
           <a:lstStyle/>
           <a:p>
+            <a:endParaRPr lang="en-US" dirty="0" smtClean="0">
+              <a:solidFill>
+                <a:schemeClr val="bg1">
+                  <a:lumMod val="50000"/>
+                </a:schemeClr>
+              </a:solidFill>
+              <a:latin typeface="Gill Sans"/>
+              <a:ea typeface="Gill Sans" charset="0"/>
+              <a:cs typeface="Gill Sans"/>
+            </a:endParaRPr>
+          </a:p>
+          <a:p>
             <a:r>
               <a:rPr lang="en-US" dirty="0" smtClean="0">
                 <a:solidFill>
@@ -22145,7 +22031,20 @@
                 <a:ea typeface="Gill Sans" charset="0"/>
                 <a:cs typeface="Gill Sans"/>
               </a:rPr>
-              <a:t>UPDATE 	T</a:t>
+              <a:t>UPDATE </a:t>
+            </a:r>
+            <a:r>
+              <a:rPr lang="en-US" dirty="0" smtClean="0">
+                <a:solidFill>
+                  <a:schemeClr val="bg1">
+                    <a:lumMod val="50000"/>
+                  </a:schemeClr>
+                </a:solidFill>
+                <a:latin typeface="Gill Sans"/>
+                <a:ea typeface="Gill Sans" charset="0"/>
+                <a:cs typeface="Gill Sans"/>
+              </a:rPr>
+              <a:t>	T</a:t>
             </a:r>
             <a:r>
               <a:rPr lang="zh-CN" altLang="en-US" dirty="0" smtClean="0">
@@ -22160,19 +22059,16 @@
               </a:rPr>
               <a:t>  </a:t>
             </a:r>
-            <a:r>
-              <a:rPr lang="en-US" dirty="0" smtClean="0">
-                <a:solidFill>
-                  <a:schemeClr val="bg1">
-                    <a:lumMod val="50000"/>
-                  </a:schemeClr>
-                </a:solidFill>
-                <a:latin typeface="Gill Sans"/>
-                <a:ea typeface="Gill Sans" charset="0"/>
-                <a:cs typeface="Gill Sans"/>
-              </a:rPr>
-              <a:t>SET </a:t>
-            </a:r>
+            <a:endParaRPr lang="en-US" altLang="zh-CN" dirty="0" smtClean="0">
+              <a:solidFill>
+                <a:schemeClr val="bg1">
+                  <a:lumMod val="50000"/>
+                </a:schemeClr>
+              </a:solidFill>
+              <a:latin typeface="Gill Sans"/>
+              <a:ea typeface="Gill Sans" charset="0"/>
+              <a:cs typeface="Gill Sans"/>
+            </a:endParaRPr>
           </a:p>
           <a:p>
             <a:r>
@@ -22186,7 +22082,20 @@
                 <a:ea typeface="Gill Sans" charset="0"/>
                 <a:cs typeface="Gill Sans"/>
               </a:rPr>
-              <a:t>income =  income + 950 </a:t>
+              <a:t>SET	      	income += </a:t>
+            </a:r>
+            <a:r>
+              <a:rPr lang="en-US" dirty="0" smtClean="0">
+                <a:solidFill>
+                  <a:schemeClr val="bg1">
+                    <a:lumMod val="50000"/>
+                  </a:schemeClr>
+                </a:solidFill>
+                <a:latin typeface="Gill Sans"/>
+                <a:ea typeface="Gill Sans" charset="0"/>
+                <a:cs typeface="Gill Sans"/>
+              </a:rPr>
+              <a:t>950 </a:t>
             </a:r>
             <a:endParaRPr lang="en-US" strike="sngStrike" dirty="0" smtClean="0">
               <a:solidFill>
@@ -22213,8 +22122,6 @@
               </a:rPr>
               <a:t> WHERE </a:t>
             </a:r>
-          </a:p>
-          <a:p>
             <a:r>
               <a:rPr lang="en-US" dirty="0" smtClean="0">
                 <a:solidFill>
@@ -22226,7 +22133,7 @@
                 <a:ea typeface="Gill Sans" charset="0"/>
                 <a:cs typeface="Gill Sans"/>
               </a:rPr>
-              <a:t>income </a:t>
+              <a:t>	income </a:t>
             </a:r>
             <a:r>
               <a:rPr lang="zh-CN" altLang="zh-CN" dirty="0" smtClean="0">
@@ -22323,7 +22230,7 @@
         <p:spPr>
           <a:xfrm>
             <a:off x="5962305" y="2394651"/>
-            <a:ext cx="1984029" cy="430618"/>
+            <a:ext cx="2952360" cy="430618"/>
           </a:xfrm>
           <a:prstGeom prst="roundRect">
             <a:avLst/>
@@ -22373,7 +22280,7 @@
                 <a:ea typeface="Gill Sans" charset="0"/>
                 <a:cs typeface="Gill Sans"/>
               </a:rPr>
-              <a:t>Radom</a:t>
+              <a:t>Generate Random</a:t>
             </a:r>
             <a:r>
               <a:rPr lang="zh-CN" altLang="en-US" dirty="0" smtClean="0">
@@ -22408,217 +22315,30 @@
           </a:p>
         </p:txBody>
       </p:sp>
-      <p:sp>
-        <p:nvSpPr>
-          <p:cNvPr id="46" name="Rectangle 45"/>
-          <p:cNvSpPr/>
-          <p:nvPr/>
-        </p:nvSpPr>
-        <p:spPr>
-          <a:xfrm>
-            <a:off x="6546753" y="4279470"/>
-            <a:ext cx="422354" cy="698086"/>
-          </a:xfrm>
-          <a:prstGeom prst="rect">
-            <a:avLst/>
-          </a:prstGeom>
-          <a:solidFill>
-            <a:schemeClr val="bg1"/>
-          </a:solidFill>
-          <a:ln w="38100">
-            <a:solidFill>
-              <a:schemeClr val="bg1">
-                <a:lumMod val="50000"/>
-              </a:schemeClr>
-            </a:solidFill>
-          </a:ln>
-          <a:effectLst/>
-        </p:spPr>
-        <p:style>
-          <a:lnRef idx="1">
-            <a:schemeClr val="accent1"/>
-          </a:lnRef>
-          <a:fillRef idx="3">
-            <a:schemeClr val="accent1"/>
-          </a:fillRef>
-          <a:effectRef idx="2">
-            <a:schemeClr val="accent1"/>
-          </a:effectRef>
-          <a:fontRef idx="minor">
-            <a:schemeClr val="lt1"/>
-          </a:fontRef>
-        </p:style>
-        <p:txBody>
-          <a:bodyPr rot="0" spcFirstLastPara="0" vertOverflow="overflow" horzOverflow="overflow" vert="horz" wrap="square" lIns="91440" tIns="45720" rIns="91440" bIns="45720" numCol="1" spcCol="0" rtlCol="0" fromWordArt="0" anchor="ctr" anchorCtr="0" forceAA="0" compatLnSpc="1">
-            <a:prstTxWarp prst="textNoShape">
-              <a:avLst/>
-            </a:prstTxWarp>
-            <a:noAutofit/>
-          </a:bodyPr>
-          <a:lstStyle/>
-          <a:p>
-            <a:pPr algn="ctr"/>
-            <a:endParaRPr lang="en-US" dirty="0" smtClean="0">
-              <a:solidFill>
-                <a:schemeClr val="bg1">
-                  <a:lumMod val="50000"/>
-                </a:schemeClr>
-              </a:solidFill>
-              <a:latin typeface="Gill Sans"/>
-              <a:ea typeface="Gill Sans" charset="0"/>
-              <a:cs typeface="Gill Sans"/>
-            </a:endParaRPr>
-          </a:p>
-        </p:txBody>
-      </p:sp>
-      <p:sp>
-        <p:nvSpPr>
-          <p:cNvPr id="47" name="Rectangle 46"/>
-          <p:cNvSpPr/>
-          <p:nvPr/>
-        </p:nvSpPr>
-        <p:spPr>
-          <a:xfrm>
-            <a:off x="6546753" y="3907331"/>
-            <a:ext cx="422354" cy="372139"/>
-          </a:xfrm>
-          <a:prstGeom prst="rect">
-            <a:avLst/>
-          </a:prstGeom>
-          <a:solidFill>
-            <a:schemeClr val="bg1"/>
-          </a:solidFill>
-          <a:ln w="38100">
-            <a:solidFill>
-              <a:schemeClr val="bg1">
-                <a:lumMod val="50000"/>
-              </a:schemeClr>
-            </a:solidFill>
-          </a:ln>
-          <a:effectLst/>
-        </p:spPr>
-        <p:style>
-          <a:lnRef idx="1">
-            <a:schemeClr val="accent1"/>
-          </a:lnRef>
-          <a:fillRef idx="3">
-            <a:schemeClr val="accent1"/>
-          </a:fillRef>
-          <a:effectRef idx="2">
-            <a:schemeClr val="accent1"/>
-          </a:effectRef>
-          <a:fontRef idx="minor">
-            <a:schemeClr val="lt1"/>
-          </a:fontRef>
-        </p:style>
-        <p:txBody>
-          <a:bodyPr rot="0" spcFirstLastPara="0" vertOverflow="overflow" horzOverflow="overflow" vert="horz" wrap="square" lIns="91440" tIns="45720" rIns="91440" bIns="45720" numCol="1" spcCol="0" rtlCol="0" fromWordArt="0" anchor="ctr" anchorCtr="0" forceAA="0" compatLnSpc="1">
-            <a:prstTxWarp prst="textNoShape">
-              <a:avLst/>
-            </a:prstTxWarp>
-            <a:noAutofit/>
-          </a:bodyPr>
-          <a:lstStyle/>
-          <a:p>
-            <a:pPr algn="ctr"/>
-            <a:endParaRPr lang="en-US" dirty="0" smtClean="0">
-              <a:solidFill>
-                <a:schemeClr val="bg1">
-                  <a:lumMod val="50000"/>
-                </a:schemeClr>
-              </a:solidFill>
-              <a:latin typeface="Gill Sans"/>
-              <a:ea typeface="Gill Sans" charset="0"/>
-              <a:cs typeface="Gill Sans"/>
-            </a:endParaRPr>
-          </a:p>
-        </p:txBody>
-      </p:sp>
-      <p:sp>
-        <p:nvSpPr>
-          <p:cNvPr id="49" name="Triangle 34"/>
-          <p:cNvSpPr/>
-          <p:nvPr/>
-        </p:nvSpPr>
-        <p:spPr>
-          <a:xfrm rot="10800000">
-            <a:off x="6644691" y="3992340"/>
-            <a:ext cx="234035" cy="202121"/>
-          </a:xfrm>
-          <a:prstGeom prst="triangle">
-            <a:avLst/>
-          </a:prstGeom>
-          <a:solidFill>
-            <a:schemeClr val="bg1">
-              <a:lumMod val="50000"/>
-            </a:schemeClr>
-          </a:solidFill>
-          <a:ln w="38100">
-            <a:noFill/>
-          </a:ln>
-          <a:effectLst/>
-        </p:spPr>
-        <p:style>
-          <a:lnRef idx="1">
-            <a:schemeClr val="accent1"/>
-          </a:lnRef>
-          <a:fillRef idx="3">
-            <a:schemeClr val="accent1"/>
-          </a:fillRef>
-          <a:effectRef idx="2">
-            <a:schemeClr val="accent1"/>
-          </a:effectRef>
-          <a:fontRef idx="minor">
-            <a:schemeClr val="lt1"/>
-          </a:fontRef>
-        </p:style>
-        <p:txBody>
-          <a:bodyPr rot="0" spcFirstLastPara="0" vertOverflow="overflow" horzOverflow="overflow" vert="horz" wrap="square" lIns="91440" tIns="45720" rIns="91440" bIns="45720" numCol="1" spcCol="0" rtlCol="0" fromWordArt="0" anchor="ctr" anchorCtr="0" forceAA="0" compatLnSpc="1">
-            <a:prstTxWarp prst="textNoShape">
-              <a:avLst/>
-            </a:prstTxWarp>
-            <a:noAutofit/>
-          </a:bodyPr>
-          <a:lstStyle/>
-          <a:p>
-            <a:pPr algn="ctr"/>
-            <a:endParaRPr lang="en-US" dirty="0" smtClean="0">
-              <a:solidFill>
-                <a:schemeClr val="bg1">
-                  <a:lumMod val="50000"/>
-                </a:schemeClr>
-              </a:solidFill>
-              <a:latin typeface="Gill Sans"/>
-              <a:ea typeface="Gill Sans" charset="0"/>
-              <a:cs typeface="Gill Sans"/>
-            </a:endParaRPr>
-          </a:p>
-        </p:txBody>
-      </p:sp>
       <p:grpSp>
         <p:nvGrpSpPr>
-          <p:cNvPr id="50" name="Group 49"/>
+          <p:cNvPr id="16" name="Group 15"/>
           <p:cNvGrpSpPr/>
           <p:nvPr/>
         </p:nvGrpSpPr>
         <p:grpSpPr>
           <a:xfrm>
-            <a:off x="6546753" y="4977556"/>
-            <a:ext cx="422354" cy="372139"/>
-            <a:chOff x="5725077" y="2445537"/>
-            <a:chExt cx="411854" cy="372139"/>
+            <a:off x="8491574" y="3620836"/>
+            <a:ext cx="423091" cy="1451258"/>
+            <a:chOff x="6546016" y="3902691"/>
+            <a:chExt cx="423091" cy="1451258"/>
           </a:xfrm>
         </p:grpSpPr>
         <p:sp>
           <p:nvSpPr>
-            <p:cNvPr id="51" name="Rectangle 50"/>
+            <p:cNvPr id="46" name="Rectangle 45"/>
             <p:cNvSpPr/>
             <p:nvPr/>
           </p:nvSpPr>
           <p:spPr>
-            <a:xfrm rot="10800000">
-              <a:off x="5725077" y="2445537"/>
-              <a:ext cx="411854" cy="372139"/>
+            <a:xfrm>
+              <a:off x="6546753" y="4279470"/>
+              <a:ext cx="422354" cy="698086"/>
             </a:xfrm>
             <a:prstGeom prst="rect">
               <a:avLst/>
@@ -22672,18 +22392,296 @@
             </a:p>
           </p:txBody>
         </p:sp>
+        <p:grpSp>
+          <p:nvGrpSpPr>
+            <p:cNvPr id="13" name="Group 12"/>
+            <p:cNvGrpSpPr/>
+            <p:nvPr/>
+          </p:nvGrpSpPr>
+          <p:grpSpPr>
+            <a:xfrm>
+              <a:off x="6546016" y="4981810"/>
+              <a:ext cx="422354" cy="372139"/>
+              <a:chOff x="6546753" y="3917964"/>
+              <a:chExt cx="422354" cy="372139"/>
+            </a:xfrm>
+          </p:grpSpPr>
+          <p:sp>
+            <p:nvSpPr>
+              <p:cNvPr id="47" name="Rectangle 46"/>
+              <p:cNvSpPr/>
+              <p:nvPr/>
+            </p:nvSpPr>
+            <p:spPr>
+              <a:xfrm>
+                <a:off x="6546753" y="3917964"/>
+                <a:ext cx="422354" cy="372139"/>
+              </a:xfrm>
+              <a:prstGeom prst="rect">
+                <a:avLst/>
+              </a:prstGeom>
+              <a:solidFill>
+                <a:schemeClr val="bg1"/>
+              </a:solidFill>
+              <a:ln w="38100">
+                <a:solidFill>
+                  <a:schemeClr val="bg1">
+                    <a:lumMod val="50000"/>
+                  </a:schemeClr>
+                </a:solidFill>
+              </a:ln>
+              <a:effectLst/>
+            </p:spPr>
+            <p:style>
+              <a:lnRef idx="1">
+                <a:schemeClr val="accent1"/>
+              </a:lnRef>
+              <a:fillRef idx="3">
+                <a:schemeClr val="accent1"/>
+              </a:fillRef>
+              <a:effectRef idx="2">
+                <a:schemeClr val="accent1"/>
+              </a:effectRef>
+              <a:fontRef idx="minor">
+                <a:schemeClr val="lt1"/>
+              </a:fontRef>
+            </p:style>
+            <p:txBody>
+              <a:bodyPr rot="0" spcFirstLastPara="0" vertOverflow="overflow" horzOverflow="overflow" vert="horz" wrap="square" lIns="91440" tIns="45720" rIns="91440" bIns="45720" numCol="1" spcCol="0" rtlCol="0" fromWordArt="0" anchor="ctr" anchorCtr="0" forceAA="0" compatLnSpc="1">
+                <a:prstTxWarp prst="textNoShape">
+                  <a:avLst/>
+                </a:prstTxWarp>
+                <a:noAutofit/>
+              </a:bodyPr>
+              <a:lstStyle/>
+              <a:p>
+                <a:pPr algn="ctr"/>
+                <a:endParaRPr lang="en-US" dirty="0" smtClean="0">
+                  <a:solidFill>
+                    <a:schemeClr val="bg1">
+                      <a:lumMod val="50000"/>
+                    </a:schemeClr>
+                  </a:solidFill>
+                  <a:latin typeface="Gill Sans"/>
+                  <a:ea typeface="Gill Sans" charset="0"/>
+                  <a:cs typeface="Gill Sans"/>
+                </a:endParaRPr>
+              </a:p>
+            </p:txBody>
+          </p:sp>
+          <p:sp>
+            <p:nvSpPr>
+              <p:cNvPr id="49" name="Triangle 34"/>
+              <p:cNvSpPr/>
+              <p:nvPr/>
+            </p:nvSpPr>
+            <p:spPr>
+              <a:xfrm rot="10800000">
+                <a:off x="6644691" y="3992340"/>
+                <a:ext cx="234035" cy="202121"/>
+              </a:xfrm>
+              <a:prstGeom prst="triangle">
+                <a:avLst/>
+              </a:prstGeom>
+              <a:solidFill>
+                <a:schemeClr val="bg1">
+                  <a:lumMod val="50000"/>
+                </a:schemeClr>
+              </a:solidFill>
+              <a:ln w="38100">
+                <a:noFill/>
+              </a:ln>
+              <a:effectLst/>
+            </p:spPr>
+            <p:style>
+              <a:lnRef idx="1">
+                <a:schemeClr val="accent1"/>
+              </a:lnRef>
+              <a:fillRef idx="3">
+                <a:schemeClr val="accent1"/>
+              </a:fillRef>
+              <a:effectRef idx="2">
+                <a:schemeClr val="accent1"/>
+              </a:effectRef>
+              <a:fontRef idx="minor">
+                <a:schemeClr val="lt1"/>
+              </a:fontRef>
+            </p:style>
+            <p:txBody>
+              <a:bodyPr rot="0" spcFirstLastPara="0" vertOverflow="overflow" horzOverflow="overflow" vert="horz" wrap="square" lIns="91440" tIns="45720" rIns="91440" bIns="45720" numCol="1" spcCol="0" rtlCol="0" fromWordArt="0" anchor="ctr" anchorCtr="0" forceAA="0" compatLnSpc="1">
+                <a:prstTxWarp prst="textNoShape">
+                  <a:avLst/>
+                </a:prstTxWarp>
+                <a:noAutofit/>
+              </a:bodyPr>
+              <a:lstStyle/>
+              <a:p>
+                <a:pPr algn="ctr"/>
+                <a:endParaRPr lang="en-US" dirty="0" smtClean="0">
+                  <a:solidFill>
+                    <a:schemeClr val="bg1">
+                      <a:lumMod val="50000"/>
+                    </a:schemeClr>
+                  </a:solidFill>
+                  <a:latin typeface="Gill Sans"/>
+                  <a:ea typeface="Gill Sans" charset="0"/>
+                  <a:cs typeface="Gill Sans"/>
+                </a:endParaRPr>
+              </a:p>
+            </p:txBody>
+          </p:sp>
+        </p:grpSp>
+        <p:grpSp>
+          <p:nvGrpSpPr>
+            <p:cNvPr id="50" name="Group 49"/>
+            <p:cNvGrpSpPr/>
+            <p:nvPr/>
+          </p:nvGrpSpPr>
+          <p:grpSpPr>
+            <a:xfrm>
+              <a:off x="6546753" y="3902691"/>
+              <a:ext cx="422354" cy="372139"/>
+              <a:chOff x="5725077" y="2445537"/>
+              <a:chExt cx="411854" cy="372139"/>
+            </a:xfrm>
+          </p:grpSpPr>
+          <p:sp>
+            <p:nvSpPr>
+              <p:cNvPr id="51" name="Rectangle 50"/>
+              <p:cNvSpPr/>
+              <p:nvPr/>
+            </p:nvSpPr>
+            <p:spPr>
+              <a:xfrm rot="10800000">
+                <a:off x="5725077" y="2445537"/>
+                <a:ext cx="411854" cy="372139"/>
+              </a:xfrm>
+              <a:prstGeom prst="rect">
+                <a:avLst/>
+              </a:prstGeom>
+              <a:solidFill>
+                <a:schemeClr val="bg1"/>
+              </a:solidFill>
+              <a:ln w="38100">
+                <a:solidFill>
+                  <a:schemeClr val="bg1">
+                    <a:lumMod val="50000"/>
+                  </a:schemeClr>
+                </a:solidFill>
+              </a:ln>
+              <a:effectLst/>
+            </p:spPr>
+            <p:style>
+              <a:lnRef idx="1">
+                <a:schemeClr val="accent1"/>
+              </a:lnRef>
+              <a:fillRef idx="3">
+                <a:schemeClr val="accent1"/>
+              </a:fillRef>
+              <a:effectRef idx="2">
+                <a:schemeClr val="accent1"/>
+              </a:effectRef>
+              <a:fontRef idx="minor">
+                <a:schemeClr val="lt1"/>
+              </a:fontRef>
+            </p:style>
+            <p:txBody>
+              <a:bodyPr rot="0" spcFirstLastPara="0" vertOverflow="overflow" horzOverflow="overflow" vert="horz" wrap="square" lIns="91440" tIns="45720" rIns="91440" bIns="45720" numCol="1" spcCol="0" rtlCol="0" fromWordArt="0" anchor="ctr" anchorCtr="0" forceAA="0" compatLnSpc="1">
+                <a:prstTxWarp prst="textNoShape">
+                  <a:avLst/>
+                </a:prstTxWarp>
+                <a:noAutofit/>
+              </a:bodyPr>
+              <a:lstStyle/>
+              <a:p>
+                <a:pPr algn="ctr"/>
+                <a:endParaRPr lang="en-US" dirty="0" smtClean="0">
+                  <a:solidFill>
+                    <a:schemeClr val="bg1">
+                      <a:lumMod val="50000"/>
+                    </a:schemeClr>
+                  </a:solidFill>
+                  <a:latin typeface="Gill Sans"/>
+                  <a:ea typeface="Gill Sans" charset="0"/>
+                  <a:cs typeface="Gill Sans"/>
+                </a:endParaRPr>
+              </a:p>
+            </p:txBody>
+          </p:sp>
+          <p:sp>
+            <p:nvSpPr>
+              <p:cNvPr id="52" name="Triangle 34"/>
+              <p:cNvSpPr/>
+              <p:nvPr/>
+            </p:nvSpPr>
+            <p:spPr>
+              <a:xfrm>
+                <a:off x="5813987" y="2530546"/>
+                <a:ext cx="234035" cy="202121"/>
+              </a:xfrm>
+              <a:prstGeom prst="triangle">
+                <a:avLst/>
+              </a:prstGeom>
+              <a:solidFill>
+                <a:schemeClr val="bg1">
+                  <a:lumMod val="50000"/>
+                </a:schemeClr>
+              </a:solidFill>
+              <a:ln w="38100">
+                <a:noFill/>
+              </a:ln>
+              <a:effectLst/>
+            </p:spPr>
+            <p:style>
+              <a:lnRef idx="1">
+                <a:schemeClr val="accent1"/>
+              </a:lnRef>
+              <a:fillRef idx="3">
+                <a:schemeClr val="accent1"/>
+              </a:fillRef>
+              <a:effectRef idx="2">
+                <a:schemeClr val="accent1"/>
+              </a:effectRef>
+              <a:fontRef idx="minor">
+                <a:schemeClr val="lt1"/>
+              </a:fontRef>
+            </p:style>
+            <p:txBody>
+              <a:bodyPr rot="0" spcFirstLastPara="0" vertOverflow="overflow" horzOverflow="overflow" vert="horz" wrap="square" lIns="91440" tIns="45720" rIns="91440" bIns="45720" numCol="1" spcCol="0" rtlCol="0" fromWordArt="0" anchor="ctr" anchorCtr="0" forceAA="0" compatLnSpc="1">
+                <a:prstTxWarp prst="textNoShape">
+                  <a:avLst/>
+                </a:prstTxWarp>
+                <a:noAutofit/>
+              </a:bodyPr>
+              <a:lstStyle/>
+              <a:p>
+                <a:pPr algn="ctr"/>
+                <a:endParaRPr lang="en-US" dirty="0" smtClean="0">
+                  <a:solidFill>
+                    <a:schemeClr val="bg1">
+                      <a:lumMod val="50000"/>
+                    </a:schemeClr>
+                  </a:solidFill>
+                  <a:latin typeface="Gill Sans"/>
+                  <a:ea typeface="Gill Sans" charset="0"/>
+                  <a:cs typeface="Gill Sans"/>
+                </a:endParaRPr>
+              </a:p>
+            </p:txBody>
+          </p:sp>
+        </p:grpSp>
         <p:sp>
           <p:nvSpPr>
-            <p:cNvPr id="52" name="Triangle 34"/>
+            <p:cNvPr id="53" name="Rectangle 52"/>
             <p:cNvSpPr/>
             <p:nvPr/>
           </p:nvSpPr>
           <p:spPr>
             <a:xfrm>
-              <a:off x="5813987" y="2530546"/>
-              <a:ext cx="234035" cy="202121"/>
+              <a:off x="6548227" y="4310015"/>
+              <a:ext cx="420880" cy="308160"/>
             </a:xfrm>
-            <a:prstGeom prst="triangle">
+            <a:prstGeom prst="rect">
               <a:avLst/>
             </a:prstGeom>
             <a:solidFill>
@@ -22692,7 +22690,11 @@
               </a:schemeClr>
             </a:solidFill>
             <a:ln w="38100">
-              <a:noFill/>
+              <a:solidFill>
+                <a:schemeClr val="bg1">
+                  <a:lumMod val="50000"/>
+                </a:schemeClr>
+              </a:solidFill>
             </a:ln>
             <a:effectLst/>
           </p:spPr>
@@ -22736,23 +22738,19 @@
       </p:grpSp>
       <p:sp>
         <p:nvSpPr>
-          <p:cNvPr id="53" name="Rectangle 52"/>
+          <p:cNvPr id="54" name="Rectangle 53"/>
           <p:cNvSpPr/>
           <p:nvPr/>
         </p:nvSpPr>
         <p:spPr>
           <a:xfrm>
-            <a:off x="6548227" y="4310015"/>
-            <a:ext cx="420880" cy="308160"/>
+            <a:off x="569541" y="3630879"/>
+            <a:ext cx="7921296" cy="1442364"/>
           </a:xfrm>
           <a:prstGeom prst="rect">
             <a:avLst/>
           </a:prstGeom>
-          <a:solidFill>
-            <a:schemeClr val="bg1">
-              <a:lumMod val="50000"/>
-            </a:schemeClr>
-          </a:solidFill>
+          <a:noFill/>
           <a:ln w="38100">
             <a:solidFill>
               <a:schemeClr val="bg1">
@@ -22801,14 +22799,156 @@
       </p:sp>
       <p:sp>
         <p:nvSpPr>
-          <p:cNvPr id="54" name="Rectangle 53"/>
+          <p:cNvPr id="41" name="Oval 40"/>
           <p:cNvSpPr/>
           <p:nvPr/>
         </p:nvSpPr>
         <p:spPr>
           <a:xfrm>
-            <a:off x="569541" y="3907331"/>
-            <a:ext cx="5977212" cy="1442364"/>
+            <a:off x="3315673" y="505885"/>
+            <a:ext cx="455182" cy="455182"/>
+          </a:xfrm>
+          <a:prstGeom prst="ellipse">
+            <a:avLst/>
+          </a:prstGeom>
+          <a:solidFill>
+            <a:schemeClr val="bg1"/>
+          </a:solidFill>
+          <a:ln w="38100">
+            <a:solidFill>
+              <a:schemeClr val="bg1">
+                <a:lumMod val="50000"/>
+              </a:schemeClr>
+            </a:solidFill>
+          </a:ln>
+          <a:effectLst/>
+        </p:spPr>
+        <p:style>
+          <a:lnRef idx="1">
+            <a:schemeClr val="accent1"/>
+          </a:lnRef>
+          <a:fillRef idx="3">
+            <a:schemeClr val="accent1"/>
+          </a:fillRef>
+          <a:effectRef idx="2">
+            <a:schemeClr val="accent1"/>
+          </a:effectRef>
+          <a:fontRef idx="minor">
+            <a:schemeClr val="lt1"/>
+          </a:fontRef>
+        </p:style>
+        <p:txBody>
+          <a:bodyPr rot="0" spcFirstLastPara="0" vertOverflow="overflow" horzOverflow="overflow" vert="horz" wrap="square" lIns="91440" tIns="45720" rIns="91440" bIns="45720" numCol="1" spcCol="0" rtlCol="0" fromWordArt="0" anchor="ctr" anchorCtr="0" forceAA="0" compatLnSpc="1">
+            <a:prstTxWarp prst="textNoShape">
+              <a:avLst/>
+            </a:prstTxWarp>
+            <a:noAutofit/>
+          </a:bodyPr>
+          <a:lstStyle/>
+          <a:p>
+            <a:pPr algn="ctr"/>
+            <a:r>
+              <a:rPr lang="en-US" dirty="0">
+                <a:solidFill>
+                  <a:schemeClr val="bg1">
+                    <a:lumMod val="50000"/>
+                  </a:schemeClr>
+                </a:solidFill>
+                <a:latin typeface="Gill Sans"/>
+                <a:ea typeface="Times New Roman" charset="0"/>
+                <a:cs typeface="Gill Sans"/>
+              </a:rPr>
+              <a:t>2</a:t>
+            </a:r>
+            <a:endParaRPr lang="en-US" dirty="0" smtClean="0">
+              <a:solidFill>
+                <a:schemeClr val="bg1">
+                  <a:lumMod val="50000"/>
+                </a:schemeClr>
+              </a:solidFill>
+              <a:latin typeface="Gill Sans"/>
+              <a:ea typeface="Times New Roman" charset="0"/>
+              <a:cs typeface="Gill Sans"/>
+            </a:endParaRPr>
+          </a:p>
+        </p:txBody>
+      </p:sp>
+      <p:sp>
+        <p:nvSpPr>
+          <p:cNvPr id="42" name="Oval 41"/>
+          <p:cNvSpPr/>
+          <p:nvPr/>
+        </p:nvSpPr>
+        <p:spPr>
+          <a:xfrm>
+            <a:off x="253221" y="3420360"/>
+            <a:ext cx="455182" cy="455182"/>
+          </a:xfrm>
+          <a:prstGeom prst="ellipse">
+            <a:avLst/>
+          </a:prstGeom>
+          <a:solidFill>
+            <a:schemeClr val="bg1"/>
+          </a:solidFill>
+          <a:ln w="38100">
+            <a:solidFill>
+              <a:schemeClr val="bg1">
+                <a:lumMod val="50000"/>
+              </a:schemeClr>
+            </a:solidFill>
+          </a:ln>
+          <a:effectLst/>
+        </p:spPr>
+        <p:style>
+          <a:lnRef idx="1">
+            <a:schemeClr val="accent1"/>
+          </a:lnRef>
+          <a:fillRef idx="3">
+            <a:schemeClr val="accent1"/>
+          </a:fillRef>
+          <a:effectRef idx="2">
+            <a:schemeClr val="accent1"/>
+          </a:effectRef>
+          <a:fontRef idx="minor">
+            <a:schemeClr val="lt1"/>
+          </a:fontRef>
+        </p:style>
+        <p:txBody>
+          <a:bodyPr rot="0" spcFirstLastPara="0" vertOverflow="overflow" horzOverflow="overflow" vert="horz" wrap="square" lIns="91440" tIns="45720" rIns="91440" bIns="45720" numCol="1" spcCol="0" rtlCol="0" fromWordArt="0" anchor="ctr" anchorCtr="0" forceAA="0" compatLnSpc="1">
+            <a:prstTxWarp prst="textNoShape">
+              <a:avLst/>
+            </a:prstTxWarp>
+            <a:noAutofit/>
+          </a:bodyPr>
+          <a:lstStyle/>
+          <a:p>
+            <a:pPr algn="ctr"/>
+            <a:r>
+              <a:rPr lang="en-US" dirty="0" smtClean="0">
+                <a:solidFill>
+                  <a:schemeClr val="bg1">
+                    <a:lumMod val="50000"/>
+                  </a:schemeClr>
+                </a:solidFill>
+                <a:latin typeface="Gill Sans"/>
+                <a:ea typeface="Times New Roman" charset="0"/>
+                <a:cs typeface="Gill Sans"/>
+              </a:rPr>
+              <a:t>3</a:t>
+            </a:r>
+          </a:p>
+        </p:txBody>
+      </p:sp>
+      <p:sp>
+        <p:nvSpPr>
+          <p:cNvPr id="14" name="Rectangle 13"/>
+          <p:cNvSpPr/>
+          <p:nvPr/>
+        </p:nvSpPr>
+        <p:spPr>
+          <a:xfrm>
+            <a:off x="576535" y="4003018"/>
+            <a:ext cx="7914302" cy="338705"/>
           </a:xfrm>
           <a:prstGeom prst="rect">
             <a:avLst/>
@@ -22816,9 +22956,7 @@
           <a:noFill/>
           <a:ln w="38100">
             <a:solidFill>
-              <a:schemeClr val="bg1">
-                <a:lumMod val="50000"/>
-              </a:schemeClr>
+              <a:srgbClr val="FF0000"/>
             </a:solidFill>
           </a:ln>
           <a:effectLst/>

--- a/docs/sigmod16demo/figures/figs.pptx
+++ b/docs/sigmod16demo/figures/figs.pptx
@@ -5794,6 +5794,60 @@
           <a:chExt cx="0" cy="0"/>
         </a:xfrm>
       </p:grpSpPr>
+      <p:sp>
+        <p:nvSpPr>
+          <p:cNvPr id="26" name="Rectangle 25"/>
+          <p:cNvSpPr/>
+          <p:nvPr/>
+        </p:nvSpPr>
+        <p:spPr>
+          <a:xfrm>
+            <a:off x="159488" y="340246"/>
+            <a:ext cx="8984512" cy="5943600"/>
+          </a:xfrm>
+          <a:prstGeom prst="rect">
+            <a:avLst/>
+          </a:prstGeom>
+          <a:solidFill>
+            <a:schemeClr val="bg1"/>
+          </a:solidFill>
+          <a:ln w="38100">
+            <a:noFill/>
+          </a:ln>
+          <a:effectLst/>
+        </p:spPr>
+        <p:style>
+          <a:lnRef idx="1">
+            <a:schemeClr val="accent1"/>
+          </a:lnRef>
+          <a:fillRef idx="3">
+            <a:schemeClr val="accent1"/>
+          </a:fillRef>
+          <a:effectRef idx="2">
+            <a:schemeClr val="accent1"/>
+          </a:effectRef>
+          <a:fontRef idx="minor">
+            <a:schemeClr val="lt1"/>
+          </a:fontRef>
+        </p:style>
+        <p:txBody>
+          <a:bodyPr rtlCol="0" anchor="ctr"/>
+          <a:lstStyle/>
+          <a:p>
+            <a:pPr algn="ctr"/>
+            <a:endParaRPr lang="en-US" dirty="0" smtClean="0">
+              <a:solidFill>
+                <a:schemeClr val="bg1">
+                  <a:lumMod val="50000"/>
+                </a:schemeClr>
+              </a:solidFill>
+              <a:latin typeface="Gill Sans" charset="0"/>
+              <a:ea typeface="Gill Sans" charset="0"/>
+              <a:cs typeface="Gill Sans" charset="0"/>
+            </a:endParaRPr>
+          </a:p>
+        </p:txBody>
+      </p:sp>
       <p:grpSp>
         <p:nvGrpSpPr>
           <p:cNvPr id="2" name="Group 1"/>
@@ -5969,20 +6023,7 @@
                   <a:ea typeface="Gill Sans" charset="0"/>
                   <a:cs typeface="Gill Sans"/>
                 </a:rPr>
-                <a:t>income += </a:t>
-              </a:r>
-              <a:r>
-                <a:rPr lang="en-US" dirty="0" smtClean="0">
-                  <a:solidFill>
-                    <a:schemeClr val="bg1">
-                      <a:lumMod val="50000"/>
-                    </a:schemeClr>
-                  </a:solidFill>
-                  <a:latin typeface="Gill Sans"/>
-                  <a:ea typeface="Gill Sans" charset="0"/>
-                  <a:cs typeface="Gill Sans"/>
-                </a:rPr>
-                <a:t>950 </a:t>
+                <a:t>income += 950 </a:t>
               </a:r>
               <a:endParaRPr lang="en-US" strike="sngStrike" dirty="0">
                 <a:solidFill>
@@ -7979,31 +8020,7 @@
                       <a:latin typeface="Gill Sans"/>
                       <a:cs typeface="Gill Sans"/>
                     </a:rPr>
-                    <a:t>10</a:t>
-                  </a:r>
-                  <a:r>
-                    <a:rPr lang="en-US" dirty="0" smtClean="0">
-                      <a:solidFill>
-                        <a:schemeClr val="bg1">
-                          <a:lumMod val="50000"/>
-                        </a:schemeClr>
-                      </a:solidFill>
-                      <a:latin typeface="Gill Sans"/>
-                      <a:cs typeface="Gill Sans"/>
-                    </a:rPr>
-                    <a:t> </a:t>
-                  </a:r>
-                  <a:r>
-                    <a:rPr lang="en-US" dirty="0" smtClean="0">
-                      <a:solidFill>
-                        <a:schemeClr val="bg1">
-                          <a:lumMod val="50000"/>
-                        </a:schemeClr>
-                      </a:solidFill>
-                      <a:latin typeface="Gill Sans"/>
-                      <a:cs typeface="Gill Sans"/>
-                    </a:rPr>
-                    <a:t>sec</a:t>
+                    <a:t>10 sec</a:t>
                   </a:r>
                 </a:p>
               </p:txBody>
@@ -18988,6 +19005,60 @@
       </p:grpSpPr>
       <p:sp>
         <p:nvSpPr>
+          <p:cNvPr id="18" name="Rectangle 17"/>
+          <p:cNvSpPr/>
+          <p:nvPr/>
+        </p:nvSpPr>
+        <p:spPr>
+          <a:xfrm>
+            <a:off x="159488" y="95693"/>
+            <a:ext cx="8984512" cy="5943600"/>
+          </a:xfrm>
+          <a:prstGeom prst="rect">
+            <a:avLst/>
+          </a:prstGeom>
+          <a:solidFill>
+            <a:schemeClr val="bg1"/>
+          </a:solidFill>
+          <a:ln w="38100">
+            <a:noFill/>
+          </a:ln>
+          <a:effectLst/>
+        </p:spPr>
+        <p:style>
+          <a:lnRef idx="1">
+            <a:schemeClr val="accent1"/>
+          </a:lnRef>
+          <a:fillRef idx="3">
+            <a:schemeClr val="accent1"/>
+          </a:fillRef>
+          <a:effectRef idx="2">
+            <a:schemeClr val="accent1"/>
+          </a:effectRef>
+          <a:fontRef idx="minor">
+            <a:schemeClr val="lt1"/>
+          </a:fontRef>
+        </p:style>
+        <p:txBody>
+          <a:bodyPr rtlCol="0" anchor="ctr"/>
+          <a:lstStyle/>
+          <a:p>
+            <a:pPr algn="ctr"/>
+            <a:endParaRPr lang="en-US" dirty="0" smtClean="0">
+              <a:solidFill>
+                <a:schemeClr val="bg1">
+                  <a:lumMod val="50000"/>
+                </a:schemeClr>
+              </a:solidFill>
+              <a:latin typeface="Gill Sans" charset="0"/>
+              <a:ea typeface="Gill Sans" charset="0"/>
+              <a:cs typeface="Gill Sans" charset="0"/>
+            </a:endParaRPr>
+          </a:p>
+        </p:txBody>
+      </p:sp>
+      <p:sp>
+        <p:nvSpPr>
           <p:cNvPr id="27" name="Rectangle 26"/>
           <p:cNvSpPr/>
           <p:nvPr/>
@@ -22031,20 +22102,7 @@
                 <a:ea typeface="Gill Sans" charset="0"/>
                 <a:cs typeface="Gill Sans"/>
               </a:rPr>
-              <a:t>UPDATE </a:t>
-            </a:r>
-            <a:r>
-              <a:rPr lang="en-US" dirty="0" smtClean="0">
-                <a:solidFill>
-                  <a:schemeClr val="bg1">
-                    <a:lumMod val="50000"/>
-                  </a:schemeClr>
-                </a:solidFill>
-                <a:latin typeface="Gill Sans"/>
-                <a:ea typeface="Gill Sans" charset="0"/>
-                <a:cs typeface="Gill Sans"/>
-              </a:rPr>
-              <a:t>	T</a:t>
+              <a:t>UPDATE 	T</a:t>
             </a:r>
             <a:r>
               <a:rPr lang="zh-CN" altLang="en-US" dirty="0" smtClean="0">
@@ -22082,20 +22140,7 @@
                 <a:ea typeface="Gill Sans" charset="0"/>
                 <a:cs typeface="Gill Sans"/>
               </a:rPr>
-              <a:t>SET	      	income += </a:t>
-            </a:r>
-            <a:r>
-              <a:rPr lang="en-US" dirty="0" smtClean="0">
-                <a:solidFill>
-                  <a:schemeClr val="bg1">
-                    <a:lumMod val="50000"/>
-                  </a:schemeClr>
-                </a:solidFill>
-                <a:latin typeface="Gill Sans"/>
-                <a:ea typeface="Gill Sans" charset="0"/>
-                <a:cs typeface="Gill Sans"/>
-              </a:rPr>
-              <a:t>950 </a:t>
+              <a:t>SET	      	income += 950 </a:t>
             </a:r>
             <a:endParaRPr lang="en-US" strike="sngStrike" dirty="0" smtClean="0">
               <a:solidFill>
@@ -22120,20 +22165,7 @@
                 <a:ea typeface="Gill Sans" charset="0"/>
                 <a:cs typeface="Gill Sans"/>
               </a:rPr>
-              <a:t> WHERE </a:t>
-            </a:r>
-            <a:r>
-              <a:rPr lang="en-US" dirty="0" smtClean="0">
-                <a:solidFill>
-                  <a:schemeClr val="bg1">
-                    <a:lumMod val="50000"/>
-                  </a:schemeClr>
-                </a:solidFill>
-                <a:latin typeface="Gill Sans"/>
-                <a:ea typeface="Gill Sans" charset="0"/>
-                <a:cs typeface="Gill Sans"/>
-              </a:rPr>
-              <a:t>	income </a:t>
+              <a:t> WHERE 	income </a:t>
             </a:r>
             <a:r>
               <a:rPr lang="zh-CN" altLang="zh-CN" dirty="0" smtClean="0">
